--- a/Offline/TeacherRecruitment/TeacherProfiles.pptx
+++ b/Offline/TeacherRecruitment/TeacherProfiles.pptx
@@ -5,12 +5,13 @@
     <p:sldMasterId id="2147483684" r:id="rId1"/>
   </p:sldMasterIdLst>
   <p:notesMasterIdLst>
-    <p:notesMasterId r:id="rId5"/>
+    <p:notesMasterId r:id="rId6"/>
   </p:notesMasterIdLst>
   <p:sldIdLst>
     <p:sldId id="256" r:id="rId2"/>
     <p:sldId id="257" r:id="rId3"/>
     <p:sldId id="258" r:id="rId4"/>
+    <p:sldId id="259" r:id="rId5"/>
   </p:sldIdLst>
   <p:sldSz cx="6858000" cy="9906000" type="A4"/>
   <p:notesSz cx="6858000" cy="9144000"/>
@@ -109,6 +110,11 @@
       </a:defRPr>
     </a:lvl9pPr>
   </p:defaultTextStyle>
+  <p:extLst>
+    <p:ext uri="{EFAFB233-063F-42B5-8137-9DF3F51BA10A}">
+      <p15:sldGuideLst xmlns:p15="http://schemas.microsoft.com/office/powerpoint/2012/main"/>
+    </p:ext>
+  </p:extLst>
 </p:presentation>
 </file>
 
@@ -194,7 +200,7 @@
           <a:p>
             <a:fld id="{6764DD48-56A0-4B4D-A41F-45145E2B25F0}" type="datetimeFigureOut">
               <a:rPr lang="en-AU" smtClean="0"/>
-              <a:t>1/06/2023</a:t>
+              <a:t>4/06/2023</a:t>
             </a:fld>
             <a:endParaRPr lang="en-AU"/>
           </a:p>
@@ -546,6 +552,90 @@
 </p:notes>
 </file>
 
+<file path=ppt/notesSlides/notesSlide2.xml><?xml version="1.0" encoding="utf-8"?>
+<p:notes xmlns:a="http://schemas.openxmlformats.org/drawingml/2006/main" xmlns:r="http://schemas.openxmlformats.org/officeDocument/2006/relationships" xmlns:p="http://schemas.openxmlformats.org/presentationml/2006/main">
+  <p:cSld>
+    <p:spTree>
+      <p:nvGrpSpPr>
+        <p:cNvPr id="1" name=""/>
+        <p:cNvGrpSpPr/>
+        <p:nvPr/>
+      </p:nvGrpSpPr>
+      <p:grpSpPr>
+        <a:xfrm>
+          <a:off x="0" y="0"/>
+          <a:ext cx="0" cy="0"/>
+          <a:chOff x="0" y="0"/>
+          <a:chExt cx="0" cy="0"/>
+        </a:xfrm>
+      </p:grpSpPr>
+      <p:sp>
+        <p:nvSpPr>
+          <p:cNvPr id="2" name="Slide Image Placeholder 1"/>
+          <p:cNvSpPr>
+            <a:spLocks noGrp="1" noRot="1" noChangeAspect="1"/>
+          </p:cNvSpPr>
+          <p:nvPr>
+            <p:ph type="sldImg"/>
+          </p:nvPr>
+        </p:nvSpPr>
+        <p:spPr/>
+      </p:sp>
+      <p:sp>
+        <p:nvSpPr>
+          <p:cNvPr id="3" name="Notes Placeholder 2"/>
+          <p:cNvSpPr>
+            <a:spLocks noGrp="1"/>
+          </p:cNvSpPr>
+          <p:nvPr>
+            <p:ph type="body" idx="1"/>
+          </p:nvPr>
+        </p:nvSpPr>
+        <p:spPr/>
+        <p:txBody>
+          <a:bodyPr/>
+          <a:lstStyle/>
+          <a:p>
+            <a:endParaRPr lang="en-AU" dirty="0"/>
+          </a:p>
+        </p:txBody>
+      </p:sp>
+      <p:sp>
+        <p:nvSpPr>
+          <p:cNvPr id="4" name="Slide Number Placeholder 3"/>
+          <p:cNvSpPr>
+            <a:spLocks noGrp="1"/>
+          </p:cNvSpPr>
+          <p:nvPr>
+            <p:ph type="sldNum" sz="quarter" idx="10"/>
+          </p:nvPr>
+        </p:nvSpPr>
+        <p:spPr/>
+        <p:txBody>
+          <a:bodyPr/>
+          <a:lstStyle/>
+          <a:p>
+            <a:fld id="{42B418AD-C6CF-4435-83C2-98AD00D4BAE8}" type="slidenum">
+              <a:rPr lang="en-AU" smtClean="0"/>
+              <a:t>4</a:t>
+            </a:fld>
+            <a:endParaRPr lang="en-AU"/>
+          </a:p>
+        </p:txBody>
+      </p:sp>
+    </p:spTree>
+    <p:extLst>
+      <p:ext uri="{BB962C8B-B14F-4D97-AF65-F5344CB8AC3E}">
+        <p14:creationId xmlns:p14="http://schemas.microsoft.com/office/powerpoint/2010/main" val="405947843"/>
+      </p:ext>
+    </p:extLst>
+  </p:cSld>
+  <p:clrMapOvr>
+    <a:masterClrMapping/>
+  </p:clrMapOvr>
+</p:notes>
+</file>
+
 <file path=ppt/slideLayouts/slideLayout1.xml><?xml version="1.0" encoding="utf-8"?>
 <p:sldLayout xmlns:a="http://schemas.openxmlformats.org/drawingml/2006/main" xmlns:r="http://schemas.openxmlformats.org/officeDocument/2006/relationships" xmlns:p="http://schemas.openxmlformats.org/presentationml/2006/main" type="title" preserve="1">
   <p:cSld name="Title Slide">
@@ -677,7 +767,7 @@
           <a:p>
             <a:fld id="{9E4B7CBB-5626-4F1A-8460-268C0F5172D8}" type="datetimeFigureOut">
               <a:rPr lang="en-AU" smtClean="0"/>
-              <a:t>1/06/2023</a:t>
+              <a:t>4/06/2023</a:t>
             </a:fld>
             <a:endParaRPr lang="en-AU"/>
           </a:p>
@@ -847,7 +937,7 @@
           <a:p>
             <a:fld id="{9E4B7CBB-5626-4F1A-8460-268C0F5172D8}" type="datetimeFigureOut">
               <a:rPr lang="en-AU" smtClean="0"/>
-              <a:t>1/06/2023</a:t>
+              <a:t>4/06/2023</a:t>
             </a:fld>
             <a:endParaRPr lang="en-AU"/>
           </a:p>
@@ -1027,7 +1117,7 @@
           <a:p>
             <a:fld id="{9E4B7CBB-5626-4F1A-8460-268C0F5172D8}" type="datetimeFigureOut">
               <a:rPr lang="en-AU" smtClean="0"/>
-              <a:t>1/06/2023</a:t>
+              <a:t>4/06/2023</a:t>
             </a:fld>
             <a:endParaRPr lang="en-AU"/>
           </a:p>
@@ -1197,7 +1287,7 @@
           <a:p>
             <a:fld id="{9E4B7CBB-5626-4F1A-8460-268C0F5172D8}" type="datetimeFigureOut">
               <a:rPr lang="en-AU" smtClean="0"/>
-              <a:t>1/06/2023</a:t>
+              <a:t>4/06/2023</a:t>
             </a:fld>
             <a:endParaRPr lang="en-AU"/>
           </a:p>
@@ -1441,7 +1531,7 @@
           <a:p>
             <a:fld id="{9E4B7CBB-5626-4F1A-8460-268C0F5172D8}" type="datetimeFigureOut">
               <a:rPr lang="en-AU" smtClean="0"/>
-              <a:t>1/06/2023</a:t>
+              <a:t>4/06/2023</a:t>
             </a:fld>
             <a:endParaRPr lang="en-AU"/>
           </a:p>
@@ -1673,7 +1763,7 @@
           <a:p>
             <a:fld id="{9E4B7CBB-5626-4F1A-8460-268C0F5172D8}" type="datetimeFigureOut">
               <a:rPr lang="en-AU" smtClean="0"/>
-              <a:t>1/06/2023</a:t>
+              <a:t>4/06/2023</a:t>
             </a:fld>
             <a:endParaRPr lang="en-AU"/>
           </a:p>
@@ -2040,7 +2130,7 @@
           <a:p>
             <a:fld id="{9E4B7CBB-5626-4F1A-8460-268C0F5172D8}" type="datetimeFigureOut">
               <a:rPr lang="en-AU" smtClean="0"/>
-              <a:t>1/06/2023</a:t>
+              <a:t>4/06/2023</a:t>
             </a:fld>
             <a:endParaRPr lang="en-AU"/>
           </a:p>
@@ -2158,7 +2248,7 @@
           <a:p>
             <a:fld id="{9E4B7CBB-5626-4F1A-8460-268C0F5172D8}" type="datetimeFigureOut">
               <a:rPr lang="en-AU" smtClean="0"/>
-              <a:t>1/06/2023</a:t>
+              <a:t>4/06/2023</a:t>
             </a:fld>
             <a:endParaRPr lang="en-AU"/>
           </a:p>
@@ -2253,7 +2343,7 @@
           <a:p>
             <a:fld id="{9E4B7CBB-5626-4F1A-8460-268C0F5172D8}" type="datetimeFigureOut">
               <a:rPr lang="en-AU" smtClean="0"/>
-              <a:t>1/06/2023</a:t>
+              <a:t>4/06/2023</a:t>
             </a:fld>
             <a:endParaRPr lang="en-AU"/>
           </a:p>
@@ -2530,7 +2620,7 @@
           <a:p>
             <a:fld id="{9E4B7CBB-5626-4F1A-8460-268C0F5172D8}" type="datetimeFigureOut">
               <a:rPr lang="en-AU" smtClean="0"/>
-              <a:t>1/06/2023</a:t>
+              <a:t>4/06/2023</a:t>
             </a:fld>
             <a:endParaRPr lang="en-AU"/>
           </a:p>
@@ -2787,7 +2877,7 @@
           <a:p>
             <a:fld id="{9E4B7CBB-5626-4F1A-8460-268C0F5172D8}" type="datetimeFigureOut">
               <a:rPr lang="en-AU" smtClean="0"/>
-              <a:t>1/06/2023</a:t>
+              <a:t>4/06/2023</a:t>
             </a:fld>
             <a:endParaRPr lang="en-AU"/>
           </a:p>
@@ -3000,7 +3090,7 @@
           <a:p>
             <a:fld id="{9E4B7CBB-5626-4F1A-8460-268C0F5172D8}" type="datetimeFigureOut">
               <a:rPr lang="en-AU" smtClean="0"/>
-              <a:t>1/06/2023</a:t>
+              <a:t>4/06/2023</a:t>
             </a:fld>
             <a:endParaRPr lang="en-AU"/>
           </a:p>
@@ -3636,23 +3726,8 @@
                 </a:solidFill>
                 <a:latin typeface="Oxygen" panose="02000503000000000000" pitchFamily="2" charset="0"/>
               </a:rPr>
-              <a:t>8 Yrs Exp. &amp; </a:t>
-            </a:r>
-            <a:r>
-              <a:rPr lang="en-US" sz="1600" b="1" dirty="0" smtClean="0">
-                <a:solidFill>
-                  <a:srgbClr val="FF8C52"/>
-                </a:solidFill>
-                <a:latin typeface="Oxygen" panose="02000503000000000000" pitchFamily="2" charset="0"/>
-              </a:rPr>
-              <a:t>Detail Oriented</a:t>
-            </a:r>
-            <a:endParaRPr lang="en-US" sz="1600" b="1" dirty="0" smtClean="0">
-              <a:solidFill>
-                <a:srgbClr val="FF8C52"/>
-              </a:solidFill>
-              <a:latin typeface="Oxygen" panose="02000503000000000000" pitchFamily="2" charset="0"/>
-            </a:endParaRPr>
+              <a:t>8 Yrs Exp. &amp; Detail Oriented</a:t>
+            </a:r>
           </a:p>
         </p:txBody>
       </p:sp>
@@ -4308,23 +4383,8 @@
                 </a:solidFill>
                 <a:latin typeface="Oxygen" panose="02000503000000000000" pitchFamily="2" charset="0"/>
               </a:rPr>
-              <a:t>8 Yrs Exp. &amp; </a:t>
-            </a:r>
-            <a:r>
-              <a:rPr lang="en-US" sz="1600" b="1" dirty="0" smtClean="0">
-                <a:solidFill>
-                  <a:schemeClr val="bg1"/>
-                </a:solidFill>
-                <a:latin typeface="Oxygen" panose="02000503000000000000" pitchFamily="2" charset="0"/>
-              </a:rPr>
-              <a:t>Detail Oriented</a:t>
-            </a:r>
-            <a:endParaRPr lang="en-US" sz="1600" b="1" dirty="0" smtClean="0">
-              <a:solidFill>
-                <a:schemeClr val="bg1"/>
-              </a:solidFill>
-              <a:latin typeface="Oxygen" panose="02000503000000000000" pitchFamily="2" charset="0"/>
-            </a:endParaRPr>
+              <a:t>8 Yrs Exp. &amp; Detail Oriented</a:t>
+            </a:r>
           </a:p>
         </p:txBody>
       </p:sp>
@@ -4816,6 +4876,812 @@
     <p:extLst>
       <p:ext uri="{BB962C8B-B14F-4D97-AF65-F5344CB8AC3E}">
         <p14:creationId xmlns:p14="http://schemas.microsoft.com/office/powerpoint/2010/main" val="2866300449"/>
+      </p:ext>
+    </p:extLst>
+  </p:cSld>
+  <p:clrMapOvr>
+    <a:masterClrMapping/>
+  </p:clrMapOvr>
+  <p:timing>
+    <p:tnLst>
+      <p:par>
+        <p:cTn id="1" dur="indefinite" restart="never" nodeType="tmRoot"/>
+      </p:par>
+    </p:tnLst>
+  </p:timing>
+</p:sld>
+</file>
+
+<file path=ppt/slides/slide4.xml><?xml version="1.0" encoding="utf-8"?>
+<p:sld xmlns:a="http://schemas.openxmlformats.org/drawingml/2006/main" xmlns:r="http://schemas.openxmlformats.org/officeDocument/2006/relationships" xmlns:p="http://schemas.openxmlformats.org/presentationml/2006/main">
+  <p:cSld>
+    <p:spTree>
+      <p:nvGrpSpPr>
+        <p:cNvPr id="1" name=""/>
+        <p:cNvGrpSpPr/>
+        <p:nvPr/>
+      </p:nvGrpSpPr>
+      <p:grpSpPr>
+        <a:xfrm>
+          <a:off x="0" y="0"/>
+          <a:ext cx="0" cy="0"/>
+          <a:chOff x="0" y="0"/>
+          <a:chExt cx="0" cy="0"/>
+        </a:xfrm>
+      </p:grpSpPr>
+      <p:sp>
+        <p:nvSpPr>
+          <p:cNvPr id="2" name="Rectangle 1"/>
+          <p:cNvSpPr/>
+          <p:nvPr/>
+        </p:nvSpPr>
+        <p:spPr>
+          <a:xfrm>
+            <a:off x="0" y="0"/>
+            <a:ext cx="6858000" cy="9906000"/>
+          </a:xfrm>
+          <a:prstGeom prst="rect">
+            <a:avLst/>
+          </a:prstGeom>
+          <a:solidFill>
+            <a:srgbClr val="FF8C52"/>
+          </a:solidFill>
+          <a:ln>
+            <a:noFill/>
+          </a:ln>
+        </p:spPr>
+        <p:style>
+          <a:lnRef idx="2">
+            <a:schemeClr val="accent1">
+              <a:shade val="50000"/>
+            </a:schemeClr>
+          </a:lnRef>
+          <a:fillRef idx="1">
+            <a:schemeClr val="accent1"/>
+          </a:fillRef>
+          <a:effectRef idx="0">
+            <a:schemeClr val="accent1"/>
+          </a:effectRef>
+          <a:fontRef idx="minor">
+            <a:schemeClr val="lt1"/>
+          </a:fontRef>
+        </p:style>
+        <p:txBody>
+          <a:bodyPr rtlCol="0" anchor="ctr"/>
+          <a:lstStyle/>
+          <a:p>
+            <a:pPr algn="ctr"/>
+            <a:endParaRPr lang="en-AU"/>
+          </a:p>
+        </p:txBody>
+      </p:sp>
+      <p:sp>
+        <p:nvSpPr>
+          <p:cNvPr id="12" name="TextBox 11"/>
+          <p:cNvSpPr txBox="1"/>
+          <p:nvPr/>
+        </p:nvSpPr>
+        <p:spPr>
+          <a:xfrm>
+            <a:off x="766645" y="4483690"/>
+            <a:ext cx="5342708" cy="1815882"/>
+          </a:xfrm>
+          <a:prstGeom prst="rect">
+            <a:avLst/>
+          </a:prstGeom>
+          <a:noFill/>
+        </p:spPr>
+        <p:txBody>
+          <a:bodyPr wrap="square" rtlCol="0">
+            <a:spAutoFit/>
+          </a:bodyPr>
+          <a:lstStyle/>
+          <a:p>
+            <a:pPr algn="ctr"/>
+            <a:r>
+              <a:rPr lang="en-US" sz="4400" b="1" cap="all" dirty="0" smtClean="0">
+                <a:solidFill>
+                  <a:schemeClr val="bg1"/>
+                </a:solidFill>
+                <a:latin typeface="Oxygen" panose="02000503000000000000" pitchFamily="2" charset="0"/>
+              </a:rPr>
+              <a:t>Avishek Sir</a:t>
+            </a:r>
+            <a:endParaRPr lang="en-US" sz="4400" b="1" cap="all" dirty="0" smtClean="0">
+              <a:solidFill>
+                <a:schemeClr val="bg1"/>
+              </a:solidFill>
+              <a:latin typeface="Oxygen" panose="02000503000000000000" pitchFamily="2" charset="0"/>
+            </a:endParaRPr>
+          </a:p>
+          <a:p>
+            <a:pPr algn="ctr"/>
+            <a:r>
+              <a:rPr lang="en-US" sz="2400" b="1" dirty="0" smtClean="0">
+                <a:solidFill>
+                  <a:schemeClr val="bg1"/>
+                </a:solidFill>
+                <a:latin typeface="Oxygen" panose="02000503000000000000" pitchFamily="2" charset="0"/>
+              </a:rPr>
+              <a:t>Avishek Adhikari</a:t>
+            </a:r>
+            <a:endParaRPr lang="en-US" sz="2800" b="1" dirty="0" smtClean="0">
+              <a:solidFill>
+                <a:schemeClr val="bg1"/>
+              </a:solidFill>
+              <a:latin typeface="Oxygen" panose="02000503000000000000" pitchFamily="2" charset="0"/>
+            </a:endParaRPr>
+          </a:p>
+          <a:p>
+            <a:pPr algn="ctr"/>
+            <a:endParaRPr lang="en-US" sz="1200" b="1" dirty="0" smtClean="0">
+              <a:solidFill>
+                <a:schemeClr val="bg1"/>
+              </a:solidFill>
+              <a:latin typeface="Oxygen" panose="02000503000000000000" pitchFamily="2" charset="0"/>
+            </a:endParaRPr>
+          </a:p>
+          <a:p>
+            <a:pPr algn="ctr"/>
+            <a:r>
+              <a:rPr lang="en-US" sz="2800" b="1" cap="small" dirty="0" smtClean="0">
+                <a:solidFill>
+                  <a:schemeClr val="bg1"/>
+                </a:solidFill>
+                <a:latin typeface="Oxygen" panose="02000503000000000000" pitchFamily="2" charset="0"/>
+              </a:rPr>
+              <a:t>Maths &amp; Physics </a:t>
+            </a:r>
+            <a:r>
+              <a:rPr lang="en-US" sz="2800" b="1" cap="small" dirty="0" smtClean="0">
+                <a:solidFill>
+                  <a:schemeClr val="bg1"/>
+                </a:solidFill>
+                <a:latin typeface="Oxygen" panose="02000503000000000000" pitchFamily="2" charset="0"/>
+              </a:rPr>
+              <a:t>- VIII – XII</a:t>
+            </a:r>
+            <a:endParaRPr lang="en-US" sz="1100" b="1" cap="small" dirty="0">
+              <a:solidFill>
+                <a:schemeClr val="bg1"/>
+              </a:solidFill>
+              <a:latin typeface="Oxygen" panose="02000503000000000000" pitchFamily="2" charset="0"/>
+            </a:endParaRPr>
+          </a:p>
+        </p:txBody>
+      </p:sp>
+      <p:sp>
+        <p:nvSpPr>
+          <p:cNvPr id="13" name="TextBox 12"/>
+          <p:cNvSpPr txBox="1"/>
+          <p:nvPr/>
+        </p:nvSpPr>
+        <p:spPr>
+          <a:xfrm>
+            <a:off x="190500" y="8213193"/>
+            <a:ext cx="6522720" cy="1246495"/>
+          </a:xfrm>
+          <a:prstGeom prst="rect">
+            <a:avLst/>
+          </a:prstGeom>
+          <a:noFill/>
+        </p:spPr>
+        <p:txBody>
+          <a:bodyPr wrap="square" rtlCol="0">
+            <a:spAutoFit/>
+          </a:bodyPr>
+          <a:lstStyle/>
+          <a:p>
+            <a:r>
+              <a:rPr lang="en-US" b="1" i="1" dirty="0" smtClean="0">
+                <a:solidFill>
+                  <a:schemeClr val="bg1"/>
+                </a:solidFill>
+                <a:latin typeface="Oxygen" panose="02000503000000000000" pitchFamily="2" charset="0"/>
+              </a:rPr>
+              <a:t>Neel depended on him so much to score !</a:t>
+            </a:r>
+            <a:endParaRPr lang="en-US" b="1" i="1" dirty="0" smtClean="0">
+              <a:solidFill>
+                <a:schemeClr val="bg1"/>
+              </a:solidFill>
+              <a:latin typeface="Oxygen" panose="02000503000000000000" pitchFamily="2" charset="0"/>
+            </a:endParaRPr>
+          </a:p>
+          <a:p>
+            <a:r>
+              <a:rPr lang="en-US" b="1" dirty="0">
+                <a:solidFill>
+                  <a:schemeClr val="bg1"/>
+                </a:solidFill>
+                <a:latin typeface="Oxygen" panose="02000503000000000000" pitchFamily="2" charset="0"/>
+              </a:rPr>
+              <a:t> </a:t>
+            </a:r>
+            <a:r>
+              <a:rPr lang="en-US" b="1" dirty="0" smtClean="0">
+                <a:solidFill>
+                  <a:schemeClr val="bg1"/>
+                </a:solidFill>
+                <a:latin typeface="Oxygen" panose="02000503000000000000" pitchFamily="2" charset="0"/>
+              </a:rPr>
+              <a:t>                                                                       </a:t>
+            </a:r>
+            <a:r>
+              <a:rPr lang="en-US" sz="1400" b="1" dirty="0" smtClean="0">
+                <a:solidFill>
+                  <a:schemeClr val="bg1"/>
+                </a:solidFill>
+                <a:latin typeface="Oxygen" panose="02000503000000000000" pitchFamily="2" charset="0"/>
+              </a:rPr>
+              <a:t>– </a:t>
+            </a:r>
+            <a:r>
+              <a:rPr lang="en-US" sz="1400" b="1" dirty="0" smtClean="0">
+                <a:solidFill>
+                  <a:schemeClr val="bg1"/>
+                </a:solidFill>
+                <a:latin typeface="Oxygen" panose="02000503000000000000" pitchFamily="2" charset="0"/>
+              </a:rPr>
+              <a:t>Neel’s </a:t>
+            </a:r>
+            <a:r>
+              <a:rPr lang="en-US" sz="1400" b="1" dirty="0" smtClean="0">
+                <a:solidFill>
+                  <a:schemeClr val="bg1"/>
+                </a:solidFill>
+                <a:latin typeface="Oxygen" panose="02000503000000000000" pitchFamily="2" charset="0"/>
+              </a:rPr>
+              <a:t>mother</a:t>
+            </a:r>
+          </a:p>
+          <a:p>
+            <a:endParaRPr lang="en-US" sz="300" b="1" dirty="0" smtClean="0">
+              <a:solidFill>
+                <a:schemeClr val="bg1"/>
+              </a:solidFill>
+              <a:latin typeface="Oxygen" panose="02000503000000000000" pitchFamily="2" charset="0"/>
+            </a:endParaRPr>
+          </a:p>
+          <a:p>
+            <a:r>
+              <a:rPr lang="en-US" b="1" i="1" dirty="0" smtClean="0">
+                <a:solidFill>
+                  <a:schemeClr val="bg1"/>
+                </a:solidFill>
+                <a:latin typeface="Oxygen" panose="02000503000000000000" pitchFamily="2" charset="0"/>
+              </a:rPr>
+              <a:t>Explains well, takes tests &amp; clears all doubts. Excellent!</a:t>
+            </a:r>
+          </a:p>
+          <a:p>
+            <a:r>
+              <a:rPr lang="en-US" b="1" dirty="0">
+                <a:solidFill>
+                  <a:schemeClr val="bg1"/>
+                </a:solidFill>
+                <a:latin typeface="Oxygen" panose="02000503000000000000" pitchFamily="2" charset="0"/>
+              </a:rPr>
+              <a:t> </a:t>
+            </a:r>
+            <a:r>
+              <a:rPr lang="en-US" b="1" dirty="0" smtClean="0">
+                <a:solidFill>
+                  <a:schemeClr val="bg1"/>
+                </a:solidFill>
+                <a:latin typeface="Oxygen" panose="02000503000000000000" pitchFamily="2" charset="0"/>
+              </a:rPr>
+              <a:t>                                                                       </a:t>
+            </a:r>
+            <a:r>
+              <a:rPr lang="en-US" sz="1400" b="1" dirty="0">
+                <a:solidFill>
+                  <a:schemeClr val="bg1"/>
+                </a:solidFill>
+                <a:latin typeface="Oxygen" panose="02000503000000000000" pitchFamily="2" charset="0"/>
+              </a:rPr>
+              <a:t>– Emon Kalsa’s </a:t>
+            </a:r>
+            <a:r>
+              <a:rPr lang="en-US" sz="1400" b="1" dirty="0" smtClean="0">
+                <a:solidFill>
+                  <a:schemeClr val="bg1"/>
+                </a:solidFill>
+                <a:latin typeface="Oxygen" panose="02000503000000000000" pitchFamily="2" charset="0"/>
+              </a:rPr>
+              <a:t>mother </a:t>
+            </a:r>
+            <a:endParaRPr lang="en-AU" sz="1400" b="1" dirty="0">
+              <a:solidFill>
+                <a:schemeClr val="bg1"/>
+              </a:solidFill>
+              <a:latin typeface="Oxygen" panose="02000503000000000000" pitchFamily="2" charset="0"/>
+            </a:endParaRPr>
+          </a:p>
+        </p:txBody>
+      </p:sp>
+      <p:sp>
+        <p:nvSpPr>
+          <p:cNvPr id="10" name="TextBox 9"/>
+          <p:cNvSpPr txBox="1"/>
+          <p:nvPr/>
+        </p:nvSpPr>
+        <p:spPr>
+          <a:xfrm>
+            <a:off x="295004" y="6408797"/>
+            <a:ext cx="3555272" cy="1569660"/>
+          </a:xfrm>
+          <a:prstGeom prst="rect">
+            <a:avLst/>
+          </a:prstGeom>
+          <a:noFill/>
+        </p:spPr>
+        <p:txBody>
+          <a:bodyPr wrap="square" rtlCol="0">
+            <a:spAutoFit/>
+          </a:bodyPr>
+          <a:lstStyle/>
+          <a:p>
+            <a:pPr marL="285750" indent="-285750">
+              <a:lnSpc>
+                <a:spcPct val="200000"/>
+              </a:lnSpc>
+              <a:buFont typeface="Wingdings" panose="05000000000000000000" pitchFamily="2" charset="2"/>
+              <a:buChar char="v"/>
+            </a:pPr>
+            <a:r>
+              <a:rPr lang="en-US" sz="1600" b="1" dirty="0" smtClean="0">
+                <a:solidFill>
+                  <a:schemeClr val="bg1"/>
+                </a:solidFill>
+                <a:latin typeface="Oxygen" panose="02000503000000000000" pitchFamily="2" charset="0"/>
+              </a:rPr>
+              <a:t>Cracked IIT, </a:t>
+            </a:r>
+            <a:r>
+              <a:rPr lang="en-US" sz="1600" b="1" dirty="0" smtClean="0">
+                <a:solidFill>
+                  <a:schemeClr val="bg1"/>
+                </a:solidFill>
+                <a:latin typeface="Oxygen" panose="02000503000000000000" pitchFamily="2" charset="0"/>
+              </a:rPr>
+              <a:t>I</a:t>
+            </a:r>
+            <a:r>
+              <a:rPr lang="en-US" sz="1600" b="1" dirty="0" smtClean="0">
+                <a:solidFill>
+                  <a:schemeClr val="bg1"/>
+                </a:solidFill>
+                <a:latin typeface="Oxygen" panose="02000503000000000000" pitchFamily="2" charset="0"/>
+              </a:rPr>
+              <a:t>SI PhD (Ongoing)</a:t>
+            </a:r>
+            <a:endParaRPr lang="en-US" sz="1600" b="1" dirty="0" smtClean="0">
+              <a:solidFill>
+                <a:schemeClr val="bg1"/>
+              </a:solidFill>
+              <a:latin typeface="Oxygen" panose="02000503000000000000" pitchFamily="2" charset="0"/>
+            </a:endParaRPr>
+          </a:p>
+          <a:p>
+            <a:pPr marL="285750" indent="-285750">
+              <a:lnSpc>
+                <a:spcPct val="200000"/>
+              </a:lnSpc>
+              <a:buFont typeface="Wingdings" panose="05000000000000000000" pitchFamily="2" charset="2"/>
+              <a:buChar char="v"/>
+            </a:pPr>
+            <a:r>
+              <a:rPr lang="en-US" sz="1600" b="1" dirty="0" smtClean="0">
+                <a:solidFill>
+                  <a:schemeClr val="bg1"/>
+                </a:solidFill>
+                <a:latin typeface="Oxygen" panose="02000503000000000000" pitchFamily="2" charset="0"/>
+              </a:rPr>
+              <a:t>8 Yrs Exp</a:t>
+            </a:r>
+            <a:r>
+              <a:rPr lang="en-US" sz="1600" b="1" dirty="0" smtClean="0">
+                <a:solidFill>
+                  <a:schemeClr val="bg1"/>
+                </a:solidFill>
+                <a:latin typeface="Oxygen" panose="02000503000000000000" pitchFamily="2" charset="0"/>
+              </a:rPr>
+              <a:t>. &amp; </a:t>
+            </a:r>
+            <a:r>
+              <a:rPr lang="en-US" sz="1600" b="1" dirty="0" smtClean="0">
+                <a:solidFill>
+                  <a:schemeClr val="bg1"/>
+                </a:solidFill>
+                <a:latin typeface="Oxygen" panose="02000503000000000000" pitchFamily="2" charset="0"/>
+              </a:rPr>
+              <a:t>Detail </a:t>
+            </a:r>
+            <a:r>
+              <a:rPr lang="en-US" sz="1600" b="1" dirty="0" smtClean="0">
+                <a:solidFill>
+                  <a:schemeClr val="bg1"/>
+                </a:solidFill>
+                <a:latin typeface="Oxygen" panose="02000503000000000000" pitchFamily="2" charset="0"/>
+              </a:rPr>
+              <a:t>Oriented</a:t>
+            </a:r>
+          </a:p>
+          <a:p>
+            <a:pPr marL="285750" indent="-285750">
+              <a:lnSpc>
+                <a:spcPct val="200000"/>
+              </a:lnSpc>
+              <a:buFont typeface="Wingdings" panose="05000000000000000000" pitchFamily="2" charset="2"/>
+              <a:buChar char="v"/>
+            </a:pPr>
+            <a:r>
+              <a:rPr lang="en-US" sz="1600" b="1" dirty="0" smtClean="0">
+                <a:solidFill>
+                  <a:schemeClr val="bg1"/>
+                </a:solidFill>
+                <a:latin typeface="Oxygen" panose="02000503000000000000" pitchFamily="2" charset="0"/>
+              </a:rPr>
+              <a:t>Lots of Successful Students</a:t>
+            </a:r>
+            <a:endParaRPr lang="en-AU" sz="1600" b="1" dirty="0">
+              <a:solidFill>
+                <a:schemeClr val="bg1"/>
+              </a:solidFill>
+              <a:latin typeface="Oxygen" panose="02000503000000000000" pitchFamily="2" charset="0"/>
+            </a:endParaRPr>
+          </a:p>
+        </p:txBody>
+      </p:sp>
+      <mc:AlternateContent xmlns:mc="http://schemas.openxmlformats.org/markup-compatibility/2006">
+        <mc:Choice xmlns:a14="http://schemas.microsoft.com/office/drawing/2010/main" Requires="a14">
+          <p:sp>
+            <p:nvSpPr>
+              <p:cNvPr id="14" name="TextBox 13"/>
+              <p:cNvSpPr txBox="1"/>
+              <p:nvPr/>
+            </p:nvSpPr>
+            <p:spPr>
+              <a:xfrm>
+                <a:off x="3706583" y="6395734"/>
+                <a:ext cx="3038790" cy="1677382"/>
+              </a:xfrm>
+              <a:prstGeom prst="rect">
+                <a:avLst/>
+              </a:prstGeom>
+              <a:noFill/>
+            </p:spPr>
+            <p:txBody>
+              <a:bodyPr wrap="square" rtlCol="0">
+                <a:spAutoFit/>
+              </a:bodyPr>
+              <a:lstStyle/>
+              <a:p>
+                <a:pPr marL="285750" indent="-285750">
+                  <a:lnSpc>
+                    <a:spcPct val="150000"/>
+                  </a:lnSpc>
+                  <a:buFont typeface="Wingdings" panose="05000000000000000000" pitchFamily="2" charset="2"/>
+                  <a:buChar char="v"/>
+                </a:pPr>
+                <a14:m>
+                  <m:oMath xmlns:m="http://schemas.openxmlformats.org/officeDocument/2006/math">
+                    <m:f>
+                      <m:fPr>
+                        <m:ctrlPr>
+                          <a:rPr lang="en-AU">
+                            <a:solidFill>
+                              <a:schemeClr val="bg1"/>
+                            </a:solidFill>
+                            <a:latin typeface="Oxygen" panose="02000503000000000000" pitchFamily="2" charset="0"/>
+                          </a:rPr>
+                        </m:ctrlPr>
+                      </m:fPr>
+                      <m:num>
+                        <m:r>
+                          <a:rPr lang="en-AU" b="0">
+                            <a:solidFill>
+                              <a:schemeClr val="bg1"/>
+                            </a:solidFill>
+                            <a:latin typeface="Oxygen" panose="02000503000000000000" pitchFamily="2" charset="0"/>
+                          </a:rPr>
+                          <m:t>100</m:t>
+                        </m:r>
+                      </m:num>
+                      <m:den>
+                        <m:r>
+                          <a:rPr lang="en-AU" b="0">
+                            <a:solidFill>
+                              <a:schemeClr val="bg1"/>
+                            </a:solidFill>
+                            <a:latin typeface="Oxygen" panose="02000503000000000000" pitchFamily="2" charset="0"/>
+                          </a:rPr>
+                          <m:t>100</m:t>
+                        </m:r>
+                      </m:den>
+                    </m:f>
+                  </m:oMath>
+                </a14:m>
+                <a:r>
+                  <a:rPr lang="en-US" sz="1600" b="1" dirty="0">
+                    <a:solidFill>
+                      <a:schemeClr val="bg1"/>
+                    </a:solidFill>
+                    <a:latin typeface="Oxygen" panose="02000503000000000000" pitchFamily="2" charset="0"/>
+                  </a:rPr>
+                  <a:t> in </a:t>
+                </a:r>
+                <a:r>
+                  <a:rPr lang="en-US" sz="1600" b="1" dirty="0" smtClean="0">
+                    <a:solidFill>
+                      <a:schemeClr val="bg1"/>
+                    </a:solidFill>
+                    <a:latin typeface="Oxygen" panose="02000503000000000000" pitchFamily="2" charset="0"/>
+                  </a:rPr>
+                  <a:t>Maths in HS &amp; 10</a:t>
+                </a:r>
+                <a:r>
+                  <a:rPr lang="en-US" sz="1600" b="1" baseline="30000" dirty="0" smtClean="0">
+                    <a:solidFill>
+                      <a:schemeClr val="bg1"/>
+                    </a:solidFill>
+                    <a:latin typeface="Oxygen" panose="02000503000000000000" pitchFamily="2" charset="0"/>
+                  </a:rPr>
+                  <a:t>th</a:t>
+                </a:r>
+                <a:r>
+                  <a:rPr lang="en-US" sz="1600" b="1" dirty="0" smtClean="0">
+                    <a:solidFill>
+                      <a:schemeClr val="bg1"/>
+                    </a:solidFill>
+                    <a:latin typeface="Oxygen" panose="02000503000000000000" pitchFamily="2" charset="0"/>
+                  </a:rPr>
+                  <a:t>   </a:t>
+                </a:r>
+              </a:p>
+              <a:p>
+                <a:pPr marL="285750" indent="-285750">
+                  <a:lnSpc>
+                    <a:spcPct val="200000"/>
+                  </a:lnSpc>
+                  <a:buFont typeface="Wingdings" panose="05000000000000000000" pitchFamily="2" charset="2"/>
+                  <a:buChar char="v"/>
+                </a:pPr>
+                <a:r>
+                  <a:rPr lang="en-US" sz="1600" b="1" dirty="0" smtClean="0">
+                    <a:solidFill>
+                      <a:schemeClr val="bg1"/>
+                    </a:solidFill>
+                    <a:latin typeface="Oxygen" panose="02000503000000000000" pitchFamily="2" charset="0"/>
+                  </a:rPr>
+                  <a:t>B.Sc. Math CU 1</a:t>
+                </a:r>
+                <a:r>
+                  <a:rPr lang="en-US" sz="1600" b="1" baseline="30000" dirty="0" smtClean="0">
+                    <a:solidFill>
+                      <a:schemeClr val="bg1"/>
+                    </a:solidFill>
+                    <a:latin typeface="Oxygen" panose="02000503000000000000" pitchFamily="2" charset="0"/>
+                  </a:rPr>
+                  <a:t>st</a:t>
+                </a:r>
+                <a:r>
+                  <a:rPr lang="en-US" sz="1600" b="1" dirty="0" smtClean="0">
+                    <a:solidFill>
+                      <a:schemeClr val="bg1"/>
+                    </a:solidFill>
+                    <a:latin typeface="Oxygen" panose="02000503000000000000" pitchFamily="2" charset="0"/>
+                  </a:rPr>
+                  <a:t> Class 1</a:t>
+                </a:r>
+                <a:r>
+                  <a:rPr lang="en-US" sz="1600" b="1" baseline="30000" dirty="0" smtClean="0">
+                    <a:solidFill>
+                      <a:schemeClr val="bg1"/>
+                    </a:solidFill>
+                    <a:latin typeface="Oxygen" panose="02000503000000000000" pitchFamily="2" charset="0"/>
+                  </a:rPr>
+                  <a:t>st</a:t>
+                </a:r>
+              </a:p>
+              <a:p>
+                <a:pPr marL="285750" indent="-285750">
+                  <a:lnSpc>
+                    <a:spcPct val="200000"/>
+                  </a:lnSpc>
+                  <a:buFont typeface="Wingdings" panose="05000000000000000000" pitchFamily="2" charset="2"/>
+                  <a:buChar char="v"/>
+                </a:pPr>
+                <a:r>
+                  <a:rPr lang="en-US" sz="1600" b="1" dirty="0" smtClean="0">
+                    <a:solidFill>
+                      <a:schemeClr val="bg1"/>
+                    </a:solidFill>
+                    <a:latin typeface="Oxygen" panose="02000503000000000000" pitchFamily="2" charset="0"/>
+                  </a:rPr>
+                  <a:t>M.Sc</a:t>
+                </a:r>
+                <a:r>
+                  <a:rPr lang="en-US" sz="1600" b="1" dirty="0">
+                    <a:solidFill>
+                      <a:schemeClr val="bg1"/>
+                    </a:solidFill>
+                    <a:latin typeface="Oxygen" panose="02000503000000000000" pitchFamily="2" charset="0"/>
+                  </a:rPr>
+                  <a:t>. Math CU 1</a:t>
+                </a:r>
+                <a:r>
+                  <a:rPr lang="en-US" sz="1600" b="1" baseline="30000" dirty="0">
+                    <a:solidFill>
+                      <a:schemeClr val="bg1"/>
+                    </a:solidFill>
+                    <a:latin typeface="Oxygen" panose="02000503000000000000" pitchFamily="2" charset="0"/>
+                  </a:rPr>
+                  <a:t>st</a:t>
+                </a:r>
+                <a:r>
+                  <a:rPr lang="en-US" sz="1600" b="1" dirty="0">
+                    <a:solidFill>
+                      <a:schemeClr val="bg1"/>
+                    </a:solidFill>
+                    <a:latin typeface="Oxygen" panose="02000503000000000000" pitchFamily="2" charset="0"/>
+                  </a:rPr>
+                  <a:t> Class </a:t>
+                </a:r>
+                <a:r>
+                  <a:rPr lang="en-US" sz="1600" b="1" dirty="0" smtClean="0">
+                    <a:solidFill>
+                      <a:schemeClr val="bg1"/>
+                    </a:solidFill>
+                    <a:latin typeface="Oxygen" panose="02000503000000000000" pitchFamily="2" charset="0"/>
+                  </a:rPr>
+                  <a:t>1</a:t>
+                </a:r>
+                <a:r>
+                  <a:rPr lang="en-US" sz="1600" b="1" baseline="30000" dirty="0" smtClean="0">
+                    <a:solidFill>
+                      <a:schemeClr val="bg1"/>
+                    </a:solidFill>
+                    <a:latin typeface="Oxygen" panose="02000503000000000000" pitchFamily="2" charset="0"/>
+                  </a:rPr>
+                  <a:t>st</a:t>
+                </a:r>
+                <a:endParaRPr lang="en-US" sz="1600" b="1" dirty="0" smtClean="0">
+                  <a:solidFill>
+                    <a:schemeClr val="bg1"/>
+                  </a:solidFill>
+                  <a:latin typeface="Oxygen" panose="02000503000000000000" pitchFamily="2" charset="0"/>
+                </a:endParaRPr>
+              </a:p>
+            </p:txBody>
+          </p:sp>
+        </mc:Choice>
+        <mc:Fallback>
+          <p:sp>
+            <p:nvSpPr>
+              <p:cNvPr id="14" name="TextBox 13"/>
+              <p:cNvSpPr txBox="1">
+                <a:spLocks noRot="1" noChangeAspect="1" noMove="1" noResize="1" noEditPoints="1" noAdjustHandles="1" noChangeArrowheads="1" noChangeShapeType="1" noTextEdit="1"/>
+              </p:cNvSpPr>
+              <p:nvPr/>
+            </p:nvSpPr>
+            <p:spPr>
+              <a:xfrm>
+                <a:off x="3706583" y="6395734"/>
+                <a:ext cx="3038790" cy="1677382"/>
+              </a:xfrm>
+              <a:prstGeom prst="rect">
+                <a:avLst/>
+              </a:prstGeom>
+              <a:blipFill rotWithShape="0">
+                <a:blip r:embed="rId3"/>
+                <a:stretch>
+                  <a:fillRect l="-1202"/>
+                </a:stretch>
+              </a:blipFill>
+            </p:spPr>
+            <p:txBody>
+              <a:bodyPr/>
+              <a:lstStyle/>
+              <a:p>
+                <a:r>
+                  <a:rPr lang="en-AU">
+                    <a:noFill/>
+                  </a:rPr>
+                  <a:t> </a:t>
+                </a:r>
+              </a:p>
+            </p:txBody>
+          </p:sp>
+        </mc:Fallback>
+      </mc:AlternateContent>
+      <p:pic>
+        <p:nvPicPr>
+          <p:cNvPr id="4" name="Picture 3"/>
+          <p:cNvPicPr>
+            <a:picLocks noChangeAspect="1"/>
+          </p:cNvPicPr>
+          <p:nvPr/>
+        </p:nvPicPr>
+        <p:blipFill>
+          <a:blip r:embed="rId4"/>
+          <a:stretch>
+            <a:fillRect/>
+          </a:stretch>
+        </p:blipFill>
+        <p:spPr>
+          <a:xfrm>
+            <a:off x="1477944" y="414300"/>
+            <a:ext cx="3946228" cy="3947728"/>
+          </a:xfrm>
+          <a:prstGeom prst="rect">
+            <a:avLst/>
+          </a:prstGeom>
+        </p:spPr>
+      </p:pic>
+      <p:sp>
+        <p:nvSpPr>
+          <p:cNvPr id="11" name="Rectangle 10"/>
+          <p:cNvSpPr/>
+          <p:nvPr/>
+        </p:nvSpPr>
+        <p:spPr>
+          <a:xfrm>
+            <a:off x="1442794" y="375334"/>
+            <a:ext cx="4016529" cy="4017435"/>
+          </a:xfrm>
+          <a:prstGeom prst="rect">
+            <a:avLst/>
+          </a:prstGeom>
+          <a:gradFill>
+            <a:gsLst>
+              <a:gs pos="70000">
+                <a:srgbClr val="FF8C52"/>
+              </a:gs>
+              <a:gs pos="62000">
+                <a:srgbClr val="FF8C52">
+                  <a:alpha val="0"/>
+                </a:srgbClr>
+              </a:gs>
+            </a:gsLst>
+            <a:path path="circle">
+              <a:fillToRect l="50000" t="50000" r="50000" b="50000"/>
+            </a:path>
+          </a:gradFill>
+          <a:ln>
+            <a:noFill/>
+          </a:ln>
+        </p:spPr>
+        <p:style>
+          <a:lnRef idx="2">
+            <a:schemeClr val="accent1">
+              <a:shade val="50000"/>
+            </a:schemeClr>
+          </a:lnRef>
+          <a:fillRef idx="1">
+            <a:schemeClr val="accent1"/>
+          </a:fillRef>
+          <a:effectRef idx="0">
+            <a:schemeClr val="accent1"/>
+          </a:effectRef>
+          <a:fontRef idx="minor">
+            <a:schemeClr val="lt1"/>
+          </a:fontRef>
+        </p:style>
+        <p:txBody>
+          <a:bodyPr rtlCol="0" anchor="ctr"/>
+          <a:lstStyle/>
+          <a:p>
+            <a:pPr algn="ctr"/>
+            <a:endParaRPr lang="en-AU"/>
+          </a:p>
+        </p:txBody>
+      </p:sp>
+    </p:spTree>
+    <p:extLst>
+      <p:ext uri="{BB962C8B-B14F-4D97-AF65-F5344CB8AC3E}">
+        <p14:creationId xmlns:p14="http://schemas.microsoft.com/office/powerpoint/2010/main" val="2320704513"/>
       </p:ext>
     </p:extLst>
   </p:cSld>

--- a/Offline/TeacherRecruitment/TeacherProfiles.pptx
+++ b/Offline/TeacherRecruitment/TeacherProfiles.pptx
@@ -5,13 +5,14 @@
     <p:sldMasterId id="2147483684" r:id="rId1"/>
   </p:sldMasterIdLst>
   <p:notesMasterIdLst>
-    <p:notesMasterId r:id="rId6"/>
+    <p:notesMasterId r:id="rId7"/>
   </p:notesMasterIdLst>
   <p:sldIdLst>
     <p:sldId id="256" r:id="rId2"/>
     <p:sldId id="257" r:id="rId3"/>
     <p:sldId id="258" r:id="rId4"/>
     <p:sldId id="259" r:id="rId5"/>
+    <p:sldId id="260" r:id="rId6"/>
   </p:sldIdLst>
   <p:sldSz cx="6858000" cy="9906000" type="A4"/>
   <p:notesSz cx="6858000" cy="9144000"/>
@@ -200,7 +201,7 @@
           <a:p>
             <a:fld id="{6764DD48-56A0-4B4D-A41F-45145E2B25F0}" type="datetimeFigureOut">
               <a:rPr lang="en-AU" smtClean="0"/>
-              <a:t>4/06/2023</a:t>
+              <a:t>20/06/2023</a:t>
             </a:fld>
             <a:endParaRPr lang="en-AU"/>
           </a:p>
@@ -636,6 +637,90 @@
 </p:notes>
 </file>
 
+<file path=ppt/notesSlides/notesSlide3.xml><?xml version="1.0" encoding="utf-8"?>
+<p:notes xmlns:a="http://schemas.openxmlformats.org/drawingml/2006/main" xmlns:r="http://schemas.openxmlformats.org/officeDocument/2006/relationships" xmlns:p="http://schemas.openxmlformats.org/presentationml/2006/main">
+  <p:cSld>
+    <p:spTree>
+      <p:nvGrpSpPr>
+        <p:cNvPr id="1" name=""/>
+        <p:cNvGrpSpPr/>
+        <p:nvPr/>
+      </p:nvGrpSpPr>
+      <p:grpSpPr>
+        <a:xfrm>
+          <a:off x="0" y="0"/>
+          <a:ext cx="0" cy="0"/>
+          <a:chOff x="0" y="0"/>
+          <a:chExt cx="0" cy="0"/>
+        </a:xfrm>
+      </p:grpSpPr>
+      <p:sp>
+        <p:nvSpPr>
+          <p:cNvPr id="2" name="Slide Image Placeholder 1"/>
+          <p:cNvSpPr>
+            <a:spLocks noGrp="1" noRot="1" noChangeAspect="1"/>
+          </p:cNvSpPr>
+          <p:nvPr>
+            <p:ph type="sldImg"/>
+          </p:nvPr>
+        </p:nvSpPr>
+        <p:spPr/>
+      </p:sp>
+      <p:sp>
+        <p:nvSpPr>
+          <p:cNvPr id="3" name="Notes Placeholder 2"/>
+          <p:cNvSpPr>
+            <a:spLocks noGrp="1"/>
+          </p:cNvSpPr>
+          <p:nvPr>
+            <p:ph type="body" idx="1"/>
+          </p:nvPr>
+        </p:nvSpPr>
+        <p:spPr/>
+        <p:txBody>
+          <a:bodyPr/>
+          <a:lstStyle/>
+          <a:p>
+            <a:endParaRPr lang="en-AU" dirty="0"/>
+          </a:p>
+        </p:txBody>
+      </p:sp>
+      <p:sp>
+        <p:nvSpPr>
+          <p:cNvPr id="4" name="Slide Number Placeholder 3"/>
+          <p:cNvSpPr>
+            <a:spLocks noGrp="1"/>
+          </p:cNvSpPr>
+          <p:nvPr>
+            <p:ph type="sldNum" sz="quarter" idx="10"/>
+          </p:nvPr>
+        </p:nvSpPr>
+        <p:spPr/>
+        <p:txBody>
+          <a:bodyPr/>
+          <a:lstStyle/>
+          <a:p>
+            <a:fld id="{42B418AD-C6CF-4435-83C2-98AD00D4BAE8}" type="slidenum">
+              <a:rPr lang="en-AU" smtClean="0"/>
+              <a:t>5</a:t>
+            </a:fld>
+            <a:endParaRPr lang="en-AU"/>
+          </a:p>
+        </p:txBody>
+      </p:sp>
+    </p:spTree>
+    <p:extLst>
+      <p:ext uri="{BB962C8B-B14F-4D97-AF65-F5344CB8AC3E}">
+        <p14:creationId xmlns:p14="http://schemas.microsoft.com/office/powerpoint/2010/main" val="3275884807"/>
+      </p:ext>
+    </p:extLst>
+  </p:cSld>
+  <p:clrMapOvr>
+    <a:masterClrMapping/>
+  </p:clrMapOvr>
+</p:notes>
+</file>
+
 <file path=ppt/slideLayouts/slideLayout1.xml><?xml version="1.0" encoding="utf-8"?>
 <p:sldLayout xmlns:a="http://schemas.openxmlformats.org/drawingml/2006/main" xmlns:r="http://schemas.openxmlformats.org/officeDocument/2006/relationships" xmlns:p="http://schemas.openxmlformats.org/presentationml/2006/main" type="title" preserve="1">
   <p:cSld name="Title Slide">
@@ -767,7 +852,7 @@
           <a:p>
             <a:fld id="{9E4B7CBB-5626-4F1A-8460-268C0F5172D8}" type="datetimeFigureOut">
               <a:rPr lang="en-AU" smtClean="0"/>
-              <a:t>4/06/2023</a:t>
+              <a:t>20/06/2023</a:t>
             </a:fld>
             <a:endParaRPr lang="en-AU"/>
           </a:p>
@@ -937,7 +1022,7 @@
           <a:p>
             <a:fld id="{9E4B7CBB-5626-4F1A-8460-268C0F5172D8}" type="datetimeFigureOut">
               <a:rPr lang="en-AU" smtClean="0"/>
-              <a:t>4/06/2023</a:t>
+              <a:t>20/06/2023</a:t>
             </a:fld>
             <a:endParaRPr lang="en-AU"/>
           </a:p>
@@ -1117,7 +1202,7 @@
           <a:p>
             <a:fld id="{9E4B7CBB-5626-4F1A-8460-268C0F5172D8}" type="datetimeFigureOut">
               <a:rPr lang="en-AU" smtClean="0"/>
-              <a:t>4/06/2023</a:t>
+              <a:t>20/06/2023</a:t>
             </a:fld>
             <a:endParaRPr lang="en-AU"/>
           </a:p>
@@ -1287,7 +1372,7 @@
           <a:p>
             <a:fld id="{9E4B7CBB-5626-4F1A-8460-268C0F5172D8}" type="datetimeFigureOut">
               <a:rPr lang="en-AU" smtClean="0"/>
-              <a:t>4/06/2023</a:t>
+              <a:t>20/06/2023</a:t>
             </a:fld>
             <a:endParaRPr lang="en-AU"/>
           </a:p>
@@ -1531,7 +1616,7 @@
           <a:p>
             <a:fld id="{9E4B7CBB-5626-4F1A-8460-268C0F5172D8}" type="datetimeFigureOut">
               <a:rPr lang="en-AU" smtClean="0"/>
-              <a:t>4/06/2023</a:t>
+              <a:t>20/06/2023</a:t>
             </a:fld>
             <a:endParaRPr lang="en-AU"/>
           </a:p>
@@ -1763,7 +1848,7 @@
           <a:p>
             <a:fld id="{9E4B7CBB-5626-4F1A-8460-268C0F5172D8}" type="datetimeFigureOut">
               <a:rPr lang="en-AU" smtClean="0"/>
-              <a:t>4/06/2023</a:t>
+              <a:t>20/06/2023</a:t>
             </a:fld>
             <a:endParaRPr lang="en-AU"/>
           </a:p>
@@ -2130,7 +2215,7 @@
           <a:p>
             <a:fld id="{9E4B7CBB-5626-4F1A-8460-268C0F5172D8}" type="datetimeFigureOut">
               <a:rPr lang="en-AU" smtClean="0"/>
-              <a:t>4/06/2023</a:t>
+              <a:t>20/06/2023</a:t>
             </a:fld>
             <a:endParaRPr lang="en-AU"/>
           </a:p>
@@ -2248,7 +2333,7 @@
           <a:p>
             <a:fld id="{9E4B7CBB-5626-4F1A-8460-268C0F5172D8}" type="datetimeFigureOut">
               <a:rPr lang="en-AU" smtClean="0"/>
-              <a:t>4/06/2023</a:t>
+              <a:t>20/06/2023</a:t>
             </a:fld>
             <a:endParaRPr lang="en-AU"/>
           </a:p>
@@ -2343,7 +2428,7 @@
           <a:p>
             <a:fld id="{9E4B7CBB-5626-4F1A-8460-268C0F5172D8}" type="datetimeFigureOut">
               <a:rPr lang="en-AU" smtClean="0"/>
-              <a:t>4/06/2023</a:t>
+              <a:t>20/06/2023</a:t>
             </a:fld>
             <a:endParaRPr lang="en-AU"/>
           </a:p>
@@ -2620,7 +2705,7 @@
           <a:p>
             <a:fld id="{9E4B7CBB-5626-4F1A-8460-268C0F5172D8}" type="datetimeFigureOut">
               <a:rPr lang="en-AU" smtClean="0"/>
-              <a:t>4/06/2023</a:t>
+              <a:t>20/06/2023</a:t>
             </a:fld>
             <a:endParaRPr lang="en-AU"/>
           </a:p>
@@ -2877,7 +2962,7 @@
           <a:p>
             <a:fld id="{9E4B7CBB-5626-4F1A-8460-268C0F5172D8}" type="datetimeFigureOut">
               <a:rPr lang="en-AU" smtClean="0"/>
-              <a:t>4/06/2023</a:t>
+              <a:t>20/06/2023</a:t>
             </a:fld>
             <a:endParaRPr lang="en-AU"/>
           </a:p>
@@ -3090,7 +3175,7 @@
           <a:p>
             <a:fld id="{9E4B7CBB-5626-4F1A-8460-268C0F5172D8}" type="datetimeFigureOut">
               <a:rPr lang="en-AU" smtClean="0"/>
-              <a:t>4/06/2023</a:t>
+              <a:t>20/06/2023</a:t>
             </a:fld>
             <a:endParaRPr lang="en-AU"/>
           </a:p>
@@ -4987,12 +5072,6 @@
               </a:rPr>
               <a:t>Avishek Sir</a:t>
             </a:r>
-            <a:endParaRPr lang="en-US" sz="4400" b="1" cap="all" dirty="0" smtClean="0">
-              <a:solidFill>
-                <a:schemeClr val="bg1"/>
-              </a:solidFill>
-              <a:latin typeface="Oxygen" panose="02000503000000000000" pitchFamily="2" charset="0"/>
-            </a:endParaRPr>
           </a:p>
           <a:p>
             <a:pPr algn="ctr"/>
@@ -5030,7 +5109,7 @@
                 </a:solidFill>
                 <a:latin typeface="Oxygen" panose="02000503000000000000" pitchFamily="2" charset="0"/>
               </a:rPr>
-              <a:t>Maths &amp; Physics </a:t>
+              <a:t>Maths </a:t>
             </a:r>
             <a:r>
               <a:rPr lang="en-US" sz="2800" b="1" cap="small" dirty="0" smtClean="0">
@@ -5081,12 +5160,6 @@
               </a:rPr>
               <a:t>Neel depended on him so much to score !</a:t>
             </a:r>
-            <a:endParaRPr lang="en-US" b="1" i="1" dirty="0" smtClean="0">
-              <a:solidFill>
-                <a:schemeClr val="bg1"/>
-              </a:solidFill>
-              <a:latin typeface="Oxygen" panose="02000503000000000000" pitchFamily="2" charset="0"/>
-            </a:endParaRPr>
           </a:p>
           <a:p>
             <a:r>
@@ -5114,25 +5187,7 @@
                 </a:solidFill>
                 <a:latin typeface="Oxygen" panose="02000503000000000000" pitchFamily="2" charset="0"/>
               </a:rPr>
-              <a:t>– </a:t>
-            </a:r>
-            <a:r>
-              <a:rPr lang="en-US" sz="1400" b="1" dirty="0" smtClean="0">
-                <a:solidFill>
-                  <a:schemeClr val="bg1"/>
-                </a:solidFill>
-                <a:latin typeface="Oxygen" panose="02000503000000000000" pitchFamily="2" charset="0"/>
-              </a:rPr>
-              <a:t>Neel’s </a:t>
-            </a:r>
-            <a:r>
-              <a:rPr lang="en-US" sz="1400" b="1" dirty="0" smtClean="0">
-                <a:solidFill>
-                  <a:schemeClr val="bg1"/>
-                </a:solidFill>
-                <a:latin typeface="Oxygen" panose="02000503000000000000" pitchFamily="2" charset="0"/>
-              </a:rPr>
-              <a:t>mother</a:t>
+              <a:t>– Neel’s mother</a:t>
             </a:r>
           </a:p>
           <a:p>
@@ -5236,32 +5291,8 @@
                 </a:solidFill>
                 <a:latin typeface="Oxygen" panose="02000503000000000000" pitchFamily="2" charset="0"/>
               </a:rPr>
-              <a:t>Cracked IIT, </a:t>
-            </a:r>
-            <a:r>
-              <a:rPr lang="en-US" sz="1600" b="1" dirty="0" smtClean="0">
-                <a:solidFill>
-                  <a:schemeClr val="bg1"/>
-                </a:solidFill>
-                <a:latin typeface="Oxygen" panose="02000503000000000000" pitchFamily="2" charset="0"/>
-              </a:rPr>
-              <a:t>I</a:t>
-            </a:r>
-            <a:r>
-              <a:rPr lang="en-US" sz="1600" b="1" dirty="0" smtClean="0">
-                <a:solidFill>
-                  <a:schemeClr val="bg1"/>
-                </a:solidFill>
-                <a:latin typeface="Oxygen" panose="02000503000000000000" pitchFamily="2" charset="0"/>
-              </a:rPr>
-              <a:t>SI PhD (Ongoing)</a:t>
-            </a:r>
-            <a:endParaRPr lang="en-US" sz="1600" b="1" dirty="0" smtClean="0">
-              <a:solidFill>
-                <a:schemeClr val="bg1"/>
-              </a:solidFill>
-              <a:latin typeface="Oxygen" panose="02000503000000000000" pitchFamily="2" charset="0"/>
-            </a:endParaRPr>
+              <a:t>Cracked IIT, ISI PhD (Ongoing)</a:t>
+            </a:r>
           </a:p>
           <a:p>
             <a:pPr marL="285750" indent="-285750">
@@ -5278,34 +5309,7 @@
                 </a:solidFill>
                 <a:latin typeface="Oxygen" panose="02000503000000000000" pitchFamily="2" charset="0"/>
               </a:rPr>
-              <a:t>8 Yrs Exp</a:t>
-            </a:r>
-            <a:r>
-              <a:rPr lang="en-US" sz="1600" b="1" dirty="0" smtClean="0">
-                <a:solidFill>
-                  <a:schemeClr val="bg1"/>
-                </a:solidFill>
-                <a:latin typeface="Oxygen" panose="02000503000000000000" pitchFamily="2" charset="0"/>
-              </a:rPr>
-              <a:t>. &amp; </a:t>
-            </a:r>
-            <a:r>
-              <a:rPr lang="en-US" sz="1600" b="1" dirty="0" smtClean="0">
-                <a:solidFill>
-                  <a:schemeClr val="bg1"/>
-                </a:solidFill>
-                <a:latin typeface="Oxygen" panose="02000503000000000000" pitchFamily="2" charset="0"/>
-              </a:rPr>
-              <a:t>Detail </a:t>
-            </a:r>
-            <a:r>
-              <a:rPr lang="en-US" sz="1600" b="1" dirty="0" smtClean="0">
-                <a:solidFill>
-                  <a:schemeClr val="bg1"/>
-                </a:solidFill>
-                <a:latin typeface="Oxygen" panose="02000503000000000000" pitchFamily="2" charset="0"/>
-              </a:rPr>
-              <a:t>Oriented</a:t>
+              <a:t>8 Yrs Exp. &amp; Detail Oriented</a:t>
             </a:r>
           </a:p>
           <a:p>
@@ -5334,8 +5338,8 @@
           </a:p>
         </p:txBody>
       </p:sp>
-      <mc:AlternateContent xmlns:mc="http://schemas.openxmlformats.org/markup-compatibility/2006">
-        <mc:Choice xmlns:a14="http://schemas.microsoft.com/office/drawing/2010/main" Requires="a14">
+      <mc:AlternateContent xmlns:mc="http://schemas.openxmlformats.org/markup-compatibility/2006" xmlns:a14="http://schemas.microsoft.com/office/drawing/2010/main">
+        <mc:Choice Requires="a14">
           <p:sp>
             <p:nvSpPr>
               <p:cNvPr id="14" name="TextBox 13"/>
@@ -5370,11 +5374,11 @@
                     <m:f>
                       <m:fPr>
                         <m:ctrlPr>
-                          <a:rPr lang="en-AU">
+                          <a:rPr lang="en-AU" i="1">
                             <a:solidFill>
                               <a:schemeClr val="bg1"/>
                             </a:solidFill>
-                            <a:latin typeface="Oxygen" panose="02000503000000000000" pitchFamily="2" charset="0"/>
+                            <a:latin typeface="Cambria Math" panose="02040503050406030204" pitchFamily="18" charset="0"/>
                           </a:rPr>
                         </m:ctrlPr>
                       </m:fPr>
@@ -5384,7 +5388,7 @@
                             <a:solidFill>
                               <a:schemeClr val="bg1"/>
                             </a:solidFill>
-                            <a:latin typeface="Oxygen" panose="02000503000000000000" pitchFamily="2" charset="0"/>
+                            <a:latin typeface="Cambria Math" panose="02040503050406030204" pitchFamily="18" charset="0"/>
                           </a:rPr>
                           <m:t>100</m:t>
                         </m:r>
@@ -5395,7 +5399,7 @@
                             <a:solidFill>
                               <a:schemeClr val="bg1"/>
                             </a:solidFill>
-                            <a:latin typeface="Oxygen" panose="02000503000000000000" pitchFamily="2" charset="0"/>
+                            <a:latin typeface="Cambria Math" panose="02040503050406030204" pitchFamily="18" charset="0"/>
                           </a:rPr>
                           <m:t>100</m:t>
                         </m:r>
@@ -5557,6 +5561,694 @@
             </p:txBody>
           </p:sp>
         </mc:Choice>
+        <mc:Fallback xmlns="">
+          <p:sp>
+            <p:nvSpPr>
+              <p:cNvPr id="14" name="TextBox 13"/>
+              <p:cNvSpPr txBox="1">
+                <a:spLocks noRot="1" noChangeAspect="1" noMove="1" noResize="1" noEditPoints="1" noAdjustHandles="1" noChangeArrowheads="1" noChangeShapeType="1" noTextEdit="1"/>
+              </p:cNvSpPr>
+              <p:nvPr/>
+            </p:nvSpPr>
+            <p:spPr>
+              <a:xfrm>
+                <a:off x="3706583" y="6395734"/>
+                <a:ext cx="3038790" cy="1677382"/>
+              </a:xfrm>
+              <a:prstGeom prst="rect">
+                <a:avLst/>
+              </a:prstGeom>
+              <a:blipFill rotWithShape="0">
+                <a:blip r:embed="rId3"/>
+                <a:stretch>
+                  <a:fillRect l="-1202"/>
+                </a:stretch>
+              </a:blipFill>
+            </p:spPr>
+            <p:txBody>
+              <a:bodyPr/>
+              <a:lstStyle/>
+              <a:p>
+                <a:r>
+                  <a:rPr lang="en-AU">
+                    <a:noFill/>
+                  </a:rPr>
+                  <a:t> </a:t>
+                </a:r>
+              </a:p>
+            </p:txBody>
+          </p:sp>
+        </mc:Fallback>
+      </mc:AlternateContent>
+      <p:pic>
+        <p:nvPicPr>
+          <p:cNvPr id="4" name="Picture 3"/>
+          <p:cNvPicPr>
+            <a:picLocks noChangeAspect="1"/>
+          </p:cNvPicPr>
+          <p:nvPr/>
+        </p:nvPicPr>
+        <p:blipFill>
+          <a:blip r:embed="rId4"/>
+          <a:stretch>
+            <a:fillRect/>
+          </a:stretch>
+        </p:blipFill>
+        <p:spPr>
+          <a:xfrm>
+            <a:off x="1477944" y="414300"/>
+            <a:ext cx="3946228" cy="3947728"/>
+          </a:xfrm>
+          <a:prstGeom prst="rect">
+            <a:avLst/>
+          </a:prstGeom>
+        </p:spPr>
+      </p:pic>
+      <p:sp>
+        <p:nvSpPr>
+          <p:cNvPr id="11" name="Rectangle 10"/>
+          <p:cNvSpPr/>
+          <p:nvPr/>
+        </p:nvSpPr>
+        <p:spPr>
+          <a:xfrm>
+            <a:off x="1442794" y="375334"/>
+            <a:ext cx="4016529" cy="4017435"/>
+          </a:xfrm>
+          <a:prstGeom prst="rect">
+            <a:avLst/>
+          </a:prstGeom>
+          <a:gradFill>
+            <a:gsLst>
+              <a:gs pos="70000">
+                <a:srgbClr val="FF8C52"/>
+              </a:gs>
+              <a:gs pos="62000">
+                <a:srgbClr val="FF8C52">
+                  <a:alpha val="0"/>
+                </a:srgbClr>
+              </a:gs>
+            </a:gsLst>
+            <a:path path="circle">
+              <a:fillToRect l="50000" t="50000" r="50000" b="50000"/>
+            </a:path>
+          </a:gradFill>
+          <a:ln>
+            <a:noFill/>
+          </a:ln>
+        </p:spPr>
+        <p:style>
+          <a:lnRef idx="2">
+            <a:schemeClr val="accent1">
+              <a:shade val="50000"/>
+            </a:schemeClr>
+          </a:lnRef>
+          <a:fillRef idx="1">
+            <a:schemeClr val="accent1"/>
+          </a:fillRef>
+          <a:effectRef idx="0">
+            <a:schemeClr val="accent1"/>
+          </a:effectRef>
+          <a:fontRef idx="minor">
+            <a:schemeClr val="lt1"/>
+          </a:fontRef>
+        </p:style>
+        <p:txBody>
+          <a:bodyPr rtlCol="0" anchor="ctr"/>
+          <a:lstStyle/>
+          <a:p>
+            <a:pPr algn="ctr"/>
+            <a:endParaRPr lang="en-AU"/>
+          </a:p>
+        </p:txBody>
+      </p:sp>
+    </p:spTree>
+    <p:extLst>
+      <p:ext uri="{BB962C8B-B14F-4D97-AF65-F5344CB8AC3E}">
+        <p14:creationId xmlns:p14="http://schemas.microsoft.com/office/powerpoint/2010/main" val="2320704513"/>
+      </p:ext>
+    </p:extLst>
+  </p:cSld>
+  <p:clrMapOvr>
+    <a:masterClrMapping/>
+  </p:clrMapOvr>
+  <p:timing>
+    <p:tnLst>
+      <p:par>
+        <p:cTn id="1" dur="indefinite" restart="never" nodeType="tmRoot"/>
+      </p:par>
+    </p:tnLst>
+  </p:timing>
+</p:sld>
+</file>
+
+<file path=ppt/slides/slide5.xml><?xml version="1.0" encoding="utf-8"?>
+<p:sld xmlns:a="http://schemas.openxmlformats.org/drawingml/2006/main" xmlns:r="http://schemas.openxmlformats.org/officeDocument/2006/relationships" xmlns:p="http://schemas.openxmlformats.org/presentationml/2006/main">
+  <p:cSld>
+    <p:spTree>
+      <p:nvGrpSpPr>
+        <p:cNvPr id="1" name=""/>
+        <p:cNvGrpSpPr/>
+        <p:nvPr/>
+      </p:nvGrpSpPr>
+      <p:grpSpPr>
+        <a:xfrm>
+          <a:off x="0" y="0"/>
+          <a:ext cx="0" cy="0"/>
+          <a:chOff x="0" y="0"/>
+          <a:chExt cx="0" cy="0"/>
+        </a:xfrm>
+      </p:grpSpPr>
+      <p:sp>
+        <p:nvSpPr>
+          <p:cNvPr id="12" name="TextBox 11"/>
+          <p:cNvSpPr txBox="1"/>
+          <p:nvPr/>
+        </p:nvSpPr>
+        <p:spPr>
+          <a:xfrm>
+            <a:off x="766645" y="4483690"/>
+            <a:ext cx="5342708" cy="1815882"/>
+          </a:xfrm>
+          <a:prstGeom prst="rect">
+            <a:avLst/>
+          </a:prstGeom>
+          <a:noFill/>
+        </p:spPr>
+        <p:txBody>
+          <a:bodyPr wrap="square" rtlCol="0">
+            <a:spAutoFit/>
+          </a:bodyPr>
+          <a:lstStyle/>
+          <a:p>
+            <a:pPr algn="ctr"/>
+            <a:r>
+              <a:rPr lang="en-US" sz="4400" b="1" cap="all" dirty="0" smtClean="0">
+                <a:solidFill>
+                  <a:srgbClr val="FF8C52"/>
+                </a:solidFill>
+                <a:latin typeface="Oxygen" panose="02000503000000000000" pitchFamily="2" charset="0"/>
+              </a:rPr>
+              <a:t>Avishek Sir</a:t>
+            </a:r>
+          </a:p>
+          <a:p>
+            <a:pPr algn="ctr"/>
+            <a:r>
+              <a:rPr lang="en-US" sz="2400" b="1" dirty="0" smtClean="0">
+                <a:solidFill>
+                  <a:srgbClr val="FF8C52"/>
+                </a:solidFill>
+                <a:latin typeface="Oxygen" panose="02000503000000000000" pitchFamily="2" charset="0"/>
+              </a:rPr>
+              <a:t>Avishek Adhikari</a:t>
+            </a:r>
+            <a:endParaRPr lang="en-US" sz="2800" b="1" dirty="0" smtClean="0">
+              <a:solidFill>
+                <a:srgbClr val="FF8C52"/>
+              </a:solidFill>
+              <a:latin typeface="Oxygen" panose="02000503000000000000" pitchFamily="2" charset="0"/>
+            </a:endParaRPr>
+          </a:p>
+          <a:p>
+            <a:pPr algn="ctr"/>
+            <a:endParaRPr lang="en-US" sz="1200" b="1" dirty="0" smtClean="0">
+              <a:solidFill>
+                <a:srgbClr val="FF8C52"/>
+              </a:solidFill>
+              <a:latin typeface="Oxygen" panose="02000503000000000000" pitchFamily="2" charset="0"/>
+            </a:endParaRPr>
+          </a:p>
+          <a:p>
+            <a:pPr algn="ctr"/>
+            <a:r>
+              <a:rPr lang="en-US" sz="2800" b="1" cap="small" dirty="0" smtClean="0">
+                <a:solidFill>
+                  <a:srgbClr val="FF8C52"/>
+                </a:solidFill>
+                <a:latin typeface="Oxygen" panose="02000503000000000000" pitchFamily="2" charset="0"/>
+              </a:rPr>
+              <a:t>Physic</a:t>
+            </a:r>
+            <a:r>
+              <a:rPr lang="en-US" sz="2800" b="1" cap="small" dirty="0" smtClean="0">
+                <a:solidFill>
+                  <a:srgbClr val="FF8C52"/>
+                </a:solidFill>
+                <a:latin typeface="Oxygen" panose="02000503000000000000" pitchFamily="2" charset="0"/>
+              </a:rPr>
+              <a:t>s </a:t>
+            </a:r>
+            <a:r>
+              <a:rPr lang="en-US" sz="2800" b="1" cap="small" dirty="0" smtClean="0">
+                <a:solidFill>
+                  <a:srgbClr val="FF8C52"/>
+                </a:solidFill>
+                <a:latin typeface="Oxygen" panose="02000503000000000000" pitchFamily="2" charset="0"/>
+              </a:rPr>
+              <a:t>- VIII – XII</a:t>
+            </a:r>
+            <a:endParaRPr lang="en-US" sz="1100" b="1" cap="small" dirty="0">
+              <a:solidFill>
+                <a:srgbClr val="FF8C52"/>
+              </a:solidFill>
+              <a:latin typeface="Oxygen" panose="02000503000000000000" pitchFamily="2" charset="0"/>
+            </a:endParaRPr>
+          </a:p>
+        </p:txBody>
+      </p:sp>
+      <p:sp>
+        <p:nvSpPr>
+          <p:cNvPr id="13" name="TextBox 12"/>
+          <p:cNvSpPr txBox="1"/>
+          <p:nvPr/>
+        </p:nvSpPr>
+        <p:spPr>
+          <a:xfrm>
+            <a:off x="190500" y="8213193"/>
+            <a:ext cx="6522720" cy="1246495"/>
+          </a:xfrm>
+          <a:prstGeom prst="rect">
+            <a:avLst/>
+          </a:prstGeom>
+          <a:noFill/>
+        </p:spPr>
+        <p:txBody>
+          <a:bodyPr wrap="square" rtlCol="0">
+            <a:spAutoFit/>
+          </a:bodyPr>
+          <a:lstStyle/>
+          <a:p>
+            <a:r>
+              <a:rPr lang="en-US" b="1" i="1" dirty="0" smtClean="0">
+                <a:solidFill>
+                  <a:srgbClr val="FF8C52"/>
+                </a:solidFill>
+                <a:latin typeface="Oxygen" panose="02000503000000000000" pitchFamily="2" charset="0"/>
+              </a:rPr>
+              <a:t>Neel depended on him so much to score !</a:t>
+            </a:r>
+          </a:p>
+          <a:p>
+            <a:r>
+              <a:rPr lang="en-US" b="1" dirty="0">
+                <a:solidFill>
+                  <a:srgbClr val="FF8C52"/>
+                </a:solidFill>
+                <a:latin typeface="Oxygen" panose="02000503000000000000" pitchFamily="2" charset="0"/>
+              </a:rPr>
+              <a:t> </a:t>
+            </a:r>
+            <a:r>
+              <a:rPr lang="en-US" b="1" dirty="0" smtClean="0">
+                <a:solidFill>
+                  <a:srgbClr val="FF8C52"/>
+                </a:solidFill>
+                <a:latin typeface="Oxygen" panose="02000503000000000000" pitchFamily="2" charset="0"/>
+              </a:rPr>
+              <a:t>                                                                       </a:t>
+            </a:r>
+            <a:r>
+              <a:rPr lang="en-US" sz="1400" b="1" dirty="0" smtClean="0">
+                <a:solidFill>
+                  <a:srgbClr val="FF8C52"/>
+                </a:solidFill>
+                <a:latin typeface="Oxygen" panose="02000503000000000000" pitchFamily="2" charset="0"/>
+              </a:rPr>
+              <a:t>– Neel’s mother</a:t>
+            </a:r>
+          </a:p>
+          <a:p>
+            <a:endParaRPr lang="en-US" sz="300" b="1" dirty="0" smtClean="0">
+              <a:solidFill>
+                <a:srgbClr val="FF8C52"/>
+              </a:solidFill>
+              <a:latin typeface="Oxygen" panose="02000503000000000000" pitchFamily="2" charset="0"/>
+            </a:endParaRPr>
+          </a:p>
+          <a:p>
+            <a:r>
+              <a:rPr lang="en-US" b="1" i="1" dirty="0" smtClean="0">
+                <a:solidFill>
+                  <a:srgbClr val="FF8C52"/>
+                </a:solidFill>
+                <a:latin typeface="Oxygen" panose="02000503000000000000" pitchFamily="2" charset="0"/>
+              </a:rPr>
+              <a:t>Explains well, takes tests &amp; clears all doubts. Excellent!</a:t>
+            </a:r>
+          </a:p>
+          <a:p>
+            <a:r>
+              <a:rPr lang="en-US" b="1" dirty="0">
+                <a:solidFill>
+                  <a:srgbClr val="FF8C52"/>
+                </a:solidFill>
+                <a:latin typeface="Oxygen" panose="02000503000000000000" pitchFamily="2" charset="0"/>
+              </a:rPr>
+              <a:t> </a:t>
+            </a:r>
+            <a:r>
+              <a:rPr lang="en-US" b="1" dirty="0" smtClean="0">
+                <a:solidFill>
+                  <a:srgbClr val="FF8C52"/>
+                </a:solidFill>
+                <a:latin typeface="Oxygen" panose="02000503000000000000" pitchFamily="2" charset="0"/>
+              </a:rPr>
+              <a:t>                                                                       </a:t>
+            </a:r>
+            <a:r>
+              <a:rPr lang="en-US" sz="1400" b="1" dirty="0">
+                <a:solidFill>
+                  <a:srgbClr val="FF8C52"/>
+                </a:solidFill>
+                <a:latin typeface="Oxygen" panose="02000503000000000000" pitchFamily="2" charset="0"/>
+              </a:rPr>
+              <a:t>– Emon Kalsa’s </a:t>
+            </a:r>
+            <a:r>
+              <a:rPr lang="en-US" sz="1400" b="1" dirty="0" smtClean="0">
+                <a:solidFill>
+                  <a:srgbClr val="FF8C52"/>
+                </a:solidFill>
+                <a:latin typeface="Oxygen" panose="02000503000000000000" pitchFamily="2" charset="0"/>
+              </a:rPr>
+              <a:t>mother </a:t>
+            </a:r>
+            <a:endParaRPr lang="en-AU" sz="1400" b="1" dirty="0">
+              <a:solidFill>
+                <a:srgbClr val="FF8C52"/>
+              </a:solidFill>
+              <a:latin typeface="Oxygen" panose="02000503000000000000" pitchFamily="2" charset="0"/>
+            </a:endParaRPr>
+          </a:p>
+        </p:txBody>
+      </p:sp>
+      <p:sp>
+        <p:nvSpPr>
+          <p:cNvPr id="10" name="TextBox 9"/>
+          <p:cNvSpPr txBox="1"/>
+          <p:nvPr/>
+        </p:nvSpPr>
+        <p:spPr>
+          <a:xfrm>
+            <a:off x="295004" y="6408797"/>
+            <a:ext cx="3555272" cy="1569660"/>
+          </a:xfrm>
+          <a:prstGeom prst="rect">
+            <a:avLst/>
+          </a:prstGeom>
+          <a:noFill/>
+        </p:spPr>
+        <p:txBody>
+          <a:bodyPr wrap="square" rtlCol="0">
+            <a:spAutoFit/>
+          </a:bodyPr>
+          <a:lstStyle/>
+          <a:p>
+            <a:pPr marL="285750" indent="-285750">
+              <a:lnSpc>
+                <a:spcPct val="200000"/>
+              </a:lnSpc>
+              <a:buFont typeface="Wingdings" panose="05000000000000000000" pitchFamily="2" charset="2"/>
+              <a:buChar char="v"/>
+            </a:pPr>
+            <a:r>
+              <a:rPr lang="en-US" sz="1600" b="1" dirty="0" smtClean="0">
+                <a:solidFill>
+                  <a:srgbClr val="FF8C52"/>
+                </a:solidFill>
+                <a:latin typeface="Oxygen" panose="02000503000000000000" pitchFamily="2" charset="0"/>
+              </a:rPr>
+              <a:t>Cracked IIT, ISI PhD (Ongoing)</a:t>
+            </a:r>
+          </a:p>
+          <a:p>
+            <a:pPr marL="285750" indent="-285750">
+              <a:lnSpc>
+                <a:spcPct val="200000"/>
+              </a:lnSpc>
+              <a:buFont typeface="Wingdings" panose="05000000000000000000" pitchFamily="2" charset="2"/>
+              <a:buChar char="v"/>
+            </a:pPr>
+            <a:r>
+              <a:rPr lang="en-US" sz="1600" b="1" dirty="0" smtClean="0">
+                <a:solidFill>
+                  <a:srgbClr val="FF8C52"/>
+                </a:solidFill>
+                <a:latin typeface="Oxygen" panose="02000503000000000000" pitchFamily="2" charset="0"/>
+              </a:rPr>
+              <a:t>8 Yrs Exp. &amp; Detail Oriented</a:t>
+            </a:r>
+          </a:p>
+          <a:p>
+            <a:pPr marL="285750" indent="-285750">
+              <a:lnSpc>
+                <a:spcPct val="200000"/>
+              </a:lnSpc>
+              <a:buFont typeface="Wingdings" panose="05000000000000000000" pitchFamily="2" charset="2"/>
+              <a:buChar char="v"/>
+            </a:pPr>
+            <a:r>
+              <a:rPr lang="en-US" sz="1600" b="1" dirty="0" smtClean="0">
+                <a:solidFill>
+                  <a:srgbClr val="FF8C52"/>
+                </a:solidFill>
+                <a:latin typeface="Oxygen" panose="02000503000000000000" pitchFamily="2" charset="0"/>
+              </a:rPr>
+              <a:t>Lots of Successful Students</a:t>
+            </a:r>
+            <a:endParaRPr lang="en-AU" sz="1600" b="1" dirty="0">
+              <a:solidFill>
+                <a:srgbClr val="FF8C52"/>
+              </a:solidFill>
+              <a:latin typeface="Oxygen" panose="02000503000000000000" pitchFamily="2" charset="0"/>
+            </a:endParaRPr>
+          </a:p>
+        </p:txBody>
+      </p:sp>
+      <mc:AlternateContent xmlns:mc="http://schemas.openxmlformats.org/markup-compatibility/2006">
+        <mc:Choice xmlns:a14="http://schemas.microsoft.com/office/drawing/2010/main" Requires="a14">
+          <p:sp>
+            <p:nvSpPr>
+              <p:cNvPr id="14" name="TextBox 13"/>
+              <p:cNvSpPr txBox="1"/>
+              <p:nvPr/>
+            </p:nvSpPr>
+            <p:spPr>
+              <a:xfrm>
+                <a:off x="3706583" y="6395734"/>
+                <a:ext cx="3038790" cy="1677382"/>
+              </a:xfrm>
+              <a:prstGeom prst="rect">
+                <a:avLst/>
+              </a:prstGeom>
+              <a:noFill/>
+            </p:spPr>
+            <p:txBody>
+              <a:bodyPr wrap="square" rtlCol="0">
+                <a:spAutoFit/>
+              </a:bodyPr>
+              <a:lstStyle/>
+              <a:p>
+                <a:pPr marL="285750" indent="-285750">
+                  <a:lnSpc>
+                    <a:spcPct val="150000"/>
+                  </a:lnSpc>
+                  <a:buFont typeface="Wingdings" panose="05000000000000000000" pitchFamily="2" charset="2"/>
+                  <a:buChar char="v"/>
+                </a:pPr>
+                <a14:m>
+                  <m:oMath xmlns:m="http://schemas.openxmlformats.org/officeDocument/2006/math">
+                    <m:f>
+                      <m:fPr>
+                        <m:ctrlPr>
+                          <a:rPr lang="en-AU" i="1" smtClean="0">
+                            <a:solidFill>
+                              <a:srgbClr val="FF8C52"/>
+                            </a:solidFill>
+                            <a:latin typeface="Cambria Math" panose="02040503050406030204" pitchFamily="18" charset="0"/>
+                          </a:rPr>
+                        </m:ctrlPr>
+                      </m:fPr>
+                      <m:num>
+                        <m:r>
+                          <a:rPr lang="en-AU" b="0">
+                            <a:solidFill>
+                              <a:srgbClr val="FF8C52"/>
+                            </a:solidFill>
+                            <a:latin typeface="Cambria Math" panose="02040503050406030204" pitchFamily="18" charset="0"/>
+                          </a:rPr>
+                          <m:t>100</m:t>
+                        </m:r>
+                      </m:num>
+                      <m:den>
+                        <m:r>
+                          <a:rPr lang="en-AU" b="0">
+                            <a:solidFill>
+                              <a:srgbClr val="FF8C52"/>
+                            </a:solidFill>
+                            <a:latin typeface="Cambria Math" panose="02040503050406030204" pitchFamily="18" charset="0"/>
+                          </a:rPr>
+                          <m:t>100</m:t>
+                        </m:r>
+                      </m:den>
+                    </m:f>
+                  </m:oMath>
+                </a14:m>
+                <a:r>
+                  <a:rPr lang="en-US" sz="1600" b="1" dirty="0">
+                    <a:solidFill>
+                      <a:srgbClr val="FF8C52"/>
+                    </a:solidFill>
+                    <a:latin typeface="Oxygen" panose="02000503000000000000" pitchFamily="2" charset="0"/>
+                  </a:rPr>
+                  <a:t> in </a:t>
+                </a:r>
+                <a:r>
+                  <a:rPr lang="en-US" sz="1600" b="1" dirty="0" smtClean="0">
+                    <a:solidFill>
+                      <a:srgbClr val="FF8C52"/>
+                    </a:solidFill>
+                    <a:latin typeface="Oxygen" panose="02000503000000000000" pitchFamily="2" charset="0"/>
+                  </a:rPr>
+                  <a:t>Maths in HS &amp; 10</a:t>
+                </a:r>
+                <a:r>
+                  <a:rPr lang="en-US" sz="1600" b="1" baseline="30000" dirty="0" smtClean="0">
+                    <a:solidFill>
+                      <a:srgbClr val="FF8C52"/>
+                    </a:solidFill>
+                    <a:latin typeface="Oxygen" panose="02000503000000000000" pitchFamily="2" charset="0"/>
+                  </a:rPr>
+                  <a:t>th</a:t>
+                </a:r>
+                <a:r>
+                  <a:rPr lang="en-US" sz="1600" b="1" dirty="0" smtClean="0">
+                    <a:solidFill>
+                      <a:srgbClr val="FF8C52"/>
+                    </a:solidFill>
+                    <a:latin typeface="Oxygen" panose="02000503000000000000" pitchFamily="2" charset="0"/>
+                  </a:rPr>
+                  <a:t>   </a:t>
+                </a:r>
+              </a:p>
+              <a:p>
+                <a:pPr marL="285750" indent="-285750">
+                  <a:lnSpc>
+                    <a:spcPct val="200000"/>
+                  </a:lnSpc>
+                  <a:buFont typeface="Wingdings" panose="05000000000000000000" pitchFamily="2" charset="2"/>
+                  <a:buChar char="v"/>
+                </a:pPr>
+                <a:r>
+                  <a:rPr lang="en-US" sz="1600" b="1" dirty="0" smtClean="0">
+                    <a:solidFill>
+                      <a:srgbClr val="FF8C52"/>
+                    </a:solidFill>
+                    <a:latin typeface="Oxygen" panose="02000503000000000000" pitchFamily="2" charset="0"/>
+                  </a:rPr>
+                  <a:t>B.Sc. Math CU 1</a:t>
+                </a:r>
+                <a:r>
+                  <a:rPr lang="en-US" sz="1600" b="1" baseline="30000" dirty="0" smtClean="0">
+                    <a:solidFill>
+                      <a:srgbClr val="FF8C52"/>
+                    </a:solidFill>
+                    <a:latin typeface="Oxygen" panose="02000503000000000000" pitchFamily="2" charset="0"/>
+                  </a:rPr>
+                  <a:t>st</a:t>
+                </a:r>
+                <a:r>
+                  <a:rPr lang="en-US" sz="1600" b="1" dirty="0" smtClean="0">
+                    <a:solidFill>
+                      <a:srgbClr val="FF8C52"/>
+                    </a:solidFill>
+                    <a:latin typeface="Oxygen" panose="02000503000000000000" pitchFamily="2" charset="0"/>
+                  </a:rPr>
+                  <a:t> Class 1</a:t>
+                </a:r>
+                <a:r>
+                  <a:rPr lang="en-US" sz="1600" b="1" baseline="30000" dirty="0" smtClean="0">
+                    <a:solidFill>
+                      <a:srgbClr val="FF8C52"/>
+                    </a:solidFill>
+                    <a:latin typeface="Oxygen" panose="02000503000000000000" pitchFamily="2" charset="0"/>
+                  </a:rPr>
+                  <a:t>st</a:t>
+                </a:r>
+              </a:p>
+              <a:p>
+                <a:pPr marL="285750" indent="-285750">
+                  <a:lnSpc>
+                    <a:spcPct val="200000"/>
+                  </a:lnSpc>
+                  <a:buFont typeface="Wingdings" panose="05000000000000000000" pitchFamily="2" charset="2"/>
+                  <a:buChar char="v"/>
+                </a:pPr>
+                <a:r>
+                  <a:rPr lang="en-US" sz="1600" b="1" dirty="0" smtClean="0">
+                    <a:solidFill>
+                      <a:srgbClr val="FF8C52"/>
+                    </a:solidFill>
+                    <a:latin typeface="Oxygen" panose="02000503000000000000" pitchFamily="2" charset="0"/>
+                  </a:rPr>
+                  <a:t>M.Sc</a:t>
+                </a:r>
+                <a:r>
+                  <a:rPr lang="en-US" sz="1600" b="1" dirty="0">
+                    <a:solidFill>
+                      <a:srgbClr val="FF8C52"/>
+                    </a:solidFill>
+                    <a:latin typeface="Oxygen" panose="02000503000000000000" pitchFamily="2" charset="0"/>
+                  </a:rPr>
+                  <a:t>. Math CU 1</a:t>
+                </a:r>
+                <a:r>
+                  <a:rPr lang="en-US" sz="1600" b="1" baseline="30000" dirty="0">
+                    <a:solidFill>
+                      <a:srgbClr val="FF8C52"/>
+                    </a:solidFill>
+                    <a:latin typeface="Oxygen" panose="02000503000000000000" pitchFamily="2" charset="0"/>
+                  </a:rPr>
+                  <a:t>st</a:t>
+                </a:r>
+                <a:r>
+                  <a:rPr lang="en-US" sz="1600" b="1" dirty="0">
+                    <a:solidFill>
+                      <a:srgbClr val="FF8C52"/>
+                    </a:solidFill>
+                    <a:latin typeface="Oxygen" panose="02000503000000000000" pitchFamily="2" charset="0"/>
+                  </a:rPr>
+                  <a:t> Class </a:t>
+                </a:r>
+                <a:r>
+                  <a:rPr lang="en-US" sz="1600" b="1" dirty="0" smtClean="0">
+                    <a:solidFill>
+                      <a:srgbClr val="FF8C52"/>
+                    </a:solidFill>
+                    <a:latin typeface="Oxygen" panose="02000503000000000000" pitchFamily="2" charset="0"/>
+                  </a:rPr>
+                  <a:t>1</a:t>
+                </a:r>
+                <a:r>
+                  <a:rPr lang="en-US" sz="1600" b="1" baseline="30000" dirty="0" smtClean="0">
+                    <a:solidFill>
+                      <a:srgbClr val="FF8C52"/>
+                    </a:solidFill>
+                    <a:latin typeface="Oxygen" panose="02000503000000000000" pitchFamily="2" charset="0"/>
+                  </a:rPr>
+                  <a:t>st</a:t>
+                </a:r>
+                <a:endParaRPr lang="en-US" sz="1600" b="1" dirty="0" smtClean="0">
+                  <a:solidFill>
+                    <a:srgbClr val="FF8C52"/>
+                  </a:solidFill>
+                  <a:latin typeface="Oxygen" panose="02000503000000000000" pitchFamily="2" charset="0"/>
+                </a:endParaRPr>
+              </a:p>
+            </p:txBody>
+          </p:sp>
+        </mc:Choice>
         <mc:Fallback>
           <p:sp>
             <p:nvSpPr>
@@ -5622,13 +6314,13 @@
       </p:pic>
       <p:sp>
         <p:nvSpPr>
-          <p:cNvPr id="11" name="Rectangle 10"/>
+          <p:cNvPr id="9" name="Rectangle 8"/>
           <p:cNvSpPr/>
           <p:nvPr/>
         </p:nvSpPr>
         <p:spPr>
           <a:xfrm>
-            <a:off x="1442794" y="375334"/>
+            <a:off x="1443595" y="389644"/>
             <a:ext cx="4016529" cy="4017435"/>
           </a:xfrm>
           <a:prstGeom prst="rect">
@@ -5637,12 +6329,12 @@
           <a:gradFill>
             <a:gsLst>
               <a:gs pos="70000">
-                <a:srgbClr val="FF8C52"/>
+                <a:srgbClr val="FFFFFF"/>
               </a:gs>
               <a:gs pos="62000">
-                <a:srgbClr val="FF8C52">
+                <a:schemeClr val="bg1">
                   <a:alpha val="0"/>
-                </a:srgbClr>
+                </a:schemeClr>
               </a:gs>
             </a:gsLst>
             <a:path path="circle">
@@ -5681,7 +6373,7 @@
     </p:spTree>
     <p:extLst>
       <p:ext uri="{BB962C8B-B14F-4D97-AF65-F5344CB8AC3E}">
-        <p14:creationId xmlns:p14="http://schemas.microsoft.com/office/powerpoint/2010/main" val="2320704513"/>
+        <p14:creationId xmlns:p14="http://schemas.microsoft.com/office/powerpoint/2010/main" val="3413235718"/>
       </p:ext>
     </p:extLst>
   </p:cSld>

--- a/Offline/TeacherRecruitment/TeacherProfiles.pptx
+++ b/Offline/TeacherRecruitment/TeacherProfiles.pptx
@@ -5,7 +5,7 @@
     <p:sldMasterId id="2147483684" r:id="rId1"/>
   </p:sldMasterIdLst>
   <p:notesMasterIdLst>
-    <p:notesMasterId r:id="rId7"/>
+    <p:notesMasterId r:id="rId9"/>
   </p:notesMasterIdLst>
   <p:sldIdLst>
     <p:sldId id="256" r:id="rId2"/>
@@ -13,6 +13,8 @@
     <p:sldId id="258" r:id="rId4"/>
     <p:sldId id="259" r:id="rId5"/>
     <p:sldId id="260" r:id="rId6"/>
+    <p:sldId id="261" r:id="rId7"/>
+    <p:sldId id="262" r:id="rId8"/>
   </p:sldIdLst>
   <p:sldSz cx="6858000" cy="9906000" type="A4"/>
   <p:notesSz cx="6858000" cy="9144000"/>
@@ -113,7 +115,7 @@
   </p:defaultTextStyle>
   <p:extLst>
     <p:ext uri="{EFAFB233-063F-42B5-8137-9DF3F51BA10A}">
-      <p15:sldGuideLst xmlns:p15="http://schemas.microsoft.com/office/powerpoint/2012/main"/>
+      <p15:sldGuideLst xmlns:p15="http://schemas.microsoft.com/office/powerpoint/2012/main" xmlns=""/>
     </p:ext>
   </p:extLst>
 </p:presentation>
@@ -201,7 +203,8 @@
           <a:p>
             <a:fld id="{6764DD48-56A0-4B4D-A41F-45145E2B25F0}" type="datetimeFigureOut">
               <a:rPr lang="en-AU" smtClean="0"/>
-              <a:t>20/06/2023</a:t>
+              <a:pPr/>
+              <a:t>22/06/2023</a:t>
             </a:fld>
             <a:endParaRPr lang="en-AU"/>
           </a:p>
@@ -360,6 +363,7 @@
           <a:p>
             <a:fld id="{42B418AD-C6CF-4435-83C2-98AD00D4BAE8}" type="slidenum">
               <a:rPr lang="en-AU" smtClean="0"/>
+              <a:pPr/>
               <a:t>‹#›</a:t>
             </a:fld>
             <a:endParaRPr lang="en-AU"/>
@@ -369,7 +373,7 @@
     </p:spTree>
     <p:extLst>
       <p:ext uri="{BB962C8B-B14F-4D97-AF65-F5344CB8AC3E}">
-        <p14:creationId xmlns:p14="http://schemas.microsoft.com/office/powerpoint/2010/main" val="3380572074"/>
+        <p14:creationId xmlns:p14="http://schemas.microsoft.com/office/powerpoint/2010/main" xmlns="" val="3380572074"/>
       </p:ext>
     </p:extLst>
   </p:cSld>
@@ -534,6 +538,7 @@
           <a:p>
             <a:fld id="{42B418AD-C6CF-4435-83C2-98AD00D4BAE8}" type="slidenum">
               <a:rPr lang="en-AU" smtClean="0"/>
+              <a:pPr/>
               <a:t>2</a:t>
             </a:fld>
             <a:endParaRPr lang="en-AU"/>
@@ -543,7 +548,7 @@
     </p:spTree>
     <p:extLst>
       <p:ext uri="{BB962C8B-B14F-4D97-AF65-F5344CB8AC3E}">
-        <p14:creationId xmlns:p14="http://schemas.microsoft.com/office/powerpoint/2010/main" val="3631863043"/>
+        <p14:creationId xmlns:p14="http://schemas.microsoft.com/office/powerpoint/2010/main" xmlns="" val="3631863043"/>
       </p:ext>
     </p:extLst>
   </p:cSld>
@@ -618,6 +623,7 @@
           <a:p>
             <a:fld id="{42B418AD-C6CF-4435-83C2-98AD00D4BAE8}" type="slidenum">
               <a:rPr lang="en-AU" smtClean="0"/>
+              <a:pPr/>
               <a:t>4</a:t>
             </a:fld>
             <a:endParaRPr lang="en-AU"/>
@@ -627,7 +633,7 @@
     </p:spTree>
     <p:extLst>
       <p:ext uri="{BB962C8B-B14F-4D97-AF65-F5344CB8AC3E}">
-        <p14:creationId xmlns:p14="http://schemas.microsoft.com/office/powerpoint/2010/main" val="405947843"/>
+        <p14:creationId xmlns:p14="http://schemas.microsoft.com/office/powerpoint/2010/main" xmlns="" val="405947843"/>
       </p:ext>
     </p:extLst>
   </p:cSld>
@@ -702,6 +708,7 @@
           <a:p>
             <a:fld id="{42B418AD-C6CF-4435-83C2-98AD00D4BAE8}" type="slidenum">
               <a:rPr lang="en-AU" smtClean="0"/>
+              <a:pPr/>
               <a:t>5</a:t>
             </a:fld>
             <a:endParaRPr lang="en-AU"/>
@@ -711,7 +718,177 @@
     </p:spTree>
     <p:extLst>
       <p:ext uri="{BB962C8B-B14F-4D97-AF65-F5344CB8AC3E}">
-        <p14:creationId xmlns:p14="http://schemas.microsoft.com/office/powerpoint/2010/main" val="3275884807"/>
+        <p14:creationId xmlns:p14="http://schemas.microsoft.com/office/powerpoint/2010/main" xmlns="" val="3275884807"/>
+      </p:ext>
+    </p:extLst>
+  </p:cSld>
+  <p:clrMapOvr>
+    <a:masterClrMapping/>
+  </p:clrMapOvr>
+</p:notes>
+</file>
+
+<file path=ppt/notesSlides/notesSlide4.xml><?xml version="1.0" encoding="utf-8"?>
+<p:notes xmlns:a="http://schemas.openxmlformats.org/drawingml/2006/main" xmlns:r="http://schemas.openxmlformats.org/officeDocument/2006/relationships" xmlns:p="http://schemas.openxmlformats.org/presentationml/2006/main">
+  <p:cSld>
+    <p:spTree>
+      <p:nvGrpSpPr>
+        <p:cNvPr id="1" name=""/>
+        <p:cNvGrpSpPr/>
+        <p:nvPr/>
+      </p:nvGrpSpPr>
+      <p:grpSpPr>
+        <a:xfrm>
+          <a:off x="0" y="0"/>
+          <a:ext cx="0" cy="0"/>
+          <a:chOff x="0" y="0"/>
+          <a:chExt cx="0" cy="0"/>
+        </a:xfrm>
+      </p:grpSpPr>
+      <p:sp>
+        <p:nvSpPr>
+          <p:cNvPr id="2" name="Slide Image Placeholder 1"/>
+          <p:cNvSpPr>
+            <a:spLocks noGrp="1" noRot="1" noChangeAspect="1"/>
+          </p:cNvSpPr>
+          <p:nvPr>
+            <p:ph type="sldImg"/>
+          </p:nvPr>
+        </p:nvSpPr>
+        <p:spPr/>
+      </p:sp>
+      <p:sp>
+        <p:nvSpPr>
+          <p:cNvPr id="3" name="Notes Placeholder 2"/>
+          <p:cNvSpPr>
+            <a:spLocks noGrp="1"/>
+          </p:cNvSpPr>
+          <p:nvPr>
+            <p:ph type="body" idx="1"/>
+          </p:nvPr>
+        </p:nvSpPr>
+        <p:spPr/>
+        <p:txBody>
+          <a:bodyPr/>
+          <a:lstStyle/>
+          <a:p>
+            <a:endParaRPr lang="en-AU" dirty="0"/>
+          </a:p>
+        </p:txBody>
+      </p:sp>
+      <p:sp>
+        <p:nvSpPr>
+          <p:cNvPr id="4" name="Slide Number Placeholder 3"/>
+          <p:cNvSpPr>
+            <a:spLocks noGrp="1"/>
+          </p:cNvSpPr>
+          <p:nvPr>
+            <p:ph type="sldNum" sz="quarter" idx="10"/>
+          </p:nvPr>
+        </p:nvSpPr>
+        <p:spPr/>
+        <p:txBody>
+          <a:bodyPr/>
+          <a:lstStyle/>
+          <a:p>
+            <a:fld id="{42B418AD-C6CF-4435-83C2-98AD00D4BAE8}" type="slidenum">
+              <a:rPr lang="en-AU" smtClean="0"/>
+              <a:pPr/>
+              <a:t>6</a:t>
+            </a:fld>
+            <a:endParaRPr lang="en-AU"/>
+          </a:p>
+        </p:txBody>
+      </p:sp>
+    </p:spTree>
+    <p:extLst>
+      <p:ext uri="{BB962C8B-B14F-4D97-AF65-F5344CB8AC3E}">
+        <p14:creationId xmlns:p14="http://schemas.microsoft.com/office/powerpoint/2010/main" xmlns="" val="405947843"/>
+      </p:ext>
+    </p:extLst>
+  </p:cSld>
+  <p:clrMapOvr>
+    <a:masterClrMapping/>
+  </p:clrMapOvr>
+</p:notes>
+</file>
+
+<file path=ppt/notesSlides/notesSlide5.xml><?xml version="1.0" encoding="utf-8"?>
+<p:notes xmlns:a="http://schemas.openxmlformats.org/drawingml/2006/main" xmlns:r="http://schemas.openxmlformats.org/officeDocument/2006/relationships" xmlns:p="http://schemas.openxmlformats.org/presentationml/2006/main">
+  <p:cSld>
+    <p:spTree>
+      <p:nvGrpSpPr>
+        <p:cNvPr id="1" name=""/>
+        <p:cNvGrpSpPr/>
+        <p:nvPr/>
+      </p:nvGrpSpPr>
+      <p:grpSpPr>
+        <a:xfrm>
+          <a:off x="0" y="0"/>
+          <a:ext cx="0" cy="0"/>
+          <a:chOff x="0" y="0"/>
+          <a:chExt cx="0" cy="0"/>
+        </a:xfrm>
+      </p:grpSpPr>
+      <p:sp>
+        <p:nvSpPr>
+          <p:cNvPr id="2" name="Slide Image Placeholder 1"/>
+          <p:cNvSpPr>
+            <a:spLocks noGrp="1" noRot="1" noChangeAspect="1"/>
+          </p:cNvSpPr>
+          <p:nvPr>
+            <p:ph type="sldImg"/>
+          </p:nvPr>
+        </p:nvSpPr>
+        <p:spPr/>
+      </p:sp>
+      <p:sp>
+        <p:nvSpPr>
+          <p:cNvPr id="3" name="Notes Placeholder 2"/>
+          <p:cNvSpPr>
+            <a:spLocks noGrp="1"/>
+          </p:cNvSpPr>
+          <p:nvPr>
+            <p:ph type="body" idx="1"/>
+          </p:nvPr>
+        </p:nvSpPr>
+        <p:spPr/>
+        <p:txBody>
+          <a:bodyPr/>
+          <a:lstStyle/>
+          <a:p>
+            <a:endParaRPr lang="en-AU" dirty="0"/>
+          </a:p>
+        </p:txBody>
+      </p:sp>
+      <p:sp>
+        <p:nvSpPr>
+          <p:cNvPr id="4" name="Slide Number Placeholder 3"/>
+          <p:cNvSpPr>
+            <a:spLocks noGrp="1"/>
+          </p:cNvSpPr>
+          <p:nvPr>
+            <p:ph type="sldNum" sz="quarter" idx="10"/>
+          </p:nvPr>
+        </p:nvSpPr>
+        <p:spPr/>
+        <p:txBody>
+          <a:bodyPr/>
+          <a:lstStyle/>
+          <a:p>
+            <a:fld id="{42B418AD-C6CF-4435-83C2-98AD00D4BAE8}" type="slidenum">
+              <a:rPr lang="en-AU" smtClean="0"/>
+              <a:pPr/>
+              <a:t>7</a:t>
+            </a:fld>
+            <a:endParaRPr lang="en-AU"/>
+          </a:p>
+        </p:txBody>
+      </p:sp>
+    </p:spTree>
+    <p:extLst>
+      <p:ext uri="{BB962C8B-B14F-4D97-AF65-F5344CB8AC3E}">
+        <p14:creationId xmlns:p14="http://schemas.microsoft.com/office/powerpoint/2010/main" xmlns="" val="3275884807"/>
       </p:ext>
     </p:extLst>
   </p:cSld>
@@ -852,7 +1029,8 @@
           <a:p>
             <a:fld id="{9E4B7CBB-5626-4F1A-8460-268C0F5172D8}" type="datetimeFigureOut">
               <a:rPr lang="en-AU" smtClean="0"/>
-              <a:t>20/06/2023</a:t>
+              <a:pPr/>
+              <a:t>22/06/2023</a:t>
             </a:fld>
             <a:endParaRPr lang="en-AU"/>
           </a:p>
@@ -894,6 +1072,7 @@
           <a:p>
             <a:fld id="{727512F5-BD65-45BF-ADC9-046F65FA3506}" type="slidenum">
               <a:rPr lang="en-AU" smtClean="0"/>
+              <a:pPr/>
               <a:t>‹#›</a:t>
             </a:fld>
             <a:endParaRPr lang="en-AU"/>
@@ -903,7 +1082,7 @@
     </p:spTree>
     <p:extLst>
       <p:ext uri="{BB962C8B-B14F-4D97-AF65-F5344CB8AC3E}">
-        <p14:creationId xmlns:p14="http://schemas.microsoft.com/office/powerpoint/2010/main" val="4041747433"/>
+        <p14:creationId xmlns:p14="http://schemas.microsoft.com/office/powerpoint/2010/main" xmlns="" val="4041747433"/>
       </p:ext>
     </p:extLst>
   </p:cSld>
@@ -1022,7 +1201,8 @@
           <a:p>
             <a:fld id="{9E4B7CBB-5626-4F1A-8460-268C0F5172D8}" type="datetimeFigureOut">
               <a:rPr lang="en-AU" smtClean="0"/>
-              <a:t>20/06/2023</a:t>
+              <a:pPr/>
+              <a:t>22/06/2023</a:t>
             </a:fld>
             <a:endParaRPr lang="en-AU"/>
           </a:p>
@@ -1064,6 +1244,7 @@
           <a:p>
             <a:fld id="{727512F5-BD65-45BF-ADC9-046F65FA3506}" type="slidenum">
               <a:rPr lang="en-AU" smtClean="0"/>
+              <a:pPr/>
               <a:t>‹#›</a:t>
             </a:fld>
             <a:endParaRPr lang="en-AU"/>
@@ -1073,7 +1254,7 @@
     </p:spTree>
     <p:extLst>
       <p:ext uri="{BB962C8B-B14F-4D97-AF65-F5344CB8AC3E}">
-        <p14:creationId xmlns:p14="http://schemas.microsoft.com/office/powerpoint/2010/main" val="3520490921"/>
+        <p14:creationId xmlns:p14="http://schemas.microsoft.com/office/powerpoint/2010/main" xmlns="" val="3520490921"/>
       </p:ext>
     </p:extLst>
   </p:cSld>
@@ -1202,7 +1383,8 @@
           <a:p>
             <a:fld id="{9E4B7CBB-5626-4F1A-8460-268C0F5172D8}" type="datetimeFigureOut">
               <a:rPr lang="en-AU" smtClean="0"/>
-              <a:t>20/06/2023</a:t>
+              <a:pPr/>
+              <a:t>22/06/2023</a:t>
             </a:fld>
             <a:endParaRPr lang="en-AU"/>
           </a:p>
@@ -1244,6 +1426,7 @@
           <a:p>
             <a:fld id="{727512F5-BD65-45BF-ADC9-046F65FA3506}" type="slidenum">
               <a:rPr lang="en-AU" smtClean="0"/>
+              <a:pPr/>
               <a:t>‹#›</a:t>
             </a:fld>
             <a:endParaRPr lang="en-AU"/>
@@ -1253,7 +1436,7 @@
     </p:spTree>
     <p:extLst>
       <p:ext uri="{BB962C8B-B14F-4D97-AF65-F5344CB8AC3E}">
-        <p14:creationId xmlns:p14="http://schemas.microsoft.com/office/powerpoint/2010/main" val="905774708"/>
+        <p14:creationId xmlns:p14="http://schemas.microsoft.com/office/powerpoint/2010/main" xmlns="" val="905774708"/>
       </p:ext>
     </p:extLst>
   </p:cSld>
@@ -1372,7 +1555,8 @@
           <a:p>
             <a:fld id="{9E4B7CBB-5626-4F1A-8460-268C0F5172D8}" type="datetimeFigureOut">
               <a:rPr lang="en-AU" smtClean="0"/>
-              <a:t>20/06/2023</a:t>
+              <a:pPr/>
+              <a:t>22/06/2023</a:t>
             </a:fld>
             <a:endParaRPr lang="en-AU"/>
           </a:p>
@@ -1414,6 +1598,7 @@
           <a:p>
             <a:fld id="{727512F5-BD65-45BF-ADC9-046F65FA3506}" type="slidenum">
               <a:rPr lang="en-AU" smtClean="0"/>
+              <a:pPr/>
               <a:t>‹#›</a:t>
             </a:fld>
             <a:endParaRPr lang="en-AU"/>
@@ -1423,7 +1608,7 @@
     </p:spTree>
     <p:extLst>
       <p:ext uri="{BB962C8B-B14F-4D97-AF65-F5344CB8AC3E}">
-        <p14:creationId xmlns:p14="http://schemas.microsoft.com/office/powerpoint/2010/main" val="3948615634"/>
+        <p14:creationId xmlns:p14="http://schemas.microsoft.com/office/powerpoint/2010/main" xmlns="" val="3948615634"/>
       </p:ext>
     </p:extLst>
   </p:cSld>
@@ -1616,7 +1801,8 @@
           <a:p>
             <a:fld id="{9E4B7CBB-5626-4F1A-8460-268C0F5172D8}" type="datetimeFigureOut">
               <a:rPr lang="en-AU" smtClean="0"/>
-              <a:t>20/06/2023</a:t>
+              <a:pPr/>
+              <a:t>22/06/2023</a:t>
             </a:fld>
             <a:endParaRPr lang="en-AU"/>
           </a:p>
@@ -1658,6 +1844,7 @@
           <a:p>
             <a:fld id="{727512F5-BD65-45BF-ADC9-046F65FA3506}" type="slidenum">
               <a:rPr lang="en-AU" smtClean="0"/>
+              <a:pPr/>
               <a:t>‹#›</a:t>
             </a:fld>
             <a:endParaRPr lang="en-AU"/>
@@ -1667,7 +1854,7 @@
     </p:spTree>
     <p:extLst>
       <p:ext uri="{BB962C8B-B14F-4D97-AF65-F5344CB8AC3E}">
-        <p14:creationId xmlns:p14="http://schemas.microsoft.com/office/powerpoint/2010/main" val="2206772544"/>
+        <p14:creationId xmlns:p14="http://schemas.microsoft.com/office/powerpoint/2010/main" xmlns="" val="2206772544"/>
       </p:ext>
     </p:extLst>
   </p:cSld>
@@ -1848,7 +2035,8 @@
           <a:p>
             <a:fld id="{9E4B7CBB-5626-4F1A-8460-268C0F5172D8}" type="datetimeFigureOut">
               <a:rPr lang="en-AU" smtClean="0"/>
-              <a:t>20/06/2023</a:t>
+              <a:pPr/>
+              <a:t>22/06/2023</a:t>
             </a:fld>
             <a:endParaRPr lang="en-AU"/>
           </a:p>
@@ -1890,6 +2078,7 @@
           <a:p>
             <a:fld id="{727512F5-BD65-45BF-ADC9-046F65FA3506}" type="slidenum">
               <a:rPr lang="en-AU" smtClean="0"/>
+              <a:pPr/>
               <a:t>‹#›</a:t>
             </a:fld>
             <a:endParaRPr lang="en-AU"/>
@@ -1899,7 +2088,7 @@
     </p:spTree>
     <p:extLst>
       <p:ext uri="{BB962C8B-B14F-4D97-AF65-F5344CB8AC3E}">
-        <p14:creationId xmlns:p14="http://schemas.microsoft.com/office/powerpoint/2010/main" val="4182448314"/>
+        <p14:creationId xmlns:p14="http://schemas.microsoft.com/office/powerpoint/2010/main" xmlns="" val="4182448314"/>
       </p:ext>
     </p:extLst>
   </p:cSld>
@@ -2215,7 +2404,8 @@
           <a:p>
             <a:fld id="{9E4B7CBB-5626-4F1A-8460-268C0F5172D8}" type="datetimeFigureOut">
               <a:rPr lang="en-AU" smtClean="0"/>
-              <a:t>20/06/2023</a:t>
+              <a:pPr/>
+              <a:t>22/06/2023</a:t>
             </a:fld>
             <a:endParaRPr lang="en-AU"/>
           </a:p>
@@ -2257,6 +2447,7 @@
           <a:p>
             <a:fld id="{727512F5-BD65-45BF-ADC9-046F65FA3506}" type="slidenum">
               <a:rPr lang="en-AU" smtClean="0"/>
+              <a:pPr/>
               <a:t>‹#›</a:t>
             </a:fld>
             <a:endParaRPr lang="en-AU"/>
@@ -2266,7 +2457,7 @@
     </p:spTree>
     <p:extLst>
       <p:ext uri="{BB962C8B-B14F-4D97-AF65-F5344CB8AC3E}">
-        <p14:creationId xmlns:p14="http://schemas.microsoft.com/office/powerpoint/2010/main" val="2575632611"/>
+        <p14:creationId xmlns:p14="http://schemas.microsoft.com/office/powerpoint/2010/main" xmlns="" val="2575632611"/>
       </p:ext>
     </p:extLst>
   </p:cSld>
@@ -2333,7 +2524,8 @@
           <a:p>
             <a:fld id="{9E4B7CBB-5626-4F1A-8460-268C0F5172D8}" type="datetimeFigureOut">
               <a:rPr lang="en-AU" smtClean="0"/>
-              <a:t>20/06/2023</a:t>
+              <a:pPr/>
+              <a:t>22/06/2023</a:t>
             </a:fld>
             <a:endParaRPr lang="en-AU"/>
           </a:p>
@@ -2375,6 +2567,7 @@
           <a:p>
             <a:fld id="{727512F5-BD65-45BF-ADC9-046F65FA3506}" type="slidenum">
               <a:rPr lang="en-AU" smtClean="0"/>
+              <a:pPr/>
               <a:t>‹#›</a:t>
             </a:fld>
             <a:endParaRPr lang="en-AU"/>
@@ -2384,7 +2577,7 @@
     </p:spTree>
     <p:extLst>
       <p:ext uri="{BB962C8B-B14F-4D97-AF65-F5344CB8AC3E}">
-        <p14:creationId xmlns:p14="http://schemas.microsoft.com/office/powerpoint/2010/main" val="2247197560"/>
+        <p14:creationId xmlns:p14="http://schemas.microsoft.com/office/powerpoint/2010/main" xmlns="" val="2247197560"/>
       </p:ext>
     </p:extLst>
   </p:cSld>
@@ -2428,7 +2621,8 @@
           <a:p>
             <a:fld id="{9E4B7CBB-5626-4F1A-8460-268C0F5172D8}" type="datetimeFigureOut">
               <a:rPr lang="en-AU" smtClean="0"/>
-              <a:t>20/06/2023</a:t>
+              <a:pPr/>
+              <a:t>22/06/2023</a:t>
             </a:fld>
             <a:endParaRPr lang="en-AU"/>
           </a:p>
@@ -2470,6 +2664,7 @@
           <a:p>
             <a:fld id="{727512F5-BD65-45BF-ADC9-046F65FA3506}" type="slidenum">
               <a:rPr lang="en-AU" smtClean="0"/>
+              <a:pPr/>
               <a:t>‹#›</a:t>
             </a:fld>
             <a:endParaRPr lang="en-AU"/>
@@ -2479,7 +2674,7 @@
     </p:spTree>
     <p:extLst>
       <p:ext uri="{BB962C8B-B14F-4D97-AF65-F5344CB8AC3E}">
-        <p14:creationId xmlns:p14="http://schemas.microsoft.com/office/powerpoint/2010/main" val="2848066780"/>
+        <p14:creationId xmlns:p14="http://schemas.microsoft.com/office/powerpoint/2010/main" xmlns="" val="2848066780"/>
       </p:ext>
     </p:extLst>
   </p:cSld>
@@ -2705,7 +2900,8 @@
           <a:p>
             <a:fld id="{9E4B7CBB-5626-4F1A-8460-268C0F5172D8}" type="datetimeFigureOut">
               <a:rPr lang="en-AU" smtClean="0"/>
-              <a:t>20/06/2023</a:t>
+              <a:pPr/>
+              <a:t>22/06/2023</a:t>
             </a:fld>
             <a:endParaRPr lang="en-AU"/>
           </a:p>
@@ -2747,6 +2943,7 @@
           <a:p>
             <a:fld id="{727512F5-BD65-45BF-ADC9-046F65FA3506}" type="slidenum">
               <a:rPr lang="en-AU" smtClean="0"/>
+              <a:pPr/>
               <a:t>‹#›</a:t>
             </a:fld>
             <a:endParaRPr lang="en-AU"/>
@@ -2756,7 +2953,7 @@
     </p:spTree>
     <p:extLst>
       <p:ext uri="{BB962C8B-B14F-4D97-AF65-F5344CB8AC3E}">
-        <p14:creationId xmlns:p14="http://schemas.microsoft.com/office/powerpoint/2010/main" val="2717181826"/>
+        <p14:creationId xmlns:p14="http://schemas.microsoft.com/office/powerpoint/2010/main" xmlns="" val="2717181826"/>
       </p:ext>
     </p:extLst>
   </p:cSld>
@@ -2962,7 +3159,8 @@
           <a:p>
             <a:fld id="{9E4B7CBB-5626-4F1A-8460-268C0F5172D8}" type="datetimeFigureOut">
               <a:rPr lang="en-AU" smtClean="0"/>
-              <a:t>20/06/2023</a:t>
+              <a:pPr/>
+              <a:t>22/06/2023</a:t>
             </a:fld>
             <a:endParaRPr lang="en-AU"/>
           </a:p>
@@ -3004,6 +3202,7 @@
           <a:p>
             <a:fld id="{727512F5-BD65-45BF-ADC9-046F65FA3506}" type="slidenum">
               <a:rPr lang="en-AU" smtClean="0"/>
+              <a:pPr/>
               <a:t>‹#›</a:t>
             </a:fld>
             <a:endParaRPr lang="en-AU"/>
@@ -3013,7 +3212,7 @@
     </p:spTree>
     <p:extLst>
       <p:ext uri="{BB962C8B-B14F-4D97-AF65-F5344CB8AC3E}">
-        <p14:creationId xmlns:p14="http://schemas.microsoft.com/office/powerpoint/2010/main" val="3550790182"/>
+        <p14:creationId xmlns:p14="http://schemas.microsoft.com/office/powerpoint/2010/main" xmlns="" val="3550790182"/>
       </p:ext>
     </p:extLst>
   </p:cSld>
@@ -3175,7 +3374,8 @@
           <a:p>
             <a:fld id="{9E4B7CBB-5626-4F1A-8460-268C0F5172D8}" type="datetimeFigureOut">
               <a:rPr lang="en-AU" smtClean="0"/>
-              <a:t>20/06/2023</a:t>
+              <a:pPr/>
+              <a:t>22/06/2023</a:t>
             </a:fld>
             <a:endParaRPr lang="en-AU"/>
           </a:p>
@@ -3253,6 +3453,7 @@
           <a:p>
             <a:fld id="{727512F5-BD65-45BF-ADC9-046F65FA3506}" type="slidenum">
               <a:rPr lang="en-AU" smtClean="0"/>
+              <a:pPr/>
               <a:t>‹#›</a:t>
             </a:fld>
             <a:endParaRPr lang="en-AU"/>
@@ -3262,7 +3463,7 @@
     </p:spTree>
     <p:extLst>
       <p:ext uri="{BB962C8B-B14F-4D97-AF65-F5344CB8AC3E}">
-        <p14:creationId xmlns:p14="http://schemas.microsoft.com/office/powerpoint/2010/main" val="2582296453"/>
+        <p14:creationId xmlns:p14="http://schemas.microsoft.com/office/powerpoint/2010/main" xmlns="" val="2582296453"/>
       </p:ext>
     </p:extLst>
   </p:cSld>
@@ -4034,7 +4235,7 @@
     </p:spTree>
     <p:extLst>
       <p:ext uri="{BB962C8B-B14F-4D97-AF65-F5344CB8AC3E}">
-        <p14:creationId xmlns:p14="http://schemas.microsoft.com/office/powerpoint/2010/main" val="727164167"/>
+        <p14:creationId xmlns:p14="http://schemas.microsoft.com/office/powerpoint/2010/main" xmlns="" val="727164167"/>
       </p:ext>
     </p:extLst>
   </p:cSld>
@@ -4556,7 +4757,7 @@
     </p:spTree>
     <p:extLst>
       <p:ext uri="{BB962C8B-B14F-4D97-AF65-F5344CB8AC3E}">
-        <p14:creationId xmlns:p14="http://schemas.microsoft.com/office/powerpoint/2010/main" val="1118374859"/>
+        <p14:creationId xmlns:p14="http://schemas.microsoft.com/office/powerpoint/2010/main" xmlns="" val="1118374859"/>
       </p:ext>
     </p:extLst>
   </p:cSld>
@@ -4960,7 +5161,7 @@
     </p:spTree>
     <p:extLst>
       <p:ext uri="{BB962C8B-B14F-4D97-AF65-F5344CB8AC3E}">
-        <p14:creationId xmlns:p14="http://schemas.microsoft.com/office/powerpoint/2010/main" val="2866300449"/>
+        <p14:creationId xmlns:p14="http://schemas.microsoft.com/office/powerpoint/2010/main" xmlns="" val="2866300449"/>
       </p:ext>
     </p:extLst>
   </p:cSld>
@@ -5109,16 +5310,7 @@
                 </a:solidFill>
                 <a:latin typeface="Oxygen" panose="02000503000000000000" pitchFamily="2" charset="0"/>
               </a:rPr>
-              <a:t>Maths </a:t>
-            </a:r>
-            <a:r>
-              <a:rPr lang="en-US" sz="2800" b="1" cap="small" dirty="0" smtClean="0">
-                <a:solidFill>
-                  <a:schemeClr val="bg1"/>
-                </a:solidFill>
-                <a:latin typeface="Oxygen" panose="02000503000000000000" pitchFamily="2" charset="0"/>
-              </a:rPr>
-              <a:t>- VIII – XII</a:t>
+              <a:t>Maths - VIII – XII</a:t>
             </a:r>
             <a:endParaRPr lang="en-US" sz="1100" b="1" cap="small" dirty="0">
               <a:solidFill>
@@ -5338,8 +5530,8 @@
           </a:p>
         </p:txBody>
       </p:sp>
-      <mc:AlternateContent xmlns:mc="http://schemas.openxmlformats.org/markup-compatibility/2006" xmlns:a14="http://schemas.microsoft.com/office/drawing/2010/main">
-        <mc:Choice Requires="a14">
+      <mc:AlternateContent xmlns:mc="http://schemas.openxmlformats.org/markup-compatibility/2006">
+        <mc:Choice xmlns:a14="http://schemas.microsoft.com/office/drawing/2010/main" xmlns="" Requires="a14">
           <p:sp>
             <p:nvSpPr>
               <p:cNvPr id="14" name="TextBox 13"/>
@@ -5441,7 +5633,7 @@
                     </a:solidFill>
                     <a:latin typeface="Oxygen" panose="02000503000000000000" pitchFamily="2" charset="0"/>
                   </a:rPr>
-                  <a:t>   </a:t>
+                  <a:t/>
                 </a:r>
               </a:p>
               <a:p>
@@ -5561,7 +5753,7 @@
             </p:txBody>
           </p:sp>
         </mc:Choice>
-        <mc:Fallback xmlns="">
+        <mc:Fallback>
           <p:sp>
             <p:nvSpPr>
               <p:cNvPr id="14" name="TextBox 13"/>
@@ -5685,7 +5877,7 @@
     </p:spTree>
     <p:extLst>
       <p:ext uri="{BB962C8B-B14F-4D97-AF65-F5344CB8AC3E}">
-        <p14:creationId xmlns:p14="http://schemas.microsoft.com/office/powerpoint/2010/main" val="2320704513"/>
+        <p14:creationId xmlns:p14="http://schemas.microsoft.com/office/powerpoint/2010/main" xmlns="" val="2320704513"/>
       </p:ext>
     </p:extLst>
   </p:cSld>
@@ -5788,25 +5980,7 @@
                 </a:solidFill>
                 <a:latin typeface="Oxygen" panose="02000503000000000000" pitchFamily="2" charset="0"/>
               </a:rPr>
-              <a:t>Physic</a:t>
-            </a:r>
-            <a:r>
-              <a:rPr lang="en-US" sz="2800" b="1" cap="small" dirty="0" smtClean="0">
-                <a:solidFill>
-                  <a:srgbClr val="FF8C52"/>
-                </a:solidFill>
-                <a:latin typeface="Oxygen" panose="02000503000000000000" pitchFamily="2" charset="0"/>
-              </a:rPr>
-              <a:t>s </a:t>
-            </a:r>
-            <a:r>
-              <a:rPr lang="en-US" sz="2800" b="1" cap="small" dirty="0" smtClean="0">
-                <a:solidFill>
-                  <a:srgbClr val="FF8C52"/>
-                </a:solidFill>
-                <a:latin typeface="Oxygen" panose="02000503000000000000" pitchFamily="2" charset="0"/>
-              </a:rPr>
-              <a:t>- VIII – XII</a:t>
+              <a:t>Physics - VIII – XII</a:t>
             </a:r>
             <a:endParaRPr lang="en-US" sz="1100" b="1" cap="small" dirty="0">
               <a:solidFill>
@@ -6027,7 +6201,7 @@
         </p:txBody>
       </p:sp>
       <mc:AlternateContent xmlns:mc="http://schemas.openxmlformats.org/markup-compatibility/2006">
-        <mc:Choice xmlns:a14="http://schemas.microsoft.com/office/drawing/2010/main" Requires="a14">
+        <mc:Choice xmlns:a14="http://schemas.microsoft.com/office/drawing/2010/main" xmlns="" Requires="a14">
           <p:sp>
             <p:nvSpPr>
               <p:cNvPr id="14" name="TextBox 13"/>
@@ -6129,7 +6303,7 @@
                     </a:solidFill>
                     <a:latin typeface="Oxygen" panose="02000503000000000000" pitchFamily="2" charset="0"/>
                   </a:rPr>
-                  <a:t>   </a:t>
+                  <a:t/>
                 </a:r>
               </a:p>
               <a:p>
@@ -6373,7 +6547,1360 @@
     </p:spTree>
     <p:extLst>
       <p:ext uri="{BB962C8B-B14F-4D97-AF65-F5344CB8AC3E}">
-        <p14:creationId xmlns:p14="http://schemas.microsoft.com/office/powerpoint/2010/main" val="3413235718"/>
+        <p14:creationId xmlns:p14="http://schemas.microsoft.com/office/powerpoint/2010/main" xmlns="" val="3413235718"/>
+      </p:ext>
+    </p:extLst>
+  </p:cSld>
+  <p:clrMapOvr>
+    <a:masterClrMapping/>
+  </p:clrMapOvr>
+  <p:timing>
+    <p:tnLst>
+      <p:par>
+        <p:cTn id="1" dur="indefinite" restart="never" nodeType="tmRoot"/>
+      </p:par>
+    </p:tnLst>
+  </p:timing>
+</p:sld>
+</file>
+
+<file path=ppt/slides/slide6.xml><?xml version="1.0" encoding="utf-8"?>
+<p:sld xmlns:a="http://schemas.openxmlformats.org/drawingml/2006/main" xmlns:r="http://schemas.openxmlformats.org/officeDocument/2006/relationships" xmlns:p="http://schemas.openxmlformats.org/presentationml/2006/main">
+  <p:cSld>
+    <p:spTree>
+      <p:nvGrpSpPr>
+        <p:cNvPr id="1" name=""/>
+        <p:cNvGrpSpPr/>
+        <p:nvPr/>
+      </p:nvGrpSpPr>
+      <p:grpSpPr>
+        <a:xfrm>
+          <a:off x="0" y="0"/>
+          <a:ext cx="0" cy="0"/>
+          <a:chOff x="0" y="0"/>
+          <a:chExt cx="0" cy="0"/>
+        </a:xfrm>
+      </p:grpSpPr>
+      <p:sp>
+        <p:nvSpPr>
+          <p:cNvPr id="2" name="Rectangle 1"/>
+          <p:cNvSpPr/>
+          <p:nvPr/>
+        </p:nvSpPr>
+        <p:spPr>
+          <a:xfrm>
+            <a:off x="0" y="0"/>
+            <a:ext cx="6858000" cy="9906000"/>
+          </a:xfrm>
+          <a:prstGeom prst="rect">
+            <a:avLst/>
+          </a:prstGeom>
+          <a:solidFill>
+            <a:srgbClr val="FF8C52"/>
+          </a:solidFill>
+          <a:ln>
+            <a:noFill/>
+          </a:ln>
+        </p:spPr>
+        <p:style>
+          <a:lnRef idx="2">
+            <a:schemeClr val="accent1">
+              <a:shade val="50000"/>
+            </a:schemeClr>
+          </a:lnRef>
+          <a:fillRef idx="1">
+            <a:schemeClr val="accent1"/>
+          </a:fillRef>
+          <a:effectRef idx="0">
+            <a:schemeClr val="accent1"/>
+          </a:effectRef>
+          <a:fontRef idx="minor">
+            <a:schemeClr val="lt1"/>
+          </a:fontRef>
+        </p:style>
+        <p:txBody>
+          <a:bodyPr rtlCol="0" anchor="ctr"/>
+          <a:lstStyle/>
+          <a:p>
+            <a:pPr algn="ctr"/>
+            <a:endParaRPr lang="en-AU"/>
+          </a:p>
+        </p:txBody>
+      </p:sp>
+      <p:sp>
+        <p:nvSpPr>
+          <p:cNvPr id="12" name="TextBox 11"/>
+          <p:cNvSpPr txBox="1"/>
+          <p:nvPr/>
+        </p:nvSpPr>
+        <p:spPr>
+          <a:xfrm>
+            <a:off x="766645" y="4483690"/>
+            <a:ext cx="5342708" cy="1815882"/>
+          </a:xfrm>
+          <a:prstGeom prst="rect">
+            <a:avLst/>
+          </a:prstGeom>
+          <a:noFill/>
+        </p:spPr>
+        <p:txBody>
+          <a:bodyPr wrap="square" rtlCol="0">
+            <a:spAutoFit/>
+          </a:bodyPr>
+          <a:lstStyle/>
+          <a:p>
+            <a:pPr algn="ctr"/>
+            <a:r>
+              <a:rPr lang="en-US" sz="4400" b="1" cap="all" dirty="0" smtClean="0">
+                <a:solidFill>
+                  <a:schemeClr val="bg1"/>
+                </a:solidFill>
+                <a:latin typeface="Oxygen" panose="02000503000000000000" pitchFamily="2" charset="0"/>
+              </a:rPr>
+              <a:t>Avishek Sir</a:t>
+            </a:r>
+          </a:p>
+          <a:p>
+            <a:pPr algn="ctr"/>
+            <a:r>
+              <a:rPr lang="en-US" sz="2400" b="1" dirty="0" smtClean="0">
+                <a:solidFill>
+                  <a:schemeClr val="bg1"/>
+                </a:solidFill>
+                <a:latin typeface="Oxygen" panose="02000503000000000000" pitchFamily="2" charset="0"/>
+              </a:rPr>
+              <a:t>Avishek Adhikari</a:t>
+            </a:r>
+            <a:endParaRPr lang="en-US" sz="2800" b="1" dirty="0" smtClean="0">
+              <a:solidFill>
+                <a:schemeClr val="bg1"/>
+              </a:solidFill>
+              <a:latin typeface="Oxygen" panose="02000503000000000000" pitchFamily="2" charset="0"/>
+            </a:endParaRPr>
+          </a:p>
+          <a:p>
+            <a:pPr algn="ctr"/>
+            <a:endParaRPr lang="en-US" sz="1200" b="1" dirty="0" smtClean="0">
+              <a:solidFill>
+                <a:schemeClr val="bg1"/>
+              </a:solidFill>
+              <a:latin typeface="Oxygen" panose="02000503000000000000" pitchFamily="2" charset="0"/>
+            </a:endParaRPr>
+          </a:p>
+          <a:p>
+            <a:pPr algn="ctr"/>
+            <a:r>
+              <a:rPr lang="en-US" sz="2800" b="1" cap="small" dirty="0" smtClean="0">
+                <a:solidFill>
+                  <a:schemeClr val="bg1"/>
+                </a:solidFill>
+                <a:latin typeface="Oxygen" panose="02000503000000000000" pitchFamily="2" charset="0"/>
+              </a:rPr>
+              <a:t>Maths - VIII – XII</a:t>
+            </a:r>
+            <a:endParaRPr lang="en-US" sz="1100" b="1" cap="small" dirty="0">
+              <a:solidFill>
+                <a:schemeClr val="bg1"/>
+              </a:solidFill>
+              <a:latin typeface="Oxygen" panose="02000503000000000000" pitchFamily="2" charset="0"/>
+            </a:endParaRPr>
+          </a:p>
+        </p:txBody>
+      </p:sp>
+      <p:sp>
+        <p:nvSpPr>
+          <p:cNvPr id="13" name="TextBox 12"/>
+          <p:cNvSpPr txBox="1"/>
+          <p:nvPr/>
+        </p:nvSpPr>
+        <p:spPr>
+          <a:xfrm>
+            <a:off x="190500" y="8213193"/>
+            <a:ext cx="6522720" cy="1246495"/>
+          </a:xfrm>
+          <a:prstGeom prst="rect">
+            <a:avLst/>
+          </a:prstGeom>
+          <a:noFill/>
+        </p:spPr>
+        <p:txBody>
+          <a:bodyPr wrap="square" rtlCol="0">
+            <a:spAutoFit/>
+          </a:bodyPr>
+          <a:lstStyle/>
+          <a:p>
+            <a:r>
+              <a:rPr lang="en-US" b="1" i="1" dirty="0" smtClean="0">
+                <a:solidFill>
+                  <a:schemeClr val="bg1"/>
+                </a:solidFill>
+                <a:latin typeface="Oxygen" panose="02000503000000000000" pitchFamily="2" charset="0"/>
+              </a:rPr>
+              <a:t>Neel depended on him so much to score !</a:t>
+            </a:r>
+          </a:p>
+          <a:p>
+            <a:r>
+              <a:rPr lang="en-US" b="1" dirty="0">
+                <a:solidFill>
+                  <a:schemeClr val="bg1"/>
+                </a:solidFill>
+                <a:latin typeface="Oxygen" panose="02000503000000000000" pitchFamily="2" charset="0"/>
+              </a:rPr>
+              <a:t> </a:t>
+            </a:r>
+            <a:r>
+              <a:rPr lang="en-US" b="1" dirty="0" smtClean="0">
+                <a:solidFill>
+                  <a:schemeClr val="bg1"/>
+                </a:solidFill>
+                <a:latin typeface="Oxygen" panose="02000503000000000000" pitchFamily="2" charset="0"/>
+              </a:rPr>
+              <a:t>                                                                       </a:t>
+            </a:r>
+            <a:r>
+              <a:rPr lang="en-US" sz="1400" b="1" dirty="0" smtClean="0">
+                <a:solidFill>
+                  <a:schemeClr val="bg1"/>
+                </a:solidFill>
+                <a:latin typeface="Oxygen" panose="02000503000000000000" pitchFamily="2" charset="0"/>
+              </a:rPr>
+              <a:t>– Neel’s mother</a:t>
+            </a:r>
+          </a:p>
+          <a:p>
+            <a:endParaRPr lang="en-US" sz="300" b="1" dirty="0" smtClean="0">
+              <a:solidFill>
+                <a:schemeClr val="bg1"/>
+              </a:solidFill>
+              <a:latin typeface="Oxygen" panose="02000503000000000000" pitchFamily="2" charset="0"/>
+            </a:endParaRPr>
+          </a:p>
+          <a:p>
+            <a:r>
+              <a:rPr lang="en-US" b="1" i="1" dirty="0" smtClean="0">
+                <a:solidFill>
+                  <a:schemeClr val="bg1"/>
+                </a:solidFill>
+                <a:latin typeface="Oxygen" panose="02000503000000000000" pitchFamily="2" charset="0"/>
+              </a:rPr>
+              <a:t>Explains well, takes tests &amp; clears all doubts. Excellent!</a:t>
+            </a:r>
+          </a:p>
+          <a:p>
+            <a:r>
+              <a:rPr lang="en-US" b="1" dirty="0">
+                <a:solidFill>
+                  <a:schemeClr val="bg1"/>
+                </a:solidFill>
+                <a:latin typeface="Oxygen" panose="02000503000000000000" pitchFamily="2" charset="0"/>
+              </a:rPr>
+              <a:t> </a:t>
+            </a:r>
+            <a:r>
+              <a:rPr lang="en-US" b="1" dirty="0" smtClean="0">
+                <a:solidFill>
+                  <a:schemeClr val="bg1"/>
+                </a:solidFill>
+                <a:latin typeface="Oxygen" panose="02000503000000000000" pitchFamily="2" charset="0"/>
+              </a:rPr>
+              <a:t>                                                                       </a:t>
+            </a:r>
+            <a:r>
+              <a:rPr lang="en-US" sz="1400" b="1" dirty="0">
+                <a:solidFill>
+                  <a:schemeClr val="bg1"/>
+                </a:solidFill>
+                <a:latin typeface="Oxygen" panose="02000503000000000000" pitchFamily="2" charset="0"/>
+              </a:rPr>
+              <a:t>– Emon Kalsa’s </a:t>
+            </a:r>
+            <a:r>
+              <a:rPr lang="en-US" sz="1400" b="1" dirty="0" smtClean="0">
+                <a:solidFill>
+                  <a:schemeClr val="bg1"/>
+                </a:solidFill>
+                <a:latin typeface="Oxygen" panose="02000503000000000000" pitchFamily="2" charset="0"/>
+              </a:rPr>
+              <a:t>mother </a:t>
+            </a:r>
+            <a:endParaRPr lang="en-AU" sz="1400" b="1" dirty="0">
+              <a:solidFill>
+                <a:schemeClr val="bg1"/>
+              </a:solidFill>
+              <a:latin typeface="Oxygen" panose="02000503000000000000" pitchFamily="2" charset="0"/>
+            </a:endParaRPr>
+          </a:p>
+        </p:txBody>
+      </p:sp>
+      <p:sp>
+        <p:nvSpPr>
+          <p:cNvPr id="10" name="TextBox 9"/>
+          <p:cNvSpPr txBox="1"/>
+          <p:nvPr/>
+        </p:nvSpPr>
+        <p:spPr>
+          <a:xfrm>
+            <a:off x="295004" y="6408797"/>
+            <a:ext cx="3555272" cy="1569660"/>
+          </a:xfrm>
+          <a:prstGeom prst="rect">
+            <a:avLst/>
+          </a:prstGeom>
+          <a:noFill/>
+        </p:spPr>
+        <p:txBody>
+          <a:bodyPr wrap="square" rtlCol="0">
+            <a:spAutoFit/>
+          </a:bodyPr>
+          <a:lstStyle/>
+          <a:p>
+            <a:pPr marL="285750" indent="-285750">
+              <a:lnSpc>
+                <a:spcPct val="200000"/>
+              </a:lnSpc>
+              <a:buFont typeface="Wingdings" panose="05000000000000000000" pitchFamily="2" charset="2"/>
+              <a:buChar char="v"/>
+            </a:pPr>
+            <a:r>
+              <a:rPr lang="en-US" sz="1600" b="1" dirty="0" smtClean="0">
+                <a:solidFill>
+                  <a:schemeClr val="bg1"/>
+                </a:solidFill>
+                <a:latin typeface="Oxygen" panose="02000503000000000000" pitchFamily="2" charset="0"/>
+              </a:rPr>
+              <a:t>Cracked IIT, ISI PhD (Ongoing)</a:t>
+            </a:r>
+          </a:p>
+          <a:p>
+            <a:pPr marL="285750" indent="-285750">
+              <a:lnSpc>
+                <a:spcPct val="200000"/>
+              </a:lnSpc>
+              <a:buFont typeface="Wingdings" panose="05000000000000000000" pitchFamily="2" charset="2"/>
+              <a:buChar char="v"/>
+            </a:pPr>
+            <a:r>
+              <a:rPr lang="en-US" sz="1600" b="1" dirty="0" smtClean="0">
+                <a:solidFill>
+                  <a:schemeClr val="bg1"/>
+                </a:solidFill>
+                <a:latin typeface="Oxygen" panose="02000503000000000000" pitchFamily="2" charset="0"/>
+              </a:rPr>
+              <a:t>8 Yrs Exp. &amp; Detail Oriented</a:t>
+            </a:r>
+          </a:p>
+          <a:p>
+            <a:pPr marL="285750" indent="-285750">
+              <a:lnSpc>
+                <a:spcPct val="200000"/>
+              </a:lnSpc>
+              <a:buFont typeface="Wingdings" panose="05000000000000000000" pitchFamily="2" charset="2"/>
+              <a:buChar char="v"/>
+            </a:pPr>
+            <a:r>
+              <a:rPr lang="en-US" sz="1600" b="1" dirty="0" smtClean="0">
+                <a:solidFill>
+                  <a:schemeClr val="bg1"/>
+                </a:solidFill>
+                <a:latin typeface="Oxygen" panose="02000503000000000000" pitchFamily="2" charset="0"/>
+              </a:rPr>
+              <a:t>Lots of Successful Students</a:t>
+            </a:r>
+            <a:endParaRPr lang="en-AU" sz="1600" b="1" dirty="0">
+              <a:solidFill>
+                <a:schemeClr val="bg1"/>
+              </a:solidFill>
+              <a:latin typeface="Oxygen" panose="02000503000000000000" pitchFamily="2" charset="0"/>
+            </a:endParaRPr>
+          </a:p>
+        </p:txBody>
+      </p:sp>
+      <mc:AlternateContent xmlns:mc="http://schemas.openxmlformats.org/markup-compatibility/2006">
+        <mc:Choice xmlns:a14="http://schemas.microsoft.com/office/drawing/2010/main" xmlns="" Requires="a14">
+          <p:sp>
+            <p:nvSpPr>
+              <p:cNvPr id="14" name="TextBox 13"/>
+              <p:cNvSpPr txBox="1"/>
+              <p:nvPr/>
+            </p:nvSpPr>
+            <p:spPr>
+              <a:xfrm>
+                <a:off x="3706583" y="6395734"/>
+                <a:ext cx="3038790" cy="1677382"/>
+              </a:xfrm>
+              <a:prstGeom prst="rect">
+                <a:avLst/>
+              </a:prstGeom>
+              <a:noFill/>
+            </p:spPr>
+            <p:txBody>
+              <a:bodyPr wrap="square" rtlCol="0">
+                <a:spAutoFit/>
+              </a:bodyPr>
+              <a:lstStyle/>
+              <a:p>
+                <a:pPr marL="285750" indent="-285750">
+                  <a:lnSpc>
+                    <a:spcPct val="150000"/>
+                  </a:lnSpc>
+                  <a:buFont typeface="Wingdings" panose="05000000000000000000" pitchFamily="2" charset="2"/>
+                  <a:buChar char="v"/>
+                </a:pPr>
+                <a14:m>
+                  <m:oMath xmlns:m="http://schemas.openxmlformats.org/officeDocument/2006/math">
+                    <m:f>
+                      <m:fPr>
+                        <m:ctrlPr>
+                          <a:rPr lang="en-AU" i="1">
+                            <a:solidFill>
+                              <a:schemeClr val="bg1"/>
+                            </a:solidFill>
+                            <a:latin typeface="Cambria Math" panose="02040503050406030204" pitchFamily="18" charset="0"/>
+                          </a:rPr>
+                        </m:ctrlPr>
+                      </m:fPr>
+                      <m:num>
+                        <m:r>
+                          <a:rPr lang="en-AU" b="0">
+                            <a:solidFill>
+                              <a:schemeClr val="bg1"/>
+                            </a:solidFill>
+                            <a:latin typeface="Cambria Math" panose="02040503050406030204" pitchFamily="18" charset="0"/>
+                          </a:rPr>
+                          <m:t>100</m:t>
+                        </m:r>
+                      </m:num>
+                      <m:den>
+                        <m:r>
+                          <a:rPr lang="en-AU" b="0">
+                            <a:solidFill>
+                              <a:schemeClr val="bg1"/>
+                            </a:solidFill>
+                            <a:latin typeface="Cambria Math" panose="02040503050406030204" pitchFamily="18" charset="0"/>
+                          </a:rPr>
+                          <m:t>100</m:t>
+                        </m:r>
+                      </m:den>
+                    </m:f>
+                  </m:oMath>
+                </a14:m>
+                <a:r>
+                  <a:rPr lang="en-US" sz="1600" b="1" dirty="0">
+                    <a:solidFill>
+                      <a:schemeClr val="bg1"/>
+                    </a:solidFill>
+                    <a:latin typeface="Oxygen" panose="02000503000000000000" pitchFamily="2" charset="0"/>
+                  </a:rPr>
+                  <a:t> in </a:t>
+                </a:r>
+                <a:r>
+                  <a:rPr lang="en-US" sz="1600" b="1" dirty="0" smtClean="0">
+                    <a:solidFill>
+                      <a:schemeClr val="bg1"/>
+                    </a:solidFill>
+                    <a:latin typeface="Oxygen" panose="02000503000000000000" pitchFamily="2" charset="0"/>
+                  </a:rPr>
+                  <a:t>Maths in HS &amp; 10</a:t>
+                </a:r>
+                <a:r>
+                  <a:rPr lang="en-US" sz="1600" b="1" baseline="30000" dirty="0" smtClean="0">
+                    <a:solidFill>
+                      <a:schemeClr val="bg1"/>
+                    </a:solidFill>
+                    <a:latin typeface="Oxygen" panose="02000503000000000000" pitchFamily="2" charset="0"/>
+                  </a:rPr>
+                  <a:t>th</a:t>
+                </a:r>
+                <a:r>
+                  <a:rPr lang="en-US" sz="1600" b="1" dirty="0" smtClean="0">
+                    <a:solidFill>
+                      <a:schemeClr val="bg1"/>
+                    </a:solidFill>
+                    <a:latin typeface="Oxygen" panose="02000503000000000000" pitchFamily="2" charset="0"/>
+                  </a:rPr>
+                  <a:t/>
+                </a:r>
+              </a:p>
+              <a:p>
+                <a:pPr marL="285750" indent="-285750">
+                  <a:lnSpc>
+                    <a:spcPct val="200000"/>
+                  </a:lnSpc>
+                  <a:buFont typeface="Wingdings" panose="05000000000000000000" pitchFamily="2" charset="2"/>
+                  <a:buChar char="v"/>
+                </a:pPr>
+                <a:r>
+                  <a:rPr lang="en-US" sz="1600" b="1" dirty="0" smtClean="0">
+                    <a:solidFill>
+                      <a:schemeClr val="bg1"/>
+                    </a:solidFill>
+                    <a:latin typeface="Oxygen" panose="02000503000000000000" pitchFamily="2" charset="0"/>
+                  </a:rPr>
+                  <a:t>B.Sc. Math CU 1</a:t>
+                </a:r>
+                <a:r>
+                  <a:rPr lang="en-US" sz="1600" b="1" baseline="30000" dirty="0" smtClean="0">
+                    <a:solidFill>
+                      <a:schemeClr val="bg1"/>
+                    </a:solidFill>
+                    <a:latin typeface="Oxygen" panose="02000503000000000000" pitchFamily="2" charset="0"/>
+                  </a:rPr>
+                  <a:t>st</a:t>
+                </a:r>
+                <a:r>
+                  <a:rPr lang="en-US" sz="1600" b="1" dirty="0" smtClean="0">
+                    <a:solidFill>
+                      <a:schemeClr val="bg1"/>
+                    </a:solidFill>
+                    <a:latin typeface="Oxygen" panose="02000503000000000000" pitchFamily="2" charset="0"/>
+                  </a:rPr>
+                  <a:t> Class 1</a:t>
+                </a:r>
+                <a:r>
+                  <a:rPr lang="en-US" sz="1600" b="1" baseline="30000" dirty="0" smtClean="0">
+                    <a:solidFill>
+                      <a:schemeClr val="bg1"/>
+                    </a:solidFill>
+                    <a:latin typeface="Oxygen" panose="02000503000000000000" pitchFamily="2" charset="0"/>
+                  </a:rPr>
+                  <a:t>st</a:t>
+                </a:r>
+              </a:p>
+              <a:p>
+                <a:pPr marL="285750" indent="-285750">
+                  <a:lnSpc>
+                    <a:spcPct val="200000"/>
+                  </a:lnSpc>
+                  <a:buFont typeface="Wingdings" panose="05000000000000000000" pitchFamily="2" charset="2"/>
+                  <a:buChar char="v"/>
+                </a:pPr>
+                <a:r>
+                  <a:rPr lang="en-US" sz="1600" b="1" dirty="0" smtClean="0">
+                    <a:solidFill>
+                      <a:schemeClr val="bg1"/>
+                    </a:solidFill>
+                    <a:latin typeface="Oxygen" panose="02000503000000000000" pitchFamily="2" charset="0"/>
+                  </a:rPr>
+                  <a:t>M.Sc</a:t>
+                </a:r>
+                <a:r>
+                  <a:rPr lang="en-US" sz="1600" b="1" dirty="0">
+                    <a:solidFill>
+                      <a:schemeClr val="bg1"/>
+                    </a:solidFill>
+                    <a:latin typeface="Oxygen" panose="02000503000000000000" pitchFamily="2" charset="0"/>
+                  </a:rPr>
+                  <a:t>. Math CU 1</a:t>
+                </a:r>
+                <a:r>
+                  <a:rPr lang="en-US" sz="1600" b="1" baseline="30000" dirty="0">
+                    <a:solidFill>
+                      <a:schemeClr val="bg1"/>
+                    </a:solidFill>
+                    <a:latin typeface="Oxygen" panose="02000503000000000000" pitchFamily="2" charset="0"/>
+                  </a:rPr>
+                  <a:t>st</a:t>
+                </a:r>
+                <a:r>
+                  <a:rPr lang="en-US" sz="1600" b="1" dirty="0">
+                    <a:solidFill>
+                      <a:schemeClr val="bg1"/>
+                    </a:solidFill>
+                    <a:latin typeface="Oxygen" panose="02000503000000000000" pitchFamily="2" charset="0"/>
+                  </a:rPr>
+                  <a:t> Class </a:t>
+                </a:r>
+                <a:r>
+                  <a:rPr lang="en-US" sz="1600" b="1" dirty="0" smtClean="0">
+                    <a:solidFill>
+                      <a:schemeClr val="bg1"/>
+                    </a:solidFill>
+                    <a:latin typeface="Oxygen" panose="02000503000000000000" pitchFamily="2" charset="0"/>
+                  </a:rPr>
+                  <a:t>1</a:t>
+                </a:r>
+                <a:r>
+                  <a:rPr lang="en-US" sz="1600" b="1" baseline="30000" dirty="0" smtClean="0">
+                    <a:solidFill>
+                      <a:schemeClr val="bg1"/>
+                    </a:solidFill>
+                    <a:latin typeface="Oxygen" panose="02000503000000000000" pitchFamily="2" charset="0"/>
+                  </a:rPr>
+                  <a:t>st</a:t>
+                </a:r>
+                <a:endParaRPr lang="en-US" sz="1600" b="1" dirty="0" smtClean="0">
+                  <a:solidFill>
+                    <a:schemeClr val="bg1"/>
+                  </a:solidFill>
+                  <a:latin typeface="Oxygen" panose="02000503000000000000" pitchFamily="2" charset="0"/>
+                </a:endParaRPr>
+              </a:p>
+            </p:txBody>
+          </p:sp>
+        </mc:Choice>
+        <mc:Fallback>
+          <p:sp>
+            <p:nvSpPr>
+              <p:cNvPr id="14" name="TextBox 13"/>
+              <p:cNvSpPr txBox="1">
+                <a:spLocks noRot="1" noChangeAspect="1" noMove="1" noResize="1" noEditPoints="1" noAdjustHandles="1" noChangeArrowheads="1" noChangeShapeType="1" noTextEdit="1"/>
+              </p:cNvSpPr>
+              <p:nvPr/>
+            </p:nvSpPr>
+            <p:spPr>
+              <a:xfrm>
+                <a:off x="3706583" y="6395734"/>
+                <a:ext cx="3038790" cy="1677382"/>
+              </a:xfrm>
+              <a:prstGeom prst="rect">
+                <a:avLst/>
+              </a:prstGeom>
+              <a:blipFill rotWithShape="0">
+                <a:blip r:embed="rId3"/>
+                <a:stretch>
+                  <a:fillRect l="-1202"/>
+                </a:stretch>
+              </a:blipFill>
+            </p:spPr>
+            <p:txBody>
+              <a:bodyPr/>
+              <a:lstStyle/>
+              <a:p>
+                <a:r>
+                  <a:rPr lang="en-AU">
+                    <a:noFill/>
+                  </a:rPr>
+                  <a:t> </a:t>
+                </a:r>
+              </a:p>
+            </p:txBody>
+          </p:sp>
+        </mc:Fallback>
+      </mc:AlternateContent>
+      <p:pic>
+        <p:nvPicPr>
+          <p:cNvPr id="4" name="Picture 3"/>
+          <p:cNvPicPr>
+            <a:picLocks noChangeAspect="1"/>
+          </p:cNvPicPr>
+          <p:nvPr/>
+        </p:nvPicPr>
+        <p:blipFill>
+          <a:blip r:embed="rId4"/>
+          <a:stretch>
+            <a:fillRect/>
+          </a:stretch>
+        </p:blipFill>
+        <p:spPr>
+          <a:xfrm>
+            <a:off x="1477944" y="414300"/>
+            <a:ext cx="3946228" cy="3947728"/>
+          </a:xfrm>
+          <a:prstGeom prst="rect">
+            <a:avLst/>
+          </a:prstGeom>
+        </p:spPr>
+      </p:pic>
+      <p:sp>
+        <p:nvSpPr>
+          <p:cNvPr id="11" name="Rectangle 10"/>
+          <p:cNvSpPr/>
+          <p:nvPr/>
+        </p:nvSpPr>
+        <p:spPr>
+          <a:xfrm>
+            <a:off x="1442794" y="375334"/>
+            <a:ext cx="4016529" cy="4017435"/>
+          </a:xfrm>
+          <a:prstGeom prst="rect">
+            <a:avLst/>
+          </a:prstGeom>
+          <a:gradFill>
+            <a:gsLst>
+              <a:gs pos="70000">
+                <a:srgbClr val="FF8C52"/>
+              </a:gs>
+              <a:gs pos="62000">
+                <a:srgbClr val="FF8C52">
+                  <a:alpha val="0"/>
+                </a:srgbClr>
+              </a:gs>
+            </a:gsLst>
+            <a:path path="circle">
+              <a:fillToRect l="50000" t="50000" r="50000" b="50000"/>
+            </a:path>
+          </a:gradFill>
+          <a:ln>
+            <a:noFill/>
+          </a:ln>
+        </p:spPr>
+        <p:style>
+          <a:lnRef idx="2">
+            <a:schemeClr val="accent1">
+              <a:shade val="50000"/>
+            </a:schemeClr>
+          </a:lnRef>
+          <a:fillRef idx="1">
+            <a:schemeClr val="accent1"/>
+          </a:fillRef>
+          <a:effectRef idx="0">
+            <a:schemeClr val="accent1"/>
+          </a:effectRef>
+          <a:fontRef idx="minor">
+            <a:schemeClr val="lt1"/>
+          </a:fontRef>
+        </p:style>
+        <p:txBody>
+          <a:bodyPr rtlCol="0" anchor="ctr"/>
+          <a:lstStyle/>
+          <a:p>
+            <a:pPr algn="ctr"/>
+            <a:endParaRPr lang="en-AU"/>
+          </a:p>
+        </p:txBody>
+      </p:sp>
+    </p:spTree>
+    <p:extLst>
+      <p:ext uri="{BB962C8B-B14F-4D97-AF65-F5344CB8AC3E}">
+        <p14:creationId xmlns:p14="http://schemas.microsoft.com/office/powerpoint/2010/main" xmlns="" val="2320704513"/>
+      </p:ext>
+    </p:extLst>
+  </p:cSld>
+  <p:clrMapOvr>
+    <a:masterClrMapping/>
+  </p:clrMapOvr>
+  <p:timing>
+    <p:tnLst>
+      <p:par>
+        <p:cTn id="1" dur="indefinite" restart="never" nodeType="tmRoot"/>
+      </p:par>
+    </p:tnLst>
+  </p:timing>
+</p:sld>
+</file>
+
+<file path=ppt/slides/slide7.xml><?xml version="1.0" encoding="utf-8"?>
+<p:sld xmlns:a="http://schemas.openxmlformats.org/drawingml/2006/main" xmlns:r="http://schemas.openxmlformats.org/officeDocument/2006/relationships" xmlns:p="http://schemas.openxmlformats.org/presentationml/2006/main">
+  <p:cSld>
+    <p:spTree>
+      <p:nvGrpSpPr>
+        <p:cNvPr id="1" name=""/>
+        <p:cNvGrpSpPr/>
+        <p:nvPr/>
+      </p:nvGrpSpPr>
+      <p:grpSpPr>
+        <a:xfrm>
+          <a:off x="0" y="0"/>
+          <a:ext cx="0" cy="0"/>
+          <a:chOff x="0" y="0"/>
+          <a:chExt cx="0" cy="0"/>
+        </a:xfrm>
+      </p:grpSpPr>
+      <p:sp>
+        <p:nvSpPr>
+          <p:cNvPr id="12" name="TextBox 11"/>
+          <p:cNvSpPr txBox="1"/>
+          <p:nvPr/>
+        </p:nvSpPr>
+        <p:spPr>
+          <a:xfrm>
+            <a:off x="766645" y="4483690"/>
+            <a:ext cx="5342708" cy="1815882"/>
+          </a:xfrm>
+          <a:prstGeom prst="rect">
+            <a:avLst/>
+          </a:prstGeom>
+          <a:noFill/>
+        </p:spPr>
+        <p:txBody>
+          <a:bodyPr wrap="square" rtlCol="0">
+            <a:spAutoFit/>
+          </a:bodyPr>
+          <a:lstStyle/>
+          <a:p>
+            <a:pPr algn="ctr"/>
+            <a:r>
+              <a:rPr lang="en-US" sz="4400" b="1" cap="all" dirty="0" err="1" smtClean="0">
+                <a:solidFill>
+                  <a:srgbClr val="FF8C52"/>
+                </a:solidFill>
+                <a:latin typeface="Oxygen" panose="02000503000000000000" pitchFamily="2" charset="0"/>
+              </a:rPr>
+              <a:t>Abhipsha</a:t>
+            </a:r>
+            <a:r>
+              <a:rPr lang="en-US" sz="4400" b="1" cap="all" dirty="0" smtClean="0">
+                <a:solidFill>
+                  <a:srgbClr val="FF8C52"/>
+                </a:solidFill>
+                <a:latin typeface="Oxygen" panose="02000503000000000000" pitchFamily="2" charset="0"/>
+              </a:rPr>
+              <a:t>  </a:t>
+            </a:r>
+            <a:r>
+              <a:rPr lang="en-US" sz="4400" b="1" cap="all" dirty="0" err="1" smtClean="0">
+                <a:solidFill>
+                  <a:srgbClr val="FF8C52"/>
+                </a:solidFill>
+                <a:latin typeface="Oxygen" panose="02000503000000000000" pitchFamily="2" charset="0"/>
+              </a:rPr>
+              <a:t>mam</a:t>
+            </a:r>
+            <a:endParaRPr lang="en-US" sz="4400" b="1" cap="all" dirty="0" smtClean="0">
+              <a:solidFill>
+                <a:srgbClr val="FF8C52"/>
+              </a:solidFill>
+              <a:latin typeface="Oxygen" panose="02000503000000000000" pitchFamily="2" charset="0"/>
+            </a:endParaRPr>
+          </a:p>
+          <a:p>
+            <a:pPr algn="ctr"/>
+            <a:r>
+              <a:rPr lang="en-US" sz="2400" b="1" dirty="0" err="1" smtClean="0">
+                <a:solidFill>
+                  <a:srgbClr val="FF8C52"/>
+                </a:solidFill>
+                <a:latin typeface="Oxygen" panose="02000503000000000000" pitchFamily="2" charset="0"/>
+              </a:rPr>
+              <a:t>Abhipsha</a:t>
+            </a:r>
+            <a:r>
+              <a:rPr lang="en-US" sz="2400" b="1" dirty="0" smtClean="0">
+                <a:solidFill>
+                  <a:srgbClr val="FF8C52"/>
+                </a:solidFill>
+                <a:latin typeface="Oxygen" panose="02000503000000000000" pitchFamily="2" charset="0"/>
+              </a:rPr>
+              <a:t>  </a:t>
+            </a:r>
+            <a:r>
+              <a:rPr lang="en-US" sz="2400" b="1" dirty="0" err="1" smtClean="0">
+                <a:solidFill>
+                  <a:srgbClr val="FF8C52"/>
+                </a:solidFill>
+                <a:latin typeface="Oxygen" panose="02000503000000000000" pitchFamily="2" charset="0"/>
+              </a:rPr>
+              <a:t>Dutta</a:t>
+            </a:r>
+            <a:endParaRPr lang="en-US" sz="2800" b="1" dirty="0" smtClean="0">
+              <a:solidFill>
+                <a:srgbClr val="FF8C52"/>
+              </a:solidFill>
+              <a:latin typeface="Oxygen" panose="02000503000000000000" pitchFamily="2" charset="0"/>
+            </a:endParaRPr>
+          </a:p>
+          <a:p>
+            <a:pPr algn="ctr"/>
+            <a:endParaRPr lang="en-US" sz="1200" b="1" dirty="0" smtClean="0">
+              <a:solidFill>
+                <a:srgbClr val="FF8C52"/>
+              </a:solidFill>
+              <a:latin typeface="Oxygen" panose="02000503000000000000" pitchFamily="2" charset="0"/>
+            </a:endParaRPr>
+          </a:p>
+          <a:p>
+            <a:pPr algn="ctr"/>
+            <a:r>
+              <a:rPr lang="en-US" sz="2800" b="1" cap="small" dirty="0" smtClean="0">
+                <a:solidFill>
+                  <a:srgbClr val="FF8C52"/>
+                </a:solidFill>
+                <a:latin typeface="Oxygen" panose="02000503000000000000" pitchFamily="2" charset="0"/>
+              </a:rPr>
+              <a:t>Chemistry</a:t>
+            </a:r>
+            <a:r>
+              <a:rPr lang="en-US" sz="2800" b="1" cap="small" dirty="0" smtClean="0">
+                <a:solidFill>
+                  <a:srgbClr val="FF8C52"/>
+                </a:solidFill>
+                <a:latin typeface="Oxygen" panose="02000503000000000000" pitchFamily="2" charset="0"/>
+              </a:rPr>
+              <a:t> - XI </a:t>
+            </a:r>
+            <a:r>
+              <a:rPr lang="en-US" sz="2800" b="1" cap="small" dirty="0" smtClean="0">
+                <a:solidFill>
+                  <a:srgbClr val="FF8C52"/>
+                </a:solidFill>
+                <a:latin typeface="Oxygen" panose="02000503000000000000" pitchFamily="2" charset="0"/>
+              </a:rPr>
+              <a:t>– XII</a:t>
+            </a:r>
+            <a:endParaRPr lang="en-US" sz="1100" b="1" cap="small" dirty="0">
+              <a:solidFill>
+                <a:srgbClr val="FF8C52"/>
+              </a:solidFill>
+              <a:latin typeface="Oxygen" panose="02000503000000000000" pitchFamily="2" charset="0"/>
+            </a:endParaRPr>
+          </a:p>
+        </p:txBody>
+      </p:sp>
+      <p:sp>
+        <p:nvSpPr>
+          <p:cNvPr id="13" name="TextBox 12"/>
+          <p:cNvSpPr txBox="1"/>
+          <p:nvPr/>
+        </p:nvSpPr>
+        <p:spPr>
+          <a:xfrm>
+            <a:off x="335280" y="8292705"/>
+            <a:ext cx="6522720" cy="907941"/>
+          </a:xfrm>
+          <a:prstGeom prst="rect">
+            <a:avLst/>
+          </a:prstGeom>
+          <a:noFill/>
+        </p:spPr>
+        <p:txBody>
+          <a:bodyPr wrap="square" rtlCol="0">
+            <a:spAutoFit/>
+          </a:bodyPr>
+          <a:lstStyle/>
+          <a:p>
+            <a:r>
+              <a:rPr lang="en-US" b="1" dirty="0" err="1" smtClean="0">
+                <a:solidFill>
+                  <a:srgbClr val="FF8C52"/>
+                </a:solidFill>
+                <a:latin typeface="Oxygen" panose="02000503000000000000" pitchFamily="2" charset="0"/>
+              </a:rPr>
+              <a:t>Suparna</a:t>
+            </a:r>
+            <a:r>
+              <a:rPr lang="en-US" b="1" dirty="0" smtClean="0">
+                <a:solidFill>
+                  <a:srgbClr val="FF8C52"/>
+                </a:solidFill>
+                <a:latin typeface="Oxygen" panose="02000503000000000000" pitchFamily="2" charset="0"/>
+              </a:rPr>
+              <a:t> Roy Gupta </a:t>
+            </a:r>
+            <a:r>
+              <a:rPr lang="en-US" b="1" dirty="0" smtClean="0">
+                <a:solidFill>
+                  <a:srgbClr val="FF8C52"/>
+                </a:solidFill>
+                <a:latin typeface="Oxygen" panose="02000503000000000000" pitchFamily="2" charset="0"/>
+              </a:rPr>
+              <a:t> </a:t>
+            </a:r>
+            <a:r>
+              <a:rPr lang="en-US" b="1" dirty="0" smtClean="0">
+                <a:solidFill>
+                  <a:srgbClr val="FF8C52"/>
+                </a:solidFill>
+                <a:latin typeface="Oxygen" panose="02000503000000000000" pitchFamily="2" charset="0"/>
+              </a:rPr>
+              <a:t>score </a:t>
+            </a:r>
+            <a:r>
+              <a:rPr lang="en-US" b="1" dirty="0" smtClean="0">
+                <a:solidFill>
+                  <a:srgbClr val="FF8C52"/>
+                </a:solidFill>
+                <a:latin typeface="Oxygen" panose="02000503000000000000" pitchFamily="2" charset="0"/>
+              </a:rPr>
+              <a:t>d  97% in  ICSE </a:t>
+            </a:r>
+            <a:r>
+              <a:rPr lang="en-US" b="1" dirty="0" smtClean="0">
+                <a:solidFill>
+                  <a:srgbClr val="FF8C52"/>
+                </a:solidFill>
+                <a:latin typeface="Oxygen" panose="02000503000000000000" pitchFamily="2" charset="0"/>
+              </a:rPr>
+              <a:t> absolutely  for Her.                                                                 </a:t>
+            </a:r>
+            <a:r>
+              <a:rPr lang="en-US" sz="1400" b="1" dirty="0" smtClean="0">
+                <a:solidFill>
+                  <a:srgbClr val="FF8C52"/>
+                </a:solidFill>
+                <a:latin typeface="Oxygen" panose="02000503000000000000" pitchFamily="2" charset="0"/>
+              </a:rPr>
+              <a:t>– </a:t>
+            </a:r>
+            <a:r>
+              <a:rPr lang="en-US" sz="1400" b="1" dirty="0" err="1" smtClean="0">
+                <a:solidFill>
+                  <a:srgbClr val="FF8C52"/>
+                </a:solidFill>
+                <a:latin typeface="Oxygen" panose="02000503000000000000" pitchFamily="2" charset="0"/>
+              </a:rPr>
+              <a:t>Suparna</a:t>
+            </a:r>
+            <a:r>
+              <a:rPr lang="en-US" sz="1400" b="1" dirty="0" err="1" smtClean="0">
+                <a:solidFill>
+                  <a:srgbClr val="FF8C52"/>
+                </a:solidFill>
+                <a:latin typeface="Oxygen" panose="02000503000000000000" pitchFamily="2" charset="0"/>
+              </a:rPr>
+              <a:t>’s</a:t>
+            </a:r>
+            <a:r>
+              <a:rPr lang="en-US" sz="1400" b="1" dirty="0" smtClean="0">
+                <a:solidFill>
+                  <a:srgbClr val="FF8C52"/>
+                </a:solidFill>
+                <a:latin typeface="Oxygen" panose="02000503000000000000" pitchFamily="2" charset="0"/>
+              </a:rPr>
+              <a:t> </a:t>
+            </a:r>
+            <a:r>
+              <a:rPr lang="en-US" sz="1400" b="1" dirty="0" smtClean="0">
+                <a:solidFill>
+                  <a:srgbClr val="FF8C52"/>
+                </a:solidFill>
+                <a:latin typeface="Oxygen" panose="02000503000000000000" pitchFamily="2" charset="0"/>
+              </a:rPr>
+              <a:t>mother</a:t>
+            </a:r>
+          </a:p>
+          <a:p>
+            <a:endParaRPr lang="en-US" sz="300" b="1" dirty="0" smtClean="0">
+              <a:solidFill>
+                <a:srgbClr val="FF8C52"/>
+              </a:solidFill>
+              <a:latin typeface="Oxygen" panose="02000503000000000000" pitchFamily="2" charset="0"/>
+            </a:endParaRPr>
+          </a:p>
+          <a:p>
+            <a:r>
+              <a:rPr lang="en-US" sz="1400" b="1" dirty="0" smtClean="0">
+                <a:solidFill>
+                  <a:srgbClr val="FF8C52"/>
+                </a:solidFill>
+                <a:latin typeface="Oxygen" panose="02000503000000000000" pitchFamily="2" charset="0"/>
+              </a:rPr>
+              <a:t> </a:t>
+            </a:r>
+            <a:endParaRPr lang="en-AU" sz="1400" b="1" dirty="0">
+              <a:solidFill>
+                <a:srgbClr val="FF8C52"/>
+              </a:solidFill>
+              <a:latin typeface="Oxygen" panose="02000503000000000000" pitchFamily="2" charset="0"/>
+            </a:endParaRPr>
+          </a:p>
+        </p:txBody>
+      </p:sp>
+      <p:sp>
+        <p:nvSpPr>
+          <p:cNvPr id="10" name="TextBox 9"/>
+          <p:cNvSpPr txBox="1"/>
+          <p:nvPr/>
+        </p:nvSpPr>
+        <p:spPr>
+          <a:xfrm>
+            <a:off x="295004" y="6408797"/>
+            <a:ext cx="3555272" cy="2062103"/>
+          </a:xfrm>
+          <a:prstGeom prst="rect">
+            <a:avLst/>
+          </a:prstGeom>
+          <a:noFill/>
+        </p:spPr>
+        <p:txBody>
+          <a:bodyPr wrap="square" rtlCol="0">
+            <a:spAutoFit/>
+          </a:bodyPr>
+          <a:lstStyle/>
+          <a:p>
+            <a:pPr marL="285750" indent="-285750">
+              <a:lnSpc>
+                <a:spcPct val="200000"/>
+              </a:lnSpc>
+              <a:buFont typeface="Wingdings" panose="05000000000000000000" pitchFamily="2" charset="2"/>
+              <a:buChar char="v"/>
+            </a:pPr>
+            <a:r>
+              <a:rPr lang="en-US" sz="1600" b="1" dirty="0" err="1" smtClean="0">
+                <a:solidFill>
+                  <a:srgbClr val="FF8C52"/>
+                </a:solidFill>
+                <a:latin typeface="Oxygen" panose="02000503000000000000" pitchFamily="2" charset="0"/>
+              </a:rPr>
+              <a:t>B.Ed</a:t>
+            </a:r>
+            <a:r>
+              <a:rPr lang="en-US" sz="1600" b="1" dirty="0" smtClean="0">
+                <a:solidFill>
+                  <a:srgbClr val="FF8C52"/>
+                </a:solidFill>
+                <a:latin typeface="Oxygen" panose="02000503000000000000" pitchFamily="2" charset="0"/>
+              </a:rPr>
+              <a:t> – WBUTTEPA</a:t>
+            </a:r>
+          </a:p>
+          <a:p>
+            <a:pPr marL="285750" indent="-285750">
+              <a:lnSpc>
+                <a:spcPct val="200000"/>
+              </a:lnSpc>
+              <a:buFont typeface="Wingdings" panose="05000000000000000000" pitchFamily="2" charset="2"/>
+              <a:buChar char="v"/>
+            </a:pPr>
+            <a:r>
+              <a:rPr lang="en-US" sz="1600" b="1" dirty="0" err="1" smtClean="0">
+                <a:solidFill>
+                  <a:srgbClr val="FF8C52"/>
+                </a:solidFill>
+                <a:latin typeface="Oxygen" panose="02000503000000000000" pitchFamily="2" charset="0"/>
+              </a:rPr>
+              <a:t>Edu</a:t>
+            </a:r>
+            <a:r>
+              <a:rPr lang="en-US" sz="1600" b="1" dirty="0" smtClean="0">
+                <a:solidFill>
+                  <a:srgbClr val="FF8C52"/>
+                </a:solidFill>
+                <a:latin typeface="Oxygen" panose="02000503000000000000" pitchFamily="2" charset="0"/>
+              </a:rPr>
+              <a:t> Grow Learning App</a:t>
+            </a:r>
+            <a:endParaRPr lang="en-US" sz="1600" b="1" dirty="0" smtClean="0">
+              <a:solidFill>
+                <a:srgbClr val="FF8C52"/>
+              </a:solidFill>
+              <a:latin typeface="Oxygen" panose="02000503000000000000" pitchFamily="2" charset="0"/>
+            </a:endParaRPr>
+          </a:p>
+          <a:p>
+            <a:pPr marL="285750" indent="-285750">
+              <a:lnSpc>
+                <a:spcPct val="200000"/>
+              </a:lnSpc>
+              <a:buFont typeface="Wingdings" panose="05000000000000000000" pitchFamily="2" charset="2"/>
+              <a:buChar char="v"/>
+            </a:pPr>
+            <a:r>
+              <a:rPr lang="en-US" sz="1600" b="1" dirty="0" smtClean="0">
+                <a:solidFill>
+                  <a:srgbClr val="FF8C52"/>
+                </a:solidFill>
+                <a:latin typeface="Oxygen" panose="02000503000000000000" pitchFamily="2" charset="0"/>
+              </a:rPr>
+              <a:t>4 </a:t>
+            </a:r>
+            <a:r>
+              <a:rPr lang="en-US" sz="1600" b="1" dirty="0" smtClean="0">
+                <a:solidFill>
+                  <a:srgbClr val="FF8C52"/>
+                </a:solidFill>
+                <a:latin typeface="Oxygen" panose="02000503000000000000" pitchFamily="2" charset="0"/>
+              </a:rPr>
+              <a:t>Yrs Exp. &amp; Detail Oriented</a:t>
+            </a:r>
+          </a:p>
+          <a:p>
+            <a:pPr marL="285750" indent="-285750">
+              <a:lnSpc>
+                <a:spcPct val="200000"/>
+              </a:lnSpc>
+            </a:pPr>
+            <a:endParaRPr lang="en-AU" sz="1600" b="1" dirty="0">
+              <a:solidFill>
+                <a:srgbClr val="FF8C52"/>
+              </a:solidFill>
+              <a:latin typeface="Oxygen" panose="02000503000000000000" pitchFamily="2" charset="0"/>
+            </a:endParaRPr>
+          </a:p>
+        </p:txBody>
+      </p:sp>
+      <p:sp>
+        <p:nvSpPr>
+          <p:cNvPr id="9" name="Rectangle 8"/>
+          <p:cNvSpPr/>
+          <p:nvPr/>
+        </p:nvSpPr>
+        <p:spPr>
+          <a:xfrm>
+            <a:off x="1344204" y="298174"/>
+            <a:ext cx="4016529" cy="4017435"/>
+          </a:xfrm>
+          <a:prstGeom prst="rect">
+            <a:avLst/>
+          </a:prstGeom>
+          <a:gradFill>
+            <a:gsLst>
+              <a:gs pos="70000">
+                <a:srgbClr val="FFFFFF"/>
+              </a:gs>
+              <a:gs pos="62000">
+                <a:schemeClr val="bg1">
+                  <a:alpha val="0"/>
+                </a:schemeClr>
+              </a:gs>
+            </a:gsLst>
+            <a:path path="circle">
+              <a:fillToRect l="50000" t="50000" r="50000" b="50000"/>
+            </a:path>
+          </a:gradFill>
+          <a:ln>
+            <a:noFill/>
+          </a:ln>
+        </p:spPr>
+        <p:style>
+          <a:lnRef idx="2">
+            <a:schemeClr val="accent1">
+              <a:shade val="50000"/>
+            </a:schemeClr>
+          </a:lnRef>
+          <a:fillRef idx="1">
+            <a:schemeClr val="accent1"/>
+          </a:fillRef>
+          <a:effectRef idx="0">
+            <a:schemeClr val="accent1"/>
+          </a:effectRef>
+          <a:fontRef idx="minor">
+            <a:schemeClr val="lt1"/>
+          </a:fontRef>
+        </p:style>
+        <p:txBody>
+          <a:bodyPr rtlCol="0" anchor="ctr"/>
+          <a:lstStyle/>
+          <a:p>
+            <a:pPr algn="ctr"/>
+            <a:endParaRPr lang="en-AU" dirty="0"/>
+          </a:p>
+        </p:txBody>
+      </p:sp>
+      <p:sp>
+        <p:nvSpPr>
+          <p:cNvPr id="8" name="Rectangle 7"/>
+          <p:cNvSpPr/>
+          <p:nvPr/>
+        </p:nvSpPr>
+        <p:spPr>
+          <a:xfrm>
+            <a:off x="3429000" y="6442647"/>
+            <a:ext cx="3429000" cy="1569660"/>
+          </a:xfrm>
+          <a:prstGeom prst="rect">
+            <a:avLst/>
+          </a:prstGeom>
+        </p:spPr>
+        <p:txBody>
+          <a:bodyPr>
+            <a:spAutoFit/>
+          </a:bodyPr>
+          <a:lstStyle/>
+          <a:p>
+            <a:pPr marL="285750" indent="-285750">
+              <a:lnSpc>
+                <a:spcPct val="200000"/>
+              </a:lnSpc>
+              <a:buFont typeface="Wingdings" panose="05000000000000000000" pitchFamily="2" charset="2"/>
+              <a:buChar char="v"/>
+            </a:pPr>
+            <a:r>
+              <a:rPr lang="en-US" sz="1600" b="1" dirty="0" smtClean="0">
+                <a:solidFill>
+                  <a:srgbClr val="FF8C52"/>
+                </a:solidFill>
+                <a:latin typeface="Oxygen" panose="02000503000000000000" pitchFamily="2" charset="0"/>
+              </a:rPr>
+              <a:t>M. Sc. </a:t>
+            </a:r>
+            <a:r>
+              <a:rPr lang="en-US" sz="1600" b="1" dirty="0" err="1" smtClean="0">
+                <a:solidFill>
+                  <a:srgbClr val="FF8C52"/>
+                </a:solidFill>
+                <a:latin typeface="Oxygen" panose="02000503000000000000" pitchFamily="2" charset="0"/>
+              </a:rPr>
+              <a:t>Jadavpur</a:t>
+            </a:r>
+            <a:r>
+              <a:rPr lang="en-US" sz="1600" b="1" dirty="0" smtClean="0">
+                <a:solidFill>
+                  <a:srgbClr val="FF8C52"/>
+                </a:solidFill>
+                <a:latin typeface="Oxygen" panose="02000503000000000000" pitchFamily="2" charset="0"/>
+              </a:rPr>
+              <a:t> </a:t>
+            </a:r>
+            <a:r>
+              <a:rPr lang="en-US" sz="1600" b="1" dirty="0" err="1" smtClean="0">
+                <a:solidFill>
+                  <a:srgbClr val="FF8C52"/>
+                </a:solidFill>
+                <a:latin typeface="Oxygen" panose="02000503000000000000" pitchFamily="2" charset="0"/>
+              </a:rPr>
+              <a:t>Uvivercity</a:t>
+            </a:r>
+            <a:endParaRPr lang="en-US" sz="1600" b="1" dirty="0" smtClean="0">
+              <a:solidFill>
+                <a:srgbClr val="FF8C52"/>
+              </a:solidFill>
+              <a:latin typeface="Oxygen" panose="02000503000000000000" pitchFamily="2" charset="0"/>
+            </a:endParaRPr>
+          </a:p>
+          <a:p>
+            <a:pPr marL="285750" indent="-285750">
+              <a:lnSpc>
+                <a:spcPct val="200000"/>
+              </a:lnSpc>
+              <a:buFont typeface="Wingdings" panose="05000000000000000000" pitchFamily="2" charset="2"/>
+              <a:buChar char="v"/>
+            </a:pPr>
+            <a:r>
+              <a:rPr lang="en-US" sz="1600" b="1" dirty="0" err="1" smtClean="0">
+                <a:solidFill>
+                  <a:srgbClr val="FF8C52"/>
+                </a:solidFill>
+                <a:latin typeface="Oxygen" panose="02000503000000000000" pitchFamily="2" charset="0"/>
+              </a:rPr>
+              <a:t>Tutopia</a:t>
+            </a:r>
+            <a:r>
+              <a:rPr lang="en-US" sz="1600" b="1" dirty="0" smtClean="0">
+                <a:solidFill>
+                  <a:srgbClr val="FF8C52"/>
+                </a:solidFill>
+                <a:latin typeface="Oxygen" panose="02000503000000000000" pitchFamily="2" charset="0"/>
+              </a:rPr>
+              <a:t> Learning App 2021-22</a:t>
+            </a:r>
+            <a:endParaRPr lang="en-US" sz="1600" b="1" dirty="0" smtClean="0">
+              <a:solidFill>
+                <a:srgbClr val="FF8C52"/>
+              </a:solidFill>
+              <a:latin typeface="Oxygen" panose="02000503000000000000" pitchFamily="2" charset="0"/>
+            </a:endParaRPr>
+          </a:p>
+          <a:p>
+            <a:pPr marL="285750" indent="-285750">
+              <a:lnSpc>
+                <a:spcPct val="200000"/>
+              </a:lnSpc>
+              <a:buFont typeface="Wingdings" panose="05000000000000000000" pitchFamily="2" charset="2"/>
+              <a:buChar char="v"/>
+            </a:pPr>
+            <a:r>
+              <a:rPr lang="en-US" sz="1600" b="1" dirty="0" smtClean="0">
+                <a:solidFill>
+                  <a:srgbClr val="FF8C52"/>
+                </a:solidFill>
+                <a:latin typeface="Oxygen" panose="02000503000000000000" pitchFamily="2" charset="0"/>
+              </a:rPr>
+              <a:t>Lots of Successful Students</a:t>
+            </a:r>
+            <a:endParaRPr lang="en-AU" sz="1600" b="1" dirty="0">
+              <a:solidFill>
+                <a:srgbClr val="FF8C52"/>
+              </a:solidFill>
+              <a:latin typeface="Oxygen" panose="02000503000000000000" pitchFamily="2" charset="0"/>
+            </a:endParaRPr>
+          </a:p>
+        </p:txBody>
+      </p:sp>
+    </p:spTree>
+    <p:extLst>
+      <p:ext uri="{BB962C8B-B14F-4D97-AF65-F5344CB8AC3E}">
+        <p14:creationId xmlns:p14="http://schemas.microsoft.com/office/powerpoint/2010/main" xmlns="" val="3413235718"/>
       </p:ext>
     </p:extLst>
   </p:cSld>
@@ -6433,7 +7960,7 @@
     </a:clrScheme>
     <a:fontScheme name="Office Theme">
       <a:majorFont>
-        <a:latin typeface="Calibri Light" panose="020F0302020204030204"/>
+        <a:latin typeface="Calibri Light"/>
         <a:ea typeface=""/>
         <a:cs typeface=""/>
         <a:font script="Jpan" typeface="ＭＳ Ｐゴシック"/>
@@ -6468,7 +7995,7 @@
         <a:font script="Geor" typeface="Sylfaen"/>
       </a:majorFont>
       <a:minorFont>
-        <a:latin typeface="Calibri" panose="020F0502020204030204"/>
+        <a:latin typeface="Calibri"/>
         <a:ea typeface=""/>
         <a:cs typeface=""/>
         <a:font script="Jpan" typeface="ＭＳ Ｐゴシック"/>
@@ -6645,7 +8172,7 @@
   <a:extraClrSchemeLst/>
   <a:extLst>
     <a:ext uri="{05A4C25C-085E-4340-85A3-A5531E510DB2}">
-      <thm15:themeFamily xmlns:thm15="http://schemas.microsoft.com/office/thememl/2012/main" name="Office Theme" id="{62F939B6-93AF-4DB8-9C6B-D6C7DFDC589F}" vid="{4A3C46E8-61CC-4603-A589-7422A47A8E4A}"/>
+      <thm15:themeFamily xmlns:thm15="http://schemas.microsoft.com/office/thememl/2012/main" xmlns="" name="Office Theme" id="{62F939B6-93AF-4DB8-9C6B-D6C7DFDC589F}" vid="{4A3C46E8-61CC-4603-A589-7422A47A8E4A}"/>
     </a:ext>
   </a:extLst>
 </a:theme>
@@ -6694,7 +8221,7 @@
     </a:clrScheme>
     <a:fontScheme name="Office">
       <a:majorFont>
-        <a:latin typeface="Calibri Light" panose="020F0302020204030204"/>
+        <a:latin typeface="Calibri Light"/>
         <a:ea typeface=""/>
         <a:cs typeface=""/>
         <a:font script="Jpan" typeface="ＭＳ Ｐゴシック"/>
@@ -6729,7 +8256,7 @@
         <a:font script="Geor" typeface="Sylfaen"/>
       </a:majorFont>
       <a:minorFont>
-        <a:latin typeface="Calibri" panose="020F0502020204030204"/>
+        <a:latin typeface="Calibri"/>
         <a:ea typeface=""/>
         <a:cs typeface=""/>
         <a:font script="Jpan" typeface="ＭＳ Ｐゴシック"/>
@@ -6906,7 +8433,7 @@
   <a:extraClrSchemeLst/>
   <a:extLst>
     <a:ext uri="{05A4C25C-085E-4340-85A3-A5531E510DB2}">
-      <thm15:themeFamily xmlns:thm15="http://schemas.microsoft.com/office/thememl/2012/main" name="Office Theme" id="{62F939B6-93AF-4DB8-9C6B-D6C7DFDC589F}" vid="{4A3C46E8-61CC-4603-A589-7422A47A8E4A}"/>
+      <thm15:themeFamily xmlns:thm15="http://schemas.microsoft.com/office/thememl/2012/main" xmlns="" name="Office Theme" id="{62F939B6-93AF-4DB8-9C6B-D6C7DFDC589F}" vid="{4A3C46E8-61CC-4603-A589-7422A47A8E4A}"/>
     </a:ext>
   </a:extLst>
 </a:theme>

--- a/Offline/TeacherRecruitment/TeacherProfiles.pptx
+++ b/Offline/TeacherRecruitment/TeacherProfiles.pptx
@@ -5,7 +5,7 @@
     <p:sldMasterId id="2147483684" r:id="rId1"/>
   </p:sldMasterIdLst>
   <p:notesMasterIdLst>
-    <p:notesMasterId r:id="rId9"/>
+    <p:notesMasterId r:id="rId10"/>
   </p:notesMasterIdLst>
   <p:sldIdLst>
     <p:sldId id="256" r:id="rId2"/>
@@ -15,6 +15,7 @@
     <p:sldId id="260" r:id="rId6"/>
     <p:sldId id="261" r:id="rId7"/>
     <p:sldId id="262" r:id="rId8"/>
+    <p:sldId id="263" r:id="rId9"/>
   </p:sldIdLst>
   <p:sldSz cx="6858000" cy="9906000" type="A4"/>
   <p:notesSz cx="6858000" cy="9144000"/>
@@ -115,7 +116,7 @@
   </p:defaultTextStyle>
   <p:extLst>
     <p:ext uri="{EFAFB233-063F-42B5-8137-9DF3F51BA10A}">
-      <p15:sldGuideLst xmlns:p15="http://schemas.microsoft.com/office/powerpoint/2012/main" xmlns=""/>
+      <p15:sldGuideLst xmlns="" xmlns:p15="http://schemas.microsoft.com/office/powerpoint/2012/main"/>
     </p:ext>
   </p:extLst>
 </p:presentation>
@@ -373,7 +374,7 @@
     </p:spTree>
     <p:extLst>
       <p:ext uri="{BB962C8B-B14F-4D97-AF65-F5344CB8AC3E}">
-        <p14:creationId xmlns:p14="http://schemas.microsoft.com/office/powerpoint/2010/main" xmlns="" val="3380572074"/>
+        <p14:creationId xmlns="" xmlns:p14="http://schemas.microsoft.com/office/powerpoint/2010/main" val="3380572074"/>
       </p:ext>
     </p:extLst>
   </p:cSld>
@@ -548,7 +549,7 @@
     </p:spTree>
     <p:extLst>
       <p:ext uri="{BB962C8B-B14F-4D97-AF65-F5344CB8AC3E}">
-        <p14:creationId xmlns:p14="http://schemas.microsoft.com/office/powerpoint/2010/main" xmlns="" val="3631863043"/>
+        <p14:creationId xmlns="" xmlns:p14="http://schemas.microsoft.com/office/powerpoint/2010/main" val="3631863043"/>
       </p:ext>
     </p:extLst>
   </p:cSld>
@@ -633,7 +634,7 @@
     </p:spTree>
     <p:extLst>
       <p:ext uri="{BB962C8B-B14F-4D97-AF65-F5344CB8AC3E}">
-        <p14:creationId xmlns:p14="http://schemas.microsoft.com/office/powerpoint/2010/main" xmlns="" val="405947843"/>
+        <p14:creationId xmlns="" xmlns:p14="http://schemas.microsoft.com/office/powerpoint/2010/main" val="405947843"/>
       </p:ext>
     </p:extLst>
   </p:cSld>
@@ -718,7 +719,7 @@
     </p:spTree>
     <p:extLst>
       <p:ext uri="{BB962C8B-B14F-4D97-AF65-F5344CB8AC3E}">
-        <p14:creationId xmlns:p14="http://schemas.microsoft.com/office/powerpoint/2010/main" xmlns="" val="3275884807"/>
+        <p14:creationId xmlns="" xmlns:p14="http://schemas.microsoft.com/office/powerpoint/2010/main" val="3275884807"/>
       </p:ext>
     </p:extLst>
   </p:cSld>
@@ -803,7 +804,7 @@
     </p:spTree>
     <p:extLst>
       <p:ext uri="{BB962C8B-B14F-4D97-AF65-F5344CB8AC3E}">
-        <p14:creationId xmlns:p14="http://schemas.microsoft.com/office/powerpoint/2010/main" xmlns="" val="405947843"/>
+        <p14:creationId xmlns="" xmlns:p14="http://schemas.microsoft.com/office/powerpoint/2010/main" val="405947843"/>
       </p:ext>
     </p:extLst>
   </p:cSld>
@@ -888,7 +889,92 @@
     </p:spTree>
     <p:extLst>
       <p:ext uri="{BB962C8B-B14F-4D97-AF65-F5344CB8AC3E}">
-        <p14:creationId xmlns:p14="http://schemas.microsoft.com/office/powerpoint/2010/main" xmlns="" val="3275884807"/>
+        <p14:creationId xmlns="" xmlns:p14="http://schemas.microsoft.com/office/powerpoint/2010/main" val="3275884807"/>
+      </p:ext>
+    </p:extLst>
+  </p:cSld>
+  <p:clrMapOvr>
+    <a:masterClrMapping/>
+  </p:clrMapOvr>
+</p:notes>
+</file>
+
+<file path=ppt/notesSlides/notesSlide6.xml><?xml version="1.0" encoding="utf-8"?>
+<p:notes xmlns:a="http://schemas.openxmlformats.org/drawingml/2006/main" xmlns:r="http://schemas.openxmlformats.org/officeDocument/2006/relationships" xmlns:p="http://schemas.openxmlformats.org/presentationml/2006/main">
+  <p:cSld>
+    <p:spTree>
+      <p:nvGrpSpPr>
+        <p:cNvPr id="1" name=""/>
+        <p:cNvGrpSpPr/>
+        <p:nvPr/>
+      </p:nvGrpSpPr>
+      <p:grpSpPr>
+        <a:xfrm>
+          <a:off x="0" y="0"/>
+          <a:ext cx="0" cy="0"/>
+          <a:chOff x="0" y="0"/>
+          <a:chExt cx="0" cy="0"/>
+        </a:xfrm>
+      </p:grpSpPr>
+      <p:sp>
+        <p:nvSpPr>
+          <p:cNvPr id="2" name="Slide Image Placeholder 1"/>
+          <p:cNvSpPr>
+            <a:spLocks noGrp="1" noRot="1" noChangeAspect="1"/>
+          </p:cNvSpPr>
+          <p:nvPr>
+            <p:ph type="sldImg"/>
+          </p:nvPr>
+        </p:nvSpPr>
+        <p:spPr/>
+      </p:sp>
+      <p:sp>
+        <p:nvSpPr>
+          <p:cNvPr id="3" name="Notes Placeholder 2"/>
+          <p:cNvSpPr>
+            <a:spLocks noGrp="1"/>
+          </p:cNvSpPr>
+          <p:nvPr>
+            <p:ph type="body" idx="1"/>
+          </p:nvPr>
+        </p:nvSpPr>
+        <p:spPr/>
+        <p:txBody>
+          <a:bodyPr/>
+          <a:lstStyle/>
+          <a:p>
+            <a:endParaRPr lang="en-AU" dirty="0"/>
+          </a:p>
+        </p:txBody>
+      </p:sp>
+      <p:sp>
+        <p:nvSpPr>
+          <p:cNvPr id="4" name="Slide Number Placeholder 3"/>
+          <p:cNvSpPr>
+            <a:spLocks noGrp="1"/>
+          </p:cNvSpPr>
+          <p:nvPr>
+            <p:ph type="sldNum" sz="quarter" idx="10"/>
+          </p:nvPr>
+        </p:nvSpPr>
+        <p:spPr/>
+        <p:txBody>
+          <a:bodyPr/>
+          <a:lstStyle/>
+          <a:p>
+            <a:fld id="{42B418AD-C6CF-4435-83C2-98AD00D4BAE8}" type="slidenum">
+              <a:rPr lang="en-AU" smtClean="0"/>
+              <a:pPr/>
+              <a:t>8</a:t>
+            </a:fld>
+            <a:endParaRPr lang="en-AU"/>
+          </a:p>
+        </p:txBody>
+      </p:sp>
+    </p:spTree>
+    <p:extLst>
+      <p:ext uri="{BB962C8B-B14F-4D97-AF65-F5344CB8AC3E}">
+        <p14:creationId xmlns="" xmlns:p14="http://schemas.microsoft.com/office/powerpoint/2010/main" val="405947843"/>
       </p:ext>
     </p:extLst>
   </p:cSld>
@@ -1082,7 +1168,7 @@
     </p:spTree>
     <p:extLst>
       <p:ext uri="{BB962C8B-B14F-4D97-AF65-F5344CB8AC3E}">
-        <p14:creationId xmlns:p14="http://schemas.microsoft.com/office/powerpoint/2010/main" xmlns="" val="4041747433"/>
+        <p14:creationId xmlns="" xmlns:p14="http://schemas.microsoft.com/office/powerpoint/2010/main" val="4041747433"/>
       </p:ext>
     </p:extLst>
   </p:cSld>
@@ -1254,7 +1340,7 @@
     </p:spTree>
     <p:extLst>
       <p:ext uri="{BB962C8B-B14F-4D97-AF65-F5344CB8AC3E}">
-        <p14:creationId xmlns:p14="http://schemas.microsoft.com/office/powerpoint/2010/main" xmlns="" val="3520490921"/>
+        <p14:creationId xmlns="" xmlns:p14="http://schemas.microsoft.com/office/powerpoint/2010/main" val="3520490921"/>
       </p:ext>
     </p:extLst>
   </p:cSld>
@@ -1436,7 +1522,7 @@
     </p:spTree>
     <p:extLst>
       <p:ext uri="{BB962C8B-B14F-4D97-AF65-F5344CB8AC3E}">
-        <p14:creationId xmlns:p14="http://schemas.microsoft.com/office/powerpoint/2010/main" xmlns="" val="905774708"/>
+        <p14:creationId xmlns="" xmlns:p14="http://schemas.microsoft.com/office/powerpoint/2010/main" val="905774708"/>
       </p:ext>
     </p:extLst>
   </p:cSld>
@@ -1608,7 +1694,7 @@
     </p:spTree>
     <p:extLst>
       <p:ext uri="{BB962C8B-B14F-4D97-AF65-F5344CB8AC3E}">
-        <p14:creationId xmlns:p14="http://schemas.microsoft.com/office/powerpoint/2010/main" xmlns="" val="3948615634"/>
+        <p14:creationId xmlns="" xmlns:p14="http://schemas.microsoft.com/office/powerpoint/2010/main" val="3948615634"/>
       </p:ext>
     </p:extLst>
   </p:cSld>
@@ -1854,7 +1940,7 @@
     </p:spTree>
     <p:extLst>
       <p:ext uri="{BB962C8B-B14F-4D97-AF65-F5344CB8AC3E}">
-        <p14:creationId xmlns:p14="http://schemas.microsoft.com/office/powerpoint/2010/main" xmlns="" val="2206772544"/>
+        <p14:creationId xmlns="" xmlns:p14="http://schemas.microsoft.com/office/powerpoint/2010/main" val="2206772544"/>
       </p:ext>
     </p:extLst>
   </p:cSld>
@@ -2088,7 +2174,7 @@
     </p:spTree>
     <p:extLst>
       <p:ext uri="{BB962C8B-B14F-4D97-AF65-F5344CB8AC3E}">
-        <p14:creationId xmlns:p14="http://schemas.microsoft.com/office/powerpoint/2010/main" xmlns="" val="4182448314"/>
+        <p14:creationId xmlns="" xmlns:p14="http://schemas.microsoft.com/office/powerpoint/2010/main" val="4182448314"/>
       </p:ext>
     </p:extLst>
   </p:cSld>
@@ -2457,7 +2543,7 @@
     </p:spTree>
     <p:extLst>
       <p:ext uri="{BB962C8B-B14F-4D97-AF65-F5344CB8AC3E}">
-        <p14:creationId xmlns:p14="http://schemas.microsoft.com/office/powerpoint/2010/main" xmlns="" val="2575632611"/>
+        <p14:creationId xmlns="" xmlns:p14="http://schemas.microsoft.com/office/powerpoint/2010/main" val="2575632611"/>
       </p:ext>
     </p:extLst>
   </p:cSld>
@@ -2577,7 +2663,7 @@
     </p:spTree>
     <p:extLst>
       <p:ext uri="{BB962C8B-B14F-4D97-AF65-F5344CB8AC3E}">
-        <p14:creationId xmlns:p14="http://schemas.microsoft.com/office/powerpoint/2010/main" xmlns="" val="2247197560"/>
+        <p14:creationId xmlns="" xmlns:p14="http://schemas.microsoft.com/office/powerpoint/2010/main" val="2247197560"/>
       </p:ext>
     </p:extLst>
   </p:cSld>
@@ -2674,7 +2760,7 @@
     </p:spTree>
     <p:extLst>
       <p:ext uri="{BB962C8B-B14F-4D97-AF65-F5344CB8AC3E}">
-        <p14:creationId xmlns:p14="http://schemas.microsoft.com/office/powerpoint/2010/main" xmlns="" val="2848066780"/>
+        <p14:creationId xmlns="" xmlns:p14="http://schemas.microsoft.com/office/powerpoint/2010/main" val="2848066780"/>
       </p:ext>
     </p:extLst>
   </p:cSld>
@@ -2953,7 +3039,7 @@
     </p:spTree>
     <p:extLst>
       <p:ext uri="{BB962C8B-B14F-4D97-AF65-F5344CB8AC3E}">
-        <p14:creationId xmlns:p14="http://schemas.microsoft.com/office/powerpoint/2010/main" xmlns="" val="2717181826"/>
+        <p14:creationId xmlns="" xmlns:p14="http://schemas.microsoft.com/office/powerpoint/2010/main" val="2717181826"/>
       </p:ext>
     </p:extLst>
   </p:cSld>
@@ -3212,7 +3298,7 @@
     </p:spTree>
     <p:extLst>
       <p:ext uri="{BB962C8B-B14F-4D97-AF65-F5344CB8AC3E}">
-        <p14:creationId xmlns:p14="http://schemas.microsoft.com/office/powerpoint/2010/main" xmlns="" val="3550790182"/>
+        <p14:creationId xmlns="" xmlns:p14="http://schemas.microsoft.com/office/powerpoint/2010/main" val="3550790182"/>
       </p:ext>
     </p:extLst>
   </p:cSld>
@@ -3463,7 +3549,7 @@
     </p:spTree>
     <p:extLst>
       <p:ext uri="{BB962C8B-B14F-4D97-AF65-F5344CB8AC3E}">
-        <p14:creationId xmlns:p14="http://schemas.microsoft.com/office/powerpoint/2010/main" xmlns="" val="2582296453"/>
+        <p14:creationId xmlns="" xmlns:p14="http://schemas.microsoft.com/office/powerpoint/2010/main" val="2582296453"/>
       </p:ext>
     </p:extLst>
   </p:cSld>
@@ -4235,7 +4321,7 @@
     </p:spTree>
     <p:extLst>
       <p:ext uri="{BB962C8B-B14F-4D97-AF65-F5344CB8AC3E}">
-        <p14:creationId xmlns:p14="http://schemas.microsoft.com/office/powerpoint/2010/main" xmlns="" val="727164167"/>
+        <p14:creationId xmlns="" xmlns:p14="http://schemas.microsoft.com/office/powerpoint/2010/main" val="727164167"/>
       </p:ext>
     </p:extLst>
   </p:cSld>
@@ -4757,7 +4843,7 @@
     </p:spTree>
     <p:extLst>
       <p:ext uri="{BB962C8B-B14F-4D97-AF65-F5344CB8AC3E}">
-        <p14:creationId xmlns:p14="http://schemas.microsoft.com/office/powerpoint/2010/main" xmlns="" val="1118374859"/>
+        <p14:creationId xmlns="" xmlns:p14="http://schemas.microsoft.com/office/powerpoint/2010/main" val="1118374859"/>
       </p:ext>
     </p:extLst>
   </p:cSld>
@@ -5161,7 +5247,7 @@
     </p:spTree>
     <p:extLst>
       <p:ext uri="{BB962C8B-B14F-4D97-AF65-F5344CB8AC3E}">
-        <p14:creationId xmlns:p14="http://schemas.microsoft.com/office/powerpoint/2010/main" xmlns="" val="2866300449"/>
+        <p14:creationId xmlns="" xmlns:p14="http://schemas.microsoft.com/office/powerpoint/2010/main" val="2866300449"/>
       </p:ext>
     </p:extLst>
   </p:cSld>
@@ -5531,7 +5617,7 @@
         </p:txBody>
       </p:sp>
       <mc:AlternateContent xmlns:mc="http://schemas.openxmlformats.org/markup-compatibility/2006">
-        <mc:Choice xmlns:a14="http://schemas.microsoft.com/office/drawing/2010/main" xmlns="" Requires="a14">
+        <mc:Choice xmlns="" xmlns:a14="http://schemas.microsoft.com/office/drawing/2010/main" Requires="a14">
           <p:sp>
             <p:nvSpPr>
               <p:cNvPr id="14" name="TextBox 13"/>
@@ -5877,7 +5963,7 @@
     </p:spTree>
     <p:extLst>
       <p:ext uri="{BB962C8B-B14F-4D97-AF65-F5344CB8AC3E}">
-        <p14:creationId xmlns:p14="http://schemas.microsoft.com/office/powerpoint/2010/main" xmlns="" val="2320704513"/>
+        <p14:creationId xmlns="" xmlns:p14="http://schemas.microsoft.com/office/powerpoint/2010/main" val="2320704513"/>
       </p:ext>
     </p:extLst>
   </p:cSld>
@@ -6201,7 +6287,7 @@
         </p:txBody>
       </p:sp>
       <mc:AlternateContent xmlns:mc="http://schemas.openxmlformats.org/markup-compatibility/2006">
-        <mc:Choice xmlns:a14="http://schemas.microsoft.com/office/drawing/2010/main" xmlns="" Requires="a14">
+        <mc:Choice xmlns="" xmlns:a14="http://schemas.microsoft.com/office/drawing/2010/main" Requires="a14">
           <p:sp>
             <p:nvSpPr>
               <p:cNvPr id="14" name="TextBox 13"/>
@@ -6547,7 +6633,7 @@
     </p:spTree>
     <p:extLst>
       <p:ext uri="{BB962C8B-B14F-4D97-AF65-F5344CB8AC3E}">
-        <p14:creationId xmlns:p14="http://schemas.microsoft.com/office/powerpoint/2010/main" xmlns="" val="3413235718"/>
+        <p14:creationId xmlns="" xmlns:p14="http://schemas.microsoft.com/office/powerpoint/2010/main" val="3413235718"/>
       </p:ext>
     </p:extLst>
   </p:cSld>
@@ -6627,581 +6713,475 @@
           </a:p>
         </p:txBody>
       </p:sp>
-      <p:sp>
-        <p:nvSpPr>
-          <p:cNvPr id="12" name="TextBox 11"/>
-          <p:cNvSpPr txBox="1"/>
+      <p:grpSp>
+        <p:nvGrpSpPr>
+          <p:cNvPr id="9" name="Group 8"/>
+          <p:cNvGrpSpPr/>
           <p:nvPr/>
-        </p:nvSpPr>
-        <p:spPr>
+        </p:nvGrpSpPr>
+        <p:grpSpPr>
           <a:xfrm>
             <a:off x="766645" y="4483690"/>
-            <a:ext cx="5342708" cy="1815882"/>
+            <a:ext cx="6757067" cy="4999012"/>
+            <a:chOff x="766645" y="4483690"/>
+            <a:chExt cx="6757067" cy="4999012"/>
           </a:xfrm>
-          <a:prstGeom prst="rect">
-            <a:avLst/>
-          </a:prstGeom>
-          <a:noFill/>
-        </p:spPr>
-        <p:txBody>
-          <a:bodyPr wrap="square" rtlCol="0">
-            <a:spAutoFit/>
-          </a:bodyPr>
-          <a:lstStyle/>
-          <a:p>
-            <a:pPr algn="ctr"/>
-            <a:r>
-              <a:rPr lang="en-US" sz="4400" b="1" cap="all" dirty="0" smtClean="0">
-                <a:solidFill>
-                  <a:schemeClr val="bg1"/>
-                </a:solidFill>
-                <a:latin typeface="Oxygen" panose="02000503000000000000" pitchFamily="2" charset="0"/>
-              </a:rPr>
-              <a:t>Avishek Sir</a:t>
-            </a:r>
-          </a:p>
-          <a:p>
-            <a:pPr algn="ctr"/>
-            <a:r>
-              <a:rPr lang="en-US" sz="2400" b="1" dirty="0" smtClean="0">
-                <a:solidFill>
-                  <a:schemeClr val="bg1"/>
-                </a:solidFill>
-                <a:latin typeface="Oxygen" panose="02000503000000000000" pitchFamily="2" charset="0"/>
-              </a:rPr>
-              <a:t>Avishek Adhikari</a:t>
-            </a:r>
-            <a:endParaRPr lang="en-US" sz="2800" b="1" dirty="0" smtClean="0">
-              <a:solidFill>
-                <a:schemeClr val="bg1"/>
-              </a:solidFill>
-              <a:latin typeface="Oxygen" panose="02000503000000000000" pitchFamily="2" charset="0"/>
-            </a:endParaRPr>
-          </a:p>
-          <a:p>
-            <a:pPr algn="ctr"/>
-            <a:endParaRPr lang="en-US" sz="1200" b="1" dirty="0" smtClean="0">
-              <a:solidFill>
-                <a:schemeClr val="bg1"/>
-              </a:solidFill>
-              <a:latin typeface="Oxygen" panose="02000503000000000000" pitchFamily="2" charset="0"/>
-            </a:endParaRPr>
-          </a:p>
-          <a:p>
-            <a:pPr algn="ctr"/>
-            <a:r>
-              <a:rPr lang="en-US" sz="2800" b="1" cap="small" dirty="0" smtClean="0">
-                <a:solidFill>
-                  <a:schemeClr val="bg1"/>
-                </a:solidFill>
-                <a:latin typeface="Oxygen" panose="02000503000000000000" pitchFamily="2" charset="0"/>
-              </a:rPr>
-              <a:t>Maths - VIII – XII</a:t>
-            </a:r>
-            <a:endParaRPr lang="en-US" sz="1100" b="1" cap="small" dirty="0">
-              <a:solidFill>
-                <a:schemeClr val="bg1"/>
-              </a:solidFill>
-              <a:latin typeface="Oxygen" panose="02000503000000000000" pitchFamily="2" charset="0"/>
-            </a:endParaRPr>
-          </a:p>
-        </p:txBody>
-      </p:sp>
-      <p:sp>
-        <p:nvSpPr>
-          <p:cNvPr id="13" name="TextBox 12"/>
-          <p:cNvSpPr txBox="1"/>
-          <p:nvPr/>
-        </p:nvSpPr>
-        <p:spPr>
-          <a:xfrm>
-            <a:off x="190500" y="8213193"/>
-            <a:ext cx="6522720" cy="1246495"/>
-          </a:xfrm>
-          <a:prstGeom prst="rect">
-            <a:avLst/>
-          </a:prstGeom>
-          <a:noFill/>
-        </p:spPr>
-        <p:txBody>
-          <a:bodyPr wrap="square" rtlCol="0">
-            <a:spAutoFit/>
-          </a:bodyPr>
-          <a:lstStyle/>
-          <a:p>
-            <a:r>
-              <a:rPr lang="en-US" b="1" i="1" dirty="0" smtClean="0">
-                <a:solidFill>
-                  <a:schemeClr val="bg1"/>
-                </a:solidFill>
-                <a:latin typeface="Oxygen" panose="02000503000000000000" pitchFamily="2" charset="0"/>
-              </a:rPr>
-              <a:t>Neel depended on him so much to score !</a:t>
-            </a:r>
-          </a:p>
-          <a:p>
-            <a:r>
-              <a:rPr lang="en-US" b="1" dirty="0">
-                <a:solidFill>
-                  <a:schemeClr val="bg1"/>
-                </a:solidFill>
-                <a:latin typeface="Oxygen" panose="02000503000000000000" pitchFamily="2" charset="0"/>
-              </a:rPr>
-              <a:t> </a:t>
-            </a:r>
-            <a:r>
-              <a:rPr lang="en-US" b="1" dirty="0" smtClean="0">
-                <a:solidFill>
-                  <a:schemeClr val="bg1"/>
-                </a:solidFill>
-                <a:latin typeface="Oxygen" panose="02000503000000000000" pitchFamily="2" charset="0"/>
-              </a:rPr>
-              <a:t>                                                                       </a:t>
-            </a:r>
-            <a:r>
-              <a:rPr lang="en-US" sz="1400" b="1" dirty="0" smtClean="0">
-                <a:solidFill>
-                  <a:schemeClr val="bg1"/>
-                </a:solidFill>
-                <a:latin typeface="Oxygen" panose="02000503000000000000" pitchFamily="2" charset="0"/>
-              </a:rPr>
-              <a:t>– Neel’s mother</a:t>
-            </a:r>
-          </a:p>
-          <a:p>
-            <a:endParaRPr lang="en-US" sz="300" b="1" dirty="0" smtClean="0">
-              <a:solidFill>
-                <a:schemeClr val="bg1"/>
-              </a:solidFill>
-              <a:latin typeface="Oxygen" panose="02000503000000000000" pitchFamily="2" charset="0"/>
-            </a:endParaRPr>
-          </a:p>
-          <a:p>
-            <a:r>
-              <a:rPr lang="en-US" b="1" i="1" dirty="0" smtClean="0">
-                <a:solidFill>
-                  <a:schemeClr val="bg1"/>
-                </a:solidFill>
-                <a:latin typeface="Oxygen" panose="02000503000000000000" pitchFamily="2" charset="0"/>
-              </a:rPr>
-              <a:t>Explains well, takes tests &amp; clears all doubts. Excellent!</a:t>
-            </a:r>
-          </a:p>
-          <a:p>
-            <a:r>
-              <a:rPr lang="en-US" b="1" dirty="0">
-                <a:solidFill>
-                  <a:schemeClr val="bg1"/>
-                </a:solidFill>
-                <a:latin typeface="Oxygen" panose="02000503000000000000" pitchFamily="2" charset="0"/>
-              </a:rPr>
-              <a:t> </a:t>
-            </a:r>
-            <a:r>
-              <a:rPr lang="en-US" b="1" dirty="0" smtClean="0">
-                <a:solidFill>
-                  <a:schemeClr val="bg1"/>
-                </a:solidFill>
-                <a:latin typeface="Oxygen" panose="02000503000000000000" pitchFamily="2" charset="0"/>
-              </a:rPr>
-              <a:t>                                                                       </a:t>
-            </a:r>
-            <a:r>
-              <a:rPr lang="en-US" sz="1400" b="1" dirty="0">
-                <a:solidFill>
-                  <a:schemeClr val="bg1"/>
-                </a:solidFill>
-                <a:latin typeface="Oxygen" panose="02000503000000000000" pitchFamily="2" charset="0"/>
-              </a:rPr>
-              <a:t>– Emon Kalsa’s </a:t>
-            </a:r>
-            <a:r>
-              <a:rPr lang="en-US" sz="1400" b="1" dirty="0" smtClean="0">
-                <a:solidFill>
-                  <a:schemeClr val="bg1"/>
-                </a:solidFill>
-                <a:latin typeface="Oxygen" panose="02000503000000000000" pitchFamily="2" charset="0"/>
-              </a:rPr>
-              <a:t>mother </a:t>
-            </a:r>
-            <a:endParaRPr lang="en-AU" sz="1400" b="1" dirty="0">
-              <a:solidFill>
-                <a:schemeClr val="bg1"/>
-              </a:solidFill>
-              <a:latin typeface="Oxygen" panose="02000503000000000000" pitchFamily="2" charset="0"/>
-            </a:endParaRPr>
-          </a:p>
-        </p:txBody>
-      </p:sp>
-      <p:sp>
-        <p:nvSpPr>
-          <p:cNvPr id="10" name="TextBox 9"/>
-          <p:cNvSpPr txBox="1"/>
-          <p:nvPr/>
-        </p:nvSpPr>
-        <p:spPr>
-          <a:xfrm>
-            <a:off x="295004" y="6408797"/>
-            <a:ext cx="3555272" cy="1569660"/>
-          </a:xfrm>
-          <a:prstGeom prst="rect">
-            <a:avLst/>
-          </a:prstGeom>
-          <a:noFill/>
-        </p:spPr>
-        <p:txBody>
-          <a:bodyPr wrap="square" rtlCol="0">
-            <a:spAutoFit/>
-          </a:bodyPr>
-          <a:lstStyle/>
-          <a:p>
-            <a:pPr marL="285750" indent="-285750">
-              <a:lnSpc>
-                <a:spcPct val="200000"/>
-              </a:lnSpc>
-              <a:buFont typeface="Wingdings" panose="05000000000000000000" pitchFamily="2" charset="2"/>
-              <a:buChar char="v"/>
-            </a:pPr>
-            <a:r>
-              <a:rPr lang="en-US" sz="1600" b="1" dirty="0" smtClean="0">
-                <a:solidFill>
-                  <a:schemeClr val="bg1"/>
-                </a:solidFill>
-                <a:latin typeface="Oxygen" panose="02000503000000000000" pitchFamily="2" charset="0"/>
-              </a:rPr>
-              <a:t>Cracked IIT, ISI PhD (Ongoing)</a:t>
-            </a:r>
-          </a:p>
-          <a:p>
-            <a:pPr marL="285750" indent="-285750">
-              <a:lnSpc>
-                <a:spcPct val="200000"/>
-              </a:lnSpc>
-              <a:buFont typeface="Wingdings" panose="05000000000000000000" pitchFamily="2" charset="2"/>
-              <a:buChar char="v"/>
-            </a:pPr>
-            <a:r>
-              <a:rPr lang="en-US" sz="1600" b="1" dirty="0" smtClean="0">
-                <a:solidFill>
-                  <a:schemeClr val="bg1"/>
-                </a:solidFill>
-                <a:latin typeface="Oxygen" panose="02000503000000000000" pitchFamily="2" charset="0"/>
-              </a:rPr>
-              <a:t>8 Yrs Exp. &amp; Detail Oriented</a:t>
-            </a:r>
-          </a:p>
-          <a:p>
-            <a:pPr marL="285750" indent="-285750">
-              <a:lnSpc>
-                <a:spcPct val="200000"/>
-              </a:lnSpc>
-              <a:buFont typeface="Wingdings" panose="05000000000000000000" pitchFamily="2" charset="2"/>
-              <a:buChar char="v"/>
-            </a:pPr>
-            <a:r>
-              <a:rPr lang="en-US" sz="1600" b="1" dirty="0" smtClean="0">
-                <a:solidFill>
-                  <a:schemeClr val="bg1"/>
-                </a:solidFill>
-                <a:latin typeface="Oxygen" panose="02000503000000000000" pitchFamily="2" charset="0"/>
-              </a:rPr>
-              <a:t>Lots of Successful Students</a:t>
-            </a:r>
-            <a:endParaRPr lang="en-AU" sz="1600" b="1" dirty="0">
-              <a:solidFill>
-                <a:schemeClr val="bg1"/>
-              </a:solidFill>
-              <a:latin typeface="Oxygen" panose="02000503000000000000" pitchFamily="2" charset="0"/>
-            </a:endParaRPr>
-          </a:p>
-        </p:txBody>
-      </p:sp>
-      <mc:AlternateContent xmlns:mc="http://schemas.openxmlformats.org/markup-compatibility/2006">
-        <mc:Choice xmlns:a14="http://schemas.microsoft.com/office/drawing/2010/main" xmlns="" Requires="a14">
-          <p:sp>
-            <p:nvSpPr>
-              <p:cNvPr id="14" name="TextBox 13"/>
-              <p:cNvSpPr txBox="1"/>
-              <p:nvPr/>
-            </p:nvSpPr>
-            <p:spPr>
-              <a:xfrm>
-                <a:off x="3706583" y="6395734"/>
-                <a:ext cx="3038790" cy="1677382"/>
-              </a:xfrm>
-              <a:prstGeom prst="rect">
-                <a:avLst/>
-              </a:prstGeom>
-              <a:noFill/>
-            </p:spPr>
-            <p:txBody>
-              <a:bodyPr wrap="square" rtlCol="0">
-                <a:spAutoFit/>
-              </a:bodyPr>
-              <a:lstStyle/>
-              <a:p>
-                <a:pPr marL="285750" indent="-285750">
-                  <a:lnSpc>
-                    <a:spcPct val="150000"/>
-                  </a:lnSpc>
-                  <a:buFont typeface="Wingdings" panose="05000000000000000000" pitchFamily="2" charset="2"/>
-                  <a:buChar char="v"/>
-                </a:pPr>
-                <a14:m>
-                  <m:oMath xmlns:m="http://schemas.openxmlformats.org/officeDocument/2006/math">
-                    <m:f>
-                      <m:fPr>
-                        <m:ctrlPr>
-                          <a:rPr lang="en-AU" i="1">
-                            <a:solidFill>
-                              <a:schemeClr val="bg1"/>
-                            </a:solidFill>
-                            <a:latin typeface="Cambria Math" panose="02040503050406030204" pitchFamily="18" charset="0"/>
-                          </a:rPr>
-                        </m:ctrlPr>
-                      </m:fPr>
-                      <m:num>
-                        <m:r>
-                          <a:rPr lang="en-AU" b="0">
-                            <a:solidFill>
-                              <a:schemeClr val="bg1"/>
-                            </a:solidFill>
-                            <a:latin typeface="Cambria Math" panose="02040503050406030204" pitchFamily="18" charset="0"/>
-                          </a:rPr>
-                          <m:t>100</m:t>
-                        </m:r>
-                      </m:num>
-                      <m:den>
-                        <m:r>
-                          <a:rPr lang="en-AU" b="0">
-                            <a:solidFill>
-                              <a:schemeClr val="bg1"/>
-                            </a:solidFill>
-                            <a:latin typeface="Cambria Math" panose="02040503050406030204" pitchFamily="18" charset="0"/>
-                          </a:rPr>
-                          <m:t>100</m:t>
-                        </m:r>
-                      </m:den>
-                    </m:f>
-                  </m:oMath>
-                </a14:m>
-                <a:r>
-                  <a:rPr lang="en-US" sz="1600" b="1" dirty="0">
-                    <a:solidFill>
-                      <a:schemeClr val="bg1"/>
-                    </a:solidFill>
-                    <a:latin typeface="Oxygen" panose="02000503000000000000" pitchFamily="2" charset="0"/>
-                  </a:rPr>
-                  <a:t> in </a:t>
-                </a:r>
-                <a:r>
-                  <a:rPr lang="en-US" sz="1600" b="1" dirty="0" smtClean="0">
-                    <a:solidFill>
-                      <a:schemeClr val="bg1"/>
-                    </a:solidFill>
-                    <a:latin typeface="Oxygen" panose="02000503000000000000" pitchFamily="2" charset="0"/>
-                  </a:rPr>
-                  <a:t>Maths in HS &amp; 10</a:t>
-                </a:r>
-                <a:r>
-                  <a:rPr lang="en-US" sz="1600" b="1" baseline="30000" dirty="0" smtClean="0">
-                    <a:solidFill>
-                      <a:schemeClr val="bg1"/>
-                    </a:solidFill>
-                    <a:latin typeface="Oxygen" panose="02000503000000000000" pitchFamily="2" charset="0"/>
-                  </a:rPr>
-                  <a:t>th</a:t>
-                </a:r>
-                <a:r>
-                  <a:rPr lang="en-US" sz="1600" b="1" dirty="0" smtClean="0">
-                    <a:solidFill>
-                      <a:schemeClr val="bg1"/>
-                    </a:solidFill>
-                    <a:latin typeface="Oxygen" panose="02000503000000000000" pitchFamily="2" charset="0"/>
-                  </a:rPr>
-                  <a:t/>
-                </a:r>
-              </a:p>
-              <a:p>
-                <a:pPr marL="285750" indent="-285750">
-                  <a:lnSpc>
-                    <a:spcPct val="200000"/>
-                  </a:lnSpc>
-                  <a:buFont typeface="Wingdings" panose="05000000000000000000" pitchFamily="2" charset="2"/>
-                  <a:buChar char="v"/>
-                </a:pPr>
-                <a:r>
-                  <a:rPr lang="en-US" sz="1600" b="1" dirty="0" smtClean="0">
-                    <a:solidFill>
-                      <a:schemeClr val="bg1"/>
-                    </a:solidFill>
-                    <a:latin typeface="Oxygen" panose="02000503000000000000" pitchFamily="2" charset="0"/>
-                  </a:rPr>
-                  <a:t>B.Sc. Math CU 1</a:t>
-                </a:r>
-                <a:r>
-                  <a:rPr lang="en-US" sz="1600" b="1" baseline="30000" dirty="0" smtClean="0">
-                    <a:solidFill>
-                      <a:schemeClr val="bg1"/>
-                    </a:solidFill>
-                    <a:latin typeface="Oxygen" panose="02000503000000000000" pitchFamily="2" charset="0"/>
-                  </a:rPr>
-                  <a:t>st</a:t>
-                </a:r>
-                <a:r>
-                  <a:rPr lang="en-US" sz="1600" b="1" dirty="0" smtClean="0">
-                    <a:solidFill>
-                      <a:schemeClr val="bg1"/>
-                    </a:solidFill>
-                    <a:latin typeface="Oxygen" panose="02000503000000000000" pitchFamily="2" charset="0"/>
-                  </a:rPr>
-                  <a:t> Class 1</a:t>
-                </a:r>
-                <a:r>
-                  <a:rPr lang="en-US" sz="1600" b="1" baseline="30000" dirty="0" smtClean="0">
-                    <a:solidFill>
-                      <a:schemeClr val="bg1"/>
-                    </a:solidFill>
-                    <a:latin typeface="Oxygen" panose="02000503000000000000" pitchFamily="2" charset="0"/>
-                  </a:rPr>
-                  <a:t>st</a:t>
-                </a:r>
-              </a:p>
-              <a:p>
-                <a:pPr marL="285750" indent="-285750">
-                  <a:lnSpc>
-                    <a:spcPct val="200000"/>
-                  </a:lnSpc>
-                  <a:buFont typeface="Wingdings" panose="05000000000000000000" pitchFamily="2" charset="2"/>
-                  <a:buChar char="v"/>
-                </a:pPr>
-                <a:r>
-                  <a:rPr lang="en-US" sz="1600" b="1" dirty="0" smtClean="0">
-                    <a:solidFill>
-                      <a:schemeClr val="bg1"/>
-                    </a:solidFill>
-                    <a:latin typeface="Oxygen" panose="02000503000000000000" pitchFamily="2" charset="0"/>
-                  </a:rPr>
-                  <a:t>M.Sc</a:t>
-                </a:r>
-                <a:r>
-                  <a:rPr lang="en-US" sz="1600" b="1" dirty="0">
-                    <a:solidFill>
-                      <a:schemeClr val="bg1"/>
-                    </a:solidFill>
-                    <a:latin typeface="Oxygen" panose="02000503000000000000" pitchFamily="2" charset="0"/>
-                  </a:rPr>
-                  <a:t>. Math CU 1</a:t>
-                </a:r>
-                <a:r>
-                  <a:rPr lang="en-US" sz="1600" b="1" baseline="30000" dirty="0">
-                    <a:solidFill>
-                      <a:schemeClr val="bg1"/>
-                    </a:solidFill>
-                    <a:latin typeface="Oxygen" panose="02000503000000000000" pitchFamily="2" charset="0"/>
-                  </a:rPr>
-                  <a:t>st</a:t>
-                </a:r>
-                <a:r>
-                  <a:rPr lang="en-US" sz="1600" b="1" dirty="0">
-                    <a:solidFill>
-                      <a:schemeClr val="bg1"/>
-                    </a:solidFill>
-                    <a:latin typeface="Oxygen" panose="02000503000000000000" pitchFamily="2" charset="0"/>
-                  </a:rPr>
-                  <a:t> Class </a:t>
-                </a:r>
-                <a:r>
-                  <a:rPr lang="en-US" sz="1600" b="1" dirty="0" smtClean="0">
-                    <a:solidFill>
-                      <a:schemeClr val="bg1"/>
-                    </a:solidFill>
-                    <a:latin typeface="Oxygen" panose="02000503000000000000" pitchFamily="2" charset="0"/>
-                  </a:rPr>
-                  <a:t>1</a:t>
-                </a:r>
-                <a:r>
-                  <a:rPr lang="en-US" sz="1600" b="1" baseline="30000" dirty="0" smtClean="0">
-                    <a:solidFill>
-                      <a:schemeClr val="bg1"/>
-                    </a:solidFill>
-                    <a:latin typeface="Oxygen" panose="02000503000000000000" pitchFamily="2" charset="0"/>
-                  </a:rPr>
-                  <a:t>st</a:t>
-                </a:r>
-                <a:endParaRPr lang="en-US" sz="1600" b="1" dirty="0" smtClean="0">
+        </p:grpSpPr>
+        <p:sp>
+          <p:nvSpPr>
+            <p:cNvPr id="12" name="TextBox 11"/>
+            <p:cNvSpPr txBox="1"/>
+            <p:nvPr/>
+          </p:nvSpPr>
+          <p:spPr>
+            <a:xfrm>
+              <a:off x="766645" y="4483690"/>
+              <a:ext cx="5342708" cy="1692771"/>
+            </a:xfrm>
+            <a:prstGeom prst="rect">
+              <a:avLst/>
+            </a:prstGeom>
+            <a:noFill/>
+          </p:spPr>
+          <p:txBody>
+            <a:bodyPr wrap="square" rtlCol="0">
+              <a:spAutoFit/>
+            </a:bodyPr>
+            <a:lstStyle/>
+            <a:p>
+              <a:pPr algn="ctr"/>
+              <a:r>
+                <a:rPr lang="en-US" sz="4400" b="1" cap="all" dirty="0" err="1" smtClean="0">
                   <a:solidFill>
                     <a:schemeClr val="bg1"/>
                   </a:solidFill>
                   <a:latin typeface="Oxygen" panose="02000503000000000000" pitchFamily="2" charset="0"/>
-                </a:endParaRPr>
-              </a:p>
-            </p:txBody>
-          </p:sp>
-        </mc:Choice>
-        <mc:Fallback>
-          <p:sp>
-            <p:nvSpPr>
-              <p:cNvPr id="14" name="TextBox 13"/>
-              <p:cNvSpPr txBox="1">
-                <a:spLocks noRot="1" noChangeAspect="1" noMove="1" noResize="1" noEditPoints="1" noAdjustHandles="1" noChangeArrowheads="1" noChangeShapeType="1" noTextEdit="1"/>
-              </p:cNvSpPr>
-              <p:nvPr/>
-            </p:nvSpPr>
-            <p:spPr>
-              <a:xfrm>
-                <a:off x="3706583" y="6395734"/>
-                <a:ext cx="3038790" cy="1677382"/>
-              </a:xfrm>
-              <a:prstGeom prst="rect">
-                <a:avLst/>
-              </a:prstGeom>
-              <a:blipFill rotWithShape="0">
-                <a:blip r:embed="rId3"/>
-                <a:stretch>
-                  <a:fillRect l="-1202"/>
-                </a:stretch>
-              </a:blipFill>
-            </p:spPr>
-            <p:txBody>
-              <a:bodyPr/>
-              <a:lstStyle/>
-              <a:p>
-                <a:r>
-                  <a:rPr lang="en-AU">
-                    <a:noFill/>
-                  </a:rPr>
-                  <a:t> </a:t>
-                </a:r>
-              </a:p>
-            </p:txBody>
-          </p:sp>
-        </mc:Fallback>
-      </mc:AlternateContent>
-      <p:pic>
-        <p:nvPicPr>
-          <p:cNvPr id="4" name="Picture 3"/>
-          <p:cNvPicPr>
-            <a:picLocks noChangeAspect="1"/>
-          </p:cNvPicPr>
-          <p:nvPr/>
-        </p:nvPicPr>
-        <p:blipFill>
-          <a:blip r:embed="rId4"/>
-          <a:stretch>
-            <a:fillRect/>
-          </a:stretch>
-        </p:blipFill>
-        <p:spPr>
-          <a:xfrm>
-            <a:off x="1477944" y="414300"/>
-            <a:ext cx="3946228" cy="3947728"/>
-          </a:xfrm>
-          <a:prstGeom prst="rect">
-            <a:avLst/>
-          </a:prstGeom>
-        </p:spPr>
-      </p:pic>
+                </a:rPr>
+                <a:t>Arijit</a:t>
+              </a:r>
+              <a:r>
+                <a:rPr lang="en-US" sz="4400" b="1" cap="all" dirty="0" smtClean="0">
+                  <a:solidFill>
+                    <a:schemeClr val="bg1"/>
+                  </a:solidFill>
+                  <a:latin typeface="Oxygen" panose="02000503000000000000" pitchFamily="2" charset="0"/>
+                </a:rPr>
+                <a:t> </a:t>
+              </a:r>
+              <a:r>
+                <a:rPr lang="en-US" sz="4400" b="1" cap="all" dirty="0" smtClean="0">
+                  <a:solidFill>
+                    <a:schemeClr val="bg1"/>
+                  </a:solidFill>
+                  <a:latin typeface="Oxygen" panose="02000503000000000000" pitchFamily="2" charset="0"/>
+                </a:rPr>
+                <a:t>Sir</a:t>
+              </a:r>
+            </a:p>
+            <a:p>
+              <a:pPr algn="ctr"/>
+              <a:r>
+                <a:rPr lang="en-US" sz="2400" b="1" dirty="0" err="1" smtClean="0">
+                  <a:solidFill>
+                    <a:schemeClr val="bg1"/>
+                  </a:solidFill>
+                  <a:latin typeface="Oxygen" panose="02000503000000000000" pitchFamily="2" charset="0"/>
+                </a:rPr>
+                <a:t>Arijit</a:t>
+              </a:r>
+              <a:r>
+                <a:rPr lang="en-US" sz="2400" b="1" dirty="0" smtClean="0">
+                  <a:solidFill>
+                    <a:schemeClr val="bg1"/>
+                  </a:solidFill>
+                  <a:latin typeface="Oxygen" panose="02000503000000000000" pitchFamily="2" charset="0"/>
+                </a:rPr>
+                <a:t>  Bhattacharya</a:t>
+              </a:r>
+              <a:endParaRPr lang="en-US" sz="2800" b="1" dirty="0" smtClean="0">
+                <a:solidFill>
+                  <a:schemeClr val="bg1"/>
+                </a:solidFill>
+                <a:latin typeface="Oxygen" panose="02000503000000000000" pitchFamily="2" charset="0"/>
+              </a:endParaRPr>
+            </a:p>
+            <a:p>
+              <a:pPr algn="ctr"/>
+              <a:endParaRPr lang="en-US" sz="1200" b="1" dirty="0" smtClean="0">
+                <a:solidFill>
+                  <a:schemeClr val="bg1"/>
+                </a:solidFill>
+                <a:latin typeface="Oxygen" panose="02000503000000000000" pitchFamily="2" charset="0"/>
+              </a:endParaRPr>
+            </a:p>
+            <a:p>
+              <a:pPr algn="ctr"/>
+              <a:r>
+                <a:rPr lang="en-US" sz="2400" b="1" cap="small" dirty="0" smtClean="0">
+                  <a:solidFill>
+                    <a:schemeClr val="bg1"/>
+                  </a:solidFill>
+                  <a:latin typeface="Oxygen" panose="02000503000000000000" pitchFamily="2" charset="0"/>
+                </a:rPr>
+                <a:t>accounts</a:t>
+              </a:r>
+              <a:r>
+                <a:rPr lang="en-US" sz="2400" b="1" cap="small" dirty="0" smtClean="0">
+                  <a:solidFill>
+                    <a:schemeClr val="bg1"/>
+                  </a:solidFill>
+                  <a:latin typeface="Oxygen" panose="02000503000000000000" pitchFamily="2" charset="0"/>
+                </a:rPr>
+                <a:t> </a:t>
+              </a:r>
+              <a:r>
+                <a:rPr lang="en-US" sz="2400" b="1" cap="small" dirty="0" smtClean="0">
+                  <a:solidFill>
+                    <a:schemeClr val="bg1"/>
+                  </a:solidFill>
+                  <a:latin typeface="Oxygen" panose="02000503000000000000" pitchFamily="2" charset="0"/>
+                </a:rPr>
+                <a:t>- </a:t>
+              </a:r>
+              <a:r>
+                <a:rPr lang="en-US" sz="2400" b="1" cap="small" dirty="0" smtClean="0">
+                  <a:solidFill>
+                    <a:schemeClr val="bg1"/>
+                  </a:solidFill>
+                  <a:latin typeface="Oxygen" panose="02000503000000000000" pitchFamily="2" charset="0"/>
+                </a:rPr>
+                <a:t>IX </a:t>
+              </a:r>
+              <a:r>
+                <a:rPr lang="en-US" sz="2400" b="1" cap="small" dirty="0" smtClean="0">
+                  <a:solidFill>
+                    <a:schemeClr val="bg1"/>
+                  </a:solidFill>
+                  <a:latin typeface="Oxygen" panose="02000503000000000000" pitchFamily="2" charset="0"/>
+                </a:rPr>
+                <a:t>– </a:t>
+              </a:r>
+              <a:r>
+                <a:rPr lang="en-US" sz="2400" b="1" cap="small" dirty="0" smtClean="0">
+                  <a:solidFill>
+                    <a:schemeClr val="bg1"/>
+                  </a:solidFill>
+                  <a:latin typeface="Oxygen" panose="02000503000000000000" pitchFamily="2" charset="0"/>
+                </a:rPr>
+                <a:t>XII (All Boards)</a:t>
+              </a:r>
+              <a:endParaRPr lang="en-US" sz="2400" b="1" cap="small" dirty="0">
+                <a:solidFill>
+                  <a:schemeClr val="bg1"/>
+                </a:solidFill>
+                <a:latin typeface="Oxygen" panose="02000503000000000000" pitchFamily="2" charset="0"/>
+              </a:endParaRPr>
+            </a:p>
+          </p:txBody>
+        </p:sp>
+        <p:sp>
+          <p:nvSpPr>
+            <p:cNvPr id="13" name="TextBox 12"/>
+            <p:cNvSpPr txBox="1"/>
+            <p:nvPr/>
+          </p:nvSpPr>
+          <p:spPr>
+            <a:xfrm>
+              <a:off x="1000992" y="8005374"/>
+              <a:ext cx="6522720" cy="1477328"/>
+            </a:xfrm>
+            <a:prstGeom prst="rect">
+              <a:avLst/>
+            </a:prstGeom>
+            <a:noFill/>
+          </p:spPr>
+          <p:txBody>
+            <a:bodyPr wrap="square" rtlCol="0">
+              <a:spAutoFit/>
+            </a:bodyPr>
+            <a:lstStyle/>
+            <a:p>
+              <a:r>
+                <a:rPr lang="en-AU" b="1" dirty="0" err="1" smtClean="0">
+                  <a:solidFill>
+                    <a:schemeClr val="bg1"/>
+                  </a:solidFill>
+                  <a:latin typeface="Oxygen" panose="02000503000000000000" pitchFamily="2" charset="0"/>
+                </a:rPr>
+                <a:t>Adrija</a:t>
+              </a:r>
+              <a:r>
+                <a:rPr lang="en-AU" b="1" dirty="0" smtClean="0">
+                  <a:solidFill>
+                    <a:schemeClr val="bg1"/>
+                  </a:solidFill>
+                  <a:latin typeface="Oxygen" panose="02000503000000000000" pitchFamily="2" charset="0"/>
+                </a:rPr>
+                <a:t>  </a:t>
+              </a:r>
+              <a:r>
+                <a:rPr lang="en-AU" b="1" dirty="0" err="1" smtClean="0">
+                  <a:solidFill>
+                    <a:schemeClr val="bg1"/>
+                  </a:solidFill>
+                  <a:latin typeface="Oxygen" panose="02000503000000000000" pitchFamily="2" charset="0"/>
+                </a:rPr>
+                <a:t>gots</a:t>
+              </a:r>
+              <a:r>
+                <a:rPr lang="en-AU" b="1" dirty="0" smtClean="0">
+                  <a:solidFill>
+                    <a:schemeClr val="bg1"/>
+                  </a:solidFill>
+                  <a:latin typeface="Oxygen" panose="02000503000000000000" pitchFamily="2" charset="0"/>
+                </a:rPr>
+                <a:t>  95%  marks  in CBSC Accounts</a:t>
+              </a:r>
+            </a:p>
+            <a:p>
+              <a:endParaRPr lang="en-AU" b="1" dirty="0" smtClean="0">
+                <a:solidFill>
+                  <a:schemeClr val="bg1"/>
+                </a:solidFill>
+                <a:latin typeface="Oxygen" panose="02000503000000000000" pitchFamily="2" charset="0"/>
+              </a:endParaRPr>
+            </a:p>
+            <a:p>
+              <a:r>
+                <a:rPr lang="en-AU" b="1" dirty="0" err="1" smtClean="0">
+                  <a:solidFill>
+                    <a:schemeClr val="bg1"/>
+                  </a:solidFill>
+                  <a:latin typeface="Oxygen" panose="02000503000000000000" pitchFamily="2" charset="0"/>
+                </a:rPr>
+                <a:t>Subham</a:t>
+              </a:r>
+              <a:r>
+                <a:rPr lang="en-AU" b="1" dirty="0" smtClean="0">
+                  <a:solidFill>
+                    <a:schemeClr val="bg1"/>
+                  </a:solidFill>
+                  <a:latin typeface="Oxygen" panose="02000503000000000000" pitchFamily="2" charset="0"/>
+                </a:rPr>
+                <a:t>  </a:t>
+              </a:r>
+              <a:r>
+                <a:rPr lang="en-AU" b="1" dirty="0" err="1" smtClean="0">
+                  <a:solidFill>
+                    <a:schemeClr val="bg1"/>
+                  </a:solidFill>
+                  <a:latin typeface="Oxygen" panose="02000503000000000000" pitchFamily="2" charset="0"/>
+                </a:rPr>
+                <a:t>gots</a:t>
+              </a:r>
+              <a:r>
+                <a:rPr lang="en-AU" b="1" dirty="0" smtClean="0">
+                  <a:solidFill>
+                    <a:schemeClr val="bg1"/>
+                  </a:solidFill>
+                  <a:latin typeface="Oxygen" panose="02000503000000000000" pitchFamily="2" charset="0"/>
+                </a:rPr>
+                <a:t>  87% marks  in  CBSC  Accounts</a:t>
+              </a:r>
+            </a:p>
+            <a:p>
+              <a:endParaRPr lang="en-AU" b="1" dirty="0" smtClean="0">
+                <a:solidFill>
+                  <a:schemeClr val="bg1"/>
+                </a:solidFill>
+                <a:latin typeface="Oxygen" panose="02000503000000000000" pitchFamily="2" charset="0"/>
+              </a:endParaRPr>
+            </a:p>
+            <a:p>
+              <a:r>
+                <a:rPr lang="en-AU" b="1" dirty="0" err="1" smtClean="0">
+                  <a:solidFill>
+                    <a:schemeClr val="bg1"/>
+                  </a:solidFill>
+                  <a:latin typeface="Oxygen" panose="02000503000000000000" pitchFamily="2" charset="0"/>
+                </a:rPr>
+                <a:t>Ruchi</a:t>
+              </a:r>
+              <a:r>
+                <a:rPr lang="en-AU" b="1" dirty="0" smtClean="0">
+                  <a:solidFill>
+                    <a:schemeClr val="bg1"/>
+                  </a:solidFill>
+                  <a:latin typeface="Oxygen" panose="02000503000000000000" pitchFamily="2" charset="0"/>
+                </a:rPr>
+                <a:t>  </a:t>
+              </a:r>
+              <a:r>
+                <a:rPr lang="en-AU" b="1" dirty="0" err="1" smtClean="0">
+                  <a:solidFill>
+                    <a:schemeClr val="bg1"/>
+                  </a:solidFill>
+                  <a:latin typeface="Oxygen" panose="02000503000000000000" pitchFamily="2" charset="0"/>
+                </a:rPr>
+                <a:t>gots</a:t>
+              </a:r>
+              <a:r>
+                <a:rPr lang="en-AU" b="1" dirty="0" smtClean="0">
+                  <a:solidFill>
+                    <a:schemeClr val="bg1"/>
+                  </a:solidFill>
+                  <a:latin typeface="Oxygen" panose="02000503000000000000" pitchFamily="2" charset="0"/>
+                </a:rPr>
+                <a:t>  97%  marks  in  CBSC  Accounts</a:t>
+              </a:r>
+              <a:endParaRPr lang="en-AU" b="1" dirty="0">
+                <a:solidFill>
+                  <a:schemeClr val="bg1"/>
+                </a:solidFill>
+                <a:latin typeface="Oxygen" panose="02000503000000000000" pitchFamily="2" charset="0"/>
+              </a:endParaRPr>
+            </a:p>
+          </p:txBody>
+        </p:sp>
+        <p:sp>
+          <p:nvSpPr>
+            <p:cNvPr id="10" name="TextBox 9"/>
+            <p:cNvSpPr txBox="1"/>
+            <p:nvPr/>
+          </p:nvSpPr>
+          <p:spPr>
+            <a:xfrm>
+              <a:off x="1766454" y="6304888"/>
+              <a:ext cx="4530436" cy="1754326"/>
+            </a:xfrm>
+            <a:prstGeom prst="rect">
+              <a:avLst/>
+            </a:prstGeom>
+            <a:noFill/>
+          </p:spPr>
+          <p:txBody>
+            <a:bodyPr wrap="square" rtlCol="0">
+              <a:spAutoFit/>
+            </a:bodyPr>
+            <a:lstStyle/>
+            <a:p>
+              <a:pPr marL="285750" indent="-285750">
+                <a:lnSpc>
+                  <a:spcPct val="200000"/>
+                </a:lnSpc>
+                <a:buFont typeface="Wingdings" panose="05000000000000000000" pitchFamily="2" charset="2"/>
+                <a:buChar char="v"/>
+              </a:pPr>
+              <a:r>
+                <a:rPr lang="en-US" b="1" dirty="0" smtClean="0">
+                  <a:solidFill>
+                    <a:schemeClr val="bg1"/>
+                  </a:solidFill>
+                  <a:latin typeface="Oxygen" panose="02000503000000000000" pitchFamily="2" charset="0"/>
+                </a:rPr>
+                <a:t>Taught  in  </a:t>
+              </a:r>
+              <a:r>
+                <a:rPr lang="en-US" b="1" dirty="0" err="1" smtClean="0">
+                  <a:solidFill>
+                    <a:schemeClr val="bg1"/>
+                  </a:solidFill>
+                  <a:latin typeface="Oxygen" panose="02000503000000000000" pitchFamily="2" charset="0"/>
+                </a:rPr>
+                <a:t>Gurukul</a:t>
+              </a:r>
+              <a:r>
+                <a:rPr lang="en-US" b="1" dirty="0" smtClean="0">
+                  <a:solidFill>
+                    <a:schemeClr val="bg1"/>
+                  </a:solidFill>
+                  <a:latin typeface="Oxygen" panose="02000503000000000000" pitchFamily="2" charset="0"/>
+                </a:rPr>
+                <a:t> Institution</a:t>
+              </a:r>
+              <a:endParaRPr lang="en-US" b="1" dirty="0" smtClean="0">
+                <a:solidFill>
+                  <a:schemeClr val="bg1"/>
+                </a:solidFill>
+                <a:latin typeface="Oxygen" panose="02000503000000000000" pitchFamily="2" charset="0"/>
+              </a:endParaRPr>
+            </a:p>
+            <a:p>
+              <a:pPr marL="285750" indent="-285750">
+                <a:lnSpc>
+                  <a:spcPct val="200000"/>
+                </a:lnSpc>
+                <a:buFont typeface="Wingdings" panose="05000000000000000000" pitchFamily="2" charset="2"/>
+                <a:buChar char="v"/>
+              </a:pPr>
+              <a:r>
+                <a:rPr lang="en-US" b="1" dirty="0" smtClean="0">
+                  <a:solidFill>
+                    <a:schemeClr val="bg1"/>
+                  </a:solidFill>
+                  <a:latin typeface="Oxygen" panose="02000503000000000000" pitchFamily="2" charset="0"/>
+                </a:rPr>
+                <a:t>5</a:t>
+              </a:r>
+              <a:r>
+                <a:rPr lang="en-US" b="1" dirty="0" smtClean="0">
+                  <a:solidFill>
+                    <a:schemeClr val="bg1"/>
+                  </a:solidFill>
+                  <a:latin typeface="Oxygen" panose="02000503000000000000" pitchFamily="2" charset="0"/>
+                </a:rPr>
+                <a:t> </a:t>
+              </a:r>
+              <a:r>
+                <a:rPr lang="en-US" b="1" dirty="0" smtClean="0">
+                  <a:solidFill>
+                    <a:schemeClr val="bg1"/>
+                  </a:solidFill>
+                  <a:latin typeface="Oxygen" panose="02000503000000000000" pitchFamily="2" charset="0"/>
+                </a:rPr>
+                <a:t>Yrs Exp. &amp; Detail Oriented</a:t>
+              </a:r>
+            </a:p>
+            <a:p>
+              <a:pPr marL="285750" indent="-285750">
+                <a:lnSpc>
+                  <a:spcPct val="200000"/>
+                </a:lnSpc>
+                <a:buFont typeface="Wingdings" panose="05000000000000000000" pitchFamily="2" charset="2"/>
+                <a:buChar char="v"/>
+              </a:pPr>
+              <a:r>
+                <a:rPr lang="en-US" b="1" dirty="0" smtClean="0">
+                  <a:solidFill>
+                    <a:schemeClr val="bg1"/>
+                  </a:solidFill>
+                  <a:latin typeface="Oxygen" panose="02000503000000000000" pitchFamily="2" charset="0"/>
+                </a:rPr>
+                <a:t>Lots </a:t>
+              </a:r>
+              <a:r>
+                <a:rPr lang="en-US" b="1" dirty="0" smtClean="0">
+                  <a:solidFill>
+                    <a:schemeClr val="bg1"/>
+                  </a:solidFill>
+                  <a:latin typeface="Oxygen" panose="02000503000000000000" pitchFamily="2" charset="0"/>
+                </a:rPr>
+                <a:t> of  Successful </a:t>
+              </a:r>
+              <a:r>
+                <a:rPr lang="en-US" b="1" dirty="0" smtClean="0">
+                  <a:solidFill>
+                    <a:schemeClr val="bg1"/>
+                  </a:solidFill>
+                  <a:latin typeface="Oxygen" panose="02000503000000000000" pitchFamily="2" charset="0"/>
+                </a:rPr>
+                <a:t>Students</a:t>
+              </a:r>
+              <a:endParaRPr lang="en-AU" b="1" dirty="0">
+                <a:solidFill>
+                  <a:schemeClr val="bg1"/>
+                </a:solidFill>
+                <a:latin typeface="Oxygen" panose="02000503000000000000" pitchFamily="2" charset="0"/>
+              </a:endParaRPr>
+            </a:p>
+          </p:txBody>
+        </p:sp>
+      </p:grpSp>
       <p:sp>
         <p:nvSpPr>
           <p:cNvPr id="11" name="Rectangle 10"/>
@@ -7210,7 +7190,7 @@
         </p:nvSpPr>
         <p:spPr>
           <a:xfrm>
-            <a:off x="1442794" y="375334"/>
+            <a:off x="1276540" y="333770"/>
             <a:ext cx="4016529" cy="4017435"/>
           </a:xfrm>
           <a:prstGeom prst="rect">
@@ -7263,7 +7243,7 @@
     </p:spTree>
     <p:extLst>
       <p:ext uri="{BB962C8B-B14F-4D97-AF65-F5344CB8AC3E}">
-        <p14:creationId xmlns:p14="http://schemas.microsoft.com/office/powerpoint/2010/main" xmlns="" val="2320704513"/>
+        <p14:creationId xmlns="" xmlns:p14="http://schemas.microsoft.com/office/powerpoint/2010/main" val="2320704513"/>
       </p:ext>
     </p:extLst>
   </p:cSld>
@@ -7297,418 +7277,6 @@
           <a:chExt cx="0" cy="0"/>
         </a:xfrm>
       </p:grpSpPr>
-      <p:sp>
-        <p:nvSpPr>
-          <p:cNvPr id="12" name="TextBox 11"/>
-          <p:cNvSpPr txBox="1"/>
-          <p:nvPr/>
-        </p:nvSpPr>
-        <p:spPr>
-          <a:xfrm>
-            <a:off x="766645" y="4483690"/>
-            <a:ext cx="5342708" cy="1815882"/>
-          </a:xfrm>
-          <a:prstGeom prst="rect">
-            <a:avLst/>
-          </a:prstGeom>
-          <a:noFill/>
-        </p:spPr>
-        <p:txBody>
-          <a:bodyPr wrap="square" rtlCol="0">
-            <a:spAutoFit/>
-          </a:bodyPr>
-          <a:lstStyle/>
-          <a:p>
-            <a:pPr algn="ctr"/>
-            <a:r>
-              <a:rPr lang="en-US" sz="4400" b="1" cap="all" dirty="0" err="1" smtClean="0">
-                <a:solidFill>
-                  <a:srgbClr val="FF8C52"/>
-                </a:solidFill>
-                <a:latin typeface="Oxygen" panose="02000503000000000000" pitchFamily="2" charset="0"/>
-              </a:rPr>
-              <a:t>Abhipsha</a:t>
-            </a:r>
-            <a:r>
-              <a:rPr lang="en-US" sz="4400" b="1" cap="all" dirty="0" smtClean="0">
-                <a:solidFill>
-                  <a:srgbClr val="FF8C52"/>
-                </a:solidFill>
-                <a:latin typeface="Oxygen" panose="02000503000000000000" pitchFamily="2" charset="0"/>
-              </a:rPr>
-              <a:t>  </a:t>
-            </a:r>
-            <a:r>
-              <a:rPr lang="en-US" sz="4400" b="1" cap="all" dirty="0" err="1" smtClean="0">
-                <a:solidFill>
-                  <a:srgbClr val="FF8C52"/>
-                </a:solidFill>
-                <a:latin typeface="Oxygen" panose="02000503000000000000" pitchFamily="2" charset="0"/>
-              </a:rPr>
-              <a:t>mam</a:t>
-            </a:r>
-            <a:endParaRPr lang="en-US" sz="4400" b="1" cap="all" dirty="0" smtClean="0">
-              <a:solidFill>
-                <a:srgbClr val="FF8C52"/>
-              </a:solidFill>
-              <a:latin typeface="Oxygen" panose="02000503000000000000" pitchFamily="2" charset="0"/>
-            </a:endParaRPr>
-          </a:p>
-          <a:p>
-            <a:pPr algn="ctr"/>
-            <a:r>
-              <a:rPr lang="en-US" sz="2400" b="1" dirty="0" err="1" smtClean="0">
-                <a:solidFill>
-                  <a:srgbClr val="FF8C52"/>
-                </a:solidFill>
-                <a:latin typeface="Oxygen" panose="02000503000000000000" pitchFamily="2" charset="0"/>
-              </a:rPr>
-              <a:t>Abhipsha</a:t>
-            </a:r>
-            <a:r>
-              <a:rPr lang="en-US" sz="2400" b="1" dirty="0" smtClean="0">
-                <a:solidFill>
-                  <a:srgbClr val="FF8C52"/>
-                </a:solidFill>
-                <a:latin typeface="Oxygen" panose="02000503000000000000" pitchFamily="2" charset="0"/>
-              </a:rPr>
-              <a:t>  </a:t>
-            </a:r>
-            <a:r>
-              <a:rPr lang="en-US" sz="2400" b="1" dirty="0" err="1" smtClean="0">
-                <a:solidFill>
-                  <a:srgbClr val="FF8C52"/>
-                </a:solidFill>
-                <a:latin typeface="Oxygen" panose="02000503000000000000" pitchFamily="2" charset="0"/>
-              </a:rPr>
-              <a:t>Dutta</a:t>
-            </a:r>
-            <a:endParaRPr lang="en-US" sz="2800" b="1" dirty="0" smtClean="0">
-              <a:solidFill>
-                <a:srgbClr val="FF8C52"/>
-              </a:solidFill>
-              <a:latin typeface="Oxygen" panose="02000503000000000000" pitchFamily="2" charset="0"/>
-            </a:endParaRPr>
-          </a:p>
-          <a:p>
-            <a:pPr algn="ctr"/>
-            <a:endParaRPr lang="en-US" sz="1200" b="1" dirty="0" smtClean="0">
-              <a:solidFill>
-                <a:srgbClr val="FF8C52"/>
-              </a:solidFill>
-              <a:latin typeface="Oxygen" panose="02000503000000000000" pitchFamily="2" charset="0"/>
-            </a:endParaRPr>
-          </a:p>
-          <a:p>
-            <a:pPr algn="ctr"/>
-            <a:r>
-              <a:rPr lang="en-US" sz="2800" b="1" cap="small" dirty="0" smtClean="0">
-                <a:solidFill>
-                  <a:srgbClr val="FF8C52"/>
-                </a:solidFill>
-                <a:latin typeface="Oxygen" panose="02000503000000000000" pitchFamily="2" charset="0"/>
-              </a:rPr>
-              <a:t>Chemistry</a:t>
-            </a:r>
-            <a:r>
-              <a:rPr lang="en-US" sz="2800" b="1" cap="small" dirty="0" smtClean="0">
-                <a:solidFill>
-                  <a:srgbClr val="FF8C52"/>
-                </a:solidFill>
-                <a:latin typeface="Oxygen" panose="02000503000000000000" pitchFamily="2" charset="0"/>
-              </a:rPr>
-              <a:t> - XI </a:t>
-            </a:r>
-            <a:r>
-              <a:rPr lang="en-US" sz="2800" b="1" cap="small" dirty="0" smtClean="0">
-                <a:solidFill>
-                  <a:srgbClr val="FF8C52"/>
-                </a:solidFill>
-                <a:latin typeface="Oxygen" panose="02000503000000000000" pitchFamily="2" charset="0"/>
-              </a:rPr>
-              <a:t>– XII</a:t>
-            </a:r>
-            <a:endParaRPr lang="en-US" sz="1100" b="1" cap="small" dirty="0">
-              <a:solidFill>
-                <a:srgbClr val="FF8C52"/>
-              </a:solidFill>
-              <a:latin typeface="Oxygen" panose="02000503000000000000" pitchFamily="2" charset="0"/>
-            </a:endParaRPr>
-          </a:p>
-        </p:txBody>
-      </p:sp>
-      <p:sp>
-        <p:nvSpPr>
-          <p:cNvPr id="13" name="TextBox 12"/>
-          <p:cNvSpPr txBox="1"/>
-          <p:nvPr/>
-        </p:nvSpPr>
-        <p:spPr>
-          <a:xfrm>
-            <a:off x="335280" y="8292705"/>
-            <a:ext cx="6522720" cy="907941"/>
-          </a:xfrm>
-          <a:prstGeom prst="rect">
-            <a:avLst/>
-          </a:prstGeom>
-          <a:noFill/>
-        </p:spPr>
-        <p:txBody>
-          <a:bodyPr wrap="square" rtlCol="0">
-            <a:spAutoFit/>
-          </a:bodyPr>
-          <a:lstStyle/>
-          <a:p>
-            <a:r>
-              <a:rPr lang="en-US" b="1" dirty="0" err="1" smtClean="0">
-                <a:solidFill>
-                  <a:srgbClr val="FF8C52"/>
-                </a:solidFill>
-                <a:latin typeface="Oxygen" panose="02000503000000000000" pitchFamily="2" charset="0"/>
-              </a:rPr>
-              <a:t>Suparna</a:t>
-            </a:r>
-            <a:r>
-              <a:rPr lang="en-US" b="1" dirty="0" smtClean="0">
-                <a:solidFill>
-                  <a:srgbClr val="FF8C52"/>
-                </a:solidFill>
-                <a:latin typeface="Oxygen" panose="02000503000000000000" pitchFamily="2" charset="0"/>
-              </a:rPr>
-              <a:t> Roy Gupta </a:t>
-            </a:r>
-            <a:r>
-              <a:rPr lang="en-US" b="1" dirty="0" smtClean="0">
-                <a:solidFill>
-                  <a:srgbClr val="FF8C52"/>
-                </a:solidFill>
-                <a:latin typeface="Oxygen" panose="02000503000000000000" pitchFamily="2" charset="0"/>
-              </a:rPr>
-              <a:t> </a:t>
-            </a:r>
-            <a:r>
-              <a:rPr lang="en-US" b="1" dirty="0" smtClean="0">
-                <a:solidFill>
-                  <a:srgbClr val="FF8C52"/>
-                </a:solidFill>
-                <a:latin typeface="Oxygen" panose="02000503000000000000" pitchFamily="2" charset="0"/>
-              </a:rPr>
-              <a:t>score </a:t>
-            </a:r>
-            <a:r>
-              <a:rPr lang="en-US" b="1" dirty="0" smtClean="0">
-                <a:solidFill>
-                  <a:srgbClr val="FF8C52"/>
-                </a:solidFill>
-                <a:latin typeface="Oxygen" panose="02000503000000000000" pitchFamily="2" charset="0"/>
-              </a:rPr>
-              <a:t>d  97% in  ICSE </a:t>
-            </a:r>
-            <a:r>
-              <a:rPr lang="en-US" b="1" dirty="0" smtClean="0">
-                <a:solidFill>
-                  <a:srgbClr val="FF8C52"/>
-                </a:solidFill>
-                <a:latin typeface="Oxygen" panose="02000503000000000000" pitchFamily="2" charset="0"/>
-              </a:rPr>
-              <a:t> absolutely  for Her.                                                                 </a:t>
-            </a:r>
-            <a:r>
-              <a:rPr lang="en-US" sz="1400" b="1" dirty="0" smtClean="0">
-                <a:solidFill>
-                  <a:srgbClr val="FF8C52"/>
-                </a:solidFill>
-                <a:latin typeface="Oxygen" panose="02000503000000000000" pitchFamily="2" charset="0"/>
-              </a:rPr>
-              <a:t>– </a:t>
-            </a:r>
-            <a:r>
-              <a:rPr lang="en-US" sz="1400" b="1" dirty="0" err="1" smtClean="0">
-                <a:solidFill>
-                  <a:srgbClr val="FF8C52"/>
-                </a:solidFill>
-                <a:latin typeface="Oxygen" panose="02000503000000000000" pitchFamily="2" charset="0"/>
-              </a:rPr>
-              <a:t>Suparna</a:t>
-            </a:r>
-            <a:r>
-              <a:rPr lang="en-US" sz="1400" b="1" dirty="0" err="1" smtClean="0">
-                <a:solidFill>
-                  <a:srgbClr val="FF8C52"/>
-                </a:solidFill>
-                <a:latin typeface="Oxygen" panose="02000503000000000000" pitchFamily="2" charset="0"/>
-              </a:rPr>
-              <a:t>’s</a:t>
-            </a:r>
-            <a:r>
-              <a:rPr lang="en-US" sz="1400" b="1" dirty="0" smtClean="0">
-                <a:solidFill>
-                  <a:srgbClr val="FF8C52"/>
-                </a:solidFill>
-                <a:latin typeface="Oxygen" panose="02000503000000000000" pitchFamily="2" charset="0"/>
-              </a:rPr>
-              <a:t> </a:t>
-            </a:r>
-            <a:r>
-              <a:rPr lang="en-US" sz="1400" b="1" dirty="0" smtClean="0">
-                <a:solidFill>
-                  <a:srgbClr val="FF8C52"/>
-                </a:solidFill>
-                <a:latin typeface="Oxygen" panose="02000503000000000000" pitchFamily="2" charset="0"/>
-              </a:rPr>
-              <a:t>mother</a:t>
-            </a:r>
-          </a:p>
-          <a:p>
-            <a:endParaRPr lang="en-US" sz="300" b="1" dirty="0" smtClean="0">
-              <a:solidFill>
-                <a:srgbClr val="FF8C52"/>
-              </a:solidFill>
-              <a:latin typeface="Oxygen" panose="02000503000000000000" pitchFamily="2" charset="0"/>
-            </a:endParaRPr>
-          </a:p>
-          <a:p>
-            <a:r>
-              <a:rPr lang="en-US" sz="1400" b="1" dirty="0" smtClean="0">
-                <a:solidFill>
-                  <a:srgbClr val="FF8C52"/>
-                </a:solidFill>
-                <a:latin typeface="Oxygen" panose="02000503000000000000" pitchFamily="2" charset="0"/>
-              </a:rPr>
-              <a:t> </a:t>
-            </a:r>
-            <a:endParaRPr lang="en-AU" sz="1400" b="1" dirty="0">
-              <a:solidFill>
-                <a:srgbClr val="FF8C52"/>
-              </a:solidFill>
-              <a:latin typeface="Oxygen" panose="02000503000000000000" pitchFamily="2" charset="0"/>
-            </a:endParaRPr>
-          </a:p>
-        </p:txBody>
-      </p:sp>
-      <p:sp>
-        <p:nvSpPr>
-          <p:cNvPr id="10" name="TextBox 9"/>
-          <p:cNvSpPr txBox="1"/>
-          <p:nvPr/>
-        </p:nvSpPr>
-        <p:spPr>
-          <a:xfrm>
-            <a:off x="295004" y="6408797"/>
-            <a:ext cx="3555272" cy="2062103"/>
-          </a:xfrm>
-          <a:prstGeom prst="rect">
-            <a:avLst/>
-          </a:prstGeom>
-          <a:noFill/>
-        </p:spPr>
-        <p:txBody>
-          <a:bodyPr wrap="square" rtlCol="0">
-            <a:spAutoFit/>
-          </a:bodyPr>
-          <a:lstStyle/>
-          <a:p>
-            <a:pPr marL="285750" indent="-285750">
-              <a:lnSpc>
-                <a:spcPct val="200000"/>
-              </a:lnSpc>
-              <a:buFont typeface="Wingdings" panose="05000000000000000000" pitchFamily="2" charset="2"/>
-              <a:buChar char="v"/>
-            </a:pPr>
-            <a:r>
-              <a:rPr lang="en-US" sz="1600" b="1" dirty="0" err="1" smtClean="0">
-                <a:solidFill>
-                  <a:srgbClr val="FF8C52"/>
-                </a:solidFill>
-                <a:latin typeface="Oxygen" panose="02000503000000000000" pitchFamily="2" charset="0"/>
-              </a:rPr>
-              <a:t>B.Ed</a:t>
-            </a:r>
-            <a:r>
-              <a:rPr lang="en-US" sz="1600" b="1" dirty="0" smtClean="0">
-                <a:solidFill>
-                  <a:srgbClr val="FF8C52"/>
-                </a:solidFill>
-                <a:latin typeface="Oxygen" panose="02000503000000000000" pitchFamily="2" charset="0"/>
-              </a:rPr>
-              <a:t> – WBUTTEPA</a:t>
-            </a:r>
-          </a:p>
-          <a:p>
-            <a:pPr marL="285750" indent="-285750">
-              <a:lnSpc>
-                <a:spcPct val="200000"/>
-              </a:lnSpc>
-              <a:buFont typeface="Wingdings" panose="05000000000000000000" pitchFamily="2" charset="2"/>
-              <a:buChar char="v"/>
-            </a:pPr>
-            <a:r>
-              <a:rPr lang="en-US" sz="1600" b="1" dirty="0" err="1" smtClean="0">
-                <a:solidFill>
-                  <a:srgbClr val="FF8C52"/>
-                </a:solidFill>
-                <a:latin typeface="Oxygen" panose="02000503000000000000" pitchFamily="2" charset="0"/>
-              </a:rPr>
-              <a:t>Edu</a:t>
-            </a:r>
-            <a:r>
-              <a:rPr lang="en-US" sz="1600" b="1" dirty="0" smtClean="0">
-                <a:solidFill>
-                  <a:srgbClr val="FF8C52"/>
-                </a:solidFill>
-                <a:latin typeface="Oxygen" panose="02000503000000000000" pitchFamily="2" charset="0"/>
-              </a:rPr>
-              <a:t> Grow Learning App</a:t>
-            </a:r>
-            <a:endParaRPr lang="en-US" sz="1600" b="1" dirty="0" smtClean="0">
-              <a:solidFill>
-                <a:srgbClr val="FF8C52"/>
-              </a:solidFill>
-              <a:latin typeface="Oxygen" panose="02000503000000000000" pitchFamily="2" charset="0"/>
-            </a:endParaRPr>
-          </a:p>
-          <a:p>
-            <a:pPr marL="285750" indent="-285750">
-              <a:lnSpc>
-                <a:spcPct val="200000"/>
-              </a:lnSpc>
-              <a:buFont typeface="Wingdings" panose="05000000000000000000" pitchFamily="2" charset="2"/>
-              <a:buChar char="v"/>
-            </a:pPr>
-            <a:r>
-              <a:rPr lang="en-US" sz="1600" b="1" dirty="0" smtClean="0">
-                <a:solidFill>
-                  <a:srgbClr val="FF8C52"/>
-                </a:solidFill>
-                <a:latin typeface="Oxygen" panose="02000503000000000000" pitchFamily="2" charset="0"/>
-              </a:rPr>
-              <a:t>4 </a:t>
-            </a:r>
-            <a:r>
-              <a:rPr lang="en-US" sz="1600" b="1" dirty="0" smtClean="0">
-                <a:solidFill>
-                  <a:srgbClr val="FF8C52"/>
-                </a:solidFill>
-                <a:latin typeface="Oxygen" panose="02000503000000000000" pitchFamily="2" charset="0"/>
-              </a:rPr>
-              <a:t>Yrs Exp. &amp; Detail Oriented</a:t>
-            </a:r>
-          </a:p>
-          <a:p>
-            <a:pPr marL="285750" indent="-285750">
-              <a:lnSpc>
-                <a:spcPct val="200000"/>
-              </a:lnSpc>
-            </a:pPr>
-            <a:endParaRPr lang="en-AU" sz="1600" b="1" dirty="0">
-              <a:solidFill>
-                <a:srgbClr val="FF8C52"/>
-              </a:solidFill>
-              <a:latin typeface="Oxygen" panose="02000503000000000000" pitchFamily="2" charset="0"/>
-            </a:endParaRPr>
-          </a:p>
-        </p:txBody>
-      </p:sp>
       <p:sp>
         <p:nvSpPr>
           <p:cNvPr id="9" name="Rectangle 8"/>
@@ -7767,132 +7335,999 @@
           </a:p>
         </p:txBody>
       </p:sp>
-      <p:sp>
-        <p:nvSpPr>
-          <p:cNvPr id="8" name="Rectangle 7"/>
+      <p:grpSp>
+        <p:nvGrpSpPr>
+          <p:cNvPr id="7" name="Group 6"/>
+          <p:cNvGrpSpPr/>
+          <p:nvPr/>
+        </p:nvGrpSpPr>
+        <p:grpSpPr>
+          <a:xfrm>
+            <a:off x="295004" y="4483690"/>
+            <a:ext cx="6562996" cy="4716956"/>
+            <a:chOff x="295004" y="4483690"/>
+            <a:chExt cx="6562996" cy="4716956"/>
+          </a:xfrm>
+        </p:grpSpPr>
+        <p:sp>
+          <p:nvSpPr>
+            <p:cNvPr id="12" name="TextBox 11"/>
+            <p:cNvSpPr txBox="1"/>
+            <p:nvPr/>
+          </p:nvSpPr>
+          <p:spPr>
+            <a:xfrm>
+              <a:off x="766645" y="4483690"/>
+              <a:ext cx="5342708" cy="1815882"/>
+            </a:xfrm>
+            <a:prstGeom prst="rect">
+              <a:avLst/>
+            </a:prstGeom>
+            <a:noFill/>
+          </p:spPr>
+          <p:txBody>
+            <a:bodyPr wrap="square" rtlCol="0">
+              <a:spAutoFit/>
+            </a:bodyPr>
+            <a:lstStyle/>
+            <a:p>
+              <a:pPr algn="ctr"/>
+              <a:r>
+                <a:rPr lang="en-US" sz="4400" b="1" cap="all" dirty="0" err="1" smtClean="0">
+                  <a:solidFill>
+                    <a:srgbClr val="FF8C52"/>
+                  </a:solidFill>
+                  <a:latin typeface="Oxygen" panose="02000503000000000000" pitchFamily="2" charset="0"/>
+                </a:rPr>
+                <a:t>Abhipsha</a:t>
+              </a:r>
+              <a:r>
+                <a:rPr lang="en-US" sz="4400" b="1" cap="all" dirty="0" smtClean="0">
+                  <a:solidFill>
+                    <a:srgbClr val="FF8C52"/>
+                  </a:solidFill>
+                  <a:latin typeface="Oxygen" panose="02000503000000000000" pitchFamily="2" charset="0"/>
+                </a:rPr>
+                <a:t>  </a:t>
+              </a:r>
+              <a:r>
+                <a:rPr lang="en-US" sz="4400" b="1" cap="all" dirty="0" err="1" smtClean="0">
+                  <a:solidFill>
+                    <a:srgbClr val="FF8C52"/>
+                  </a:solidFill>
+                  <a:latin typeface="Oxygen" panose="02000503000000000000" pitchFamily="2" charset="0"/>
+                </a:rPr>
+                <a:t>mam</a:t>
+              </a:r>
+              <a:endParaRPr lang="en-US" sz="4400" b="1" cap="all" dirty="0" smtClean="0">
+                <a:solidFill>
+                  <a:srgbClr val="FF8C52"/>
+                </a:solidFill>
+                <a:latin typeface="Oxygen" panose="02000503000000000000" pitchFamily="2" charset="0"/>
+              </a:endParaRPr>
+            </a:p>
+            <a:p>
+              <a:pPr algn="ctr"/>
+              <a:r>
+                <a:rPr lang="en-US" sz="2400" b="1" dirty="0" err="1" smtClean="0">
+                  <a:solidFill>
+                    <a:srgbClr val="FF8C52"/>
+                  </a:solidFill>
+                  <a:latin typeface="Oxygen" panose="02000503000000000000" pitchFamily="2" charset="0"/>
+                </a:rPr>
+                <a:t>Abhipsha</a:t>
+              </a:r>
+              <a:r>
+                <a:rPr lang="en-US" sz="2400" b="1" dirty="0" smtClean="0">
+                  <a:solidFill>
+                    <a:srgbClr val="FF8C52"/>
+                  </a:solidFill>
+                  <a:latin typeface="Oxygen" panose="02000503000000000000" pitchFamily="2" charset="0"/>
+                </a:rPr>
+                <a:t>  </a:t>
+              </a:r>
+              <a:r>
+                <a:rPr lang="en-US" sz="2400" b="1" dirty="0" err="1" smtClean="0">
+                  <a:solidFill>
+                    <a:srgbClr val="FF8C52"/>
+                  </a:solidFill>
+                  <a:latin typeface="Oxygen" panose="02000503000000000000" pitchFamily="2" charset="0"/>
+                </a:rPr>
+                <a:t>Dutta</a:t>
+              </a:r>
+              <a:endParaRPr lang="en-US" sz="2800" b="1" dirty="0" smtClean="0">
+                <a:solidFill>
+                  <a:srgbClr val="FF8C52"/>
+                </a:solidFill>
+                <a:latin typeface="Oxygen" panose="02000503000000000000" pitchFamily="2" charset="0"/>
+              </a:endParaRPr>
+            </a:p>
+            <a:p>
+              <a:pPr algn="ctr"/>
+              <a:endParaRPr lang="en-US" sz="1200" b="1" dirty="0" smtClean="0">
+                <a:solidFill>
+                  <a:srgbClr val="FF8C52"/>
+                </a:solidFill>
+                <a:latin typeface="Oxygen" panose="02000503000000000000" pitchFamily="2" charset="0"/>
+              </a:endParaRPr>
+            </a:p>
+            <a:p>
+              <a:pPr algn="ctr"/>
+              <a:r>
+                <a:rPr lang="en-US" sz="2800" b="1" cap="small" dirty="0" smtClean="0">
+                  <a:solidFill>
+                    <a:srgbClr val="FF8C52"/>
+                  </a:solidFill>
+                  <a:latin typeface="Oxygen" panose="02000503000000000000" pitchFamily="2" charset="0"/>
+                </a:rPr>
+                <a:t>Chemistry - XI – XII</a:t>
+              </a:r>
+              <a:endParaRPr lang="en-US" sz="1100" b="1" cap="small" dirty="0">
+                <a:solidFill>
+                  <a:srgbClr val="FF8C52"/>
+                </a:solidFill>
+                <a:latin typeface="Oxygen" panose="02000503000000000000" pitchFamily="2" charset="0"/>
+              </a:endParaRPr>
+            </a:p>
+          </p:txBody>
+        </p:sp>
+        <p:sp>
+          <p:nvSpPr>
+            <p:cNvPr id="13" name="TextBox 12"/>
+            <p:cNvSpPr txBox="1"/>
+            <p:nvPr/>
+          </p:nvSpPr>
+          <p:spPr>
+            <a:xfrm>
+              <a:off x="335280" y="8292705"/>
+              <a:ext cx="6522720" cy="907941"/>
+            </a:xfrm>
+            <a:prstGeom prst="rect">
+              <a:avLst/>
+            </a:prstGeom>
+            <a:noFill/>
+          </p:spPr>
+          <p:txBody>
+            <a:bodyPr wrap="square" rtlCol="0">
+              <a:spAutoFit/>
+            </a:bodyPr>
+            <a:lstStyle/>
+            <a:p>
+              <a:r>
+                <a:rPr lang="en-US" b="1" dirty="0" err="1" smtClean="0">
+                  <a:solidFill>
+                    <a:srgbClr val="FF8C52"/>
+                  </a:solidFill>
+                  <a:latin typeface="Oxygen" panose="02000503000000000000" pitchFamily="2" charset="0"/>
+                </a:rPr>
+                <a:t>Suparna</a:t>
+              </a:r>
+              <a:r>
+                <a:rPr lang="en-US" b="1" dirty="0" smtClean="0">
+                  <a:solidFill>
+                    <a:srgbClr val="FF8C52"/>
+                  </a:solidFill>
+                  <a:latin typeface="Oxygen" panose="02000503000000000000" pitchFamily="2" charset="0"/>
+                </a:rPr>
+                <a:t> Roy Gupta  </a:t>
+              </a:r>
+              <a:r>
+                <a:rPr lang="en-US" b="1" dirty="0" smtClean="0">
+                  <a:solidFill>
+                    <a:srgbClr val="FF8C52"/>
+                  </a:solidFill>
+                  <a:latin typeface="Oxygen" panose="02000503000000000000" pitchFamily="2" charset="0"/>
+                </a:rPr>
+                <a:t>scored  </a:t>
+              </a:r>
+              <a:r>
+                <a:rPr lang="en-US" b="1" dirty="0" smtClean="0">
+                  <a:solidFill>
+                    <a:srgbClr val="FF8C52"/>
+                  </a:solidFill>
+                  <a:latin typeface="Oxygen" panose="02000503000000000000" pitchFamily="2" charset="0"/>
+                </a:rPr>
+                <a:t>97% in  ICSE  absolutely  for Her.                                                                 </a:t>
+              </a:r>
+              <a:r>
+                <a:rPr lang="en-US" sz="1400" b="1" dirty="0" smtClean="0">
+                  <a:solidFill>
+                    <a:srgbClr val="FF8C52"/>
+                  </a:solidFill>
+                  <a:latin typeface="Oxygen" panose="02000503000000000000" pitchFamily="2" charset="0"/>
+                </a:rPr>
+                <a:t>– </a:t>
+              </a:r>
+              <a:r>
+                <a:rPr lang="en-US" sz="1400" b="1" dirty="0" err="1" smtClean="0">
+                  <a:solidFill>
+                    <a:srgbClr val="FF8C52"/>
+                  </a:solidFill>
+                  <a:latin typeface="Oxygen" panose="02000503000000000000" pitchFamily="2" charset="0"/>
+                </a:rPr>
+                <a:t>Suparna’s</a:t>
+              </a:r>
+              <a:r>
+                <a:rPr lang="en-US" sz="1400" b="1" dirty="0" smtClean="0">
+                  <a:solidFill>
+                    <a:srgbClr val="FF8C52"/>
+                  </a:solidFill>
+                  <a:latin typeface="Oxygen" panose="02000503000000000000" pitchFamily="2" charset="0"/>
+                </a:rPr>
+                <a:t> mother</a:t>
+              </a:r>
+            </a:p>
+            <a:p>
+              <a:endParaRPr lang="en-US" sz="300" b="1" dirty="0" smtClean="0">
+                <a:solidFill>
+                  <a:srgbClr val="FF8C52"/>
+                </a:solidFill>
+                <a:latin typeface="Oxygen" panose="02000503000000000000" pitchFamily="2" charset="0"/>
+              </a:endParaRPr>
+            </a:p>
+            <a:p>
+              <a:r>
+                <a:rPr lang="en-US" sz="1400" b="1" dirty="0" smtClean="0">
+                  <a:solidFill>
+                    <a:srgbClr val="FF8C52"/>
+                  </a:solidFill>
+                  <a:latin typeface="Oxygen" panose="02000503000000000000" pitchFamily="2" charset="0"/>
+                </a:rPr>
+                <a:t> </a:t>
+              </a:r>
+              <a:endParaRPr lang="en-AU" sz="1400" b="1" dirty="0">
+                <a:solidFill>
+                  <a:srgbClr val="FF8C52"/>
+                </a:solidFill>
+                <a:latin typeface="Oxygen" panose="02000503000000000000" pitchFamily="2" charset="0"/>
+              </a:endParaRPr>
+            </a:p>
+          </p:txBody>
+        </p:sp>
+        <p:sp>
+          <p:nvSpPr>
+            <p:cNvPr id="10" name="TextBox 9"/>
+            <p:cNvSpPr txBox="1"/>
+            <p:nvPr/>
+          </p:nvSpPr>
+          <p:spPr>
+            <a:xfrm>
+              <a:off x="295004" y="6408797"/>
+              <a:ext cx="3555272" cy="2062103"/>
+            </a:xfrm>
+            <a:prstGeom prst="rect">
+              <a:avLst/>
+            </a:prstGeom>
+            <a:noFill/>
+          </p:spPr>
+          <p:txBody>
+            <a:bodyPr wrap="square" rtlCol="0">
+              <a:spAutoFit/>
+            </a:bodyPr>
+            <a:lstStyle/>
+            <a:p>
+              <a:pPr marL="285750" indent="-285750">
+                <a:lnSpc>
+                  <a:spcPct val="200000"/>
+                </a:lnSpc>
+                <a:buFont typeface="Wingdings" panose="05000000000000000000" pitchFamily="2" charset="2"/>
+                <a:buChar char="v"/>
+              </a:pPr>
+              <a:r>
+                <a:rPr lang="en-US" sz="1600" b="1" dirty="0" err="1" smtClean="0">
+                  <a:solidFill>
+                    <a:srgbClr val="FF8C52"/>
+                  </a:solidFill>
+                  <a:latin typeface="Oxygen" panose="02000503000000000000" pitchFamily="2" charset="0"/>
+                </a:rPr>
+                <a:t>B.Ed</a:t>
+              </a:r>
+              <a:r>
+                <a:rPr lang="en-US" sz="1600" b="1" dirty="0" smtClean="0">
+                  <a:solidFill>
+                    <a:srgbClr val="FF8C52"/>
+                  </a:solidFill>
+                  <a:latin typeface="Oxygen" panose="02000503000000000000" pitchFamily="2" charset="0"/>
+                </a:rPr>
+                <a:t> – WBUTTEPA</a:t>
+              </a:r>
+            </a:p>
+            <a:p>
+              <a:pPr marL="285750" indent="-285750">
+                <a:lnSpc>
+                  <a:spcPct val="200000"/>
+                </a:lnSpc>
+                <a:buFont typeface="Wingdings" panose="05000000000000000000" pitchFamily="2" charset="2"/>
+                <a:buChar char="v"/>
+              </a:pPr>
+              <a:r>
+                <a:rPr lang="en-US" sz="1600" b="1" dirty="0" err="1" smtClean="0">
+                  <a:solidFill>
+                    <a:srgbClr val="FF8C52"/>
+                  </a:solidFill>
+                  <a:latin typeface="Oxygen" panose="02000503000000000000" pitchFamily="2" charset="0"/>
+                </a:rPr>
+                <a:t>Edu</a:t>
+              </a:r>
+              <a:r>
+                <a:rPr lang="en-US" sz="1600" b="1" dirty="0" smtClean="0">
+                  <a:solidFill>
+                    <a:srgbClr val="FF8C52"/>
+                  </a:solidFill>
+                  <a:latin typeface="Oxygen" panose="02000503000000000000" pitchFamily="2" charset="0"/>
+                </a:rPr>
+                <a:t> Grow Learning App</a:t>
+              </a:r>
+            </a:p>
+            <a:p>
+              <a:pPr marL="285750" indent="-285750">
+                <a:lnSpc>
+                  <a:spcPct val="200000"/>
+                </a:lnSpc>
+                <a:buFont typeface="Wingdings" panose="05000000000000000000" pitchFamily="2" charset="2"/>
+                <a:buChar char="v"/>
+              </a:pPr>
+              <a:r>
+                <a:rPr lang="en-US" sz="1600" b="1" dirty="0" smtClean="0">
+                  <a:solidFill>
+                    <a:srgbClr val="FF8C52"/>
+                  </a:solidFill>
+                  <a:latin typeface="Oxygen" panose="02000503000000000000" pitchFamily="2" charset="0"/>
+                </a:rPr>
+                <a:t>4 Yrs Exp. &amp; Detail Oriented</a:t>
+              </a:r>
+            </a:p>
+            <a:p>
+              <a:pPr marL="285750" indent="-285750">
+                <a:lnSpc>
+                  <a:spcPct val="200000"/>
+                </a:lnSpc>
+              </a:pPr>
+              <a:endParaRPr lang="en-AU" sz="1600" b="1" dirty="0">
+                <a:solidFill>
+                  <a:srgbClr val="FF8C52"/>
+                </a:solidFill>
+                <a:latin typeface="Oxygen" panose="02000503000000000000" pitchFamily="2" charset="0"/>
+              </a:endParaRPr>
+            </a:p>
+          </p:txBody>
+        </p:sp>
+        <p:sp>
+          <p:nvSpPr>
+            <p:cNvPr id="8" name="Rectangle 7"/>
+            <p:cNvSpPr/>
+            <p:nvPr/>
+          </p:nvSpPr>
+          <p:spPr>
+            <a:xfrm>
+              <a:off x="3429000" y="6442647"/>
+              <a:ext cx="3429000" cy="1569660"/>
+            </a:xfrm>
+            <a:prstGeom prst="rect">
+              <a:avLst/>
+            </a:prstGeom>
+          </p:spPr>
+          <p:txBody>
+            <a:bodyPr>
+              <a:spAutoFit/>
+            </a:bodyPr>
+            <a:lstStyle/>
+            <a:p>
+              <a:pPr marL="285750" indent="-285750">
+                <a:lnSpc>
+                  <a:spcPct val="200000"/>
+                </a:lnSpc>
+                <a:buFont typeface="Wingdings" panose="05000000000000000000" pitchFamily="2" charset="2"/>
+                <a:buChar char="v"/>
+              </a:pPr>
+              <a:r>
+                <a:rPr lang="en-US" sz="1600" b="1" dirty="0" smtClean="0">
+                  <a:solidFill>
+                    <a:srgbClr val="FF8C52"/>
+                  </a:solidFill>
+                  <a:latin typeface="Oxygen" panose="02000503000000000000" pitchFamily="2" charset="0"/>
+                </a:rPr>
+                <a:t>M. Sc. </a:t>
+              </a:r>
+              <a:r>
+                <a:rPr lang="en-US" sz="1600" b="1" dirty="0" err="1" smtClean="0">
+                  <a:solidFill>
+                    <a:srgbClr val="FF8C52"/>
+                  </a:solidFill>
+                  <a:latin typeface="Oxygen" panose="02000503000000000000" pitchFamily="2" charset="0"/>
+                </a:rPr>
+                <a:t>Jadavpur</a:t>
+              </a:r>
+              <a:r>
+                <a:rPr lang="en-US" sz="1600" b="1" dirty="0" smtClean="0">
+                  <a:solidFill>
+                    <a:srgbClr val="FF8C52"/>
+                  </a:solidFill>
+                  <a:latin typeface="Oxygen" panose="02000503000000000000" pitchFamily="2" charset="0"/>
+                </a:rPr>
+                <a:t> </a:t>
+              </a:r>
+              <a:r>
+                <a:rPr lang="en-US" sz="1600" b="1" dirty="0" smtClean="0">
+                  <a:solidFill>
+                    <a:srgbClr val="FF8C52"/>
+                  </a:solidFill>
+                  <a:latin typeface="Oxygen" panose="02000503000000000000" pitchFamily="2" charset="0"/>
+                </a:rPr>
+                <a:t>University</a:t>
+              </a:r>
+              <a:endParaRPr lang="en-US" sz="1600" b="1" dirty="0" smtClean="0">
+                <a:solidFill>
+                  <a:srgbClr val="FF8C52"/>
+                </a:solidFill>
+                <a:latin typeface="Oxygen" panose="02000503000000000000" pitchFamily="2" charset="0"/>
+              </a:endParaRPr>
+            </a:p>
+            <a:p>
+              <a:pPr marL="285750" indent="-285750">
+                <a:lnSpc>
+                  <a:spcPct val="200000"/>
+                </a:lnSpc>
+                <a:buFont typeface="Wingdings" panose="05000000000000000000" pitchFamily="2" charset="2"/>
+                <a:buChar char="v"/>
+              </a:pPr>
+              <a:r>
+                <a:rPr lang="en-US" sz="1600" b="1" dirty="0" err="1" smtClean="0">
+                  <a:solidFill>
+                    <a:srgbClr val="FF8C52"/>
+                  </a:solidFill>
+                  <a:latin typeface="Oxygen" panose="02000503000000000000" pitchFamily="2" charset="0"/>
+                </a:rPr>
+                <a:t>Tutopia</a:t>
+              </a:r>
+              <a:r>
+                <a:rPr lang="en-US" sz="1600" b="1" dirty="0" smtClean="0">
+                  <a:solidFill>
+                    <a:srgbClr val="FF8C52"/>
+                  </a:solidFill>
+                  <a:latin typeface="Oxygen" panose="02000503000000000000" pitchFamily="2" charset="0"/>
+                </a:rPr>
+                <a:t> Learning App 2021-22</a:t>
+              </a:r>
+            </a:p>
+            <a:p>
+              <a:pPr marL="285750" indent="-285750">
+                <a:lnSpc>
+                  <a:spcPct val="200000"/>
+                </a:lnSpc>
+                <a:buFont typeface="Wingdings" panose="05000000000000000000" pitchFamily="2" charset="2"/>
+                <a:buChar char="v"/>
+              </a:pPr>
+              <a:r>
+                <a:rPr lang="en-US" sz="1600" b="1" dirty="0" smtClean="0">
+                  <a:solidFill>
+                    <a:srgbClr val="FF8C52"/>
+                  </a:solidFill>
+                  <a:latin typeface="Oxygen" panose="02000503000000000000" pitchFamily="2" charset="0"/>
+                </a:rPr>
+                <a:t>Lots of Successful Students</a:t>
+              </a:r>
+              <a:endParaRPr lang="en-AU" sz="1600" b="1" dirty="0">
+                <a:solidFill>
+                  <a:srgbClr val="FF8C52"/>
+                </a:solidFill>
+                <a:latin typeface="Oxygen" panose="02000503000000000000" pitchFamily="2" charset="0"/>
+              </a:endParaRPr>
+            </a:p>
+          </p:txBody>
+        </p:sp>
+      </p:grpSp>
+    </p:spTree>
+    <p:extLst>
+      <p:ext uri="{BB962C8B-B14F-4D97-AF65-F5344CB8AC3E}">
+        <p14:creationId xmlns="" xmlns:p14="http://schemas.microsoft.com/office/powerpoint/2010/main" val="3413235718"/>
+      </p:ext>
+    </p:extLst>
+  </p:cSld>
+  <p:clrMapOvr>
+    <a:masterClrMapping/>
+  </p:clrMapOvr>
+  <p:timing>
+    <p:tnLst>
+      <p:par>
+        <p:cTn id="1" dur="indefinite" restart="never" nodeType="tmRoot"/>
+      </p:par>
+    </p:tnLst>
+  </p:timing>
+</p:sld>
+</file>
+
+<file path=ppt/slides/slide8.xml><?xml version="1.0" encoding="utf-8"?>
+<p:sld xmlns:a="http://schemas.openxmlformats.org/drawingml/2006/main" xmlns:r="http://schemas.openxmlformats.org/officeDocument/2006/relationships" xmlns:p="http://schemas.openxmlformats.org/presentationml/2006/main">
+  <p:cSld>
+    <p:spTree>
+      <p:nvGrpSpPr>
+        <p:cNvPr id="1" name=""/>
+        <p:cNvGrpSpPr/>
+        <p:nvPr/>
+      </p:nvGrpSpPr>
+      <p:grpSpPr>
+        <a:xfrm>
+          <a:off x="0" y="0"/>
+          <a:ext cx="0" cy="0"/>
+          <a:chOff x="0" y="0"/>
+          <a:chExt cx="0" cy="0"/>
+        </a:xfrm>
+      </p:grpSpPr>
+      <p:sp>
+        <p:nvSpPr>
+          <p:cNvPr id="2" name="Rectangle 1"/>
           <p:cNvSpPr/>
           <p:nvPr/>
         </p:nvSpPr>
         <p:spPr>
           <a:xfrm>
-            <a:off x="3429000" y="6442647"/>
-            <a:ext cx="3429000" cy="1569660"/>
+            <a:off x="0" y="0"/>
+            <a:ext cx="6858000" cy="9906000"/>
           </a:xfrm>
           <a:prstGeom prst="rect">
             <a:avLst/>
           </a:prstGeom>
+          <a:solidFill>
+            <a:srgbClr val="FF8C52"/>
+          </a:solidFill>
+          <a:ln>
+            <a:noFill/>
+          </a:ln>
         </p:spPr>
-        <p:txBody>
-          <a:bodyPr>
+        <p:style>
+          <a:lnRef idx="2">
+            <a:schemeClr val="accent1">
+              <a:shade val="50000"/>
+            </a:schemeClr>
+          </a:lnRef>
+          <a:fillRef idx="1">
+            <a:schemeClr val="accent1"/>
+          </a:fillRef>
+          <a:effectRef idx="0">
+            <a:schemeClr val="accent1"/>
+          </a:effectRef>
+          <a:fontRef idx="minor">
+            <a:schemeClr val="lt1"/>
+          </a:fontRef>
+        </p:style>
+        <p:txBody>
+          <a:bodyPr rtlCol="0" anchor="ctr"/>
+          <a:lstStyle/>
+          <a:p>
+            <a:pPr algn="ctr"/>
+            <a:r>
+              <a:rPr lang="en-AU" dirty="0" smtClean="0"/>
+              <a:t>K U </a:t>
+            </a:r>
+            <a:endParaRPr lang="en-AU" dirty="0"/>
+          </a:p>
+        </p:txBody>
+      </p:sp>
+      <p:grpSp>
+        <p:nvGrpSpPr>
+          <p:cNvPr id="3" name="Group 8"/>
+          <p:cNvGrpSpPr/>
+          <p:nvPr/>
+        </p:nvGrpSpPr>
+        <p:grpSpPr>
+          <a:xfrm>
+            <a:off x="270164" y="4483690"/>
+            <a:ext cx="5839189" cy="3762560"/>
+            <a:chOff x="270164" y="4483690"/>
+            <a:chExt cx="5839189" cy="3762560"/>
+          </a:xfrm>
+        </p:grpSpPr>
+        <p:sp>
+          <p:nvSpPr>
+            <p:cNvPr id="12" name="TextBox 11"/>
+            <p:cNvSpPr txBox="1"/>
+            <p:nvPr/>
+          </p:nvSpPr>
+          <p:spPr>
+            <a:xfrm>
+              <a:off x="766645" y="4483690"/>
+              <a:ext cx="5342708" cy="2062103"/>
+            </a:xfrm>
+            <a:prstGeom prst="rect">
+              <a:avLst/>
+            </a:prstGeom>
+            <a:noFill/>
+          </p:spPr>
+          <p:txBody>
+            <a:bodyPr wrap="square" rtlCol="0">
+              <a:spAutoFit/>
+            </a:bodyPr>
+            <a:lstStyle/>
+            <a:p>
+              <a:pPr algn="ctr"/>
+              <a:r>
+                <a:rPr lang="en-US" sz="4400" b="1" cap="all" dirty="0" err="1" smtClean="0">
+                  <a:solidFill>
+                    <a:schemeClr val="bg1"/>
+                  </a:solidFill>
+                  <a:latin typeface="Oxygen" panose="02000503000000000000" pitchFamily="2" charset="0"/>
+                </a:rPr>
+                <a:t>Anupam</a:t>
+              </a:r>
+              <a:r>
+                <a:rPr lang="en-US" sz="4400" b="1" cap="all" dirty="0" smtClean="0">
+                  <a:solidFill>
+                    <a:schemeClr val="bg1"/>
+                  </a:solidFill>
+                  <a:latin typeface="Oxygen" panose="02000503000000000000" pitchFamily="2" charset="0"/>
+                </a:rPr>
+                <a:t> Sir</a:t>
+              </a:r>
+            </a:p>
+            <a:p>
+              <a:pPr algn="ctr"/>
+              <a:r>
+                <a:rPr lang="en-US" sz="2400" b="1" dirty="0" err="1" smtClean="0">
+                  <a:solidFill>
+                    <a:schemeClr val="bg1"/>
+                  </a:solidFill>
+                  <a:latin typeface="Oxygen" panose="02000503000000000000" pitchFamily="2" charset="0"/>
+                </a:rPr>
+                <a:t>Anupam</a:t>
+              </a:r>
+              <a:r>
+                <a:rPr lang="en-US" sz="2400" b="1" dirty="0" smtClean="0">
+                  <a:solidFill>
+                    <a:schemeClr val="bg1"/>
+                  </a:solidFill>
+                  <a:latin typeface="Oxygen" panose="02000503000000000000" pitchFamily="2" charset="0"/>
+                </a:rPr>
+                <a:t>  </a:t>
+              </a:r>
+              <a:r>
+                <a:rPr lang="en-US" sz="2400" b="1" dirty="0" err="1" smtClean="0">
+                  <a:solidFill>
+                    <a:schemeClr val="bg1"/>
+                  </a:solidFill>
+                  <a:latin typeface="Oxygen" panose="02000503000000000000" pitchFamily="2" charset="0"/>
+                </a:rPr>
+                <a:t>Sen</a:t>
+              </a:r>
+              <a:endParaRPr lang="en-US" sz="2800" b="1" dirty="0" smtClean="0">
+                <a:solidFill>
+                  <a:schemeClr val="bg1"/>
+                </a:solidFill>
+                <a:latin typeface="Oxygen" panose="02000503000000000000" pitchFamily="2" charset="0"/>
+              </a:endParaRPr>
+            </a:p>
+            <a:p>
+              <a:pPr algn="ctr"/>
+              <a:endParaRPr lang="en-US" sz="1200" b="1" dirty="0" smtClean="0">
+                <a:solidFill>
+                  <a:schemeClr val="bg1"/>
+                </a:solidFill>
+                <a:latin typeface="Oxygen" panose="02000503000000000000" pitchFamily="2" charset="0"/>
+              </a:endParaRPr>
+            </a:p>
+            <a:p>
+              <a:pPr algn="ctr"/>
+              <a:r>
+                <a:rPr lang="en-US" sz="2400" b="1" cap="small" dirty="0" smtClean="0">
+                  <a:solidFill>
+                    <a:schemeClr val="bg1"/>
+                  </a:solidFill>
+                  <a:latin typeface="Oxygen" panose="02000503000000000000" pitchFamily="2" charset="0"/>
+                </a:rPr>
+                <a:t>Commerce stream </a:t>
+              </a:r>
+              <a:r>
+                <a:rPr lang="en-US" sz="2400" b="1" cap="small" dirty="0" smtClean="0">
+                  <a:solidFill>
+                    <a:schemeClr val="bg1"/>
+                  </a:solidFill>
+                  <a:latin typeface="Oxygen" panose="02000503000000000000" pitchFamily="2" charset="0"/>
+                </a:rPr>
+                <a:t>- </a:t>
+              </a:r>
+              <a:r>
+                <a:rPr lang="en-US" sz="2400" b="1" cap="small" dirty="0" smtClean="0">
+                  <a:solidFill>
+                    <a:schemeClr val="bg1"/>
+                  </a:solidFill>
+                  <a:latin typeface="Oxygen" panose="02000503000000000000" pitchFamily="2" charset="0"/>
+                </a:rPr>
+                <a:t>IX </a:t>
+              </a:r>
+              <a:r>
+                <a:rPr lang="en-US" sz="2400" b="1" cap="small" dirty="0" smtClean="0">
+                  <a:solidFill>
+                    <a:schemeClr val="bg1"/>
+                  </a:solidFill>
+                  <a:latin typeface="Oxygen" panose="02000503000000000000" pitchFamily="2" charset="0"/>
+                </a:rPr>
+                <a:t>– </a:t>
+              </a:r>
+              <a:r>
+                <a:rPr lang="en-US" sz="2400" b="1" cap="small" dirty="0" smtClean="0">
+                  <a:solidFill>
+                    <a:schemeClr val="bg1"/>
+                  </a:solidFill>
+                  <a:latin typeface="Oxygen" panose="02000503000000000000" pitchFamily="2" charset="0"/>
+                </a:rPr>
+                <a:t>XII (All Boards)</a:t>
+              </a:r>
+              <a:endParaRPr lang="en-US" sz="2400" b="1" cap="small" dirty="0">
+                <a:solidFill>
+                  <a:schemeClr val="bg1"/>
+                </a:solidFill>
+                <a:latin typeface="Oxygen" panose="02000503000000000000" pitchFamily="2" charset="0"/>
+              </a:endParaRPr>
+            </a:p>
+          </p:txBody>
+        </p:sp>
+        <p:sp>
+          <p:nvSpPr>
+            <p:cNvPr id="10" name="TextBox 9"/>
+            <p:cNvSpPr txBox="1"/>
+            <p:nvPr/>
+          </p:nvSpPr>
+          <p:spPr>
+            <a:xfrm>
+              <a:off x="270164" y="6491924"/>
+              <a:ext cx="4197927" cy="1754326"/>
+            </a:xfrm>
+            <a:prstGeom prst="rect">
+              <a:avLst/>
+            </a:prstGeom>
+            <a:noFill/>
+          </p:spPr>
+          <p:txBody>
+            <a:bodyPr wrap="square" rtlCol="0">
+              <a:spAutoFit/>
+            </a:bodyPr>
+            <a:lstStyle/>
+            <a:p>
+              <a:pPr marL="285750" indent="-285750">
+                <a:lnSpc>
+                  <a:spcPct val="200000"/>
+                </a:lnSpc>
+                <a:buFont typeface="Wingdings" panose="05000000000000000000" pitchFamily="2" charset="2"/>
+                <a:buChar char="v"/>
+              </a:pPr>
+              <a:r>
+                <a:rPr lang="en-US" b="1" dirty="0" smtClean="0">
+                  <a:solidFill>
+                    <a:schemeClr val="bg1"/>
+                  </a:solidFill>
+                  <a:latin typeface="Oxygen" panose="02000503000000000000" pitchFamily="2" charset="0"/>
+                </a:rPr>
+                <a:t>FCA  ,  ICAI</a:t>
+              </a:r>
+              <a:endParaRPr lang="en-US" b="1" dirty="0" smtClean="0">
+                <a:solidFill>
+                  <a:schemeClr val="bg1"/>
+                </a:solidFill>
+                <a:latin typeface="Oxygen" panose="02000503000000000000" pitchFamily="2" charset="0"/>
+              </a:endParaRPr>
+            </a:p>
+            <a:p>
+              <a:pPr marL="285750" indent="-285750">
+                <a:lnSpc>
+                  <a:spcPct val="200000"/>
+                </a:lnSpc>
+                <a:buFont typeface="Wingdings" panose="05000000000000000000" pitchFamily="2" charset="2"/>
+                <a:buChar char="v"/>
+              </a:pPr>
+              <a:r>
+                <a:rPr lang="en-US" b="1" dirty="0" smtClean="0">
+                  <a:solidFill>
+                    <a:schemeClr val="bg1"/>
+                  </a:solidFill>
+                  <a:latin typeface="Oxygen" panose="02000503000000000000" pitchFamily="2" charset="0"/>
+                </a:rPr>
+                <a:t>35</a:t>
+              </a:r>
+              <a:r>
+                <a:rPr lang="en-US" b="1" dirty="0" smtClean="0">
+                  <a:solidFill>
+                    <a:schemeClr val="bg1"/>
+                  </a:solidFill>
+                  <a:latin typeface="Oxygen" panose="02000503000000000000" pitchFamily="2" charset="0"/>
+                </a:rPr>
+                <a:t> Yrs Corporate  Exp.</a:t>
+              </a:r>
+              <a:endParaRPr lang="en-US" b="1" dirty="0" smtClean="0">
+                <a:solidFill>
+                  <a:schemeClr val="bg1"/>
+                </a:solidFill>
+                <a:latin typeface="Oxygen" panose="02000503000000000000" pitchFamily="2" charset="0"/>
+              </a:endParaRPr>
+            </a:p>
+            <a:p>
+              <a:pPr marL="285750" indent="-285750">
+                <a:lnSpc>
+                  <a:spcPct val="200000"/>
+                </a:lnSpc>
+              </a:pPr>
+              <a:endParaRPr lang="en-AU" b="1" dirty="0">
+                <a:solidFill>
+                  <a:schemeClr val="bg1"/>
+                </a:solidFill>
+                <a:latin typeface="Oxygen" panose="02000503000000000000" pitchFamily="2" charset="0"/>
+              </a:endParaRPr>
+            </a:p>
+          </p:txBody>
+        </p:sp>
+      </p:grpSp>
+      <p:sp>
+        <p:nvSpPr>
+          <p:cNvPr id="11" name="Rectangle 10"/>
+          <p:cNvSpPr/>
+          <p:nvPr/>
+        </p:nvSpPr>
+        <p:spPr>
+          <a:xfrm>
+            <a:off x="1276540" y="333770"/>
+            <a:ext cx="4016529" cy="4017435"/>
+          </a:xfrm>
+          <a:prstGeom prst="rect">
+            <a:avLst/>
+          </a:prstGeom>
+          <a:gradFill>
+            <a:gsLst>
+              <a:gs pos="70000">
+                <a:srgbClr val="FF8C52"/>
+              </a:gs>
+              <a:gs pos="62000">
+                <a:srgbClr val="FF8C52">
+                  <a:alpha val="0"/>
+                </a:srgbClr>
+              </a:gs>
+            </a:gsLst>
+            <a:path path="circle">
+              <a:fillToRect l="50000" t="50000" r="50000" b="50000"/>
+            </a:path>
+          </a:gradFill>
+          <a:ln>
+            <a:noFill/>
+          </a:ln>
+        </p:spPr>
+        <p:style>
+          <a:lnRef idx="2">
+            <a:schemeClr val="accent1">
+              <a:shade val="50000"/>
+            </a:schemeClr>
+          </a:lnRef>
+          <a:fillRef idx="1">
+            <a:schemeClr val="accent1"/>
+          </a:fillRef>
+          <a:effectRef idx="0">
+            <a:schemeClr val="accent1"/>
+          </a:effectRef>
+          <a:fontRef idx="minor">
+            <a:schemeClr val="lt1"/>
+          </a:fontRef>
+        </p:style>
+        <p:txBody>
+          <a:bodyPr rtlCol="0" anchor="ctr"/>
+          <a:lstStyle/>
+          <a:p>
+            <a:pPr algn="ctr"/>
+            <a:endParaRPr lang="en-AU"/>
+          </a:p>
+        </p:txBody>
+      </p:sp>
+      <p:sp>
+        <p:nvSpPr>
+          <p:cNvPr id="9" name="TextBox 8"/>
+          <p:cNvSpPr txBox="1"/>
+          <p:nvPr/>
+        </p:nvSpPr>
+        <p:spPr>
+          <a:xfrm>
+            <a:off x="3366655" y="6629400"/>
+            <a:ext cx="3179618" cy="1477328"/>
+          </a:xfrm>
+          <a:prstGeom prst="rect">
+            <a:avLst/>
+          </a:prstGeom>
+          <a:noFill/>
+        </p:spPr>
+        <p:txBody>
+          <a:bodyPr wrap="square" rtlCol="0">
             <a:spAutoFit/>
           </a:bodyPr>
           <a:lstStyle/>
           <a:p>
-            <a:pPr marL="285750" indent="-285750">
-              <a:lnSpc>
-                <a:spcPct val="200000"/>
-              </a:lnSpc>
-              <a:buFont typeface="Wingdings" panose="05000000000000000000" pitchFamily="2" charset="2"/>
+            <a:pPr>
+              <a:buFont typeface="Wingdings" pitchFamily="2" charset="2"/>
               <a:buChar char="v"/>
             </a:pPr>
             <a:r>
-              <a:rPr lang="en-US" sz="1600" b="1" dirty="0" smtClean="0">
-                <a:solidFill>
-                  <a:srgbClr val="FF8C52"/>
-                </a:solidFill>
-                <a:latin typeface="Oxygen" panose="02000503000000000000" pitchFamily="2" charset="0"/>
+              <a:rPr lang="en-US" dirty="0" smtClean="0">
+                <a:solidFill>
+                  <a:schemeClr val="bg1"/>
+                </a:solidFill>
+                <a:latin typeface="Oxygen" pitchFamily="2" charset="0"/>
               </a:rPr>
-              <a:t>M. Sc. </a:t>
-            </a:r>
-            <a:r>
-              <a:rPr lang="en-US" sz="1600" b="1" dirty="0" err="1" smtClean="0">
-                <a:solidFill>
-                  <a:srgbClr val="FF8C52"/>
-                </a:solidFill>
-                <a:latin typeface="Oxygen" panose="02000503000000000000" pitchFamily="2" charset="0"/>
-              </a:rPr>
-              <a:t>Jadavpur</a:t>
-            </a:r>
-            <a:r>
-              <a:rPr lang="en-US" sz="1600" b="1" dirty="0" smtClean="0">
-                <a:solidFill>
-                  <a:srgbClr val="FF8C52"/>
-                </a:solidFill>
-                <a:latin typeface="Oxygen" panose="02000503000000000000" pitchFamily="2" charset="0"/>
-              </a:rPr>
-              <a:t> </a:t>
-            </a:r>
-            <a:r>
-              <a:rPr lang="en-US" sz="1600" b="1" dirty="0" err="1" smtClean="0">
-                <a:solidFill>
-                  <a:srgbClr val="FF8C52"/>
-                </a:solidFill>
-                <a:latin typeface="Oxygen" panose="02000503000000000000" pitchFamily="2" charset="0"/>
-              </a:rPr>
-              <a:t>Uvivercity</a:t>
-            </a:r>
-            <a:endParaRPr lang="en-US" sz="1600" b="1" dirty="0" smtClean="0">
-              <a:solidFill>
-                <a:srgbClr val="FF8C52"/>
-              </a:solidFill>
-              <a:latin typeface="Oxygen" panose="02000503000000000000" pitchFamily="2" charset="0"/>
-            </a:endParaRPr>
-          </a:p>
-          <a:p>
-            <a:pPr marL="285750" indent="-285750">
-              <a:lnSpc>
-                <a:spcPct val="200000"/>
-              </a:lnSpc>
-              <a:buFont typeface="Wingdings" panose="05000000000000000000" pitchFamily="2" charset="2"/>
+              <a:t> Build up  from grass route</a:t>
+            </a:r>
+          </a:p>
+          <a:p>
+            <a:pPr>
+              <a:buFont typeface="Wingdings" pitchFamily="2" charset="2"/>
               <a:buChar char="v"/>
             </a:pPr>
-            <a:r>
-              <a:rPr lang="en-US" sz="1600" b="1" dirty="0" err="1" smtClean="0">
-                <a:solidFill>
-                  <a:srgbClr val="FF8C52"/>
-                </a:solidFill>
-                <a:latin typeface="Oxygen" panose="02000503000000000000" pitchFamily="2" charset="0"/>
-              </a:rPr>
-              <a:t>Tutopia</a:t>
-            </a:r>
-            <a:r>
-              <a:rPr lang="en-US" sz="1600" b="1" dirty="0" smtClean="0">
-                <a:solidFill>
-                  <a:srgbClr val="FF8C52"/>
-                </a:solidFill>
-                <a:latin typeface="Oxygen" panose="02000503000000000000" pitchFamily="2" charset="0"/>
-              </a:rPr>
-              <a:t> Learning App 2021-22</a:t>
-            </a:r>
-            <a:endParaRPr lang="en-US" sz="1600" b="1" dirty="0" smtClean="0">
+            <a:endParaRPr lang="en-US" dirty="0" smtClean="0">
               <a:solidFill>
-                <a:srgbClr val="FF8C52"/>
+                <a:schemeClr val="bg1"/>
               </a:solidFill>
-              <a:latin typeface="Oxygen" panose="02000503000000000000" pitchFamily="2" charset="0"/>
+              <a:latin typeface="Oxygen" pitchFamily="2" charset="0"/>
             </a:endParaRPr>
           </a:p>
           <a:p>
-            <a:pPr marL="285750" indent="-285750">
-              <a:lnSpc>
-                <a:spcPct val="200000"/>
-              </a:lnSpc>
-              <a:buFont typeface="Wingdings" panose="05000000000000000000" pitchFamily="2" charset="2"/>
+            <a:pPr>
+              <a:buFont typeface="Wingdings" pitchFamily="2" charset="2"/>
               <a:buChar char="v"/>
             </a:pPr>
             <a:r>
-              <a:rPr lang="en-US" sz="1600" b="1" dirty="0" smtClean="0">
-                <a:solidFill>
-                  <a:srgbClr val="FF8C52"/>
-                </a:solidFill>
-                <a:latin typeface="Oxygen" panose="02000503000000000000" pitchFamily="2" charset="0"/>
+              <a:rPr lang="en-US" dirty="0" smtClean="0">
+                <a:solidFill>
+                  <a:schemeClr val="bg1"/>
+                </a:solidFill>
+                <a:latin typeface="Oxygen" pitchFamily="2" charset="0"/>
               </a:rPr>
-              <a:t>Lots of Successful Students</a:t>
-            </a:r>
-            <a:endParaRPr lang="en-AU" sz="1600" b="1" dirty="0">
+              <a:t>  Friendly  Caring</a:t>
+            </a:r>
+          </a:p>
+          <a:p>
+            <a:endParaRPr lang="en-US" dirty="0" smtClean="0"/>
+          </a:p>
+          <a:p>
+            <a:r>
+              <a:rPr lang="en-US" dirty="0" smtClean="0"/>
+              <a:t> </a:t>
+            </a:r>
+            <a:endParaRPr lang="en-US" dirty="0"/>
+          </a:p>
+        </p:txBody>
+      </p:sp>
+      <p:sp>
+        <p:nvSpPr>
+          <p:cNvPr id="14" name="TextBox 13"/>
+          <p:cNvSpPr txBox="1"/>
+          <p:nvPr/>
+        </p:nvSpPr>
+        <p:spPr>
+          <a:xfrm>
+            <a:off x="311727" y="7751619"/>
+            <a:ext cx="4870244" cy="369332"/>
+          </a:xfrm>
+          <a:prstGeom prst="rect">
+            <a:avLst/>
+          </a:prstGeom>
+          <a:noFill/>
+        </p:spPr>
+        <p:txBody>
+          <a:bodyPr wrap="none" rtlCol="0">
+            <a:spAutoFit/>
+          </a:bodyPr>
+          <a:lstStyle/>
+          <a:p>
+            <a:pPr lvl="2" algn="ctr">
+              <a:buFont typeface="Wingdings" pitchFamily="2" charset="2"/>
+              <a:buChar char="v"/>
+            </a:pPr>
+            <a:r>
+              <a:rPr lang="en-US" dirty="0" smtClean="0">
+                <a:solidFill>
+                  <a:schemeClr val="bg1"/>
+                </a:solidFill>
+                <a:latin typeface="Oxygen" pitchFamily="2" charset="0"/>
+              </a:rPr>
+              <a:t> Uncountable  successful  students</a:t>
+            </a:r>
+            <a:endParaRPr lang="en-US" dirty="0">
               <a:solidFill>
-                <a:srgbClr val="FF8C52"/>
+                <a:schemeClr val="bg1"/>
               </a:solidFill>
-              <a:latin typeface="Oxygen" panose="02000503000000000000" pitchFamily="2" charset="0"/>
+              <a:latin typeface="Oxygen" pitchFamily="2" charset="0"/>
             </a:endParaRPr>
           </a:p>
         </p:txBody>
@@ -7900,7 +8335,7 @@
     </p:spTree>
     <p:extLst>
       <p:ext uri="{BB962C8B-B14F-4D97-AF65-F5344CB8AC3E}">
-        <p14:creationId xmlns:p14="http://schemas.microsoft.com/office/powerpoint/2010/main" xmlns="" val="3413235718"/>
+        <p14:creationId xmlns="" xmlns:p14="http://schemas.microsoft.com/office/powerpoint/2010/main" val="2320704513"/>
       </p:ext>
     </p:extLst>
   </p:cSld>
@@ -8172,7 +8607,7 @@
   <a:extraClrSchemeLst/>
   <a:extLst>
     <a:ext uri="{05A4C25C-085E-4340-85A3-A5531E510DB2}">
-      <thm15:themeFamily xmlns:thm15="http://schemas.microsoft.com/office/thememl/2012/main" xmlns="" name="Office Theme" id="{62F939B6-93AF-4DB8-9C6B-D6C7DFDC589F}" vid="{4A3C46E8-61CC-4603-A589-7422A47A8E4A}"/>
+      <thm15:themeFamily xmlns="" xmlns:thm15="http://schemas.microsoft.com/office/thememl/2012/main" name="Office Theme" id="{62F939B6-93AF-4DB8-9C6B-D6C7DFDC589F}" vid="{4A3C46E8-61CC-4603-A589-7422A47A8E4A}"/>
     </a:ext>
   </a:extLst>
 </a:theme>
@@ -8433,7 +8868,7 @@
   <a:extraClrSchemeLst/>
   <a:extLst>
     <a:ext uri="{05A4C25C-085E-4340-85A3-A5531E510DB2}">
-      <thm15:themeFamily xmlns:thm15="http://schemas.microsoft.com/office/thememl/2012/main" xmlns="" name="Office Theme" id="{62F939B6-93AF-4DB8-9C6B-D6C7DFDC589F}" vid="{4A3C46E8-61CC-4603-A589-7422A47A8E4A}"/>
+      <thm15:themeFamily xmlns="" xmlns:thm15="http://schemas.microsoft.com/office/thememl/2012/main" name="Office Theme" id="{62F939B6-93AF-4DB8-9C6B-D6C7DFDC589F}" vid="{4A3C46E8-61CC-4603-A589-7422A47A8E4A}"/>
     </a:ext>
   </a:extLst>
 </a:theme>

--- a/Offline/TeacherRecruitment/TeacherProfiles.pptx
+++ b/Offline/TeacherRecruitment/TeacherProfiles.pptx
@@ -116,7 +116,18 @@
   </p:defaultTextStyle>
   <p:extLst>
     <p:ext uri="{EFAFB233-063F-42B5-8137-9DF3F51BA10A}">
-      <p15:sldGuideLst xmlns="" xmlns:p15="http://schemas.microsoft.com/office/powerpoint/2012/main"/>
+      <p15:sldGuideLst xmlns:p15="http://schemas.microsoft.com/office/powerpoint/2012/main">
+        <p15:guide id="1" orient="horz" pos="3120">
+          <p15:clr>
+            <a:srgbClr val="A4A3A4"/>
+          </p15:clr>
+        </p15:guide>
+        <p15:guide id="2" pos="2160">
+          <p15:clr>
+            <a:srgbClr val="A4A3A4"/>
+          </p15:clr>
+        </p15:guide>
+      </p15:sldGuideLst>
     </p:ext>
   </p:extLst>
 </p:presentation>
@@ -205,7 +216,7 @@
             <a:fld id="{6764DD48-56A0-4B4D-A41F-45145E2B25F0}" type="datetimeFigureOut">
               <a:rPr lang="en-AU" smtClean="0"/>
               <a:pPr/>
-              <a:t>22/06/2023</a:t>
+              <a:t>24/06/2023</a:t>
             </a:fld>
             <a:endParaRPr lang="en-AU"/>
           </a:p>
@@ -374,7 +385,7 @@
     </p:spTree>
     <p:extLst>
       <p:ext uri="{BB962C8B-B14F-4D97-AF65-F5344CB8AC3E}">
-        <p14:creationId xmlns="" xmlns:p14="http://schemas.microsoft.com/office/powerpoint/2010/main" val="3380572074"/>
+        <p14:creationId xmlns:p14="http://schemas.microsoft.com/office/powerpoint/2010/main" val="3380572074"/>
       </p:ext>
     </p:extLst>
   </p:cSld>
@@ -549,7 +560,7 @@
     </p:spTree>
     <p:extLst>
       <p:ext uri="{BB962C8B-B14F-4D97-AF65-F5344CB8AC3E}">
-        <p14:creationId xmlns="" xmlns:p14="http://schemas.microsoft.com/office/powerpoint/2010/main" val="3631863043"/>
+        <p14:creationId xmlns:p14="http://schemas.microsoft.com/office/powerpoint/2010/main" val="3631863043"/>
       </p:ext>
     </p:extLst>
   </p:cSld>
@@ -634,7 +645,7 @@
     </p:spTree>
     <p:extLst>
       <p:ext uri="{BB962C8B-B14F-4D97-AF65-F5344CB8AC3E}">
-        <p14:creationId xmlns="" xmlns:p14="http://schemas.microsoft.com/office/powerpoint/2010/main" val="405947843"/>
+        <p14:creationId xmlns:p14="http://schemas.microsoft.com/office/powerpoint/2010/main" val="405947843"/>
       </p:ext>
     </p:extLst>
   </p:cSld>
@@ -719,7 +730,7 @@
     </p:spTree>
     <p:extLst>
       <p:ext uri="{BB962C8B-B14F-4D97-AF65-F5344CB8AC3E}">
-        <p14:creationId xmlns="" xmlns:p14="http://schemas.microsoft.com/office/powerpoint/2010/main" val="3275884807"/>
+        <p14:creationId xmlns:p14="http://schemas.microsoft.com/office/powerpoint/2010/main" val="3275884807"/>
       </p:ext>
     </p:extLst>
   </p:cSld>
@@ -804,7 +815,7 @@
     </p:spTree>
     <p:extLst>
       <p:ext uri="{BB962C8B-B14F-4D97-AF65-F5344CB8AC3E}">
-        <p14:creationId xmlns="" xmlns:p14="http://schemas.microsoft.com/office/powerpoint/2010/main" val="405947843"/>
+        <p14:creationId xmlns:p14="http://schemas.microsoft.com/office/powerpoint/2010/main" val="405947843"/>
       </p:ext>
     </p:extLst>
   </p:cSld>
@@ -889,7 +900,7 @@
     </p:spTree>
     <p:extLst>
       <p:ext uri="{BB962C8B-B14F-4D97-AF65-F5344CB8AC3E}">
-        <p14:creationId xmlns="" xmlns:p14="http://schemas.microsoft.com/office/powerpoint/2010/main" val="3275884807"/>
+        <p14:creationId xmlns:p14="http://schemas.microsoft.com/office/powerpoint/2010/main" val="3275884807"/>
       </p:ext>
     </p:extLst>
   </p:cSld>
@@ -974,7 +985,7 @@
     </p:spTree>
     <p:extLst>
       <p:ext uri="{BB962C8B-B14F-4D97-AF65-F5344CB8AC3E}">
-        <p14:creationId xmlns="" xmlns:p14="http://schemas.microsoft.com/office/powerpoint/2010/main" val="405947843"/>
+        <p14:creationId xmlns:p14="http://schemas.microsoft.com/office/powerpoint/2010/main" val="405947843"/>
       </p:ext>
     </p:extLst>
   </p:cSld>
@@ -1116,7 +1127,7 @@
             <a:fld id="{9E4B7CBB-5626-4F1A-8460-268C0F5172D8}" type="datetimeFigureOut">
               <a:rPr lang="en-AU" smtClean="0"/>
               <a:pPr/>
-              <a:t>22/06/2023</a:t>
+              <a:t>24/06/2023</a:t>
             </a:fld>
             <a:endParaRPr lang="en-AU"/>
           </a:p>
@@ -1168,7 +1179,7 @@
     </p:spTree>
     <p:extLst>
       <p:ext uri="{BB962C8B-B14F-4D97-AF65-F5344CB8AC3E}">
-        <p14:creationId xmlns="" xmlns:p14="http://schemas.microsoft.com/office/powerpoint/2010/main" val="4041747433"/>
+        <p14:creationId xmlns:p14="http://schemas.microsoft.com/office/powerpoint/2010/main" val="4041747433"/>
       </p:ext>
     </p:extLst>
   </p:cSld>
@@ -1288,7 +1299,7 @@
             <a:fld id="{9E4B7CBB-5626-4F1A-8460-268C0F5172D8}" type="datetimeFigureOut">
               <a:rPr lang="en-AU" smtClean="0"/>
               <a:pPr/>
-              <a:t>22/06/2023</a:t>
+              <a:t>24/06/2023</a:t>
             </a:fld>
             <a:endParaRPr lang="en-AU"/>
           </a:p>
@@ -1340,7 +1351,7 @@
     </p:spTree>
     <p:extLst>
       <p:ext uri="{BB962C8B-B14F-4D97-AF65-F5344CB8AC3E}">
-        <p14:creationId xmlns="" xmlns:p14="http://schemas.microsoft.com/office/powerpoint/2010/main" val="3520490921"/>
+        <p14:creationId xmlns:p14="http://schemas.microsoft.com/office/powerpoint/2010/main" val="3520490921"/>
       </p:ext>
     </p:extLst>
   </p:cSld>
@@ -1470,7 +1481,7 @@
             <a:fld id="{9E4B7CBB-5626-4F1A-8460-268C0F5172D8}" type="datetimeFigureOut">
               <a:rPr lang="en-AU" smtClean="0"/>
               <a:pPr/>
-              <a:t>22/06/2023</a:t>
+              <a:t>24/06/2023</a:t>
             </a:fld>
             <a:endParaRPr lang="en-AU"/>
           </a:p>
@@ -1522,7 +1533,7 @@
     </p:spTree>
     <p:extLst>
       <p:ext uri="{BB962C8B-B14F-4D97-AF65-F5344CB8AC3E}">
-        <p14:creationId xmlns="" xmlns:p14="http://schemas.microsoft.com/office/powerpoint/2010/main" val="905774708"/>
+        <p14:creationId xmlns:p14="http://schemas.microsoft.com/office/powerpoint/2010/main" val="905774708"/>
       </p:ext>
     </p:extLst>
   </p:cSld>
@@ -1642,7 +1653,7 @@
             <a:fld id="{9E4B7CBB-5626-4F1A-8460-268C0F5172D8}" type="datetimeFigureOut">
               <a:rPr lang="en-AU" smtClean="0"/>
               <a:pPr/>
-              <a:t>22/06/2023</a:t>
+              <a:t>24/06/2023</a:t>
             </a:fld>
             <a:endParaRPr lang="en-AU"/>
           </a:p>
@@ -1694,7 +1705,7 @@
     </p:spTree>
     <p:extLst>
       <p:ext uri="{BB962C8B-B14F-4D97-AF65-F5344CB8AC3E}">
-        <p14:creationId xmlns="" xmlns:p14="http://schemas.microsoft.com/office/powerpoint/2010/main" val="3948615634"/>
+        <p14:creationId xmlns:p14="http://schemas.microsoft.com/office/powerpoint/2010/main" val="3948615634"/>
       </p:ext>
     </p:extLst>
   </p:cSld>
@@ -1888,7 +1899,7 @@
             <a:fld id="{9E4B7CBB-5626-4F1A-8460-268C0F5172D8}" type="datetimeFigureOut">
               <a:rPr lang="en-AU" smtClean="0"/>
               <a:pPr/>
-              <a:t>22/06/2023</a:t>
+              <a:t>24/06/2023</a:t>
             </a:fld>
             <a:endParaRPr lang="en-AU"/>
           </a:p>
@@ -1940,7 +1951,7 @@
     </p:spTree>
     <p:extLst>
       <p:ext uri="{BB962C8B-B14F-4D97-AF65-F5344CB8AC3E}">
-        <p14:creationId xmlns="" xmlns:p14="http://schemas.microsoft.com/office/powerpoint/2010/main" val="2206772544"/>
+        <p14:creationId xmlns:p14="http://schemas.microsoft.com/office/powerpoint/2010/main" val="2206772544"/>
       </p:ext>
     </p:extLst>
   </p:cSld>
@@ -2122,7 +2133,7 @@
             <a:fld id="{9E4B7CBB-5626-4F1A-8460-268C0F5172D8}" type="datetimeFigureOut">
               <a:rPr lang="en-AU" smtClean="0"/>
               <a:pPr/>
-              <a:t>22/06/2023</a:t>
+              <a:t>24/06/2023</a:t>
             </a:fld>
             <a:endParaRPr lang="en-AU"/>
           </a:p>
@@ -2174,7 +2185,7 @@
     </p:spTree>
     <p:extLst>
       <p:ext uri="{BB962C8B-B14F-4D97-AF65-F5344CB8AC3E}">
-        <p14:creationId xmlns="" xmlns:p14="http://schemas.microsoft.com/office/powerpoint/2010/main" val="4182448314"/>
+        <p14:creationId xmlns:p14="http://schemas.microsoft.com/office/powerpoint/2010/main" val="4182448314"/>
       </p:ext>
     </p:extLst>
   </p:cSld>
@@ -2491,7 +2502,7 @@
             <a:fld id="{9E4B7CBB-5626-4F1A-8460-268C0F5172D8}" type="datetimeFigureOut">
               <a:rPr lang="en-AU" smtClean="0"/>
               <a:pPr/>
-              <a:t>22/06/2023</a:t>
+              <a:t>24/06/2023</a:t>
             </a:fld>
             <a:endParaRPr lang="en-AU"/>
           </a:p>
@@ -2543,7 +2554,7 @@
     </p:spTree>
     <p:extLst>
       <p:ext uri="{BB962C8B-B14F-4D97-AF65-F5344CB8AC3E}">
-        <p14:creationId xmlns="" xmlns:p14="http://schemas.microsoft.com/office/powerpoint/2010/main" val="2575632611"/>
+        <p14:creationId xmlns:p14="http://schemas.microsoft.com/office/powerpoint/2010/main" val="2575632611"/>
       </p:ext>
     </p:extLst>
   </p:cSld>
@@ -2611,7 +2622,7 @@
             <a:fld id="{9E4B7CBB-5626-4F1A-8460-268C0F5172D8}" type="datetimeFigureOut">
               <a:rPr lang="en-AU" smtClean="0"/>
               <a:pPr/>
-              <a:t>22/06/2023</a:t>
+              <a:t>24/06/2023</a:t>
             </a:fld>
             <a:endParaRPr lang="en-AU"/>
           </a:p>
@@ -2663,7 +2674,7 @@
     </p:spTree>
     <p:extLst>
       <p:ext uri="{BB962C8B-B14F-4D97-AF65-F5344CB8AC3E}">
-        <p14:creationId xmlns="" xmlns:p14="http://schemas.microsoft.com/office/powerpoint/2010/main" val="2247197560"/>
+        <p14:creationId xmlns:p14="http://schemas.microsoft.com/office/powerpoint/2010/main" val="2247197560"/>
       </p:ext>
     </p:extLst>
   </p:cSld>
@@ -2708,7 +2719,7 @@
             <a:fld id="{9E4B7CBB-5626-4F1A-8460-268C0F5172D8}" type="datetimeFigureOut">
               <a:rPr lang="en-AU" smtClean="0"/>
               <a:pPr/>
-              <a:t>22/06/2023</a:t>
+              <a:t>24/06/2023</a:t>
             </a:fld>
             <a:endParaRPr lang="en-AU"/>
           </a:p>
@@ -2760,7 +2771,7 @@
     </p:spTree>
     <p:extLst>
       <p:ext uri="{BB962C8B-B14F-4D97-AF65-F5344CB8AC3E}">
-        <p14:creationId xmlns="" xmlns:p14="http://schemas.microsoft.com/office/powerpoint/2010/main" val="2848066780"/>
+        <p14:creationId xmlns:p14="http://schemas.microsoft.com/office/powerpoint/2010/main" val="2848066780"/>
       </p:ext>
     </p:extLst>
   </p:cSld>
@@ -2987,7 +2998,7 @@
             <a:fld id="{9E4B7CBB-5626-4F1A-8460-268C0F5172D8}" type="datetimeFigureOut">
               <a:rPr lang="en-AU" smtClean="0"/>
               <a:pPr/>
-              <a:t>22/06/2023</a:t>
+              <a:t>24/06/2023</a:t>
             </a:fld>
             <a:endParaRPr lang="en-AU"/>
           </a:p>
@@ -3039,7 +3050,7 @@
     </p:spTree>
     <p:extLst>
       <p:ext uri="{BB962C8B-B14F-4D97-AF65-F5344CB8AC3E}">
-        <p14:creationId xmlns="" xmlns:p14="http://schemas.microsoft.com/office/powerpoint/2010/main" val="2717181826"/>
+        <p14:creationId xmlns:p14="http://schemas.microsoft.com/office/powerpoint/2010/main" val="2717181826"/>
       </p:ext>
     </p:extLst>
   </p:cSld>
@@ -3246,7 +3257,7 @@
             <a:fld id="{9E4B7CBB-5626-4F1A-8460-268C0F5172D8}" type="datetimeFigureOut">
               <a:rPr lang="en-AU" smtClean="0"/>
               <a:pPr/>
-              <a:t>22/06/2023</a:t>
+              <a:t>24/06/2023</a:t>
             </a:fld>
             <a:endParaRPr lang="en-AU"/>
           </a:p>
@@ -3298,7 +3309,7 @@
     </p:spTree>
     <p:extLst>
       <p:ext uri="{BB962C8B-B14F-4D97-AF65-F5344CB8AC3E}">
-        <p14:creationId xmlns="" xmlns:p14="http://schemas.microsoft.com/office/powerpoint/2010/main" val="3550790182"/>
+        <p14:creationId xmlns:p14="http://schemas.microsoft.com/office/powerpoint/2010/main" val="3550790182"/>
       </p:ext>
     </p:extLst>
   </p:cSld>
@@ -3461,7 +3472,7 @@
             <a:fld id="{9E4B7CBB-5626-4F1A-8460-268C0F5172D8}" type="datetimeFigureOut">
               <a:rPr lang="en-AU" smtClean="0"/>
               <a:pPr/>
-              <a:t>22/06/2023</a:t>
+              <a:t>24/06/2023</a:t>
             </a:fld>
             <a:endParaRPr lang="en-AU"/>
           </a:p>
@@ -3549,7 +3560,7 @@
     </p:spTree>
     <p:extLst>
       <p:ext uri="{BB962C8B-B14F-4D97-AF65-F5344CB8AC3E}">
-        <p14:creationId xmlns="" xmlns:p14="http://schemas.microsoft.com/office/powerpoint/2010/main" val="2582296453"/>
+        <p14:creationId xmlns:p14="http://schemas.microsoft.com/office/powerpoint/2010/main" val="2582296453"/>
       </p:ext>
     </p:extLst>
   </p:cSld>
@@ -4321,7 +4332,7 @@
     </p:spTree>
     <p:extLst>
       <p:ext uri="{BB962C8B-B14F-4D97-AF65-F5344CB8AC3E}">
-        <p14:creationId xmlns="" xmlns:p14="http://schemas.microsoft.com/office/powerpoint/2010/main" val="727164167"/>
+        <p14:creationId xmlns:p14="http://schemas.microsoft.com/office/powerpoint/2010/main" val="727164167"/>
       </p:ext>
     </p:extLst>
   </p:cSld>
@@ -4843,7 +4854,7 @@
     </p:spTree>
     <p:extLst>
       <p:ext uri="{BB962C8B-B14F-4D97-AF65-F5344CB8AC3E}">
-        <p14:creationId xmlns="" xmlns:p14="http://schemas.microsoft.com/office/powerpoint/2010/main" val="1118374859"/>
+        <p14:creationId xmlns:p14="http://schemas.microsoft.com/office/powerpoint/2010/main" val="1118374859"/>
       </p:ext>
     </p:extLst>
   </p:cSld>
@@ -5247,7 +5258,7 @@
     </p:spTree>
     <p:extLst>
       <p:ext uri="{BB962C8B-B14F-4D97-AF65-F5344CB8AC3E}">
-        <p14:creationId xmlns="" xmlns:p14="http://schemas.microsoft.com/office/powerpoint/2010/main" val="2866300449"/>
+        <p14:creationId xmlns:p14="http://schemas.microsoft.com/office/powerpoint/2010/main" val="2866300449"/>
       </p:ext>
     </p:extLst>
   </p:cSld>
@@ -5616,8 +5627,8 @@
           </a:p>
         </p:txBody>
       </p:sp>
-      <mc:AlternateContent xmlns:mc="http://schemas.openxmlformats.org/markup-compatibility/2006">
-        <mc:Choice xmlns="" xmlns:a14="http://schemas.microsoft.com/office/drawing/2010/main" Requires="a14">
+      <mc:AlternateContent xmlns:mc="http://schemas.openxmlformats.org/markup-compatibility/2006" xmlns:a14="http://schemas.microsoft.com/office/drawing/2010/main">
+        <mc:Choice Requires="a14">
           <p:sp>
             <p:nvSpPr>
               <p:cNvPr id="14" name="TextBox 13"/>
@@ -5711,15 +5722,6 @@
                     <a:latin typeface="Oxygen" panose="02000503000000000000" pitchFamily="2" charset="0"/>
                   </a:rPr>
                   <a:t>th</a:t>
-                </a:r>
-                <a:r>
-                  <a:rPr lang="en-US" sz="1600" b="1" dirty="0" smtClean="0">
-                    <a:solidFill>
-                      <a:schemeClr val="bg1"/>
-                    </a:solidFill>
-                    <a:latin typeface="Oxygen" panose="02000503000000000000" pitchFamily="2" charset="0"/>
-                  </a:rPr>
-                  <a:t/>
                 </a:r>
               </a:p>
               <a:p>
@@ -5839,7 +5841,7 @@
             </p:txBody>
           </p:sp>
         </mc:Choice>
-        <mc:Fallback>
+        <mc:Fallback xmlns="">
           <p:sp>
             <p:nvSpPr>
               <p:cNvPr id="14" name="TextBox 13"/>
@@ -5963,7 +5965,7 @@
     </p:spTree>
     <p:extLst>
       <p:ext uri="{BB962C8B-B14F-4D97-AF65-F5344CB8AC3E}">
-        <p14:creationId xmlns="" xmlns:p14="http://schemas.microsoft.com/office/powerpoint/2010/main" val="2320704513"/>
+        <p14:creationId xmlns:p14="http://schemas.microsoft.com/office/powerpoint/2010/main" val="2320704513"/>
       </p:ext>
     </p:extLst>
   </p:cSld>
@@ -6286,8 +6288,8 @@
           </a:p>
         </p:txBody>
       </p:sp>
-      <mc:AlternateContent xmlns:mc="http://schemas.openxmlformats.org/markup-compatibility/2006">
-        <mc:Choice xmlns="" xmlns:a14="http://schemas.microsoft.com/office/drawing/2010/main" Requires="a14">
+      <mc:AlternateContent xmlns:mc="http://schemas.openxmlformats.org/markup-compatibility/2006" xmlns:a14="http://schemas.microsoft.com/office/drawing/2010/main">
+        <mc:Choice Requires="a14">
           <p:sp>
             <p:nvSpPr>
               <p:cNvPr id="14" name="TextBox 13"/>
@@ -6381,15 +6383,6 @@
                     <a:latin typeface="Oxygen" panose="02000503000000000000" pitchFamily="2" charset="0"/>
                   </a:rPr>
                   <a:t>th</a:t>
-                </a:r>
-                <a:r>
-                  <a:rPr lang="en-US" sz="1600" b="1" dirty="0" smtClean="0">
-                    <a:solidFill>
-                      <a:srgbClr val="FF8C52"/>
-                    </a:solidFill>
-                    <a:latin typeface="Oxygen" panose="02000503000000000000" pitchFamily="2" charset="0"/>
-                  </a:rPr>
-                  <a:t/>
                 </a:r>
               </a:p>
               <a:p>
@@ -6509,7 +6502,7 @@
             </p:txBody>
           </p:sp>
         </mc:Choice>
-        <mc:Fallback>
+        <mc:Fallback xmlns="">
           <p:sp>
             <p:nvSpPr>
               <p:cNvPr id="14" name="TextBox 13"/>
@@ -6633,7 +6626,7 @@
     </p:spTree>
     <p:extLst>
       <p:ext uri="{BB962C8B-B14F-4D97-AF65-F5344CB8AC3E}">
-        <p14:creationId xmlns="" xmlns:p14="http://schemas.microsoft.com/office/powerpoint/2010/main" val="3413235718"/>
+        <p14:creationId xmlns:p14="http://schemas.microsoft.com/office/powerpoint/2010/main" val="3413235718"/>
       </p:ext>
     </p:extLst>
   </p:cSld>
@@ -6766,16 +6759,7 @@
                   </a:solidFill>
                   <a:latin typeface="Oxygen" panose="02000503000000000000" pitchFamily="2" charset="0"/>
                 </a:rPr>
-                <a:t> </a:t>
-              </a:r>
-              <a:r>
-                <a:rPr lang="en-US" sz="4400" b="1" cap="all" dirty="0" smtClean="0">
-                  <a:solidFill>
-                    <a:schemeClr val="bg1"/>
-                  </a:solidFill>
-                  <a:latin typeface="Oxygen" panose="02000503000000000000" pitchFamily="2" charset="0"/>
-                </a:rPr>
-                <a:t>Sir</a:t>
+                <a:t> Sir</a:t>
               </a:r>
             </a:p>
             <a:p>
@@ -6823,52 +6807,7 @@
                   </a:solidFill>
                   <a:latin typeface="Oxygen" panose="02000503000000000000" pitchFamily="2" charset="0"/>
                 </a:rPr>
-                <a:t>accounts</a:t>
-              </a:r>
-              <a:r>
-                <a:rPr lang="en-US" sz="2400" b="1" cap="small" dirty="0" smtClean="0">
-                  <a:solidFill>
-                    <a:schemeClr val="bg1"/>
-                  </a:solidFill>
-                  <a:latin typeface="Oxygen" panose="02000503000000000000" pitchFamily="2" charset="0"/>
-                </a:rPr>
-                <a:t> </a:t>
-              </a:r>
-              <a:r>
-                <a:rPr lang="en-US" sz="2400" b="1" cap="small" dirty="0" smtClean="0">
-                  <a:solidFill>
-                    <a:schemeClr val="bg1"/>
-                  </a:solidFill>
-                  <a:latin typeface="Oxygen" panose="02000503000000000000" pitchFamily="2" charset="0"/>
-                </a:rPr>
-                <a:t>- </a:t>
-              </a:r>
-              <a:r>
-                <a:rPr lang="en-US" sz="2400" b="1" cap="small" dirty="0" smtClean="0">
-                  <a:solidFill>
-                    <a:schemeClr val="bg1"/>
-                  </a:solidFill>
-                  <a:latin typeface="Oxygen" panose="02000503000000000000" pitchFamily="2" charset="0"/>
-                </a:rPr>
-                <a:t>IX </a:t>
-              </a:r>
-              <a:r>
-                <a:rPr lang="en-US" sz="2400" b="1" cap="small" dirty="0" smtClean="0">
-                  <a:solidFill>
-                    <a:schemeClr val="bg1"/>
-                  </a:solidFill>
-                  <a:latin typeface="Oxygen" panose="02000503000000000000" pitchFamily="2" charset="0"/>
-                </a:rPr>
-                <a:t>– </a:t>
-              </a:r>
-              <a:r>
-                <a:rPr lang="en-US" sz="2400" b="1" cap="small" dirty="0" smtClean="0">
-                  <a:solidFill>
-                    <a:schemeClr val="bg1"/>
-                  </a:solidFill>
-                  <a:latin typeface="Oxygen" panose="02000503000000000000" pitchFamily="2" charset="0"/>
-                </a:rPr>
-                <a:t>XII (All Boards)</a:t>
+                <a:t>accounts - IX – XII (All Boards)</a:t>
               </a:r>
               <a:endParaRPr lang="en-US" sz="2400" b="1" cap="small" dirty="0">
                 <a:solidFill>
@@ -7094,12 +7033,6 @@
                 </a:rPr>
                 <a:t> Institution</a:t>
               </a:r>
-              <a:endParaRPr lang="en-US" b="1" dirty="0" smtClean="0">
-                <a:solidFill>
-                  <a:schemeClr val="bg1"/>
-                </a:solidFill>
-                <a:latin typeface="Oxygen" panose="02000503000000000000" pitchFamily="2" charset="0"/>
-              </a:endParaRPr>
             </a:p>
             <a:p>
               <a:pPr marL="285750" indent="-285750">
@@ -7116,25 +7049,7 @@
                   </a:solidFill>
                   <a:latin typeface="Oxygen" panose="02000503000000000000" pitchFamily="2" charset="0"/>
                 </a:rPr>
-                <a:t>5</a:t>
-              </a:r>
-              <a:r>
-                <a:rPr lang="en-US" b="1" dirty="0" smtClean="0">
-                  <a:solidFill>
-                    <a:schemeClr val="bg1"/>
-                  </a:solidFill>
-                  <a:latin typeface="Oxygen" panose="02000503000000000000" pitchFamily="2" charset="0"/>
-                </a:rPr>
-                <a:t> </a:t>
-              </a:r>
-              <a:r>
-                <a:rPr lang="en-US" b="1" dirty="0" smtClean="0">
-                  <a:solidFill>
-                    <a:schemeClr val="bg1"/>
-                  </a:solidFill>
-                  <a:latin typeface="Oxygen" panose="02000503000000000000" pitchFamily="2" charset="0"/>
-                </a:rPr>
-                <a:t>Yrs Exp. &amp; Detail Oriented</a:t>
+                <a:t>5 Yrs Exp. &amp; Detail Oriented</a:t>
               </a:r>
             </a:p>
             <a:p>
@@ -7152,25 +7067,7 @@
                   </a:solidFill>
                   <a:latin typeface="Oxygen" panose="02000503000000000000" pitchFamily="2" charset="0"/>
                 </a:rPr>
-                <a:t>Lots </a:t>
-              </a:r>
-              <a:r>
-                <a:rPr lang="en-US" b="1" dirty="0" smtClean="0">
-                  <a:solidFill>
-                    <a:schemeClr val="bg1"/>
-                  </a:solidFill>
-                  <a:latin typeface="Oxygen" panose="02000503000000000000" pitchFamily="2" charset="0"/>
-                </a:rPr>
-                <a:t> of  Successful </a:t>
-              </a:r>
-              <a:r>
-                <a:rPr lang="en-US" b="1" dirty="0" smtClean="0">
-                  <a:solidFill>
-                    <a:schemeClr val="bg1"/>
-                  </a:solidFill>
-                  <a:latin typeface="Oxygen" panose="02000503000000000000" pitchFamily="2" charset="0"/>
-                </a:rPr>
-                <a:t>Students</a:t>
+                <a:t>Lots  of  Successful Students</a:t>
               </a:r>
               <a:endParaRPr lang="en-AU" b="1" dirty="0">
                 <a:solidFill>
@@ -7243,7 +7140,7 @@
     </p:spTree>
     <p:extLst>
       <p:ext uri="{BB962C8B-B14F-4D97-AF65-F5344CB8AC3E}">
-        <p14:creationId xmlns="" xmlns:p14="http://schemas.microsoft.com/office/powerpoint/2010/main" val="2320704513"/>
+        <p14:creationId xmlns:p14="http://schemas.microsoft.com/office/powerpoint/2010/main" val="2320704513"/>
       </p:ext>
     </p:extLst>
   </p:cSld>
@@ -7509,25 +7406,7 @@
                   </a:solidFill>
                   <a:latin typeface="Oxygen" panose="02000503000000000000" pitchFamily="2" charset="0"/>
                 </a:rPr>
-                <a:t> Roy Gupta  </a:t>
-              </a:r>
-              <a:r>
-                <a:rPr lang="en-US" b="1" dirty="0" smtClean="0">
-                  <a:solidFill>
-                    <a:srgbClr val="FF8C52"/>
-                  </a:solidFill>
-                  <a:latin typeface="Oxygen" panose="02000503000000000000" pitchFamily="2" charset="0"/>
-                </a:rPr>
-                <a:t>scored  </a:t>
-              </a:r>
-              <a:r>
-                <a:rPr lang="en-US" b="1" dirty="0" smtClean="0">
-                  <a:solidFill>
-                    <a:srgbClr val="FF8C52"/>
-                  </a:solidFill>
-                  <a:latin typeface="Oxygen" panose="02000503000000000000" pitchFamily="2" charset="0"/>
-                </a:rPr>
-                <a:t>97% in  ICSE  absolutely  for Her.                                                                 </a:t>
+                <a:t> Roy Gupta  scored  97% in  ICSE  absolutely  for Her.                                                                 </a:t>
               </a:r>
               <a:r>
                 <a:rPr lang="en-US" sz="1400" b="1" dirty="0" smtClean="0">
@@ -7745,23 +7624,8 @@
                   </a:solidFill>
                   <a:latin typeface="Oxygen" panose="02000503000000000000" pitchFamily="2" charset="0"/>
                 </a:rPr>
-                <a:t> </a:t>
+                <a:t> University</a:t>
               </a:r>
-              <a:r>
-                <a:rPr lang="en-US" sz="1600" b="1" dirty="0" smtClean="0">
-                  <a:solidFill>
-                    <a:srgbClr val="FF8C52"/>
-                  </a:solidFill>
-                  <a:latin typeface="Oxygen" panose="02000503000000000000" pitchFamily="2" charset="0"/>
-                </a:rPr>
-                <a:t>University</a:t>
-              </a:r>
-              <a:endParaRPr lang="en-US" sz="1600" b="1" dirty="0" smtClean="0">
-                <a:solidFill>
-                  <a:srgbClr val="FF8C52"/>
-                </a:solidFill>
-                <a:latin typeface="Oxygen" panose="02000503000000000000" pitchFamily="2" charset="0"/>
-              </a:endParaRPr>
             </a:p>
             <a:p>
               <a:pPr marL="285750" indent="-285750">
@@ -7820,7 +7684,7 @@
     </p:spTree>
     <p:extLst>
       <p:ext uri="{BB962C8B-B14F-4D97-AF65-F5344CB8AC3E}">
-        <p14:creationId xmlns="" xmlns:p14="http://schemas.microsoft.com/office/powerpoint/2010/main" val="3413235718"/>
+        <p14:creationId xmlns:p14="http://schemas.microsoft.com/office/powerpoint/2010/main" val="3413235718"/>
       </p:ext>
     </p:extLst>
   </p:cSld>
@@ -8014,43 +7878,7 @@
                   </a:solidFill>
                   <a:latin typeface="Oxygen" panose="02000503000000000000" pitchFamily="2" charset="0"/>
                 </a:rPr>
-                <a:t>Commerce stream </a:t>
-              </a:r>
-              <a:r>
-                <a:rPr lang="en-US" sz="2400" b="1" cap="small" dirty="0" smtClean="0">
-                  <a:solidFill>
-                    <a:schemeClr val="bg1"/>
-                  </a:solidFill>
-                  <a:latin typeface="Oxygen" panose="02000503000000000000" pitchFamily="2" charset="0"/>
-                </a:rPr>
-                <a:t>- </a:t>
-              </a:r>
-              <a:r>
-                <a:rPr lang="en-US" sz="2400" b="1" cap="small" dirty="0" smtClean="0">
-                  <a:solidFill>
-                    <a:schemeClr val="bg1"/>
-                  </a:solidFill>
-                  <a:latin typeface="Oxygen" panose="02000503000000000000" pitchFamily="2" charset="0"/>
-                </a:rPr>
-                <a:t>IX </a:t>
-              </a:r>
-              <a:r>
-                <a:rPr lang="en-US" sz="2400" b="1" cap="small" dirty="0" smtClean="0">
-                  <a:solidFill>
-                    <a:schemeClr val="bg1"/>
-                  </a:solidFill>
-                  <a:latin typeface="Oxygen" panose="02000503000000000000" pitchFamily="2" charset="0"/>
-                </a:rPr>
-                <a:t>– </a:t>
-              </a:r>
-              <a:r>
-                <a:rPr lang="en-US" sz="2400" b="1" cap="small" dirty="0" smtClean="0">
-                  <a:solidFill>
-                    <a:schemeClr val="bg1"/>
-                  </a:solidFill>
-                  <a:latin typeface="Oxygen" panose="02000503000000000000" pitchFamily="2" charset="0"/>
-                </a:rPr>
-                <a:t>XII (All Boards)</a:t>
+                <a:t>Commerce stream - IX – XII (All Boards)</a:t>
               </a:r>
               <a:endParaRPr lang="en-US" sz="2400" b="1" cap="small" dirty="0">
                 <a:solidFill>
@@ -8099,12 +7927,6 @@
                 </a:rPr>
                 <a:t>FCA  ,  ICAI</a:t>
               </a:r>
-              <a:endParaRPr lang="en-US" b="1" dirty="0" smtClean="0">
-                <a:solidFill>
-                  <a:schemeClr val="bg1"/>
-                </a:solidFill>
-                <a:latin typeface="Oxygen" panose="02000503000000000000" pitchFamily="2" charset="0"/>
-              </a:endParaRPr>
             </a:p>
             <a:p>
               <a:pPr marL="285750" indent="-285750">
@@ -8121,23 +7943,8 @@
                   </a:solidFill>
                   <a:latin typeface="Oxygen" panose="02000503000000000000" pitchFamily="2" charset="0"/>
                 </a:rPr>
-                <a:t>35</a:t>
+                <a:t>35 Yrs Corporate  Exp.</a:t>
               </a:r>
-              <a:r>
-                <a:rPr lang="en-US" b="1" dirty="0" smtClean="0">
-                  <a:solidFill>
-                    <a:schemeClr val="bg1"/>
-                  </a:solidFill>
-                  <a:latin typeface="Oxygen" panose="02000503000000000000" pitchFamily="2" charset="0"/>
-                </a:rPr>
-                <a:t> Yrs Corporate  Exp.</a:t>
-              </a:r>
-              <a:endParaRPr lang="en-US" b="1" dirty="0" smtClean="0">
-                <a:solidFill>
-                  <a:schemeClr val="bg1"/>
-                </a:solidFill>
-                <a:latin typeface="Oxygen" panose="02000503000000000000" pitchFamily="2" charset="0"/>
-              </a:endParaRPr>
             </a:p>
             <a:p>
               <a:pPr marL="285750" indent="-285750">
@@ -8335,7 +8142,7 @@
     </p:spTree>
     <p:extLst>
       <p:ext uri="{BB962C8B-B14F-4D97-AF65-F5344CB8AC3E}">
-        <p14:creationId xmlns="" xmlns:p14="http://schemas.microsoft.com/office/powerpoint/2010/main" val="2320704513"/>
+        <p14:creationId xmlns:p14="http://schemas.microsoft.com/office/powerpoint/2010/main" val="2320704513"/>
       </p:ext>
     </p:extLst>
   </p:cSld>
@@ -8607,7 +8414,7 @@
   <a:extraClrSchemeLst/>
   <a:extLst>
     <a:ext uri="{05A4C25C-085E-4340-85A3-A5531E510DB2}">
-      <thm15:themeFamily xmlns="" xmlns:thm15="http://schemas.microsoft.com/office/thememl/2012/main" name="Office Theme" id="{62F939B6-93AF-4DB8-9C6B-D6C7DFDC589F}" vid="{4A3C46E8-61CC-4603-A589-7422A47A8E4A}"/>
+      <thm15:themeFamily xmlns:thm15="http://schemas.microsoft.com/office/thememl/2012/main" name="Office Theme" id="{62F939B6-93AF-4DB8-9C6B-D6C7DFDC589F}" vid="{4A3C46E8-61CC-4603-A589-7422A47A8E4A}"/>
     </a:ext>
   </a:extLst>
 </a:theme>
@@ -8868,7 +8675,7 @@
   <a:extraClrSchemeLst/>
   <a:extLst>
     <a:ext uri="{05A4C25C-085E-4340-85A3-A5531E510DB2}">
-      <thm15:themeFamily xmlns="" xmlns:thm15="http://schemas.microsoft.com/office/thememl/2012/main" name="Office Theme" id="{62F939B6-93AF-4DB8-9C6B-D6C7DFDC589F}" vid="{4A3C46E8-61CC-4603-A589-7422A47A8E4A}"/>
+      <thm15:themeFamily xmlns:thm15="http://schemas.microsoft.com/office/thememl/2012/main" name="Office Theme" id="{62F939B6-93AF-4DB8-9C6B-D6C7DFDC589F}" vid="{4A3C46E8-61CC-4603-A589-7422A47A8E4A}"/>
     </a:ext>
   </a:extLst>
 </a:theme>

--- a/Offline/TeacherRecruitment/TeacherProfiles.pptx
+++ b/Offline/TeacherRecruitment/TeacherProfiles.pptx
@@ -5,7 +5,7 @@
     <p:sldMasterId id="2147483684" r:id="rId1"/>
   </p:sldMasterIdLst>
   <p:notesMasterIdLst>
-    <p:notesMasterId r:id="rId10"/>
+    <p:notesMasterId r:id="rId13"/>
   </p:notesMasterIdLst>
   <p:sldIdLst>
     <p:sldId id="256" r:id="rId2"/>
@@ -16,6 +16,9 @@
     <p:sldId id="261" r:id="rId7"/>
     <p:sldId id="262" r:id="rId8"/>
     <p:sldId id="263" r:id="rId9"/>
+    <p:sldId id="264" r:id="rId10"/>
+    <p:sldId id="265" r:id="rId11"/>
+    <p:sldId id="266" r:id="rId12"/>
   </p:sldIdLst>
   <p:sldSz cx="6858000" cy="9906000" type="A4"/>
   <p:notesSz cx="6858000" cy="9144000"/>
@@ -116,7 +119,18 @@
   </p:defaultTextStyle>
   <p:extLst>
     <p:ext uri="{EFAFB233-063F-42B5-8137-9DF3F51BA10A}">
-      <p15:sldGuideLst xmlns="" xmlns:p15="http://schemas.microsoft.com/office/powerpoint/2012/main"/>
+      <p15:sldGuideLst xmlns:p15="http://schemas.microsoft.com/office/powerpoint/2012/main">
+        <p15:guide id="1" orient="horz" pos="3120">
+          <p15:clr>
+            <a:srgbClr val="A4A3A4"/>
+          </p15:clr>
+        </p15:guide>
+        <p15:guide id="2" pos="2160">
+          <p15:clr>
+            <a:srgbClr val="A4A3A4"/>
+          </p15:clr>
+        </p15:guide>
+      </p15:sldGuideLst>
     </p:ext>
   </p:extLst>
 </p:presentation>
@@ -205,7 +219,7 @@
             <a:fld id="{6764DD48-56A0-4B4D-A41F-45145E2B25F0}" type="datetimeFigureOut">
               <a:rPr lang="en-AU" smtClean="0"/>
               <a:pPr/>
-              <a:t>22/06/2023</a:t>
+              <a:t>24/06/2023</a:t>
             </a:fld>
             <a:endParaRPr lang="en-AU"/>
           </a:p>
@@ -374,7 +388,7 @@
     </p:spTree>
     <p:extLst>
       <p:ext uri="{BB962C8B-B14F-4D97-AF65-F5344CB8AC3E}">
-        <p14:creationId xmlns="" xmlns:p14="http://schemas.microsoft.com/office/powerpoint/2010/main" val="3380572074"/>
+        <p14:creationId xmlns:p14="http://schemas.microsoft.com/office/powerpoint/2010/main" val="3380572074"/>
       </p:ext>
     </p:extLst>
   </p:cSld>
@@ -549,7 +563,7 @@
     </p:spTree>
     <p:extLst>
       <p:ext uri="{BB962C8B-B14F-4D97-AF65-F5344CB8AC3E}">
-        <p14:creationId xmlns="" xmlns:p14="http://schemas.microsoft.com/office/powerpoint/2010/main" val="3631863043"/>
+        <p14:creationId xmlns:p14="http://schemas.microsoft.com/office/powerpoint/2010/main" val="3631863043"/>
       </p:ext>
     </p:extLst>
   </p:cSld>
@@ -634,7 +648,7 @@
     </p:spTree>
     <p:extLst>
       <p:ext uri="{BB962C8B-B14F-4D97-AF65-F5344CB8AC3E}">
-        <p14:creationId xmlns="" xmlns:p14="http://schemas.microsoft.com/office/powerpoint/2010/main" val="405947843"/>
+        <p14:creationId xmlns:p14="http://schemas.microsoft.com/office/powerpoint/2010/main" val="405947843"/>
       </p:ext>
     </p:extLst>
   </p:cSld>
@@ -719,7 +733,7 @@
     </p:spTree>
     <p:extLst>
       <p:ext uri="{BB962C8B-B14F-4D97-AF65-F5344CB8AC3E}">
-        <p14:creationId xmlns="" xmlns:p14="http://schemas.microsoft.com/office/powerpoint/2010/main" val="3275884807"/>
+        <p14:creationId xmlns:p14="http://schemas.microsoft.com/office/powerpoint/2010/main" val="3275884807"/>
       </p:ext>
     </p:extLst>
   </p:cSld>
@@ -804,7 +818,7 @@
     </p:spTree>
     <p:extLst>
       <p:ext uri="{BB962C8B-B14F-4D97-AF65-F5344CB8AC3E}">
-        <p14:creationId xmlns="" xmlns:p14="http://schemas.microsoft.com/office/powerpoint/2010/main" val="405947843"/>
+        <p14:creationId xmlns:p14="http://schemas.microsoft.com/office/powerpoint/2010/main" val="405947843"/>
       </p:ext>
     </p:extLst>
   </p:cSld>
@@ -889,7 +903,7 @@
     </p:spTree>
     <p:extLst>
       <p:ext uri="{BB962C8B-B14F-4D97-AF65-F5344CB8AC3E}">
-        <p14:creationId xmlns="" xmlns:p14="http://schemas.microsoft.com/office/powerpoint/2010/main" val="3275884807"/>
+        <p14:creationId xmlns:p14="http://schemas.microsoft.com/office/powerpoint/2010/main" val="3275884807"/>
       </p:ext>
     </p:extLst>
   </p:cSld>
@@ -974,7 +988,262 @@
     </p:spTree>
     <p:extLst>
       <p:ext uri="{BB962C8B-B14F-4D97-AF65-F5344CB8AC3E}">
-        <p14:creationId xmlns="" xmlns:p14="http://schemas.microsoft.com/office/powerpoint/2010/main" val="405947843"/>
+        <p14:creationId xmlns:p14="http://schemas.microsoft.com/office/powerpoint/2010/main" val="405947843"/>
+      </p:ext>
+    </p:extLst>
+  </p:cSld>
+  <p:clrMapOvr>
+    <a:masterClrMapping/>
+  </p:clrMapOvr>
+</p:notes>
+</file>
+
+<file path=ppt/notesSlides/notesSlide7.xml><?xml version="1.0" encoding="utf-8"?>
+<p:notes xmlns:a="http://schemas.openxmlformats.org/drawingml/2006/main" xmlns:r="http://schemas.openxmlformats.org/officeDocument/2006/relationships" xmlns:p="http://schemas.openxmlformats.org/presentationml/2006/main">
+  <p:cSld>
+    <p:spTree>
+      <p:nvGrpSpPr>
+        <p:cNvPr id="1" name=""/>
+        <p:cNvGrpSpPr/>
+        <p:nvPr/>
+      </p:nvGrpSpPr>
+      <p:grpSpPr>
+        <a:xfrm>
+          <a:off x="0" y="0"/>
+          <a:ext cx="0" cy="0"/>
+          <a:chOff x="0" y="0"/>
+          <a:chExt cx="0" cy="0"/>
+        </a:xfrm>
+      </p:grpSpPr>
+      <p:sp>
+        <p:nvSpPr>
+          <p:cNvPr id="2" name="Slide Image Placeholder 1"/>
+          <p:cNvSpPr>
+            <a:spLocks noGrp="1" noRot="1" noChangeAspect="1"/>
+          </p:cNvSpPr>
+          <p:nvPr>
+            <p:ph type="sldImg"/>
+          </p:nvPr>
+        </p:nvSpPr>
+        <p:spPr/>
+      </p:sp>
+      <p:sp>
+        <p:nvSpPr>
+          <p:cNvPr id="3" name="Notes Placeholder 2"/>
+          <p:cNvSpPr>
+            <a:spLocks noGrp="1"/>
+          </p:cNvSpPr>
+          <p:nvPr>
+            <p:ph type="body" idx="1"/>
+          </p:nvPr>
+        </p:nvSpPr>
+        <p:spPr/>
+        <p:txBody>
+          <a:bodyPr/>
+          <a:lstStyle/>
+          <a:p>
+            <a:endParaRPr lang="en-AU" dirty="0"/>
+          </a:p>
+        </p:txBody>
+      </p:sp>
+      <p:sp>
+        <p:nvSpPr>
+          <p:cNvPr id="4" name="Slide Number Placeholder 3"/>
+          <p:cNvSpPr>
+            <a:spLocks noGrp="1"/>
+          </p:cNvSpPr>
+          <p:nvPr>
+            <p:ph type="sldNum" sz="quarter" idx="10"/>
+          </p:nvPr>
+        </p:nvSpPr>
+        <p:spPr/>
+        <p:txBody>
+          <a:bodyPr/>
+          <a:lstStyle/>
+          <a:p>
+            <a:fld id="{42B418AD-C6CF-4435-83C2-98AD00D4BAE8}" type="slidenum">
+              <a:rPr lang="en-AU" smtClean="0"/>
+              <a:pPr/>
+              <a:t>9</a:t>
+            </a:fld>
+            <a:endParaRPr lang="en-AU"/>
+          </a:p>
+        </p:txBody>
+      </p:sp>
+    </p:spTree>
+    <p:extLst>
+      <p:ext uri="{BB962C8B-B14F-4D97-AF65-F5344CB8AC3E}">
+        <p14:creationId xmlns:p14="http://schemas.microsoft.com/office/powerpoint/2010/main" val="400431161"/>
+      </p:ext>
+    </p:extLst>
+  </p:cSld>
+  <p:clrMapOvr>
+    <a:masterClrMapping/>
+  </p:clrMapOvr>
+</p:notes>
+</file>
+
+<file path=ppt/notesSlides/notesSlide8.xml><?xml version="1.0" encoding="utf-8"?>
+<p:notes xmlns:a="http://schemas.openxmlformats.org/drawingml/2006/main" xmlns:r="http://schemas.openxmlformats.org/officeDocument/2006/relationships" xmlns:p="http://schemas.openxmlformats.org/presentationml/2006/main">
+  <p:cSld>
+    <p:spTree>
+      <p:nvGrpSpPr>
+        <p:cNvPr id="1" name=""/>
+        <p:cNvGrpSpPr/>
+        <p:nvPr/>
+      </p:nvGrpSpPr>
+      <p:grpSpPr>
+        <a:xfrm>
+          <a:off x="0" y="0"/>
+          <a:ext cx="0" cy="0"/>
+          <a:chOff x="0" y="0"/>
+          <a:chExt cx="0" cy="0"/>
+        </a:xfrm>
+      </p:grpSpPr>
+      <p:sp>
+        <p:nvSpPr>
+          <p:cNvPr id="2" name="Slide Image Placeholder 1"/>
+          <p:cNvSpPr>
+            <a:spLocks noGrp="1" noRot="1" noChangeAspect="1"/>
+          </p:cNvSpPr>
+          <p:nvPr>
+            <p:ph type="sldImg"/>
+          </p:nvPr>
+        </p:nvSpPr>
+        <p:spPr/>
+      </p:sp>
+      <p:sp>
+        <p:nvSpPr>
+          <p:cNvPr id="3" name="Notes Placeholder 2"/>
+          <p:cNvSpPr>
+            <a:spLocks noGrp="1"/>
+          </p:cNvSpPr>
+          <p:nvPr>
+            <p:ph type="body" idx="1"/>
+          </p:nvPr>
+        </p:nvSpPr>
+        <p:spPr/>
+        <p:txBody>
+          <a:bodyPr/>
+          <a:lstStyle/>
+          <a:p>
+            <a:endParaRPr lang="en-AU" dirty="0"/>
+          </a:p>
+        </p:txBody>
+      </p:sp>
+      <p:sp>
+        <p:nvSpPr>
+          <p:cNvPr id="4" name="Slide Number Placeholder 3"/>
+          <p:cNvSpPr>
+            <a:spLocks noGrp="1"/>
+          </p:cNvSpPr>
+          <p:nvPr>
+            <p:ph type="sldNum" sz="quarter" idx="10"/>
+          </p:nvPr>
+        </p:nvSpPr>
+        <p:spPr/>
+        <p:txBody>
+          <a:bodyPr/>
+          <a:lstStyle/>
+          <a:p>
+            <a:fld id="{42B418AD-C6CF-4435-83C2-98AD00D4BAE8}" type="slidenum">
+              <a:rPr lang="en-AU" smtClean="0"/>
+              <a:pPr/>
+              <a:t>10</a:t>
+            </a:fld>
+            <a:endParaRPr lang="en-AU"/>
+          </a:p>
+        </p:txBody>
+      </p:sp>
+    </p:spTree>
+    <p:extLst>
+      <p:ext uri="{BB962C8B-B14F-4D97-AF65-F5344CB8AC3E}">
+        <p14:creationId xmlns:p14="http://schemas.microsoft.com/office/powerpoint/2010/main" val="3173517131"/>
+      </p:ext>
+    </p:extLst>
+  </p:cSld>
+  <p:clrMapOvr>
+    <a:masterClrMapping/>
+  </p:clrMapOvr>
+</p:notes>
+</file>
+
+<file path=ppt/notesSlides/notesSlide9.xml><?xml version="1.0" encoding="utf-8"?>
+<p:notes xmlns:a="http://schemas.openxmlformats.org/drawingml/2006/main" xmlns:r="http://schemas.openxmlformats.org/officeDocument/2006/relationships" xmlns:p="http://schemas.openxmlformats.org/presentationml/2006/main">
+  <p:cSld>
+    <p:spTree>
+      <p:nvGrpSpPr>
+        <p:cNvPr id="1" name=""/>
+        <p:cNvGrpSpPr/>
+        <p:nvPr/>
+      </p:nvGrpSpPr>
+      <p:grpSpPr>
+        <a:xfrm>
+          <a:off x="0" y="0"/>
+          <a:ext cx="0" cy="0"/>
+          <a:chOff x="0" y="0"/>
+          <a:chExt cx="0" cy="0"/>
+        </a:xfrm>
+      </p:grpSpPr>
+      <p:sp>
+        <p:nvSpPr>
+          <p:cNvPr id="2" name="Slide Image Placeholder 1"/>
+          <p:cNvSpPr>
+            <a:spLocks noGrp="1" noRot="1" noChangeAspect="1"/>
+          </p:cNvSpPr>
+          <p:nvPr>
+            <p:ph type="sldImg"/>
+          </p:nvPr>
+        </p:nvSpPr>
+        <p:spPr/>
+      </p:sp>
+      <p:sp>
+        <p:nvSpPr>
+          <p:cNvPr id="3" name="Notes Placeholder 2"/>
+          <p:cNvSpPr>
+            <a:spLocks noGrp="1"/>
+          </p:cNvSpPr>
+          <p:nvPr>
+            <p:ph type="body" idx="1"/>
+          </p:nvPr>
+        </p:nvSpPr>
+        <p:spPr/>
+        <p:txBody>
+          <a:bodyPr/>
+          <a:lstStyle/>
+          <a:p>
+            <a:endParaRPr lang="en-AU" dirty="0"/>
+          </a:p>
+        </p:txBody>
+      </p:sp>
+      <p:sp>
+        <p:nvSpPr>
+          <p:cNvPr id="4" name="Slide Number Placeholder 3"/>
+          <p:cNvSpPr>
+            <a:spLocks noGrp="1"/>
+          </p:cNvSpPr>
+          <p:nvPr>
+            <p:ph type="sldNum" sz="quarter" idx="10"/>
+          </p:nvPr>
+        </p:nvSpPr>
+        <p:spPr/>
+        <p:txBody>
+          <a:bodyPr/>
+          <a:lstStyle/>
+          <a:p>
+            <a:fld id="{42B418AD-C6CF-4435-83C2-98AD00D4BAE8}" type="slidenum">
+              <a:rPr lang="en-AU" smtClean="0"/>
+              <a:pPr/>
+              <a:t>11</a:t>
+            </a:fld>
+            <a:endParaRPr lang="en-AU"/>
+          </a:p>
+        </p:txBody>
+      </p:sp>
+    </p:spTree>
+    <p:extLst>
+      <p:ext uri="{BB962C8B-B14F-4D97-AF65-F5344CB8AC3E}">
+        <p14:creationId xmlns:p14="http://schemas.microsoft.com/office/powerpoint/2010/main" val="1070035600"/>
       </p:ext>
     </p:extLst>
   </p:cSld>
@@ -1116,7 +1385,7 @@
             <a:fld id="{9E4B7CBB-5626-4F1A-8460-268C0F5172D8}" type="datetimeFigureOut">
               <a:rPr lang="en-AU" smtClean="0"/>
               <a:pPr/>
-              <a:t>22/06/2023</a:t>
+              <a:t>24/06/2023</a:t>
             </a:fld>
             <a:endParaRPr lang="en-AU"/>
           </a:p>
@@ -1168,7 +1437,7 @@
     </p:spTree>
     <p:extLst>
       <p:ext uri="{BB962C8B-B14F-4D97-AF65-F5344CB8AC3E}">
-        <p14:creationId xmlns="" xmlns:p14="http://schemas.microsoft.com/office/powerpoint/2010/main" val="4041747433"/>
+        <p14:creationId xmlns:p14="http://schemas.microsoft.com/office/powerpoint/2010/main" val="4041747433"/>
       </p:ext>
     </p:extLst>
   </p:cSld>
@@ -1288,7 +1557,7 @@
             <a:fld id="{9E4B7CBB-5626-4F1A-8460-268C0F5172D8}" type="datetimeFigureOut">
               <a:rPr lang="en-AU" smtClean="0"/>
               <a:pPr/>
-              <a:t>22/06/2023</a:t>
+              <a:t>24/06/2023</a:t>
             </a:fld>
             <a:endParaRPr lang="en-AU"/>
           </a:p>
@@ -1340,7 +1609,7 @@
     </p:spTree>
     <p:extLst>
       <p:ext uri="{BB962C8B-B14F-4D97-AF65-F5344CB8AC3E}">
-        <p14:creationId xmlns="" xmlns:p14="http://schemas.microsoft.com/office/powerpoint/2010/main" val="3520490921"/>
+        <p14:creationId xmlns:p14="http://schemas.microsoft.com/office/powerpoint/2010/main" val="3520490921"/>
       </p:ext>
     </p:extLst>
   </p:cSld>
@@ -1470,7 +1739,7 @@
             <a:fld id="{9E4B7CBB-5626-4F1A-8460-268C0F5172D8}" type="datetimeFigureOut">
               <a:rPr lang="en-AU" smtClean="0"/>
               <a:pPr/>
-              <a:t>22/06/2023</a:t>
+              <a:t>24/06/2023</a:t>
             </a:fld>
             <a:endParaRPr lang="en-AU"/>
           </a:p>
@@ -1522,7 +1791,7 @@
     </p:spTree>
     <p:extLst>
       <p:ext uri="{BB962C8B-B14F-4D97-AF65-F5344CB8AC3E}">
-        <p14:creationId xmlns="" xmlns:p14="http://schemas.microsoft.com/office/powerpoint/2010/main" val="905774708"/>
+        <p14:creationId xmlns:p14="http://schemas.microsoft.com/office/powerpoint/2010/main" val="905774708"/>
       </p:ext>
     </p:extLst>
   </p:cSld>
@@ -1642,7 +1911,7 @@
             <a:fld id="{9E4B7CBB-5626-4F1A-8460-268C0F5172D8}" type="datetimeFigureOut">
               <a:rPr lang="en-AU" smtClean="0"/>
               <a:pPr/>
-              <a:t>22/06/2023</a:t>
+              <a:t>24/06/2023</a:t>
             </a:fld>
             <a:endParaRPr lang="en-AU"/>
           </a:p>
@@ -1694,7 +1963,7 @@
     </p:spTree>
     <p:extLst>
       <p:ext uri="{BB962C8B-B14F-4D97-AF65-F5344CB8AC3E}">
-        <p14:creationId xmlns="" xmlns:p14="http://schemas.microsoft.com/office/powerpoint/2010/main" val="3948615634"/>
+        <p14:creationId xmlns:p14="http://schemas.microsoft.com/office/powerpoint/2010/main" val="3948615634"/>
       </p:ext>
     </p:extLst>
   </p:cSld>
@@ -1888,7 +2157,7 @@
             <a:fld id="{9E4B7CBB-5626-4F1A-8460-268C0F5172D8}" type="datetimeFigureOut">
               <a:rPr lang="en-AU" smtClean="0"/>
               <a:pPr/>
-              <a:t>22/06/2023</a:t>
+              <a:t>24/06/2023</a:t>
             </a:fld>
             <a:endParaRPr lang="en-AU"/>
           </a:p>
@@ -1940,7 +2209,7 @@
     </p:spTree>
     <p:extLst>
       <p:ext uri="{BB962C8B-B14F-4D97-AF65-F5344CB8AC3E}">
-        <p14:creationId xmlns="" xmlns:p14="http://schemas.microsoft.com/office/powerpoint/2010/main" val="2206772544"/>
+        <p14:creationId xmlns:p14="http://schemas.microsoft.com/office/powerpoint/2010/main" val="2206772544"/>
       </p:ext>
     </p:extLst>
   </p:cSld>
@@ -2122,7 +2391,7 @@
             <a:fld id="{9E4B7CBB-5626-4F1A-8460-268C0F5172D8}" type="datetimeFigureOut">
               <a:rPr lang="en-AU" smtClean="0"/>
               <a:pPr/>
-              <a:t>22/06/2023</a:t>
+              <a:t>24/06/2023</a:t>
             </a:fld>
             <a:endParaRPr lang="en-AU"/>
           </a:p>
@@ -2174,7 +2443,7 @@
     </p:spTree>
     <p:extLst>
       <p:ext uri="{BB962C8B-B14F-4D97-AF65-F5344CB8AC3E}">
-        <p14:creationId xmlns="" xmlns:p14="http://schemas.microsoft.com/office/powerpoint/2010/main" val="4182448314"/>
+        <p14:creationId xmlns:p14="http://schemas.microsoft.com/office/powerpoint/2010/main" val="4182448314"/>
       </p:ext>
     </p:extLst>
   </p:cSld>
@@ -2491,7 +2760,7 @@
             <a:fld id="{9E4B7CBB-5626-4F1A-8460-268C0F5172D8}" type="datetimeFigureOut">
               <a:rPr lang="en-AU" smtClean="0"/>
               <a:pPr/>
-              <a:t>22/06/2023</a:t>
+              <a:t>24/06/2023</a:t>
             </a:fld>
             <a:endParaRPr lang="en-AU"/>
           </a:p>
@@ -2543,7 +2812,7 @@
     </p:spTree>
     <p:extLst>
       <p:ext uri="{BB962C8B-B14F-4D97-AF65-F5344CB8AC3E}">
-        <p14:creationId xmlns="" xmlns:p14="http://schemas.microsoft.com/office/powerpoint/2010/main" val="2575632611"/>
+        <p14:creationId xmlns:p14="http://schemas.microsoft.com/office/powerpoint/2010/main" val="2575632611"/>
       </p:ext>
     </p:extLst>
   </p:cSld>
@@ -2611,7 +2880,7 @@
             <a:fld id="{9E4B7CBB-5626-4F1A-8460-268C0F5172D8}" type="datetimeFigureOut">
               <a:rPr lang="en-AU" smtClean="0"/>
               <a:pPr/>
-              <a:t>22/06/2023</a:t>
+              <a:t>24/06/2023</a:t>
             </a:fld>
             <a:endParaRPr lang="en-AU"/>
           </a:p>
@@ -2663,7 +2932,7 @@
     </p:spTree>
     <p:extLst>
       <p:ext uri="{BB962C8B-B14F-4D97-AF65-F5344CB8AC3E}">
-        <p14:creationId xmlns="" xmlns:p14="http://schemas.microsoft.com/office/powerpoint/2010/main" val="2247197560"/>
+        <p14:creationId xmlns:p14="http://schemas.microsoft.com/office/powerpoint/2010/main" val="2247197560"/>
       </p:ext>
     </p:extLst>
   </p:cSld>
@@ -2708,7 +2977,7 @@
             <a:fld id="{9E4B7CBB-5626-4F1A-8460-268C0F5172D8}" type="datetimeFigureOut">
               <a:rPr lang="en-AU" smtClean="0"/>
               <a:pPr/>
-              <a:t>22/06/2023</a:t>
+              <a:t>24/06/2023</a:t>
             </a:fld>
             <a:endParaRPr lang="en-AU"/>
           </a:p>
@@ -2760,7 +3029,7 @@
     </p:spTree>
     <p:extLst>
       <p:ext uri="{BB962C8B-B14F-4D97-AF65-F5344CB8AC3E}">
-        <p14:creationId xmlns="" xmlns:p14="http://schemas.microsoft.com/office/powerpoint/2010/main" val="2848066780"/>
+        <p14:creationId xmlns:p14="http://schemas.microsoft.com/office/powerpoint/2010/main" val="2848066780"/>
       </p:ext>
     </p:extLst>
   </p:cSld>
@@ -2987,7 +3256,7 @@
             <a:fld id="{9E4B7CBB-5626-4F1A-8460-268C0F5172D8}" type="datetimeFigureOut">
               <a:rPr lang="en-AU" smtClean="0"/>
               <a:pPr/>
-              <a:t>22/06/2023</a:t>
+              <a:t>24/06/2023</a:t>
             </a:fld>
             <a:endParaRPr lang="en-AU"/>
           </a:p>
@@ -3039,7 +3308,7 @@
     </p:spTree>
     <p:extLst>
       <p:ext uri="{BB962C8B-B14F-4D97-AF65-F5344CB8AC3E}">
-        <p14:creationId xmlns="" xmlns:p14="http://schemas.microsoft.com/office/powerpoint/2010/main" val="2717181826"/>
+        <p14:creationId xmlns:p14="http://schemas.microsoft.com/office/powerpoint/2010/main" val="2717181826"/>
       </p:ext>
     </p:extLst>
   </p:cSld>
@@ -3246,7 +3515,7 @@
             <a:fld id="{9E4B7CBB-5626-4F1A-8460-268C0F5172D8}" type="datetimeFigureOut">
               <a:rPr lang="en-AU" smtClean="0"/>
               <a:pPr/>
-              <a:t>22/06/2023</a:t>
+              <a:t>24/06/2023</a:t>
             </a:fld>
             <a:endParaRPr lang="en-AU"/>
           </a:p>
@@ -3298,7 +3567,7 @@
     </p:spTree>
     <p:extLst>
       <p:ext uri="{BB962C8B-B14F-4D97-AF65-F5344CB8AC3E}">
-        <p14:creationId xmlns="" xmlns:p14="http://schemas.microsoft.com/office/powerpoint/2010/main" val="3550790182"/>
+        <p14:creationId xmlns:p14="http://schemas.microsoft.com/office/powerpoint/2010/main" val="3550790182"/>
       </p:ext>
     </p:extLst>
   </p:cSld>
@@ -3461,7 +3730,7 @@
             <a:fld id="{9E4B7CBB-5626-4F1A-8460-268C0F5172D8}" type="datetimeFigureOut">
               <a:rPr lang="en-AU" smtClean="0"/>
               <a:pPr/>
-              <a:t>22/06/2023</a:t>
+              <a:t>24/06/2023</a:t>
             </a:fld>
             <a:endParaRPr lang="en-AU"/>
           </a:p>
@@ -3549,7 +3818,7 @@
     </p:spTree>
     <p:extLst>
       <p:ext uri="{BB962C8B-B14F-4D97-AF65-F5344CB8AC3E}">
-        <p14:creationId xmlns="" xmlns:p14="http://schemas.microsoft.com/office/powerpoint/2010/main" val="2582296453"/>
+        <p14:creationId xmlns:p14="http://schemas.microsoft.com/office/powerpoint/2010/main" val="2582296453"/>
       </p:ext>
     </p:extLst>
   </p:cSld>
@@ -4321,7 +4590,1213 @@
     </p:spTree>
     <p:extLst>
       <p:ext uri="{BB962C8B-B14F-4D97-AF65-F5344CB8AC3E}">
-        <p14:creationId xmlns="" xmlns:p14="http://schemas.microsoft.com/office/powerpoint/2010/main" val="727164167"/>
+        <p14:creationId xmlns:p14="http://schemas.microsoft.com/office/powerpoint/2010/main" val="727164167"/>
+      </p:ext>
+    </p:extLst>
+  </p:cSld>
+  <p:clrMapOvr>
+    <a:masterClrMapping/>
+  </p:clrMapOvr>
+  <p:timing>
+    <p:tnLst>
+      <p:par>
+        <p:cTn id="1" dur="indefinite" restart="never" nodeType="tmRoot"/>
+      </p:par>
+    </p:tnLst>
+  </p:timing>
+</p:sld>
+</file>
+
+<file path=ppt/slides/slide10.xml><?xml version="1.0" encoding="utf-8"?>
+<p:sld xmlns:a="http://schemas.openxmlformats.org/drawingml/2006/main" xmlns:r="http://schemas.openxmlformats.org/officeDocument/2006/relationships" xmlns:p="http://schemas.openxmlformats.org/presentationml/2006/main">
+  <p:cSld>
+    <p:spTree>
+      <p:nvGrpSpPr>
+        <p:cNvPr id="1" name=""/>
+        <p:cNvGrpSpPr/>
+        <p:nvPr/>
+      </p:nvGrpSpPr>
+      <p:grpSpPr>
+        <a:xfrm>
+          <a:off x="0" y="0"/>
+          <a:ext cx="0" cy="0"/>
+          <a:chOff x="0" y="0"/>
+          <a:chExt cx="0" cy="0"/>
+        </a:xfrm>
+      </p:grpSpPr>
+      <p:sp>
+        <p:nvSpPr>
+          <p:cNvPr id="2" name="Rectangle 1"/>
+          <p:cNvSpPr/>
+          <p:nvPr/>
+        </p:nvSpPr>
+        <p:spPr>
+          <a:xfrm>
+            <a:off x="0" y="0"/>
+            <a:ext cx="6858000" cy="9906000"/>
+          </a:xfrm>
+          <a:prstGeom prst="rect">
+            <a:avLst/>
+          </a:prstGeom>
+          <a:solidFill>
+            <a:srgbClr val="FF8C52"/>
+          </a:solidFill>
+          <a:ln>
+            <a:noFill/>
+          </a:ln>
+        </p:spPr>
+        <p:style>
+          <a:lnRef idx="2">
+            <a:schemeClr val="accent1">
+              <a:shade val="50000"/>
+            </a:schemeClr>
+          </a:lnRef>
+          <a:fillRef idx="1">
+            <a:schemeClr val="accent1"/>
+          </a:fillRef>
+          <a:effectRef idx="0">
+            <a:schemeClr val="accent1"/>
+          </a:effectRef>
+          <a:fontRef idx="minor">
+            <a:schemeClr val="lt1"/>
+          </a:fontRef>
+        </p:style>
+        <p:txBody>
+          <a:bodyPr rtlCol="0" anchor="ctr"/>
+          <a:lstStyle/>
+          <a:p>
+            <a:pPr algn="ctr"/>
+            <a:endParaRPr lang="en-AU" dirty="0"/>
+          </a:p>
+        </p:txBody>
+      </p:sp>
+      <p:grpSp>
+        <p:nvGrpSpPr>
+          <p:cNvPr id="3" name="Group 8"/>
+          <p:cNvGrpSpPr/>
+          <p:nvPr/>
+        </p:nvGrpSpPr>
+        <p:grpSpPr>
+          <a:xfrm>
+            <a:off x="233025" y="4716245"/>
+            <a:ext cx="6323417" cy="3089561"/>
+            <a:chOff x="194115" y="4696790"/>
+            <a:chExt cx="6323417" cy="3089561"/>
+          </a:xfrm>
+        </p:grpSpPr>
+        <p:sp>
+          <p:nvSpPr>
+            <p:cNvPr id="12" name="TextBox 11"/>
+            <p:cNvSpPr txBox="1"/>
+            <p:nvPr/>
+          </p:nvSpPr>
+          <p:spPr>
+            <a:xfrm>
+              <a:off x="388664" y="4696790"/>
+              <a:ext cx="6128868" cy="1754326"/>
+            </a:xfrm>
+            <a:prstGeom prst="rect">
+              <a:avLst/>
+            </a:prstGeom>
+            <a:noFill/>
+          </p:spPr>
+          <p:txBody>
+            <a:bodyPr wrap="square" rtlCol="0">
+              <a:spAutoFit/>
+            </a:bodyPr>
+            <a:lstStyle/>
+            <a:p>
+              <a:pPr algn="ctr"/>
+              <a:r>
+                <a:rPr lang="en-US" sz="4400" b="1" cap="small" dirty="0" smtClean="0">
+                  <a:solidFill>
+                    <a:schemeClr val="bg1"/>
+                  </a:solidFill>
+                  <a:latin typeface="Oxygen" panose="02000503000000000000" pitchFamily="2" charset="0"/>
+                </a:rPr>
+                <a:t>Anirban </a:t>
+              </a:r>
+              <a:r>
+                <a:rPr lang="en-US" sz="4400" b="1" cap="small" dirty="0" smtClean="0">
+                  <a:solidFill>
+                    <a:schemeClr val="bg1"/>
+                  </a:solidFill>
+                  <a:latin typeface="Oxygen" panose="02000503000000000000" pitchFamily="2" charset="0"/>
+                </a:rPr>
+                <a:t>Chakrabarty </a:t>
+              </a:r>
+              <a:r>
+                <a:rPr lang="en-US" sz="2400" b="1" dirty="0" smtClean="0">
+                  <a:solidFill>
+                    <a:schemeClr val="bg1"/>
+                  </a:solidFill>
+                  <a:latin typeface="Oxygen" panose="02000503000000000000" pitchFamily="2" charset="0"/>
+                </a:rPr>
+                <a:t>B.E. (Electronics), M.B.A. </a:t>
+              </a:r>
+              <a:r>
+                <a:rPr lang="en-US" sz="2400" b="1" dirty="0" smtClean="0">
+                  <a:solidFill>
+                    <a:schemeClr val="bg1"/>
+                  </a:solidFill>
+                  <a:latin typeface="Oxygen" panose="02000503000000000000" pitchFamily="2" charset="0"/>
+                </a:rPr>
+                <a:t>(Finance)</a:t>
+              </a:r>
+            </a:p>
+            <a:p>
+              <a:pPr algn="ctr"/>
+              <a:endParaRPr lang="en-US" sz="1200" b="1" dirty="0" smtClean="0">
+                <a:solidFill>
+                  <a:schemeClr val="bg1"/>
+                </a:solidFill>
+                <a:latin typeface="Oxygen" panose="02000503000000000000" pitchFamily="2" charset="0"/>
+              </a:endParaRPr>
+            </a:p>
+            <a:p>
+              <a:pPr algn="ctr"/>
+              <a:r>
+                <a:rPr lang="en-US" sz="2800" b="1" cap="small" dirty="0" smtClean="0">
+                  <a:solidFill>
+                    <a:schemeClr val="bg1"/>
+                  </a:solidFill>
+                  <a:latin typeface="Oxygen" panose="02000503000000000000" pitchFamily="2" charset="0"/>
+                </a:rPr>
+                <a:t>H.O.D</a:t>
+              </a:r>
+              <a:r>
+                <a:rPr lang="en-US" sz="2800" b="1" cap="small" dirty="0" smtClean="0">
+                  <a:solidFill>
+                    <a:schemeClr val="bg1"/>
+                  </a:solidFill>
+                  <a:latin typeface="Oxygen" panose="02000503000000000000" pitchFamily="2" charset="0"/>
+                </a:rPr>
+                <a:t>, AI &amp; Robotics</a:t>
+              </a:r>
+              <a:endParaRPr lang="en-US" sz="2800" b="1" cap="small" dirty="0">
+                <a:solidFill>
+                  <a:schemeClr val="bg1"/>
+                </a:solidFill>
+                <a:latin typeface="Oxygen" panose="02000503000000000000" pitchFamily="2" charset="0"/>
+              </a:endParaRPr>
+            </a:p>
+          </p:txBody>
+        </p:sp>
+        <p:sp>
+          <p:nvSpPr>
+            <p:cNvPr id="10" name="TextBox 9"/>
+            <p:cNvSpPr txBox="1"/>
+            <p:nvPr/>
+          </p:nvSpPr>
+          <p:spPr>
+            <a:xfrm>
+              <a:off x="194115" y="6586022"/>
+              <a:ext cx="3482941" cy="1200329"/>
+            </a:xfrm>
+            <a:prstGeom prst="rect">
+              <a:avLst/>
+            </a:prstGeom>
+            <a:noFill/>
+          </p:spPr>
+          <p:txBody>
+            <a:bodyPr wrap="square" rtlCol="0">
+              <a:spAutoFit/>
+            </a:bodyPr>
+            <a:lstStyle/>
+            <a:p>
+              <a:pPr marL="285750" indent="-285750">
+                <a:lnSpc>
+                  <a:spcPct val="200000"/>
+                </a:lnSpc>
+                <a:buFont typeface="Wingdings" panose="05000000000000000000" pitchFamily="2" charset="2"/>
+                <a:buChar char="v"/>
+              </a:pPr>
+              <a:r>
+                <a:rPr lang="en-US" b="1" dirty="0" smtClean="0">
+                  <a:solidFill>
+                    <a:schemeClr val="bg1"/>
+                  </a:solidFill>
+                  <a:latin typeface="Oxygen" panose="02000503000000000000" pitchFamily="2" charset="0"/>
+                </a:rPr>
+                <a:t>Supportive, Cares for Kids </a:t>
+              </a:r>
+              <a:endParaRPr lang="en-US" b="1" dirty="0" smtClean="0">
+                <a:solidFill>
+                  <a:schemeClr val="bg1"/>
+                </a:solidFill>
+                <a:latin typeface="Oxygen" panose="02000503000000000000" pitchFamily="2" charset="0"/>
+              </a:endParaRPr>
+            </a:p>
+            <a:p>
+              <a:pPr marL="285750" indent="-285750">
+                <a:lnSpc>
+                  <a:spcPct val="200000"/>
+                </a:lnSpc>
+                <a:buFont typeface="Wingdings" panose="05000000000000000000" pitchFamily="2" charset="2"/>
+                <a:buChar char="v"/>
+              </a:pPr>
+              <a:r>
+                <a:rPr lang="en-US" b="1" dirty="0" smtClean="0">
+                  <a:solidFill>
+                    <a:schemeClr val="bg1"/>
+                  </a:solidFill>
+                  <a:latin typeface="Oxygen" panose="02000503000000000000" pitchFamily="2" charset="0"/>
+                </a:rPr>
+                <a:t>Global </a:t>
+              </a:r>
+              <a:r>
+                <a:rPr lang="en-US" b="1" dirty="0" smtClean="0">
+                  <a:solidFill>
+                    <a:schemeClr val="bg1"/>
+                  </a:solidFill>
+                  <a:latin typeface="Oxygen" panose="02000503000000000000" pitchFamily="2" charset="0"/>
+                </a:rPr>
+                <a:t>Corporate  Exp</a:t>
+              </a:r>
+              <a:r>
+                <a:rPr lang="en-US" b="1" dirty="0" smtClean="0">
+                  <a:solidFill>
+                    <a:schemeClr val="bg1"/>
+                  </a:solidFill>
+                  <a:latin typeface="Oxygen" panose="02000503000000000000" pitchFamily="2" charset="0"/>
+                </a:rPr>
+                <a:t>.</a:t>
+              </a:r>
+              <a:endParaRPr lang="en-US" b="1" dirty="0" smtClean="0">
+                <a:solidFill>
+                  <a:schemeClr val="bg1"/>
+                </a:solidFill>
+                <a:latin typeface="Oxygen" panose="02000503000000000000" pitchFamily="2" charset="0"/>
+              </a:endParaRPr>
+            </a:p>
+          </p:txBody>
+        </p:sp>
+      </p:grpSp>
+      <p:sp>
+        <p:nvSpPr>
+          <p:cNvPr id="9" name="TextBox 8"/>
+          <p:cNvSpPr txBox="1"/>
+          <p:nvPr/>
+        </p:nvSpPr>
+        <p:spPr>
+          <a:xfrm>
+            <a:off x="3591276" y="6648853"/>
+            <a:ext cx="3159720" cy="1200329"/>
+          </a:xfrm>
+          <a:prstGeom prst="rect">
+            <a:avLst/>
+          </a:prstGeom>
+          <a:noFill/>
+        </p:spPr>
+        <p:txBody>
+          <a:bodyPr wrap="square" rtlCol="0">
+            <a:spAutoFit/>
+          </a:bodyPr>
+          <a:lstStyle/>
+          <a:p>
+            <a:pPr marL="285750" indent="-285750">
+              <a:lnSpc>
+                <a:spcPct val="200000"/>
+              </a:lnSpc>
+              <a:buFont typeface="Wingdings" panose="05000000000000000000" pitchFamily="2" charset="2"/>
+              <a:buChar char="v"/>
+            </a:pPr>
+            <a:r>
+              <a:rPr lang="en-US" dirty="0" smtClean="0">
+                <a:solidFill>
+                  <a:schemeClr val="bg1"/>
+                </a:solidFill>
+                <a:latin typeface="Oxygen" pitchFamily="2" charset="0"/>
+              </a:rPr>
+              <a:t>  </a:t>
+            </a:r>
+            <a:r>
+              <a:rPr lang="en-US" b="1" dirty="0" smtClean="0">
+                <a:solidFill>
+                  <a:schemeClr val="bg1"/>
+                </a:solidFill>
+                <a:latin typeface="Oxygen" panose="02000503000000000000" pitchFamily="2" charset="0"/>
+              </a:rPr>
+              <a:t>Innovative &amp; Dynamic</a:t>
+            </a:r>
+            <a:endParaRPr lang="en-US" b="1" dirty="0">
+              <a:solidFill>
+                <a:schemeClr val="bg1"/>
+              </a:solidFill>
+              <a:latin typeface="Oxygen" panose="02000503000000000000" pitchFamily="2" charset="0"/>
+            </a:endParaRPr>
+          </a:p>
+          <a:p>
+            <a:pPr marL="285750" indent="-285750">
+              <a:lnSpc>
+                <a:spcPct val="200000"/>
+              </a:lnSpc>
+              <a:buFont typeface="Wingdings" panose="05000000000000000000" pitchFamily="2" charset="2"/>
+              <a:buChar char="v"/>
+            </a:pPr>
+            <a:r>
+              <a:rPr lang="en-US" b="1" dirty="0">
+                <a:solidFill>
+                  <a:schemeClr val="bg1"/>
+                </a:solidFill>
+                <a:latin typeface="Oxygen" panose="02000503000000000000" pitchFamily="2" charset="0"/>
+              </a:rPr>
+              <a:t>  </a:t>
+            </a:r>
+            <a:r>
+              <a:rPr lang="en-US" b="1" dirty="0" smtClean="0">
+                <a:solidFill>
+                  <a:schemeClr val="bg1"/>
+                </a:solidFill>
+                <a:latin typeface="Oxygen" panose="02000503000000000000" pitchFamily="2" charset="0"/>
+              </a:rPr>
+              <a:t>Truly Inspires Talent</a:t>
+            </a:r>
+            <a:endParaRPr lang="en-US" b="1" dirty="0">
+              <a:solidFill>
+                <a:schemeClr val="bg1"/>
+              </a:solidFill>
+              <a:latin typeface="Oxygen" panose="02000503000000000000" pitchFamily="2" charset="0"/>
+            </a:endParaRPr>
+          </a:p>
+        </p:txBody>
+      </p:sp>
+      <p:pic>
+        <p:nvPicPr>
+          <p:cNvPr id="4" name="Picture 3"/>
+          <p:cNvPicPr>
+            <a:picLocks noChangeAspect="1"/>
+          </p:cNvPicPr>
+          <p:nvPr/>
+        </p:nvPicPr>
+        <p:blipFill>
+          <a:blip r:embed="rId3"/>
+          <a:stretch>
+            <a:fillRect/>
+          </a:stretch>
+        </p:blipFill>
+        <p:spPr>
+          <a:xfrm>
+            <a:off x="1547002" y="583230"/>
+            <a:ext cx="3876306" cy="3855461"/>
+          </a:xfrm>
+          <a:prstGeom prst="rect">
+            <a:avLst/>
+          </a:prstGeom>
+          <a:effectLst>
+            <a:outerShdw blurRad="50800" dist="50800" dir="5400000" algn="ctr" rotWithShape="0">
+              <a:srgbClr val="000000">
+                <a:alpha val="56000"/>
+              </a:srgbClr>
+            </a:outerShdw>
+            <a:softEdge rad="0"/>
+          </a:effectLst>
+        </p:spPr>
+      </p:pic>
+      <p:sp>
+        <p:nvSpPr>
+          <p:cNvPr id="15" name="TextBox 14"/>
+          <p:cNvSpPr txBox="1"/>
+          <p:nvPr/>
+        </p:nvSpPr>
+        <p:spPr>
+          <a:xfrm>
+            <a:off x="173159" y="8305677"/>
+            <a:ext cx="6538926" cy="1169551"/>
+          </a:xfrm>
+          <a:prstGeom prst="rect">
+            <a:avLst/>
+          </a:prstGeom>
+          <a:noFill/>
+        </p:spPr>
+        <p:txBody>
+          <a:bodyPr wrap="square" rtlCol="0">
+            <a:spAutoFit/>
+          </a:bodyPr>
+          <a:lstStyle/>
+          <a:p>
+            <a:r>
+              <a:rPr lang="en-US" sz="1700" b="1" dirty="0" smtClean="0">
+                <a:solidFill>
+                  <a:schemeClr val="bg1"/>
+                </a:solidFill>
+                <a:latin typeface="Oxygen" panose="02000503000000000000" pitchFamily="2" charset="0"/>
+              </a:rPr>
+              <a:t>Super brain, the best guy to take care </a:t>
+            </a:r>
+            <a:r>
+              <a:rPr lang="en-US" sz="1700" b="1" dirty="0" smtClean="0">
+                <a:solidFill>
+                  <a:schemeClr val="bg1"/>
+                </a:solidFill>
+                <a:latin typeface="Oxygen" panose="02000503000000000000" pitchFamily="2" charset="0"/>
+              </a:rPr>
+              <a:t>of </a:t>
+            </a:r>
+            <a:r>
+              <a:rPr lang="en-US" sz="1700" b="1" dirty="0" smtClean="0">
+                <a:solidFill>
+                  <a:schemeClr val="bg1"/>
+                </a:solidFill>
+                <a:latin typeface="Oxygen" panose="02000503000000000000" pitchFamily="2" charset="0"/>
+              </a:rPr>
+              <a:t>AI </a:t>
+            </a:r>
+            <a:r>
+              <a:rPr lang="en-US" sz="1700" b="1" dirty="0" smtClean="0">
+                <a:solidFill>
+                  <a:schemeClr val="bg1"/>
+                </a:solidFill>
+                <a:latin typeface="Oxygen" panose="02000503000000000000" pitchFamily="2" charset="0"/>
+              </a:rPr>
+              <a:t>implementation</a:t>
+            </a:r>
+            <a:r>
+              <a:rPr lang="en-US" sz="1700" b="1" dirty="0" smtClean="0">
+                <a:solidFill>
+                  <a:schemeClr val="bg1"/>
+                </a:solidFill>
+                <a:latin typeface="Oxygen" panose="02000503000000000000" pitchFamily="2" charset="0"/>
+              </a:rPr>
+              <a:t>!</a:t>
+            </a:r>
+            <a:endParaRPr lang="en-US" sz="1700" b="1" dirty="0" smtClean="0">
+              <a:solidFill>
+                <a:schemeClr val="bg1"/>
+              </a:solidFill>
+              <a:latin typeface="Oxygen" panose="02000503000000000000" pitchFamily="2" charset="0"/>
+            </a:endParaRPr>
+          </a:p>
+          <a:p>
+            <a:r>
+              <a:rPr lang="en-US" sz="1400" b="1" dirty="0">
+                <a:solidFill>
+                  <a:schemeClr val="bg1"/>
+                </a:solidFill>
+                <a:latin typeface="Oxygen" panose="02000503000000000000" pitchFamily="2" charset="0"/>
+              </a:rPr>
+              <a:t>	</a:t>
+            </a:r>
+            <a:r>
+              <a:rPr lang="en-US" sz="1400" b="1" dirty="0" smtClean="0">
+                <a:solidFill>
+                  <a:schemeClr val="bg1"/>
+                </a:solidFill>
+                <a:latin typeface="Oxygen" panose="02000503000000000000" pitchFamily="2" charset="0"/>
+              </a:rPr>
+              <a:t>		                                        </a:t>
+            </a:r>
+            <a:r>
+              <a:rPr lang="en-US" sz="1400" b="1" dirty="0" smtClean="0">
+                <a:solidFill>
+                  <a:schemeClr val="bg1"/>
+                </a:solidFill>
+                <a:latin typeface="Oxygen" panose="02000503000000000000" pitchFamily="2" charset="0"/>
+              </a:rPr>
+              <a:t>  – </a:t>
+            </a:r>
+            <a:r>
+              <a:rPr lang="en-US" sz="1400" b="1" dirty="0" smtClean="0">
+                <a:solidFill>
+                  <a:schemeClr val="bg1"/>
+                </a:solidFill>
+                <a:latin typeface="Oxygen" panose="02000503000000000000" pitchFamily="2" charset="0"/>
+              </a:rPr>
+              <a:t>Corporate</a:t>
+            </a:r>
+            <a:r>
+              <a:rPr lang="en-US" sz="1400" b="1" dirty="0" smtClean="0">
+                <a:solidFill>
+                  <a:schemeClr val="bg1"/>
+                </a:solidFill>
+                <a:latin typeface="Oxygen" panose="02000503000000000000" pitchFamily="2" charset="0"/>
+              </a:rPr>
+              <a:t> </a:t>
+            </a:r>
+            <a:r>
+              <a:rPr lang="en-US" sz="1400" b="1" dirty="0" smtClean="0">
+                <a:solidFill>
+                  <a:schemeClr val="bg1"/>
+                </a:solidFill>
+                <a:latin typeface="Oxygen" panose="02000503000000000000" pitchFamily="2" charset="0"/>
+              </a:rPr>
+              <a:t>Client</a:t>
+            </a:r>
+          </a:p>
+          <a:p>
+            <a:endParaRPr lang="en-US" sz="300" b="1" dirty="0" smtClean="0">
+              <a:solidFill>
+                <a:schemeClr val="bg1"/>
+              </a:solidFill>
+              <a:latin typeface="Oxygen" panose="02000503000000000000" pitchFamily="2" charset="0"/>
+            </a:endParaRPr>
+          </a:p>
+          <a:p>
+            <a:endParaRPr lang="en-US" sz="300" b="1" dirty="0">
+              <a:solidFill>
+                <a:schemeClr val="bg1"/>
+              </a:solidFill>
+              <a:latin typeface="Oxygen" panose="02000503000000000000" pitchFamily="2" charset="0"/>
+            </a:endParaRPr>
+          </a:p>
+          <a:p>
+            <a:r>
+              <a:rPr lang="en-US" sz="1700" b="1" dirty="0">
+                <a:solidFill>
+                  <a:schemeClr val="bg1"/>
+                </a:solidFill>
+                <a:latin typeface="Oxygen" panose="02000503000000000000" pitchFamily="2" charset="0"/>
+              </a:rPr>
+              <a:t>Dynamo of energy, dependable and trusted for the </a:t>
+            </a:r>
+            <a:r>
+              <a:rPr lang="en-US" sz="1700" b="1" dirty="0" smtClean="0">
+                <a:solidFill>
+                  <a:schemeClr val="bg1"/>
+                </a:solidFill>
+                <a:latin typeface="Oxygen" panose="02000503000000000000" pitchFamily="2" charset="0"/>
+              </a:rPr>
+              <a:t>job!</a:t>
+            </a:r>
+            <a:endParaRPr lang="en-US" sz="1700" b="1" dirty="0">
+              <a:solidFill>
+                <a:schemeClr val="bg1"/>
+              </a:solidFill>
+              <a:latin typeface="Oxygen" panose="02000503000000000000" pitchFamily="2" charset="0"/>
+            </a:endParaRPr>
+          </a:p>
+          <a:p>
+            <a:r>
+              <a:rPr lang="en-US" sz="1600" b="1" dirty="0">
+                <a:solidFill>
+                  <a:schemeClr val="bg1"/>
+                </a:solidFill>
+                <a:latin typeface="Oxygen" panose="02000503000000000000" pitchFamily="2" charset="0"/>
+              </a:rPr>
+              <a:t>	                               </a:t>
+            </a:r>
+            <a:r>
+              <a:rPr lang="en-US" sz="1600" b="1" dirty="0" smtClean="0">
+                <a:solidFill>
+                  <a:schemeClr val="bg1"/>
+                </a:solidFill>
+                <a:latin typeface="Oxygen" panose="02000503000000000000" pitchFamily="2" charset="0"/>
+              </a:rPr>
+              <a:t>    </a:t>
+            </a:r>
+            <a:r>
+              <a:rPr lang="en-US" sz="1400" b="1" dirty="0" smtClean="0">
+                <a:solidFill>
+                  <a:schemeClr val="bg1"/>
+                </a:solidFill>
+                <a:latin typeface="Oxygen" panose="02000503000000000000" pitchFamily="2" charset="0"/>
+              </a:rPr>
+              <a:t>– </a:t>
+            </a:r>
+            <a:r>
+              <a:rPr lang="en-US" sz="1400" b="1" dirty="0">
+                <a:solidFill>
+                  <a:schemeClr val="bg1"/>
+                </a:solidFill>
+                <a:latin typeface="Oxygen" panose="02000503000000000000" pitchFamily="2" charset="0"/>
+              </a:rPr>
+              <a:t>Vish </a:t>
+            </a:r>
+            <a:r>
+              <a:rPr lang="en-US" sz="1400" b="1" dirty="0" smtClean="0">
+                <a:solidFill>
+                  <a:schemeClr val="bg1"/>
+                </a:solidFill>
+                <a:latin typeface="Oxygen" panose="02000503000000000000" pitchFamily="2" charset="0"/>
+              </a:rPr>
+              <a:t>Coosa, </a:t>
+            </a:r>
+            <a:r>
+              <a:rPr lang="en-US" sz="1400" b="1" dirty="0">
+                <a:solidFill>
+                  <a:schemeClr val="bg1"/>
+                </a:solidFill>
+                <a:latin typeface="Oxygen" panose="02000503000000000000" pitchFamily="2" charset="0"/>
+              </a:rPr>
+              <a:t>Morgan Stanley </a:t>
+            </a:r>
+            <a:r>
+              <a:rPr lang="en-US" sz="1400" b="1" dirty="0" smtClean="0">
+                <a:solidFill>
+                  <a:schemeClr val="bg1"/>
+                </a:solidFill>
+                <a:latin typeface="Oxygen" panose="02000503000000000000" pitchFamily="2" charset="0"/>
+              </a:rPr>
+              <a:t>Bank, U.S.A.</a:t>
+            </a:r>
+            <a:endParaRPr lang="en-US" sz="300" b="1" dirty="0" smtClean="0">
+              <a:solidFill>
+                <a:schemeClr val="bg1"/>
+              </a:solidFill>
+              <a:latin typeface="Oxygen" panose="02000503000000000000" pitchFamily="2" charset="0"/>
+            </a:endParaRPr>
+          </a:p>
+        </p:txBody>
+      </p:sp>
+      <p:sp>
+        <p:nvSpPr>
+          <p:cNvPr id="11" name="Rectangle 10"/>
+          <p:cNvSpPr/>
+          <p:nvPr/>
+        </p:nvSpPr>
+        <p:spPr>
+          <a:xfrm>
+            <a:off x="1501046" y="585681"/>
+            <a:ext cx="3968217" cy="3906488"/>
+          </a:xfrm>
+          <a:prstGeom prst="rect">
+            <a:avLst/>
+          </a:prstGeom>
+          <a:gradFill>
+            <a:gsLst>
+              <a:gs pos="70000">
+                <a:srgbClr val="FF8C52"/>
+              </a:gs>
+              <a:gs pos="62000">
+                <a:srgbClr val="FF8C52">
+                  <a:alpha val="0"/>
+                </a:srgbClr>
+              </a:gs>
+            </a:gsLst>
+            <a:path path="circle">
+              <a:fillToRect l="50000" t="50000" r="50000" b="50000"/>
+            </a:path>
+          </a:gradFill>
+          <a:ln>
+            <a:noFill/>
+          </a:ln>
+        </p:spPr>
+        <p:style>
+          <a:lnRef idx="2">
+            <a:schemeClr val="accent1">
+              <a:shade val="50000"/>
+            </a:schemeClr>
+          </a:lnRef>
+          <a:fillRef idx="1">
+            <a:schemeClr val="accent1"/>
+          </a:fillRef>
+          <a:effectRef idx="0">
+            <a:schemeClr val="accent1"/>
+          </a:effectRef>
+          <a:fontRef idx="minor">
+            <a:schemeClr val="lt1"/>
+          </a:fontRef>
+        </p:style>
+        <p:txBody>
+          <a:bodyPr rtlCol="0" anchor="ctr"/>
+          <a:lstStyle/>
+          <a:p>
+            <a:pPr algn="ctr"/>
+            <a:endParaRPr lang="en-AU"/>
+          </a:p>
+        </p:txBody>
+      </p:sp>
+    </p:spTree>
+    <p:extLst>
+      <p:ext uri="{BB962C8B-B14F-4D97-AF65-F5344CB8AC3E}">
+        <p14:creationId xmlns:p14="http://schemas.microsoft.com/office/powerpoint/2010/main" val="3389911323"/>
+      </p:ext>
+    </p:extLst>
+  </p:cSld>
+  <p:clrMapOvr>
+    <a:masterClrMapping/>
+  </p:clrMapOvr>
+  <p:timing>
+    <p:tnLst>
+      <p:par>
+        <p:cTn id="1" dur="indefinite" restart="never" nodeType="tmRoot"/>
+      </p:par>
+    </p:tnLst>
+  </p:timing>
+</p:sld>
+</file>
+
+<file path=ppt/slides/slide11.xml><?xml version="1.0" encoding="utf-8"?>
+<p:sld xmlns:a="http://schemas.openxmlformats.org/drawingml/2006/main" xmlns:r="http://schemas.openxmlformats.org/officeDocument/2006/relationships" xmlns:p="http://schemas.openxmlformats.org/presentationml/2006/main">
+  <p:cSld>
+    <p:spTree>
+      <p:nvGrpSpPr>
+        <p:cNvPr id="1" name=""/>
+        <p:cNvGrpSpPr/>
+        <p:nvPr/>
+      </p:nvGrpSpPr>
+      <p:grpSpPr>
+        <a:xfrm>
+          <a:off x="0" y="0"/>
+          <a:ext cx="0" cy="0"/>
+          <a:chOff x="0" y="0"/>
+          <a:chExt cx="0" cy="0"/>
+        </a:xfrm>
+      </p:grpSpPr>
+      <p:pic>
+        <p:nvPicPr>
+          <p:cNvPr id="2" name="Picture 1"/>
+          <p:cNvPicPr>
+            <a:picLocks noChangeAspect="1"/>
+          </p:cNvPicPr>
+          <p:nvPr/>
+        </p:nvPicPr>
+        <p:blipFill>
+          <a:blip r:embed="rId3"/>
+          <a:stretch>
+            <a:fillRect/>
+          </a:stretch>
+        </p:blipFill>
+        <p:spPr>
+          <a:xfrm>
+            <a:off x="1270727" y="342122"/>
+            <a:ext cx="4462453" cy="4337064"/>
+          </a:xfrm>
+          <a:prstGeom prst="rect">
+            <a:avLst/>
+          </a:prstGeom>
+        </p:spPr>
+      </p:pic>
+      <p:grpSp>
+        <p:nvGrpSpPr>
+          <p:cNvPr id="7" name="Group 6"/>
+          <p:cNvGrpSpPr/>
+          <p:nvPr/>
+        </p:nvGrpSpPr>
+        <p:grpSpPr>
+          <a:xfrm>
+            <a:off x="199094" y="4996471"/>
+            <a:ext cx="6522722" cy="3611266"/>
+            <a:chOff x="335280" y="4626826"/>
+            <a:chExt cx="6522720" cy="3611266"/>
+          </a:xfrm>
+        </p:grpSpPr>
+        <p:sp>
+          <p:nvSpPr>
+            <p:cNvPr id="12" name="TextBox 11"/>
+            <p:cNvSpPr txBox="1"/>
+            <p:nvPr/>
+          </p:nvSpPr>
+          <p:spPr>
+            <a:xfrm>
+              <a:off x="925286" y="4626826"/>
+              <a:ext cx="5342708" cy="1492716"/>
+            </a:xfrm>
+            <a:prstGeom prst="rect">
+              <a:avLst/>
+            </a:prstGeom>
+            <a:noFill/>
+          </p:spPr>
+          <p:txBody>
+            <a:bodyPr wrap="square" rtlCol="0">
+              <a:spAutoFit/>
+            </a:bodyPr>
+            <a:lstStyle/>
+            <a:p>
+              <a:pPr algn="ctr"/>
+              <a:r>
+                <a:rPr lang="en-US" sz="4400" b="1" cap="small" dirty="0" err="1" smtClean="0">
+                  <a:solidFill>
+                    <a:srgbClr val="FF8C52"/>
+                  </a:solidFill>
+                  <a:latin typeface="Oxygen" panose="02000503000000000000" pitchFamily="2" charset="0"/>
+                </a:rPr>
+                <a:t>Pradipta</a:t>
+              </a:r>
+              <a:r>
+                <a:rPr lang="en-US" sz="4400" b="1" cap="small" dirty="0" smtClean="0">
+                  <a:solidFill>
+                    <a:srgbClr val="FF8C52"/>
+                  </a:solidFill>
+                  <a:latin typeface="Oxygen" panose="02000503000000000000" pitchFamily="2" charset="0"/>
+                </a:rPr>
+                <a:t> Ma’am</a:t>
+              </a:r>
+              <a:endParaRPr lang="en-US" sz="4400" b="1" cap="small" dirty="0">
+                <a:solidFill>
+                  <a:srgbClr val="FF8C52"/>
+                </a:solidFill>
+                <a:latin typeface="Oxygen" panose="02000503000000000000" pitchFamily="2" charset="0"/>
+              </a:endParaRPr>
+            </a:p>
+            <a:p>
+              <a:pPr algn="ctr"/>
+              <a:r>
+                <a:rPr lang="en-US" sz="2400" b="1" dirty="0" err="1" smtClean="0">
+                  <a:solidFill>
+                    <a:srgbClr val="FF8C52"/>
+                  </a:solidFill>
+                  <a:latin typeface="Oxygen" panose="02000503000000000000" pitchFamily="2" charset="0"/>
+                </a:rPr>
+                <a:t>Pradipta</a:t>
+              </a:r>
+              <a:r>
+                <a:rPr lang="en-US" sz="2400" b="1" dirty="0" smtClean="0">
+                  <a:solidFill>
+                    <a:srgbClr val="FF8C52"/>
+                  </a:solidFill>
+                  <a:latin typeface="Oxygen" panose="02000503000000000000" pitchFamily="2" charset="0"/>
+                </a:rPr>
+                <a:t> Bose </a:t>
+              </a:r>
+              <a:endParaRPr lang="en-US" sz="2800" b="1" dirty="0" smtClean="0">
+                <a:solidFill>
+                  <a:srgbClr val="FF8C52"/>
+                </a:solidFill>
+                <a:latin typeface="Oxygen" panose="02000503000000000000" pitchFamily="2" charset="0"/>
+              </a:endParaRPr>
+            </a:p>
+            <a:p>
+              <a:pPr algn="ctr"/>
+              <a:endParaRPr lang="en-US" sz="1200" b="1" dirty="0" smtClean="0">
+                <a:solidFill>
+                  <a:srgbClr val="FF8C52"/>
+                </a:solidFill>
+                <a:latin typeface="Oxygen" panose="02000503000000000000" pitchFamily="2" charset="0"/>
+              </a:endParaRPr>
+            </a:p>
+            <a:p>
+              <a:pPr algn="ctr"/>
+              <a:endParaRPr lang="en-US" sz="1100" b="1" cap="small" dirty="0">
+                <a:solidFill>
+                  <a:srgbClr val="FF8C52"/>
+                </a:solidFill>
+                <a:latin typeface="Oxygen" panose="02000503000000000000" pitchFamily="2" charset="0"/>
+              </a:endParaRPr>
+            </a:p>
+          </p:txBody>
+        </p:sp>
+        <p:sp>
+          <p:nvSpPr>
+            <p:cNvPr id="13" name="TextBox 12"/>
+            <p:cNvSpPr txBox="1"/>
+            <p:nvPr/>
+          </p:nvSpPr>
+          <p:spPr>
+            <a:xfrm>
+              <a:off x="335280" y="7884149"/>
+              <a:ext cx="6522720" cy="353943"/>
+            </a:xfrm>
+            <a:prstGeom prst="rect">
+              <a:avLst/>
+            </a:prstGeom>
+            <a:noFill/>
+          </p:spPr>
+          <p:txBody>
+            <a:bodyPr wrap="square" rtlCol="0">
+              <a:spAutoFit/>
+            </a:bodyPr>
+            <a:lstStyle/>
+            <a:p>
+              <a:endParaRPr lang="en-US" sz="300" b="1" dirty="0" smtClean="0">
+                <a:solidFill>
+                  <a:srgbClr val="FF8C52"/>
+                </a:solidFill>
+                <a:latin typeface="Oxygen" panose="02000503000000000000" pitchFamily="2" charset="0"/>
+              </a:endParaRPr>
+            </a:p>
+            <a:p>
+              <a:r>
+                <a:rPr lang="en-US" sz="1400" b="1" dirty="0" smtClean="0">
+                  <a:solidFill>
+                    <a:srgbClr val="FF8C52"/>
+                  </a:solidFill>
+                  <a:latin typeface="Oxygen" panose="02000503000000000000" pitchFamily="2" charset="0"/>
+                </a:rPr>
+                <a:t> </a:t>
+              </a:r>
+              <a:endParaRPr lang="en-AU" sz="1400" b="1" dirty="0">
+                <a:solidFill>
+                  <a:srgbClr val="FF8C52"/>
+                </a:solidFill>
+                <a:latin typeface="Oxygen" panose="02000503000000000000" pitchFamily="2" charset="0"/>
+              </a:endParaRPr>
+            </a:p>
+          </p:txBody>
+        </p:sp>
+        <p:sp>
+          <p:nvSpPr>
+            <p:cNvPr id="10" name="TextBox 9"/>
+            <p:cNvSpPr txBox="1"/>
+            <p:nvPr/>
+          </p:nvSpPr>
+          <p:spPr>
+            <a:xfrm>
+              <a:off x="525291" y="6723106"/>
+              <a:ext cx="3268494" cy="1077218"/>
+            </a:xfrm>
+            <a:prstGeom prst="rect">
+              <a:avLst/>
+            </a:prstGeom>
+            <a:noFill/>
+          </p:spPr>
+          <p:txBody>
+            <a:bodyPr wrap="square" rtlCol="0">
+              <a:spAutoFit/>
+            </a:bodyPr>
+            <a:lstStyle/>
+            <a:p>
+              <a:pPr marL="285750" indent="-285750">
+                <a:lnSpc>
+                  <a:spcPct val="200000"/>
+                </a:lnSpc>
+                <a:buFont typeface="Wingdings" panose="05000000000000000000" pitchFamily="2" charset="2"/>
+                <a:buChar char="v"/>
+              </a:pPr>
+              <a:r>
+                <a:rPr lang="en-US" sz="1600" b="1" dirty="0" smtClean="0">
+                  <a:solidFill>
+                    <a:srgbClr val="FF8C52"/>
+                  </a:solidFill>
+                  <a:latin typeface="Oxygen" panose="02000503000000000000" pitchFamily="2" charset="0"/>
+                </a:rPr>
+                <a:t>Teach like Motherly  </a:t>
+              </a:r>
+            </a:p>
+            <a:p>
+              <a:pPr marL="285750" indent="-285750">
+                <a:lnSpc>
+                  <a:spcPct val="200000"/>
+                </a:lnSpc>
+                <a:buFont typeface="Wingdings" panose="05000000000000000000" pitchFamily="2" charset="2"/>
+                <a:buChar char="v"/>
+              </a:pPr>
+              <a:r>
+                <a:rPr lang="en-US" sz="1600" b="1" dirty="0" smtClean="0">
+                  <a:solidFill>
+                    <a:srgbClr val="FF8C52"/>
+                  </a:solidFill>
+                  <a:latin typeface="Oxygen" panose="02000503000000000000" pitchFamily="2" charset="0"/>
+                </a:rPr>
+                <a:t>25 </a:t>
+              </a:r>
+              <a:r>
+                <a:rPr lang="en-US" sz="1600" b="1" dirty="0" err="1" smtClean="0">
+                  <a:solidFill>
+                    <a:srgbClr val="FF8C52"/>
+                  </a:solidFill>
+                  <a:latin typeface="Oxygen" panose="02000503000000000000" pitchFamily="2" charset="0"/>
+                </a:rPr>
+                <a:t>Yrs</a:t>
+              </a:r>
+              <a:r>
+                <a:rPr lang="en-US" sz="1600" b="1" dirty="0" smtClean="0">
+                  <a:solidFill>
+                    <a:srgbClr val="FF8C52"/>
+                  </a:solidFill>
+                  <a:latin typeface="Oxygen" panose="02000503000000000000" pitchFamily="2" charset="0"/>
+                </a:rPr>
+                <a:t>, Experienced</a:t>
+              </a:r>
+              <a:endParaRPr lang="en-AU" sz="1600" b="1" dirty="0">
+                <a:solidFill>
+                  <a:srgbClr val="FF8C52"/>
+                </a:solidFill>
+                <a:latin typeface="Oxygen" panose="02000503000000000000" pitchFamily="2" charset="0"/>
+              </a:endParaRPr>
+            </a:p>
+          </p:txBody>
+        </p:sp>
+        <p:sp>
+          <p:nvSpPr>
+            <p:cNvPr id="8" name="Rectangle 7"/>
+            <p:cNvSpPr/>
+            <p:nvPr/>
+          </p:nvSpPr>
+          <p:spPr>
+            <a:xfrm>
+              <a:off x="3638139" y="6723106"/>
+              <a:ext cx="2957209" cy="1000082"/>
+            </a:xfrm>
+            <a:prstGeom prst="rect">
+              <a:avLst/>
+            </a:prstGeom>
+          </p:spPr>
+          <p:txBody>
+            <a:bodyPr wrap="square">
+              <a:spAutoFit/>
+            </a:bodyPr>
+            <a:lstStyle/>
+            <a:p>
+              <a:pPr marL="285750" indent="-285750">
+                <a:lnSpc>
+                  <a:spcPct val="200000"/>
+                </a:lnSpc>
+                <a:buFont typeface="Wingdings" panose="05000000000000000000" pitchFamily="2" charset="2"/>
+                <a:buChar char="v"/>
+              </a:pPr>
+              <a:r>
+                <a:rPr lang="en-US" sz="1600" b="1" smtClean="0">
+                  <a:solidFill>
+                    <a:srgbClr val="FF8C52"/>
+                  </a:solidFill>
+                  <a:latin typeface="Oxygen" panose="02000503000000000000" pitchFamily="2" charset="0"/>
+                </a:rPr>
+                <a:t>Personality Developer </a:t>
+              </a:r>
+              <a:endParaRPr lang="en-US" sz="1600" b="1" dirty="0" smtClean="0">
+                <a:solidFill>
+                  <a:srgbClr val="FF8C52"/>
+                </a:solidFill>
+                <a:latin typeface="Oxygen" panose="02000503000000000000" pitchFamily="2" charset="0"/>
+              </a:endParaRPr>
+            </a:p>
+            <a:p>
+              <a:pPr marL="285750" indent="-285750">
+                <a:lnSpc>
+                  <a:spcPct val="200000"/>
+                </a:lnSpc>
+                <a:buFont typeface="Wingdings" panose="05000000000000000000" pitchFamily="2" charset="2"/>
+                <a:buChar char="v"/>
+              </a:pPr>
+              <a:endParaRPr lang="en-US" sz="1600" b="1" dirty="0" smtClean="0">
+                <a:solidFill>
+                  <a:srgbClr val="FF8C52"/>
+                </a:solidFill>
+                <a:latin typeface="Oxygen" panose="02000503000000000000" pitchFamily="2" charset="0"/>
+              </a:endParaRPr>
+            </a:p>
+          </p:txBody>
+        </p:sp>
+      </p:grpSp>
+      <p:sp>
+        <p:nvSpPr>
+          <p:cNvPr id="11" name="TextBox 10"/>
+          <p:cNvSpPr txBox="1"/>
+          <p:nvPr/>
+        </p:nvSpPr>
+        <p:spPr>
+          <a:xfrm>
+            <a:off x="195854" y="8931487"/>
+            <a:ext cx="6522722" cy="830997"/>
+          </a:xfrm>
+          <a:prstGeom prst="rect">
+            <a:avLst/>
+          </a:prstGeom>
+          <a:noFill/>
+        </p:spPr>
+        <p:txBody>
+          <a:bodyPr wrap="square" rtlCol="0">
+            <a:spAutoFit/>
+          </a:bodyPr>
+          <a:lstStyle/>
+          <a:p>
+            <a:endParaRPr lang="en-US" sz="1700" b="1" dirty="0" smtClean="0">
+              <a:solidFill>
+                <a:srgbClr val="FF8C52"/>
+              </a:solidFill>
+              <a:latin typeface="Oxygen" panose="02000503000000000000" pitchFamily="2" charset="0"/>
+            </a:endParaRPr>
+          </a:p>
+          <a:p>
+            <a:r>
+              <a:rPr lang="en-US" sz="1400" b="1" dirty="0">
+                <a:solidFill>
+                  <a:srgbClr val="FF8C52"/>
+                </a:solidFill>
+                <a:latin typeface="Oxygen" panose="02000503000000000000" pitchFamily="2" charset="0"/>
+              </a:rPr>
+              <a:t>	</a:t>
+            </a:r>
+            <a:r>
+              <a:rPr lang="en-US" sz="1400" b="1" dirty="0" smtClean="0">
+                <a:solidFill>
+                  <a:srgbClr val="FF8C52"/>
+                </a:solidFill>
+                <a:latin typeface="Oxygen" panose="02000503000000000000" pitchFamily="2" charset="0"/>
+              </a:rPr>
+              <a:t>		                 </a:t>
+            </a:r>
+          </a:p>
+          <a:p>
+            <a:endParaRPr lang="en-US" sz="300" b="1" dirty="0" smtClean="0">
+              <a:solidFill>
+                <a:srgbClr val="FF8C52"/>
+              </a:solidFill>
+              <a:latin typeface="Oxygen" panose="02000503000000000000" pitchFamily="2" charset="0"/>
+            </a:endParaRPr>
+          </a:p>
+          <a:p>
+            <a:r>
+              <a:rPr lang="en-US" sz="1400" b="1" dirty="0" smtClean="0">
+                <a:solidFill>
+                  <a:srgbClr val="FF8C52"/>
+                </a:solidFill>
+                <a:latin typeface="Oxygen" panose="02000503000000000000" pitchFamily="2" charset="0"/>
+              </a:rPr>
+              <a:t> </a:t>
+            </a:r>
+            <a:endParaRPr lang="en-AU" sz="1400" b="1" dirty="0">
+              <a:solidFill>
+                <a:srgbClr val="FF8C52"/>
+              </a:solidFill>
+              <a:latin typeface="Oxygen" panose="02000503000000000000" pitchFamily="2" charset="0"/>
+            </a:endParaRPr>
+          </a:p>
+        </p:txBody>
+      </p:sp>
+      <p:sp>
+        <p:nvSpPr>
+          <p:cNvPr id="15" name="Rectangle 14"/>
+          <p:cNvSpPr/>
+          <p:nvPr/>
+        </p:nvSpPr>
+        <p:spPr>
+          <a:xfrm>
+            <a:off x="1270727" y="331724"/>
+            <a:ext cx="4462453" cy="4366917"/>
+          </a:xfrm>
+          <a:prstGeom prst="rect">
+            <a:avLst/>
+          </a:prstGeom>
+          <a:gradFill>
+            <a:gsLst>
+              <a:gs pos="70000">
+                <a:srgbClr val="FFFFFF"/>
+              </a:gs>
+              <a:gs pos="62000">
+                <a:schemeClr val="bg1">
+                  <a:alpha val="0"/>
+                </a:schemeClr>
+              </a:gs>
+            </a:gsLst>
+            <a:path path="circle">
+              <a:fillToRect l="50000" t="50000" r="50000" b="50000"/>
+            </a:path>
+          </a:gradFill>
+          <a:ln>
+            <a:noFill/>
+          </a:ln>
+        </p:spPr>
+        <p:style>
+          <a:lnRef idx="2">
+            <a:schemeClr val="accent1">
+              <a:shade val="50000"/>
+            </a:schemeClr>
+          </a:lnRef>
+          <a:fillRef idx="1">
+            <a:schemeClr val="accent1"/>
+          </a:fillRef>
+          <a:effectRef idx="0">
+            <a:schemeClr val="accent1"/>
+          </a:effectRef>
+          <a:fontRef idx="minor">
+            <a:schemeClr val="lt1"/>
+          </a:fontRef>
+        </p:style>
+        <p:txBody>
+          <a:bodyPr rtlCol="0" anchor="ctr"/>
+          <a:lstStyle/>
+          <a:p>
+            <a:pPr algn="ctr"/>
+            <a:endParaRPr lang="en-AU"/>
+          </a:p>
+        </p:txBody>
+      </p:sp>
+    </p:spTree>
+    <p:extLst>
+      <p:ext uri="{BB962C8B-B14F-4D97-AF65-F5344CB8AC3E}">
+        <p14:creationId xmlns:p14="http://schemas.microsoft.com/office/powerpoint/2010/main" val="2665010770"/>
       </p:ext>
     </p:extLst>
   </p:cSld>
@@ -4843,7 +6318,7 @@
     </p:spTree>
     <p:extLst>
       <p:ext uri="{BB962C8B-B14F-4D97-AF65-F5344CB8AC3E}">
-        <p14:creationId xmlns="" xmlns:p14="http://schemas.microsoft.com/office/powerpoint/2010/main" val="1118374859"/>
+        <p14:creationId xmlns:p14="http://schemas.microsoft.com/office/powerpoint/2010/main" val="1118374859"/>
       </p:ext>
     </p:extLst>
   </p:cSld>
@@ -5247,7 +6722,7 @@
     </p:spTree>
     <p:extLst>
       <p:ext uri="{BB962C8B-B14F-4D97-AF65-F5344CB8AC3E}">
-        <p14:creationId xmlns="" xmlns:p14="http://schemas.microsoft.com/office/powerpoint/2010/main" val="2866300449"/>
+        <p14:creationId xmlns:p14="http://schemas.microsoft.com/office/powerpoint/2010/main" val="2866300449"/>
       </p:ext>
     </p:extLst>
   </p:cSld>
@@ -5616,8 +7091,8 @@
           </a:p>
         </p:txBody>
       </p:sp>
-      <mc:AlternateContent xmlns:mc="http://schemas.openxmlformats.org/markup-compatibility/2006">
-        <mc:Choice xmlns="" xmlns:a14="http://schemas.microsoft.com/office/drawing/2010/main" Requires="a14">
+      <mc:AlternateContent xmlns:mc="http://schemas.openxmlformats.org/markup-compatibility/2006" xmlns:a14="http://schemas.microsoft.com/office/drawing/2010/main">
+        <mc:Choice Requires="a14">
           <p:sp>
             <p:nvSpPr>
               <p:cNvPr id="14" name="TextBox 13"/>
@@ -5711,15 +7186,6 @@
                     <a:latin typeface="Oxygen" panose="02000503000000000000" pitchFamily="2" charset="0"/>
                   </a:rPr>
                   <a:t>th</a:t>
-                </a:r>
-                <a:r>
-                  <a:rPr lang="en-US" sz="1600" b="1" dirty="0" smtClean="0">
-                    <a:solidFill>
-                      <a:schemeClr val="bg1"/>
-                    </a:solidFill>
-                    <a:latin typeface="Oxygen" panose="02000503000000000000" pitchFamily="2" charset="0"/>
-                  </a:rPr>
-                  <a:t/>
                 </a:r>
               </a:p>
               <a:p>
@@ -5839,7 +7305,7 @@
             </p:txBody>
           </p:sp>
         </mc:Choice>
-        <mc:Fallback>
+        <mc:Fallback xmlns="">
           <p:sp>
             <p:nvSpPr>
               <p:cNvPr id="14" name="TextBox 13"/>
@@ -5963,7 +7429,7 @@
     </p:spTree>
     <p:extLst>
       <p:ext uri="{BB962C8B-B14F-4D97-AF65-F5344CB8AC3E}">
-        <p14:creationId xmlns="" xmlns:p14="http://schemas.microsoft.com/office/powerpoint/2010/main" val="2320704513"/>
+        <p14:creationId xmlns:p14="http://schemas.microsoft.com/office/powerpoint/2010/main" val="2320704513"/>
       </p:ext>
     </p:extLst>
   </p:cSld>
@@ -6286,8 +7752,8 @@
           </a:p>
         </p:txBody>
       </p:sp>
-      <mc:AlternateContent xmlns:mc="http://schemas.openxmlformats.org/markup-compatibility/2006">
-        <mc:Choice xmlns="" xmlns:a14="http://schemas.microsoft.com/office/drawing/2010/main" Requires="a14">
+      <mc:AlternateContent xmlns:mc="http://schemas.openxmlformats.org/markup-compatibility/2006" xmlns:a14="http://schemas.microsoft.com/office/drawing/2010/main">
+        <mc:Choice Requires="a14">
           <p:sp>
             <p:nvSpPr>
               <p:cNvPr id="14" name="TextBox 13"/>
@@ -6381,15 +7847,6 @@
                     <a:latin typeface="Oxygen" panose="02000503000000000000" pitchFamily="2" charset="0"/>
                   </a:rPr>
                   <a:t>th</a:t>
-                </a:r>
-                <a:r>
-                  <a:rPr lang="en-US" sz="1600" b="1" dirty="0" smtClean="0">
-                    <a:solidFill>
-                      <a:srgbClr val="FF8C52"/>
-                    </a:solidFill>
-                    <a:latin typeface="Oxygen" panose="02000503000000000000" pitchFamily="2" charset="0"/>
-                  </a:rPr>
-                  <a:t/>
                 </a:r>
               </a:p>
               <a:p>
@@ -6509,7 +7966,7 @@
             </p:txBody>
           </p:sp>
         </mc:Choice>
-        <mc:Fallback>
+        <mc:Fallback xmlns="">
           <p:sp>
             <p:nvSpPr>
               <p:cNvPr id="14" name="TextBox 13"/>
@@ -6633,7 +8090,7 @@
     </p:spTree>
     <p:extLst>
       <p:ext uri="{BB962C8B-B14F-4D97-AF65-F5344CB8AC3E}">
-        <p14:creationId xmlns="" xmlns:p14="http://schemas.microsoft.com/office/powerpoint/2010/main" val="3413235718"/>
+        <p14:creationId xmlns:p14="http://schemas.microsoft.com/office/powerpoint/2010/main" val="3413235718"/>
       </p:ext>
     </p:extLst>
   </p:cSld>
@@ -6766,16 +8223,7 @@
                   </a:solidFill>
                   <a:latin typeface="Oxygen" panose="02000503000000000000" pitchFamily="2" charset="0"/>
                 </a:rPr>
-                <a:t> </a:t>
-              </a:r>
-              <a:r>
-                <a:rPr lang="en-US" sz="4400" b="1" cap="all" dirty="0" smtClean="0">
-                  <a:solidFill>
-                    <a:schemeClr val="bg1"/>
-                  </a:solidFill>
-                  <a:latin typeface="Oxygen" panose="02000503000000000000" pitchFamily="2" charset="0"/>
-                </a:rPr>
-                <a:t>Sir</a:t>
+                <a:t> Sir</a:t>
               </a:r>
             </a:p>
             <a:p>
@@ -6823,52 +8271,7 @@
                   </a:solidFill>
                   <a:latin typeface="Oxygen" panose="02000503000000000000" pitchFamily="2" charset="0"/>
                 </a:rPr>
-                <a:t>accounts</a:t>
-              </a:r>
-              <a:r>
-                <a:rPr lang="en-US" sz="2400" b="1" cap="small" dirty="0" smtClean="0">
-                  <a:solidFill>
-                    <a:schemeClr val="bg1"/>
-                  </a:solidFill>
-                  <a:latin typeface="Oxygen" panose="02000503000000000000" pitchFamily="2" charset="0"/>
-                </a:rPr>
-                <a:t> </a:t>
-              </a:r>
-              <a:r>
-                <a:rPr lang="en-US" sz="2400" b="1" cap="small" dirty="0" smtClean="0">
-                  <a:solidFill>
-                    <a:schemeClr val="bg1"/>
-                  </a:solidFill>
-                  <a:latin typeface="Oxygen" panose="02000503000000000000" pitchFamily="2" charset="0"/>
-                </a:rPr>
-                <a:t>- </a:t>
-              </a:r>
-              <a:r>
-                <a:rPr lang="en-US" sz="2400" b="1" cap="small" dirty="0" smtClean="0">
-                  <a:solidFill>
-                    <a:schemeClr val="bg1"/>
-                  </a:solidFill>
-                  <a:latin typeface="Oxygen" panose="02000503000000000000" pitchFamily="2" charset="0"/>
-                </a:rPr>
-                <a:t>IX </a:t>
-              </a:r>
-              <a:r>
-                <a:rPr lang="en-US" sz="2400" b="1" cap="small" dirty="0" smtClean="0">
-                  <a:solidFill>
-                    <a:schemeClr val="bg1"/>
-                  </a:solidFill>
-                  <a:latin typeface="Oxygen" panose="02000503000000000000" pitchFamily="2" charset="0"/>
-                </a:rPr>
-                <a:t>– </a:t>
-              </a:r>
-              <a:r>
-                <a:rPr lang="en-US" sz="2400" b="1" cap="small" dirty="0" smtClean="0">
-                  <a:solidFill>
-                    <a:schemeClr val="bg1"/>
-                  </a:solidFill>
-                  <a:latin typeface="Oxygen" panose="02000503000000000000" pitchFamily="2" charset="0"/>
-                </a:rPr>
-                <a:t>XII (All Boards)</a:t>
+                <a:t>accounts - IX – XII (All Boards)</a:t>
               </a:r>
               <a:endParaRPr lang="en-US" sz="2400" b="1" cap="small" dirty="0">
                 <a:solidFill>
@@ -7094,12 +8497,6 @@
                 </a:rPr>
                 <a:t> Institution</a:t>
               </a:r>
-              <a:endParaRPr lang="en-US" b="1" dirty="0" smtClean="0">
-                <a:solidFill>
-                  <a:schemeClr val="bg1"/>
-                </a:solidFill>
-                <a:latin typeface="Oxygen" panose="02000503000000000000" pitchFamily="2" charset="0"/>
-              </a:endParaRPr>
             </a:p>
             <a:p>
               <a:pPr marL="285750" indent="-285750">
@@ -7116,25 +8513,7 @@
                   </a:solidFill>
                   <a:latin typeface="Oxygen" panose="02000503000000000000" pitchFamily="2" charset="0"/>
                 </a:rPr>
-                <a:t>5</a:t>
-              </a:r>
-              <a:r>
-                <a:rPr lang="en-US" b="1" dirty="0" smtClean="0">
-                  <a:solidFill>
-                    <a:schemeClr val="bg1"/>
-                  </a:solidFill>
-                  <a:latin typeface="Oxygen" panose="02000503000000000000" pitchFamily="2" charset="0"/>
-                </a:rPr>
-                <a:t> </a:t>
-              </a:r>
-              <a:r>
-                <a:rPr lang="en-US" b="1" dirty="0" smtClean="0">
-                  <a:solidFill>
-                    <a:schemeClr val="bg1"/>
-                  </a:solidFill>
-                  <a:latin typeface="Oxygen" panose="02000503000000000000" pitchFamily="2" charset="0"/>
-                </a:rPr>
-                <a:t>Yrs Exp. &amp; Detail Oriented</a:t>
+                <a:t>5 Yrs Exp. &amp; Detail Oriented</a:t>
               </a:r>
             </a:p>
             <a:p>
@@ -7152,25 +8531,7 @@
                   </a:solidFill>
                   <a:latin typeface="Oxygen" panose="02000503000000000000" pitchFamily="2" charset="0"/>
                 </a:rPr>
-                <a:t>Lots </a:t>
-              </a:r>
-              <a:r>
-                <a:rPr lang="en-US" b="1" dirty="0" smtClean="0">
-                  <a:solidFill>
-                    <a:schemeClr val="bg1"/>
-                  </a:solidFill>
-                  <a:latin typeface="Oxygen" panose="02000503000000000000" pitchFamily="2" charset="0"/>
-                </a:rPr>
-                <a:t> of  Successful </a:t>
-              </a:r>
-              <a:r>
-                <a:rPr lang="en-US" b="1" dirty="0" smtClean="0">
-                  <a:solidFill>
-                    <a:schemeClr val="bg1"/>
-                  </a:solidFill>
-                  <a:latin typeface="Oxygen" panose="02000503000000000000" pitchFamily="2" charset="0"/>
-                </a:rPr>
-                <a:t>Students</a:t>
+                <a:t>Lots  of  Successful Students</a:t>
               </a:r>
               <a:endParaRPr lang="en-AU" b="1" dirty="0">
                 <a:solidFill>
@@ -7243,7 +8604,7 @@
     </p:spTree>
     <p:extLst>
       <p:ext uri="{BB962C8B-B14F-4D97-AF65-F5344CB8AC3E}">
-        <p14:creationId xmlns="" xmlns:p14="http://schemas.microsoft.com/office/powerpoint/2010/main" val="2320704513"/>
+        <p14:creationId xmlns:p14="http://schemas.microsoft.com/office/powerpoint/2010/main" val="2320704513"/>
       </p:ext>
     </p:extLst>
   </p:cSld>
@@ -7277,6 +8638,36 @@
           <a:chExt cx="0" cy="0"/>
         </a:xfrm>
       </p:grpSpPr>
+      <p:pic>
+        <p:nvPicPr>
+          <p:cNvPr id="2" name="Picture 1"/>
+          <p:cNvPicPr>
+            <a:picLocks noChangeAspect="1"/>
+          </p:cNvPicPr>
+          <p:nvPr/>
+        </p:nvPicPr>
+        <p:blipFill>
+          <a:blip r:embed="rId3">
+            <a:extLst>
+              <a:ext uri="{28A0092B-C50C-407E-A947-70E740481C1C}">
+                <a14:useLocalDpi xmlns:a14="http://schemas.microsoft.com/office/drawing/2010/main" val="0"/>
+              </a:ext>
+            </a:extLst>
+          </a:blip>
+          <a:stretch>
+            <a:fillRect/>
+          </a:stretch>
+        </p:blipFill>
+        <p:spPr>
+          <a:xfrm>
+            <a:off x="1476346" y="540910"/>
+            <a:ext cx="3968216" cy="3922249"/>
+          </a:xfrm>
+          <a:prstGeom prst="rect">
+            <a:avLst/>
+          </a:prstGeom>
+        </p:spPr>
+      </p:pic>
       <p:sp>
         <p:nvSpPr>
           <p:cNvPr id="9" name="Rectangle 8"/>
@@ -7285,8 +8676,8 @@
         </p:nvSpPr>
         <p:spPr>
           <a:xfrm>
-            <a:off x="1344204" y="298174"/>
-            <a:ext cx="4016529" cy="4017435"/>
+            <a:off x="1476346" y="540911"/>
+            <a:ext cx="3968217" cy="3922250"/>
           </a:xfrm>
           <a:prstGeom prst="rect">
             <a:avLst/>
@@ -7343,10 +8734,10 @@
         </p:nvGrpSpPr>
         <p:grpSpPr>
           <a:xfrm>
-            <a:off x="295004" y="4483690"/>
-            <a:ext cx="6562996" cy="4716956"/>
-            <a:chOff x="295004" y="4483690"/>
-            <a:chExt cx="6562996" cy="4716956"/>
+            <a:off x="199094" y="4996471"/>
+            <a:ext cx="6522722" cy="4512265"/>
+            <a:chOff x="335280" y="4626826"/>
+            <a:chExt cx="6522720" cy="4512265"/>
           </a:xfrm>
         </p:grpSpPr>
         <p:sp>
@@ -7357,7 +8748,7 @@
           </p:nvSpPr>
           <p:spPr>
             <a:xfrm>
-              <a:off x="766645" y="4483690"/>
+              <a:off x="925286" y="4626826"/>
               <a:ext cx="5342708" cy="1815882"/>
             </a:xfrm>
             <a:prstGeom prst="rect">
@@ -7373,33 +8764,24 @@
             <a:p>
               <a:pPr algn="ctr"/>
               <a:r>
-                <a:rPr lang="en-US" sz="4400" b="1" cap="all" dirty="0" err="1" smtClean="0">
+                <a:rPr lang="en-US" sz="4400" b="1" cap="small" dirty="0">
                   <a:solidFill>
                     <a:srgbClr val="FF8C52"/>
                   </a:solidFill>
                   <a:latin typeface="Oxygen" panose="02000503000000000000" pitchFamily="2" charset="0"/>
                 </a:rPr>
-                <a:t>Abhipsha</a:t>
+                <a:t>Abhipsha  M</a:t>
               </a:r>
               <a:r>
-                <a:rPr lang="en-US" sz="4400" b="1" cap="all" dirty="0" smtClean="0">
+                <a:rPr lang="en-US" sz="4400" b="1" cap="small" dirty="0" smtClean="0">
                   <a:solidFill>
                     <a:srgbClr val="FF8C52"/>
                   </a:solidFill>
                   <a:latin typeface="Oxygen" panose="02000503000000000000" pitchFamily="2" charset="0"/>
                 </a:rPr>
-                <a:t>  </a:t>
+                <a:t>a’am</a:t>
               </a:r>
-              <a:r>
-                <a:rPr lang="en-US" sz="4400" b="1" cap="all" dirty="0" err="1" smtClean="0">
-                  <a:solidFill>
-                    <a:srgbClr val="FF8C52"/>
-                  </a:solidFill>
-                  <a:latin typeface="Oxygen" panose="02000503000000000000" pitchFamily="2" charset="0"/>
-                </a:rPr>
-                <a:t>mam</a:t>
-              </a:r>
-              <a:endParaRPr lang="en-US" sz="4400" b="1" cap="all" dirty="0" smtClean="0">
+              <a:endParaRPr lang="en-US" sz="4400" b="1" cap="small" dirty="0">
                 <a:solidFill>
                   <a:srgbClr val="FF8C52"/>
                 </a:solidFill>
@@ -7408,15 +8790,6 @@
             </a:p>
             <a:p>
               <a:pPr algn="ctr"/>
-              <a:r>
-                <a:rPr lang="en-US" sz="2400" b="1" dirty="0" err="1" smtClean="0">
-                  <a:solidFill>
-                    <a:srgbClr val="FF8C52"/>
-                  </a:solidFill>
-                  <a:latin typeface="Oxygen" panose="02000503000000000000" pitchFamily="2" charset="0"/>
-                </a:rPr>
-                <a:t>Abhipsha</a:t>
-              </a:r>
               <a:r>
                 <a:rPr lang="en-US" sz="2400" b="1" dirty="0" smtClean="0">
                   <a:solidFill>
@@ -7424,16 +8797,7 @@
                   </a:solidFill>
                   <a:latin typeface="Oxygen" panose="02000503000000000000" pitchFamily="2" charset="0"/>
                 </a:rPr>
-                <a:t>  </a:t>
-              </a:r>
-              <a:r>
-                <a:rPr lang="en-US" sz="2400" b="1" dirty="0" err="1" smtClean="0">
-                  <a:solidFill>
-                    <a:srgbClr val="FF8C52"/>
-                  </a:solidFill>
-                  <a:latin typeface="Oxygen" panose="02000503000000000000" pitchFamily="2" charset="0"/>
-                </a:rPr>
-                <a:t>Dutta</a:t>
+                <a:t>Abhipsha  Dutta M.Sc., B.Ed.</a:t>
               </a:r>
               <a:endParaRPr lang="en-US" sz="2800" b="1" dirty="0" smtClean="0">
                 <a:solidFill>
@@ -7460,7 +8824,7 @@
                   </a:solidFill>
                   <a:latin typeface="Oxygen" panose="02000503000000000000" pitchFamily="2" charset="0"/>
                 </a:rPr>
-                <a:t>Chemistry - XI – XII</a:t>
+                <a:t>Chemistry - VIII – XII</a:t>
               </a:r>
               <a:endParaRPr lang="en-US" sz="1100" b="1" cap="small" dirty="0">
                 <a:solidFill>
@@ -7480,7 +8844,7 @@
           <p:spPr>
             <a:xfrm>
               <a:off x="335280" y="8292705"/>
-              <a:ext cx="6522720" cy="907941"/>
+              <a:ext cx="6522720" cy="846386"/>
             </a:xfrm>
             <a:prstGeom prst="rect">
               <a:avLst/>
@@ -7494,40 +8858,24 @@
             <a:lstStyle/>
             <a:p>
               <a:r>
-                <a:rPr lang="en-US" b="1" dirty="0" err="1" smtClean="0">
-                  <a:solidFill>
-                    <a:srgbClr val="FF8C52"/>
-                  </a:solidFill>
-                  <a:latin typeface="Oxygen" panose="02000503000000000000" pitchFamily="2" charset="0"/>
-                </a:rPr>
-                <a:t>Suparna</a:t>
-              </a:r>
-              <a:r>
                 <a:rPr lang="en-US" b="1" dirty="0" smtClean="0">
                   <a:solidFill>
                     <a:srgbClr val="FF8C52"/>
                   </a:solidFill>
                   <a:latin typeface="Oxygen" panose="02000503000000000000" pitchFamily="2" charset="0"/>
                 </a:rPr>
-                <a:t> Roy Gupta  </a:t>
+                <a:t>Explains so well and clears all doubts. I am really happy!</a:t>
               </a:r>
+            </a:p>
+            <a:p>
               <a:r>
-                <a:rPr lang="en-US" b="1" dirty="0" smtClean="0">
+                <a:rPr lang="en-US" sz="1400" b="1" dirty="0">
                   <a:solidFill>
                     <a:srgbClr val="FF8C52"/>
                   </a:solidFill>
                   <a:latin typeface="Oxygen" panose="02000503000000000000" pitchFamily="2" charset="0"/>
                 </a:rPr>
-                <a:t>scored  </a:t>
-              </a:r>
-              <a:r>
-                <a:rPr lang="en-US" b="1" dirty="0" smtClean="0">
-                  <a:solidFill>
-                    <a:srgbClr val="FF8C52"/>
-                  </a:solidFill>
-                  <a:latin typeface="Oxygen" panose="02000503000000000000" pitchFamily="2" charset="0"/>
-                </a:rPr>
-                <a:t>97% in  ICSE  absolutely  for Her.                                                                 </a:t>
+                <a:t>	</a:t>
               </a:r>
               <a:r>
                 <a:rPr lang="en-US" sz="1400" b="1" dirty="0" smtClean="0">
@@ -7536,25 +8884,7 @@
                   </a:solidFill>
                   <a:latin typeface="Oxygen" panose="02000503000000000000" pitchFamily="2" charset="0"/>
                 </a:rPr>
-                <a:t>– </a:t>
-              </a:r>
-              <a:r>
-                <a:rPr lang="en-US" sz="1400" b="1" dirty="0" err="1" smtClean="0">
-                  <a:solidFill>
-                    <a:srgbClr val="FF8C52"/>
-                  </a:solidFill>
-                  <a:latin typeface="Oxygen" panose="02000503000000000000" pitchFamily="2" charset="0"/>
-                </a:rPr>
-                <a:t>Suparna’s</a:t>
-              </a:r>
-              <a:r>
-                <a:rPr lang="en-US" sz="1400" b="1" dirty="0" smtClean="0">
-                  <a:solidFill>
-                    <a:srgbClr val="FF8C52"/>
-                  </a:solidFill>
-                  <a:latin typeface="Oxygen" panose="02000503000000000000" pitchFamily="2" charset="0"/>
-                </a:rPr>
-                <a:t> mother</a:t>
+                <a:t>		                  – Suparno’s mother (ICSE 97%)</a:t>
               </a:r>
             </a:p>
             <a:p>
@@ -7592,8 +8922,8 @@
           </p:nvSpPr>
           <p:spPr>
             <a:xfrm>
-              <a:off x="295004" y="6408797"/>
-              <a:ext cx="3555272" cy="2062103"/>
+              <a:off x="1031130" y="6723106"/>
+              <a:ext cx="2665378" cy="1077218"/>
             </a:xfrm>
             <a:prstGeom prst="rect">
               <a:avLst/>
@@ -7614,49 +8944,13 @@
                 <a:buChar char="v"/>
               </a:pPr>
               <a:r>
-                <a:rPr lang="en-US" sz="1600" b="1" dirty="0" err="1" smtClean="0">
-                  <a:solidFill>
-                    <a:srgbClr val="FF8C52"/>
-                  </a:solidFill>
-                  <a:latin typeface="Oxygen" panose="02000503000000000000" pitchFamily="2" charset="0"/>
-                </a:rPr>
-                <a:t>B.Ed</a:t>
-              </a:r>
-              <a:r>
                 <a:rPr lang="en-US" sz="1600" b="1" dirty="0" smtClean="0">
                   <a:solidFill>
                     <a:srgbClr val="FF8C52"/>
                   </a:solidFill>
                   <a:latin typeface="Oxygen" panose="02000503000000000000" pitchFamily="2" charset="0"/>
                 </a:rPr>
-                <a:t> – WBUTTEPA</a:t>
-              </a:r>
-            </a:p>
-            <a:p>
-              <a:pPr marL="285750" indent="-285750">
-                <a:lnSpc>
-                  <a:spcPct val="200000"/>
-                </a:lnSpc>
-                <a:buFont typeface="Wingdings" panose="05000000000000000000" pitchFamily="2" charset="2"/>
-                <a:buChar char="v"/>
-              </a:pPr>
-              <a:r>
-                <a:rPr lang="en-US" sz="1600" b="1" dirty="0" err="1" smtClean="0">
-                  <a:solidFill>
-                    <a:srgbClr val="FF8C52"/>
-                  </a:solidFill>
-                  <a:latin typeface="Oxygen" panose="02000503000000000000" pitchFamily="2" charset="0"/>
-                </a:rPr>
-                <a:t>Edu</a:t>
-              </a:r>
-              <a:r>
-                <a:rPr lang="en-US" sz="1600" b="1" dirty="0" smtClean="0">
-                  <a:solidFill>
-                    <a:srgbClr val="FF8C52"/>
-                  </a:solidFill>
-                  <a:latin typeface="Oxygen" panose="02000503000000000000" pitchFamily="2" charset="0"/>
-                </a:rPr>
-                <a:t> Grow Learning App</a:t>
+                <a:t>Excellent Mentor</a:t>
               </a:r>
             </a:p>
             <a:p>
@@ -7674,15 +8968,8 @@
                   </a:solidFill>
                   <a:latin typeface="Oxygen" panose="02000503000000000000" pitchFamily="2" charset="0"/>
                 </a:rPr>
-                <a:t>4 Yrs Exp. &amp; Detail Oriented</a:t>
+                <a:t>Great Academics</a:t>
               </a:r>
-            </a:p>
-            <a:p>
-              <a:pPr marL="285750" indent="-285750">
-                <a:lnSpc>
-                  <a:spcPct val="200000"/>
-                </a:lnSpc>
-              </a:pPr>
               <a:endParaRPr lang="en-AU" sz="1600" b="1" dirty="0">
                 <a:solidFill>
                   <a:srgbClr val="FF8C52"/>
@@ -7700,15 +8987,15 @@
           </p:nvSpPr>
           <p:spPr>
             <a:xfrm>
-              <a:off x="3429000" y="6442647"/>
-              <a:ext cx="3429000" cy="1569660"/>
+              <a:off x="3638139" y="6723106"/>
+              <a:ext cx="2957209" cy="1077218"/>
             </a:xfrm>
             <a:prstGeom prst="rect">
               <a:avLst/>
             </a:prstGeom>
           </p:spPr>
           <p:txBody>
-            <a:bodyPr>
+            <a:bodyPr wrap="square">
               <a:spAutoFit/>
             </a:bodyPr>
             <a:lstStyle/>
@@ -7727,67 +9014,7 @@
                   </a:solidFill>
                   <a:latin typeface="Oxygen" panose="02000503000000000000" pitchFamily="2" charset="0"/>
                 </a:rPr>
-                <a:t>M. Sc. </a:t>
-              </a:r>
-              <a:r>
-                <a:rPr lang="en-US" sz="1600" b="1" dirty="0" err="1" smtClean="0">
-                  <a:solidFill>
-                    <a:srgbClr val="FF8C52"/>
-                  </a:solidFill>
-                  <a:latin typeface="Oxygen" panose="02000503000000000000" pitchFamily="2" charset="0"/>
-                </a:rPr>
-                <a:t>Jadavpur</a:t>
-              </a:r>
-              <a:r>
-                <a:rPr lang="en-US" sz="1600" b="1" dirty="0" smtClean="0">
-                  <a:solidFill>
-                    <a:srgbClr val="FF8C52"/>
-                  </a:solidFill>
-                  <a:latin typeface="Oxygen" panose="02000503000000000000" pitchFamily="2" charset="0"/>
-                </a:rPr>
-                <a:t> </a:t>
-              </a:r>
-              <a:r>
-                <a:rPr lang="en-US" sz="1600" b="1" dirty="0" smtClean="0">
-                  <a:solidFill>
-                    <a:srgbClr val="FF8C52"/>
-                  </a:solidFill>
-                  <a:latin typeface="Oxygen" panose="02000503000000000000" pitchFamily="2" charset="0"/>
-                </a:rPr>
-                <a:t>University</a:t>
-              </a:r>
-              <a:endParaRPr lang="en-US" sz="1600" b="1" dirty="0" smtClean="0">
-                <a:solidFill>
-                  <a:srgbClr val="FF8C52"/>
-                </a:solidFill>
-                <a:latin typeface="Oxygen" panose="02000503000000000000" pitchFamily="2" charset="0"/>
-              </a:endParaRPr>
-            </a:p>
-            <a:p>
-              <a:pPr marL="285750" indent="-285750">
-                <a:lnSpc>
-                  <a:spcPct val="200000"/>
-                </a:lnSpc>
-                <a:buFont typeface="Wingdings" panose="05000000000000000000" pitchFamily="2" charset="2"/>
-                <a:buChar char="v"/>
-              </a:pPr>
-              <a:r>
-                <a:rPr lang="en-US" sz="1600" b="1" dirty="0" err="1" smtClean="0">
-                  <a:solidFill>
-                    <a:srgbClr val="FF8C52"/>
-                  </a:solidFill>
-                  <a:latin typeface="Oxygen" panose="02000503000000000000" pitchFamily="2" charset="0"/>
-                </a:rPr>
-                <a:t>Tutopia</a:t>
-              </a:r>
-              <a:r>
-                <a:rPr lang="en-US" sz="1600" b="1" dirty="0" smtClean="0">
-                  <a:solidFill>
-                    <a:srgbClr val="FF8C52"/>
-                  </a:solidFill>
-                  <a:latin typeface="Oxygen" panose="02000503000000000000" pitchFamily="2" charset="0"/>
-                </a:rPr>
-                <a:t> Learning App 2021-22</a:t>
+                <a:t>Caring &amp; Meticulous</a:t>
               </a:r>
             </a:p>
             <a:p>
@@ -7805,14 +9032,8 @@
                   </a:solidFill>
                   <a:latin typeface="Oxygen" panose="02000503000000000000" pitchFamily="2" charset="0"/>
                 </a:rPr>
-                <a:t>Lots of Successful Students</a:t>
+                <a:t>Brilliant Experience</a:t>
               </a:r>
-              <a:endParaRPr lang="en-AU" sz="1600" b="1" dirty="0">
-                <a:solidFill>
-                  <a:srgbClr val="FF8C52"/>
-                </a:solidFill>
-                <a:latin typeface="Oxygen" panose="02000503000000000000" pitchFamily="2" charset="0"/>
-              </a:endParaRPr>
             </a:p>
           </p:txBody>
         </p:sp>
@@ -7820,7 +9041,7 @@
     </p:spTree>
     <p:extLst>
       <p:ext uri="{BB962C8B-B14F-4D97-AF65-F5344CB8AC3E}">
-        <p14:creationId xmlns="" xmlns:p14="http://schemas.microsoft.com/office/powerpoint/2010/main" val="3413235718"/>
+        <p14:creationId xmlns:p14="http://schemas.microsoft.com/office/powerpoint/2010/main" val="3413235718"/>
       </p:ext>
     </p:extLst>
   </p:cSld>
@@ -7862,7 +9083,7 @@
         </p:nvSpPr>
         <p:spPr>
           <a:xfrm>
-            <a:off x="0" y="0"/>
+            <a:off x="0" y="19455"/>
             <a:ext cx="6858000" cy="9906000"/>
           </a:xfrm>
           <a:prstGeom prst="rect">
@@ -7896,10 +9117,6 @@
           <a:lstStyle/>
           <a:p>
             <a:pPr algn="ctr"/>
-            <a:r>
-              <a:rPr lang="en-AU" dirty="0" smtClean="0"/>
-              <a:t>K U </a:t>
-            </a:r>
             <a:endParaRPr lang="en-AU" dirty="0"/>
           </a:p>
         </p:txBody>
@@ -7912,10 +9129,10 @@
         </p:nvGrpSpPr>
         <p:grpSpPr>
           <a:xfrm>
-            <a:off x="270164" y="4483690"/>
-            <a:ext cx="5839189" cy="3762560"/>
-            <a:chOff x="270164" y="4483690"/>
-            <a:chExt cx="5839189" cy="3762560"/>
+            <a:off x="388664" y="5044673"/>
+            <a:ext cx="5767845" cy="3200554"/>
+            <a:chOff x="388664" y="5044673"/>
+            <a:chExt cx="5767845" cy="3200554"/>
           </a:xfrm>
         </p:grpSpPr>
         <p:sp>
@@ -7926,8 +9143,8 @@
           </p:nvSpPr>
           <p:spPr>
             <a:xfrm>
-              <a:off x="766645" y="4483690"/>
-              <a:ext cx="5342708" cy="2062103"/>
+              <a:off x="813801" y="5044673"/>
+              <a:ext cx="5342708" cy="1138773"/>
             </a:xfrm>
             <a:prstGeom prst="rect">
               <a:avLst/>
@@ -7942,7 +9159,7 @@
             <a:p>
               <a:pPr algn="ctr"/>
               <a:r>
-                <a:rPr lang="en-US" sz="4400" b="1" cap="all" dirty="0" err="1" smtClean="0">
+                <a:rPr lang="en-US" sz="4400" b="1" cap="small" dirty="0" err="1" smtClean="0">
                   <a:solidFill>
                     <a:schemeClr val="bg1"/>
                   </a:solidFill>
@@ -7951,37 +9168,16 @@
                 <a:t>Anupam</a:t>
               </a:r>
               <a:r>
-                <a:rPr lang="en-US" sz="4400" b="1" cap="all" dirty="0" smtClean="0">
+                <a:rPr lang="en-US" sz="4400" b="1" cap="small" dirty="0" smtClean="0">
                   <a:solidFill>
                     <a:schemeClr val="bg1"/>
                   </a:solidFill>
                   <a:latin typeface="Oxygen" panose="02000503000000000000" pitchFamily="2" charset="0"/>
                 </a:rPr>
-                <a:t> Sir</a:t>
-              </a:r>
-            </a:p>
-            <a:p>
-              <a:pPr algn="ctr"/>
-              <a:r>
-                <a:rPr lang="en-US" sz="2400" b="1" dirty="0" err="1" smtClean="0">
-                  <a:solidFill>
-                    <a:schemeClr val="bg1"/>
-                  </a:solidFill>
-                  <a:latin typeface="Oxygen" panose="02000503000000000000" pitchFamily="2" charset="0"/>
-                </a:rPr>
-                <a:t>Anupam</a:t>
+                <a:t> </a:t>
               </a:r>
               <a:r>
-                <a:rPr lang="en-US" sz="2400" b="1" dirty="0" smtClean="0">
-                  <a:solidFill>
-                    <a:schemeClr val="bg1"/>
-                  </a:solidFill>
-                  <a:latin typeface="Oxygen" panose="02000503000000000000" pitchFamily="2" charset="0"/>
-                </a:rPr>
-                <a:t>  </a:t>
-              </a:r>
-              <a:r>
-                <a:rPr lang="en-US" sz="2400" b="1" dirty="0" err="1" smtClean="0">
+                <a:rPr lang="en-US" sz="4400" b="1" cap="small" dirty="0" err="1" smtClean="0">
                   <a:solidFill>
                     <a:schemeClr val="bg1"/>
                   </a:solidFill>
@@ -7989,16 +9185,7 @@
                 </a:rPr>
                 <a:t>Sen</a:t>
               </a:r>
-              <a:endParaRPr lang="en-US" sz="2800" b="1" dirty="0" smtClean="0">
-                <a:solidFill>
-                  <a:schemeClr val="bg1"/>
-                </a:solidFill>
-                <a:latin typeface="Oxygen" panose="02000503000000000000" pitchFamily="2" charset="0"/>
-              </a:endParaRPr>
-            </a:p>
-            <a:p>
-              <a:pPr algn="ctr"/>
-              <a:endParaRPr lang="en-US" sz="1200" b="1" dirty="0" smtClean="0">
+              <a:endParaRPr lang="en-US" sz="4400" b="1" cap="small" dirty="0" smtClean="0">
                 <a:solidFill>
                   <a:schemeClr val="bg1"/>
                 </a:solidFill>
@@ -8014,43 +9201,7 @@
                   </a:solidFill>
                   <a:latin typeface="Oxygen" panose="02000503000000000000" pitchFamily="2" charset="0"/>
                 </a:rPr>
-                <a:t>Commerce stream </a:t>
-              </a:r>
-              <a:r>
-                <a:rPr lang="en-US" sz="2400" b="1" cap="small" dirty="0" smtClean="0">
-                  <a:solidFill>
-                    <a:schemeClr val="bg1"/>
-                  </a:solidFill>
-                  <a:latin typeface="Oxygen" panose="02000503000000000000" pitchFamily="2" charset="0"/>
-                </a:rPr>
-                <a:t>- </a:t>
-              </a:r>
-              <a:r>
-                <a:rPr lang="en-US" sz="2400" b="1" cap="small" dirty="0" smtClean="0">
-                  <a:solidFill>
-                    <a:schemeClr val="bg1"/>
-                  </a:solidFill>
-                  <a:latin typeface="Oxygen" panose="02000503000000000000" pitchFamily="2" charset="0"/>
-                </a:rPr>
-                <a:t>IX </a:t>
-              </a:r>
-              <a:r>
-                <a:rPr lang="en-US" sz="2400" b="1" cap="small" dirty="0" smtClean="0">
-                  <a:solidFill>
-                    <a:schemeClr val="bg1"/>
-                  </a:solidFill>
-                  <a:latin typeface="Oxygen" panose="02000503000000000000" pitchFamily="2" charset="0"/>
-                </a:rPr>
-                <a:t>– </a:t>
-              </a:r>
-              <a:r>
-                <a:rPr lang="en-US" sz="2400" b="1" cap="small" dirty="0" smtClean="0">
-                  <a:solidFill>
-                    <a:schemeClr val="bg1"/>
-                  </a:solidFill>
-                  <a:latin typeface="Oxygen" panose="02000503000000000000" pitchFamily="2" charset="0"/>
-                </a:rPr>
-                <a:t>XII (All Boards)</a:t>
+                <a:t>H.O.D, Commerce</a:t>
               </a:r>
               <a:endParaRPr lang="en-US" sz="2400" b="1" cap="small" dirty="0">
                 <a:solidFill>
@@ -8069,8 +9220,8 @@
           </p:nvSpPr>
           <p:spPr>
             <a:xfrm>
-              <a:off x="270164" y="6491924"/>
-              <a:ext cx="4197927" cy="1754326"/>
+              <a:off x="388664" y="6490901"/>
+              <a:ext cx="3096491" cy="1754326"/>
             </a:xfrm>
             <a:prstGeom prst="rect">
               <a:avLst/>
@@ -8097,14 +9248,8 @@
                   </a:solidFill>
                   <a:latin typeface="Oxygen" panose="02000503000000000000" pitchFamily="2" charset="0"/>
                 </a:rPr>
-                <a:t>FCA  ,  ICAI</a:t>
+                <a:t>Loves  to Teach</a:t>
               </a:r>
-              <a:endParaRPr lang="en-US" b="1" dirty="0" smtClean="0">
-                <a:solidFill>
-                  <a:schemeClr val="bg1"/>
-                </a:solidFill>
-                <a:latin typeface="Oxygen" panose="02000503000000000000" pitchFamily="2" charset="0"/>
-              </a:endParaRPr>
             </a:p>
             <a:p>
               <a:pPr marL="285750" indent="-285750">
@@ -8121,23 +9266,8 @@
                   </a:solidFill>
                   <a:latin typeface="Oxygen" panose="02000503000000000000" pitchFamily="2" charset="0"/>
                 </a:rPr>
-                <a:t>35</a:t>
+                <a:t>35 Yrs Corporate  Exp.</a:t>
               </a:r>
-              <a:r>
-                <a:rPr lang="en-US" b="1" dirty="0" smtClean="0">
-                  <a:solidFill>
-                    <a:schemeClr val="bg1"/>
-                  </a:solidFill>
-                  <a:latin typeface="Oxygen" panose="02000503000000000000" pitchFamily="2" charset="0"/>
-                </a:rPr>
-                <a:t> Yrs Corporate  Exp.</a:t>
-              </a:r>
-              <a:endParaRPr lang="en-US" b="1" dirty="0" smtClean="0">
-                <a:solidFill>
-                  <a:schemeClr val="bg1"/>
-                </a:solidFill>
-                <a:latin typeface="Oxygen" panose="02000503000000000000" pitchFamily="2" charset="0"/>
-              </a:endParaRPr>
             </a:p>
             <a:p>
               <a:pPr marL="285750" indent="-285750">
@@ -8163,7 +9293,7 @@
         </p:nvSpPr>
         <p:spPr>
           <a:xfrm>
-            <a:off x="1276540" y="333770"/>
+            <a:off x="1632370" y="474406"/>
             <a:ext cx="4016529" cy="4017435"/>
           </a:xfrm>
           <a:prstGeom prst="rect">
@@ -8221,8 +9351,8 @@
         </p:nvSpPr>
         <p:spPr>
           <a:xfrm>
-            <a:off x="3366655" y="6629400"/>
-            <a:ext cx="3179618" cy="1477328"/>
+            <a:off x="3366654" y="6629400"/>
+            <a:ext cx="3491345" cy="1477328"/>
           </a:xfrm>
           <a:prstGeom prst="rect">
             <a:avLst/>
@@ -8246,7 +9376,25 @@
                 </a:solidFill>
                 <a:latin typeface="Oxygen" pitchFamily="2" charset="0"/>
               </a:rPr>
-              <a:t> Build up  from grass route</a:t>
+              <a:t>  </a:t>
+            </a:r>
+            <a:r>
+              <a:rPr lang="en-US" dirty="0">
+                <a:solidFill>
+                  <a:schemeClr val="bg1"/>
+                </a:solidFill>
+                <a:latin typeface="Oxygen" pitchFamily="2" charset="0"/>
+              </a:rPr>
+              <a:t>G</a:t>
+            </a:r>
+            <a:r>
+              <a:rPr lang="en-US" dirty="0" smtClean="0">
+                <a:solidFill>
+                  <a:schemeClr val="bg1"/>
+                </a:solidFill>
+                <a:latin typeface="Oxygen" pitchFamily="2" charset="0"/>
+              </a:rPr>
+              <a:t>rass Root to Board Room</a:t>
             </a:r>
           </a:p>
           <a:p>
@@ -8273,7 +9421,7 @@
                 </a:solidFill>
                 <a:latin typeface="Oxygen" pitchFamily="2" charset="0"/>
               </a:rPr>
-              <a:t>  Friendly  Caring</a:t>
+              <a:t>  Friendly Caring, Mentor</a:t>
             </a:r>
           </a:p>
           <a:p>
@@ -8296,8 +9444,8 @@
         </p:nvSpPr>
         <p:spPr>
           <a:xfrm>
-            <a:off x="311727" y="7751619"/>
-            <a:ext cx="4870244" cy="369332"/>
+            <a:off x="663588" y="7751619"/>
+            <a:ext cx="4166526" cy="369332"/>
           </a:xfrm>
           <a:prstGeom prst="rect">
             <a:avLst/>
@@ -8321,7 +9469,7 @@
                 </a:solidFill>
                 <a:latin typeface="Oxygen" pitchFamily="2" charset="0"/>
               </a:rPr>
-              <a:t> Uncountable  successful  students</a:t>
+              <a:t> Lucid Storytelling Teaching</a:t>
             </a:r>
             <a:endParaRPr lang="en-US" dirty="0">
               <a:solidFill>
@@ -8335,7 +9483,541 @@
     </p:spTree>
     <p:extLst>
       <p:ext uri="{BB962C8B-B14F-4D97-AF65-F5344CB8AC3E}">
-        <p14:creationId xmlns="" xmlns:p14="http://schemas.microsoft.com/office/powerpoint/2010/main" val="2320704513"/>
+        <p14:creationId xmlns:p14="http://schemas.microsoft.com/office/powerpoint/2010/main" val="2320704513"/>
+      </p:ext>
+    </p:extLst>
+  </p:cSld>
+  <p:clrMapOvr>
+    <a:masterClrMapping/>
+  </p:clrMapOvr>
+  <p:timing>
+    <p:tnLst>
+      <p:par>
+        <p:cTn id="1" dur="indefinite" restart="never" nodeType="tmRoot"/>
+      </p:par>
+    </p:tnLst>
+  </p:timing>
+</p:sld>
+</file>
+
+<file path=ppt/slides/slide9.xml><?xml version="1.0" encoding="utf-8"?>
+<p:sld xmlns:a="http://schemas.openxmlformats.org/drawingml/2006/main" xmlns:r="http://schemas.openxmlformats.org/officeDocument/2006/relationships" xmlns:p="http://schemas.openxmlformats.org/presentationml/2006/main">
+  <p:cSld>
+    <p:spTree>
+      <p:nvGrpSpPr>
+        <p:cNvPr id="1" name=""/>
+        <p:cNvGrpSpPr/>
+        <p:nvPr/>
+      </p:nvGrpSpPr>
+      <p:grpSpPr>
+        <a:xfrm>
+          <a:off x="0" y="0"/>
+          <a:ext cx="0" cy="0"/>
+          <a:chOff x="0" y="0"/>
+          <a:chExt cx="0" cy="0"/>
+        </a:xfrm>
+      </p:grpSpPr>
+      <p:pic>
+        <p:nvPicPr>
+          <p:cNvPr id="4" name="Picture 3"/>
+          <p:cNvPicPr>
+            <a:picLocks noChangeAspect="1"/>
+          </p:cNvPicPr>
+          <p:nvPr/>
+        </p:nvPicPr>
+        <p:blipFill>
+          <a:blip r:embed="rId3"/>
+          <a:stretch>
+            <a:fillRect/>
+          </a:stretch>
+        </p:blipFill>
+        <p:spPr>
+          <a:xfrm>
+            <a:off x="1560780" y="301442"/>
+            <a:ext cx="3821398" cy="3955570"/>
+          </a:xfrm>
+          <a:prstGeom prst="rect">
+            <a:avLst/>
+          </a:prstGeom>
+        </p:spPr>
+      </p:pic>
+      <p:sp>
+        <p:nvSpPr>
+          <p:cNvPr id="9" name="Rectangle 8"/>
+          <p:cNvSpPr/>
+          <p:nvPr/>
+        </p:nvSpPr>
+        <p:spPr>
+          <a:xfrm>
+            <a:off x="1560780" y="301442"/>
+            <a:ext cx="3821398" cy="3955570"/>
+          </a:xfrm>
+          <a:prstGeom prst="rect">
+            <a:avLst/>
+          </a:prstGeom>
+          <a:gradFill>
+            <a:gsLst>
+              <a:gs pos="70000">
+                <a:srgbClr val="FFFFFF"/>
+              </a:gs>
+              <a:gs pos="62000">
+                <a:schemeClr val="bg1">
+                  <a:alpha val="0"/>
+                </a:schemeClr>
+              </a:gs>
+            </a:gsLst>
+            <a:path path="circle">
+              <a:fillToRect l="50000" t="50000" r="50000" b="50000"/>
+            </a:path>
+          </a:gradFill>
+          <a:ln>
+            <a:noFill/>
+          </a:ln>
+        </p:spPr>
+        <p:style>
+          <a:lnRef idx="2">
+            <a:schemeClr val="accent1">
+              <a:shade val="50000"/>
+            </a:schemeClr>
+          </a:lnRef>
+          <a:fillRef idx="1">
+            <a:schemeClr val="accent1"/>
+          </a:fillRef>
+          <a:effectRef idx="0">
+            <a:schemeClr val="accent1"/>
+          </a:effectRef>
+          <a:fontRef idx="minor">
+            <a:schemeClr val="lt1"/>
+          </a:fontRef>
+        </p:style>
+        <p:txBody>
+          <a:bodyPr rtlCol="0" anchor="ctr"/>
+          <a:lstStyle/>
+          <a:p>
+            <a:pPr algn="ctr"/>
+            <a:endParaRPr lang="en-AU" dirty="0"/>
+          </a:p>
+        </p:txBody>
+      </p:sp>
+      <p:grpSp>
+        <p:nvGrpSpPr>
+          <p:cNvPr id="7" name="Group 6"/>
+          <p:cNvGrpSpPr/>
+          <p:nvPr/>
+        </p:nvGrpSpPr>
+        <p:grpSpPr>
+          <a:xfrm>
+            <a:off x="199094" y="4996471"/>
+            <a:ext cx="6522722" cy="4088320"/>
+            <a:chOff x="335280" y="4626826"/>
+            <a:chExt cx="6522720" cy="4088320"/>
+          </a:xfrm>
+        </p:grpSpPr>
+        <p:sp>
+          <p:nvSpPr>
+            <p:cNvPr id="12" name="TextBox 11"/>
+            <p:cNvSpPr txBox="1"/>
+            <p:nvPr/>
+          </p:nvSpPr>
+          <p:spPr>
+            <a:xfrm>
+              <a:off x="925286" y="4626826"/>
+              <a:ext cx="5342708" cy="1815882"/>
+            </a:xfrm>
+            <a:prstGeom prst="rect">
+              <a:avLst/>
+            </a:prstGeom>
+            <a:noFill/>
+          </p:spPr>
+          <p:txBody>
+            <a:bodyPr wrap="square" rtlCol="0">
+              <a:spAutoFit/>
+            </a:bodyPr>
+            <a:lstStyle/>
+            <a:p>
+              <a:pPr algn="ctr"/>
+              <a:r>
+                <a:rPr lang="en-US" sz="4400" b="1" cap="small" dirty="0" err="1" smtClean="0">
+                  <a:solidFill>
+                    <a:srgbClr val="FF8C52"/>
+                  </a:solidFill>
+                  <a:latin typeface="Oxygen" panose="02000503000000000000" pitchFamily="2" charset="0"/>
+                </a:rPr>
+                <a:t>Debashish</a:t>
+              </a:r>
+              <a:r>
+                <a:rPr lang="en-US" sz="4400" b="1" cap="small" dirty="0" smtClean="0">
+                  <a:solidFill>
+                    <a:srgbClr val="FF8C52"/>
+                  </a:solidFill>
+                  <a:latin typeface="Oxygen" panose="02000503000000000000" pitchFamily="2" charset="0"/>
+                </a:rPr>
+                <a:t> Sir</a:t>
+              </a:r>
+              <a:endParaRPr lang="en-US" sz="4400" b="1" cap="small" dirty="0">
+                <a:solidFill>
+                  <a:srgbClr val="FF8C52"/>
+                </a:solidFill>
+                <a:latin typeface="Oxygen" panose="02000503000000000000" pitchFamily="2" charset="0"/>
+              </a:endParaRPr>
+            </a:p>
+            <a:p>
+              <a:pPr algn="ctr"/>
+              <a:r>
+                <a:rPr lang="en-US" sz="2400" b="1" dirty="0" err="1" smtClean="0">
+                  <a:solidFill>
+                    <a:srgbClr val="FF8C52"/>
+                  </a:solidFill>
+                  <a:latin typeface="Oxygen" panose="02000503000000000000" pitchFamily="2" charset="0"/>
+                </a:rPr>
+                <a:t>Debashish</a:t>
+              </a:r>
+              <a:r>
+                <a:rPr lang="en-US" sz="2400" b="1" dirty="0" smtClean="0">
+                  <a:solidFill>
+                    <a:srgbClr val="FF8C52"/>
+                  </a:solidFill>
+                  <a:latin typeface="Oxygen" panose="02000503000000000000" pitchFamily="2" charset="0"/>
+                </a:rPr>
+                <a:t>  </a:t>
+              </a:r>
+              <a:r>
+                <a:rPr lang="en-US" sz="2400" b="1" dirty="0" err="1" smtClean="0">
+                  <a:solidFill>
+                    <a:srgbClr val="FF8C52"/>
+                  </a:solidFill>
+                  <a:latin typeface="Oxygen" panose="02000503000000000000" pitchFamily="2" charset="0"/>
+                </a:rPr>
+                <a:t>Nath</a:t>
+              </a:r>
+              <a:r>
+                <a:rPr lang="en-US" sz="2400" b="1" dirty="0" smtClean="0">
+                  <a:solidFill>
+                    <a:srgbClr val="FF8C52"/>
+                  </a:solidFill>
+                  <a:latin typeface="Oxygen" panose="02000503000000000000" pitchFamily="2" charset="0"/>
+                </a:rPr>
+                <a:t> </a:t>
+              </a:r>
+              <a:endParaRPr lang="en-US" sz="2800" b="1" dirty="0" smtClean="0">
+                <a:solidFill>
+                  <a:srgbClr val="FF8C52"/>
+                </a:solidFill>
+                <a:latin typeface="Oxygen" panose="02000503000000000000" pitchFamily="2" charset="0"/>
+              </a:endParaRPr>
+            </a:p>
+            <a:p>
+              <a:pPr algn="ctr"/>
+              <a:endParaRPr lang="en-US" sz="1200" b="1" dirty="0" smtClean="0">
+                <a:solidFill>
+                  <a:srgbClr val="FF8C52"/>
+                </a:solidFill>
+                <a:latin typeface="Oxygen" panose="02000503000000000000" pitchFamily="2" charset="0"/>
+              </a:endParaRPr>
+            </a:p>
+            <a:p>
+              <a:pPr algn="ctr"/>
+              <a:r>
+                <a:rPr lang="en-US" sz="2800" b="1" cap="small" dirty="0" smtClean="0">
+                  <a:solidFill>
+                    <a:srgbClr val="FF8C52"/>
+                  </a:solidFill>
+                  <a:latin typeface="Oxygen" panose="02000503000000000000" pitchFamily="2" charset="0"/>
+                </a:rPr>
+                <a:t>IT Professional</a:t>
+              </a:r>
+              <a:endParaRPr lang="en-US" sz="1100" b="1" cap="small" dirty="0">
+                <a:solidFill>
+                  <a:srgbClr val="FF8C52"/>
+                </a:solidFill>
+                <a:latin typeface="Oxygen" panose="02000503000000000000" pitchFamily="2" charset="0"/>
+              </a:endParaRPr>
+            </a:p>
+          </p:txBody>
+        </p:sp>
+        <p:sp>
+          <p:nvSpPr>
+            <p:cNvPr id="13" name="TextBox 12"/>
+            <p:cNvSpPr txBox="1"/>
+            <p:nvPr/>
+          </p:nvSpPr>
+          <p:spPr>
+            <a:xfrm>
+              <a:off x="335280" y="7884149"/>
+              <a:ext cx="6522720" cy="830997"/>
+            </a:xfrm>
+            <a:prstGeom prst="rect">
+              <a:avLst/>
+            </a:prstGeom>
+            <a:noFill/>
+          </p:spPr>
+          <p:txBody>
+            <a:bodyPr wrap="square" rtlCol="0">
+              <a:spAutoFit/>
+            </a:bodyPr>
+            <a:lstStyle/>
+            <a:p>
+              <a:r>
+                <a:rPr lang="en-US" sz="1700" b="1" dirty="0" smtClean="0">
+                  <a:solidFill>
+                    <a:srgbClr val="FF8C52"/>
+                  </a:solidFill>
+                  <a:latin typeface="Oxygen" panose="02000503000000000000" pitchFamily="2" charset="0"/>
+                </a:rPr>
+                <a:t>Walks extra mile to make difficult concept seem cake walk</a:t>
+              </a:r>
+            </a:p>
+            <a:p>
+              <a:r>
+                <a:rPr lang="en-US" sz="1400" b="1" dirty="0">
+                  <a:solidFill>
+                    <a:srgbClr val="FF8C52"/>
+                  </a:solidFill>
+                  <a:latin typeface="Oxygen" panose="02000503000000000000" pitchFamily="2" charset="0"/>
+                </a:rPr>
+                <a:t>	</a:t>
+              </a:r>
+              <a:r>
+                <a:rPr lang="en-US" sz="1400" b="1" dirty="0" smtClean="0">
+                  <a:solidFill>
+                    <a:srgbClr val="FF8C52"/>
+                  </a:solidFill>
+                  <a:latin typeface="Oxygen" panose="02000503000000000000" pitchFamily="2" charset="0"/>
+                </a:rPr>
+                <a:t>		                 – IT Head of Recent Engagement</a:t>
+              </a:r>
+            </a:p>
+            <a:p>
+              <a:endParaRPr lang="en-US" sz="300" b="1" dirty="0" smtClean="0">
+                <a:solidFill>
+                  <a:srgbClr val="FF8C52"/>
+                </a:solidFill>
+                <a:latin typeface="Oxygen" panose="02000503000000000000" pitchFamily="2" charset="0"/>
+              </a:endParaRPr>
+            </a:p>
+            <a:p>
+              <a:r>
+                <a:rPr lang="en-US" sz="1400" b="1" dirty="0" smtClean="0">
+                  <a:solidFill>
+                    <a:srgbClr val="FF8C52"/>
+                  </a:solidFill>
+                  <a:latin typeface="Oxygen" panose="02000503000000000000" pitchFamily="2" charset="0"/>
+                </a:rPr>
+                <a:t> </a:t>
+              </a:r>
+              <a:endParaRPr lang="en-AU" sz="1400" b="1" dirty="0">
+                <a:solidFill>
+                  <a:srgbClr val="FF8C52"/>
+                </a:solidFill>
+                <a:latin typeface="Oxygen" panose="02000503000000000000" pitchFamily="2" charset="0"/>
+              </a:endParaRPr>
+            </a:p>
+          </p:txBody>
+        </p:sp>
+        <p:sp>
+          <p:nvSpPr>
+            <p:cNvPr id="10" name="TextBox 9"/>
+            <p:cNvSpPr txBox="1"/>
+            <p:nvPr/>
+          </p:nvSpPr>
+          <p:spPr>
+            <a:xfrm>
+              <a:off x="1031130" y="6723106"/>
+              <a:ext cx="2665378" cy="1077218"/>
+            </a:xfrm>
+            <a:prstGeom prst="rect">
+              <a:avLst/>
+            </a:prstGeom>
+            <a:noFill/>
+          </p:spPr>
+          <p:txBody>
+            <a:bodyPr wrap="square" rtlCol="0">
+              <a:spAutoFit/>
+            </a:bodyPr>
+            <a:lstStyle/>
+            <a:p>
+              <a:pPr marL="285750" indent="-285750">
+                <a:lnSpc>
+                  <a:spcPct val="200000"/>
+                </a:lnSpc>
+                <a:buFont typeface="Wingdings" panose="05000000000000000000" pitchFamily="2" charset="2"/>
+                <a:buChar char="v"/>
+              </a:pPr>
+              <a:r>
+                <a:rPr lang="en-US" sz="1600" b="1" dirty="0" smtClean="0">
+                  <a:solidFill>
+                    <a:srgbClr val="FF8C52"/>
+                  </a:solidFill>
+                  <a:latin typeface="Oxygen" panose="02000503000000000000" pitchFamily="2" charset="0"/>
+                </a:rPr>
+                <a:t>Ex Best Faculty in CMC</a:t>
+              </a:r>
+            </a:p>
+            <a:p>
+              <a:pPr marL="285750" indent="-285750">
+                <a:lnSpc>
+                  <a:spcPct val="200000"/>
+                </a:lnSpc>
+                <a:buFont typeface="Wingdings" panose="05000000000000000000" pitchFamily="2" charset="2"/>
+                <a:buChar char="v"/>
+              </a:pPr>
+              <a:r>
+                <a:rPr lang="en-US" sz="1600" b="1" dirty="0" smtClean="0">
+                  <a:solidFill>
+                    <a:srgbClr val="FF8C52"/>
+                  </a:solidFill>
+                  <a:latin typeface="Oxygen" panose="02000503000000000000" pitchFamily="2" charset="0"/>
+                </a:rPr>
+                <a:t>Great Problem Solver</a:t>
+              </a:r>
+              <a:endParaRPr lang="en-AU" sz="1600" b="1" dirty="0">
+                <a:solidFill>
+                  <a:srgbClr val="FF8C52"/>
+                </a:solidFill>
+                <a:latin typeface="Oxygen" panose="02000503000000000000" pitchFamily="2" charset="0"/>
+              </a:endParaRPr>
+            </a:p>
+          </p:txBody>
+        </p:sp>
+        <p:sp>
+          <p:nvSpPr>
+            <p:cNvPr id="8" name="Rectangle 7"/>
+            <p:cNvSpPr/>
+            <p:nvPr/>
+          </p:nvSpPr>
+          <p:spPr>
+            <a:xfrm>
+              <a:off x="3638139" y="6723106"/>
+              <a:ext cx="2957209" cy="1077218"/>
+            </a:xfrm>
+            <a:prstGeom prst="rect">
+              <a:avLst/>
+            </a:prstGeom>
+          </p:spPr>
+          <p:txBody>
+            <a:bodyPr wrap="square">
+              <a:spAutoFit/>
+            </a:bodyPr>
+            <a:lstStyle/>
+            <a:p>
+              <a:pPr marL="285750" indent="-285750">
+                <a:lnSpc>
+                  <a:spcPct val="200000"/>
+                </a:lnSpc>
+                <a:buFont typeface="Wingdings" panose="05000000000000000000" pitchFamily="2" charset="2"/>
+                <a:buChar char="v"/>
+              </a:pPr>
+              <a:r>
+                <a:rPr lang="en-US" sz="1600" b="1" dirty="0" smtClean="0">
+                  <a:solidFill>
+                    <a:srgbClr val="FF8C52"/>
+                  </a:solidFill>
+                  <a:latin typeface="Oxygen" panose="02000503000000000000" pitchFamily="2" charset="0"/>
+                </a:rPr>
+                <a:t>Teach with Patience</a:t>
+              </a:r>
+            </a:p>
+            <a:p>
+              <a:pPr marL="285750" indent="-285750">
+                <a:lnSpc>
+                  <a:spcPct val="200000"/>
+                </a:lnSpc>
+                <a:buFont typeface="Wingdings" panose="05000000000000000000" pitchFamily="2" charset="2"/>
+                <a:buChar char="v"/>
+              </a:pPr>
+              <a:r>
+                <a:rPr lang="en-US" sz="1600" b="1" dirty="0" smtClean="0">
+                  <a:solidFill>
+                    <a:srgbClr val="FF8C52"/>
+                  </a:solidFill>
+                  <a:latin typeface="Oxygen" panose="02000503000000000000" pitchFamily="2" charset="0"/>
+                </a:rPr>
+                <a:t>Experienced</a:t>
+              </a:r>
+            </a:p>
+          </p:txBody>
+        </p:sp>
+      </p:grpSp>
+      <p:sp>
+        <p:nvSpPr>
+          <p:cNvPr id="11" name="TextBox 10"/>
+          <p:cNvSpPr txBox="1"/>
+          <p:nvPr/>
+        </p:nvSpPr>
+        <p:spPr>
+          <a:xfrm>
+            <a:off x="195854" y="8931487"/>
+            <a:ext cx="6522722" cy="830997"/>
+          </a:xfrm>
+          <a:prstGeom prst="rect">
+            <a:avLst/>
+          </a:prstGeom>
+          <a:noFill/>
+        </p:spPr>
+        <p:txBody>
+          <a:bodyPr wrap="square" rtlCol="0">
+            <a:spAutoFit/>
+          </a:bodyPr>
+          <a:lstStyle/>
+          <a:p>
+            <a:endParaRPr lang="en-US" sz="1700" b="1" dirty="0" smtClean="0">
+              <a:solidFill>
+                <a:srgbClr val="FF8C52"/>
+              </a:solidFill>
+              <a:latin typeface="Oxygen" panose="02000503000000000000" pitchFamily="2" charset="0"/>
+            </a:endParaRPr>
+          </a:p>
+          <a:p>
+            <a:r>
+              <a:rPr lang="en-US" sz="1400" b="1" dirty="0">
+                <a:solidFill>
+                  <a:srgbClr val="FF8C52"/>
+                </a:solidFill>
+                <a:latin typeface="Oxygen" panose="02000503000000000000" pitchFamily="2" charset="0"/>
+              </a:rPr>
+              <a:t>	</a:t>
+            </a:r>
+            <a:r>
+              <a:rPr lang="en-US" sz="1400" b="1" dirty="0" smtClean="0">
+                <a:solidFill>
+                  <a:srgbClr val="FF8C52"/>
+                </a:solidFill>
+                <a:latin typeface="Oxygen" panose="02000503000000000000" pitchFamily="2" charset="0"/>
+              </a:rPr>
+              <a:t>		                 – IT Head of Recent Engagement</a:t>
+            </a:r>
+          </a:p>
+          <a:p>
+            <a:endParaRPr lang="en-US" sz="300" b="1" dirty="0" smtClean="0">
+              <a:solidFill>
+                <a:srgbClr val="FF8C52"/>
+              </a:solidFill>
+              <a:latin typeface="Oxygen" panose="02000503000000000000" pitchFamily="2" charset="0"/>
+            </a:endParaRPr>
+          </a:p>
+          <a:p>
+            <a:r>
+              <a:rPr lang="en-US" sz="1400" b="1" dirty="0" smtClean="0">
+                <a:solidFill>
+                  <a:srgbClr val="FF8C52"/>
+                </a:solidFill>
+                <a:latin typeface="Oxygen" panose="02000503000000000000" pitchFamily="2" charset="0"/>
+              </a:rPr>
+              <a:t> </a:t>
+            </a:r>
+            <a:endParaRPr lang="en-AU" sz="1400" b="1" dirty="0">
+              <a:solidFill>
+                <a:srgbClr val="FF8C52"/>
+              </a:solidFill>
+              <a:latin typeface="Oxygen" panose="02000503000000000000" pitchFamily="2" charset="0"/>
+            </a:endParaRPr>
+          </a:p>
+        </p:txBody>
+      </p:sp>
+    </p:spTree>
+    <p:extLst>
+      <p:ext uri="{BB962C8B-B14F-4D97-AF65-F5344CB8AC3E}">
+        <p14:creationId xmlns:p14="http://schemas.microsoft.com/office/powerpoint/2010/main" val="3559774901"/>
       </p:ext>
     </p:extLst>
   </p:cSld>
@@ -8607,7 +10289,7 @@
   <a:extraClrSchemeLst/>
   <a:extLst>
     <a:ext uri="{05A4C25C-085E-4340-85A3-A5531E510DB2}">
-      <thm15:themeFamily xmlns="" xmlns:thm15="http://schemas.microsoft.com/office/thememl/2012/main" name="Office Theme" id="{62F939B6-93AF-4DB8-9C6B-D6C7DFDC589F}" vid="{4A3C46E8-61CC-4603-A589-7422A47A8E4A}"/>
+      <thm15:themeFamily xmlns:thm15="http://schemas.microsoft.com/office/thememl/2012/main" name="Office Theme" id="{62F939B6-93AF-4DB8-9C6B-D6C7DFDC589F}" vid="{4A3C46E8-61CC-4603-A589-7422A47A8E4A}"/>
     </a:ext>
   </a:extLst>
 </a:theme>
@@ -8868,7 +10550,7 @@
   <a:extraClrSchemeLst/>
   <a:extLst>
     <a:ext uri="{05A4C25C-085E-4340-85A3-A5531E510DB2}">
-      <thm15:themeFamily xmlns="" xmlns:thm15="http://schemas.microsoft.com/office/thememl/2012/main" name="Office Theme" id="{62F939B6-93AF-4DB8-9C6B-D6C7DFDC589F}" vid="{4A3C46E8-61CC-4603-A589-7422A47A8E4A}"/>
+      <thm15:themeFamily xmlns:thm15="http://schemas.microsoft.com/office/thememl/2012/main" name="Office Theme" id="{62F939B6-93AF-4DB8-9C6B-D6C7DFDC589F}" vid="{4A3C46E8-61CC-4603-A589-7422A47A8E4A}"/>
     </a:ext>
   </a:extLst>
 </a:theme>

--- a/Offline/TeacherRecruitment/TeacherProfiles.pptx
+++ b/Offline/TeacherRecruitment/TeacherProfiles.pptx
@@ -11,13 +11,13 @@
     <p:sldId id="256" r:id="rId2"/>
     <p:sldId id="257" r:id="rId3"/>
     <p:sldId id="258" r:id="rId4"/>
-    <p:sldId id="259" r:id="rId5"/>
-    <p:sldId id="260" r:id="rId6"/>
-    <p:sldId id="261" r:id="rId7"/>
-    <p:sldId id="262" r:id="rId8"/>
-    <p:sldId id="263" r:id="rId9"/>
-    <p:sldId id="264" r:id="rId10"/>
-    <p:sldId id="265" r:id="rId11"/>
+    <p:sldId id="265" r:id="rId5"/>
+    <p:sldId id="262" r:id="rId6"/>
+    <p:sldId id="259" r:id="rId7"/>
+    <p:sldId id="260" r:id="rId8"/>
+    <p:sldId id="261" r:id="rId9"/>
+    <p:sldId id="263" r:id="rId10"/>
+    <p:sldId id="264" r:id="rId11"/>
     <p:sldId id="266" r:id="rId12"/>
   </p:sldIdLst>
   <p:sldSz cx="6858000" cy="9906000" type="A4"/>
@@ -648,7 +648,7 @@
     </p:spTree>
     <p:extLst>
       <p:ext uri="{BB962C8B-B14F-4D97-AF65-F5344CB8AC3E}">
-        <p14:creationId xmlns:p14="http://schemas.microsoft.com/office/powerpoint/2010/main" val="405947843"/>
+        <p14:creationId xmlns:p14="http://schemas.microsoft.com/office/powerpoint/2010/main" val="3173517131"/>
       </p:ext>
     </p:extLst>
   </p:cSld>
@@ -1073,7 +1073,7 @@
     </p:spTree>
     <p:extLst>
       <p:ext uri="{BB962C8B-B14F-4D97-AF65-F5344CB8AC3E}">
-        <p14:creationId xmlns:p14="http://schemas.microsoft.com/office/powerpoint/2010/main" val="400431161"/>
+        <p14:creationId xmlns:p14="http://schemas.microsoft.com/office/powerpoint/2010/main" val="405947843"/>
       </p:ext>
     </p:extLst>
   </p:cSld>
@@ -1158,7 +1158,7 @@
     </p:spTree>
     <p:extLst>
       <p:ext uri="{BB962C8B-B14F-4D97-AF65-F5344CB8AC3E}">
-        <p14:creationId xmlns:p14="http://schemas.microsoft.com/office/powerpoint/2010/main" val="3173517131"/>
+        <p14:creationId xmlns:p14="http://schemas.microsoft.com/office/powerpoint/2010/main" val="400431161"/>
       </p:ext>
     </p:extLst>
   </p:cSld>
@@ -4624,343 +4624,6 @@
           <a:chExt cx="0" cy="0"/>
         </a:xfrm>
       </p:grpSpPr>
-      <p:sp>
-        <p:nvSpPr>
-          <p:cNvPr id="2" name="Rectangle 1"/>
-          <p:cNvSpPr/>
-          <p:nvPr/>
-        </p:nvSpPr>
-        <p:spPr>
-          <a:xfrm>
-            <a:off x="0" y="0"/>
-            <a:ext cx="6858000" cy="9906000"/>
-          </a:xfrm>
-          <a:prstGeom prst="rect">
-            <a:avLst/>
-          </a:prstGeom>
-          <a:solidFill>
-            <a:srgbClr val="FF8C52"/>
-          </a:solidFill>
-          <a:ln>
-            <a:noFill/>
-          </a:ln>
-        </p:spPr>
-        <p:style>
-          <a:lnRef idx="2">
-            <a:schemeClr val="accent1">
-              <a:shade val="50000"/>
-            </a:schemeClr>
-          </a:lnRef>
-          <a:fillRef idx="1">
-            <a:schemeClr val="accent1"/>
-          </a:fillRef>
-          <a:effectRef idx="0">
-            <a:schemeClr val="accent1"/>
-          </a:effectRef>
-          <a:fontRef idx="minor">
-            <a:schemeClr val="lt1"/>
-          </a:fontRef>
-        </p:style>
-        <p:txBody>
-          <a:bodyPr rtlCol="0" anchor="ctr"/>
-          <a:lstStyle/>
-          <a:p>
-            <a:pPr algn="ctr"/>
-            <a:endParaRPr lang="en-AU" dirty="0"/>
-          </a:p>
-        </p:txBody>
-      </p:sp>
-      <p:grpSp>
-        <p:nvGrpSpPr>
-          <p:cNvPr id="3" name="Group 8"/>
-          <p:cNvGrpSpPr/>
-          <p:nvPr/>
-        </p:nvGrpSpPr>
-        <p:grpSpPr>
-          <a:xfrm>
-            <a:off x="233025" y="4716245"/>
-            <a:ext cx="6323417" cy="3089561"/>
-            <a:chOff x="194115" y="4696790"/>
-            <a:chExt cx="6323417" cy="3089561"/>
-          </a:xfrm>
-        </p:grpSpPr>
-        <p:sp>
-          <p:nvSpPr>
-            <p:cNvPr id="12" name="TextBox 11"/>
-            <p:cNvSpPr txBox="1"/>
-            <p:nvPr/>
-          </p:nvSpPr>
-          <p:spPr>
-            <a:xfrm>
-              <a:off x="388664" y="4696790"/>
-              <a:ext cx="6128868" cy="1754326"/>
-            </a:xfrm>
-            <a:prstGeom prst="rect">
-              <a:avLst/>
-            </a:prstGeom>
-            <a:noFill/>
-          </p:spPr>
-          <p:txBody>
-            <a:bodyPr wrap="square" rtlCol="0">
-              <a:spAutoFit/>
-            </a:bodyPr>
-            <a:lstStyle/>
-            <a:p>
-              <a:pPr algn="ctr"/>
-              <a:r>
-                <a:rPr lang="en-US" sz="4400" b="1" cap="small" dirty="0" smtClean="0">
-                  <a:solidFill>
-                    <a:schemeClr val="bg1"/>
-                  </a:solidFill>
-                  <a:latin typeface="Oxygen" panose="02000503000000000000" pitchFamily="2" charset="0"/>
-                </a:rPr>
-                <a:t>Anirban </a:t>
-              </a:r>
-              <a:r>
-                <a:rPr lang="en-US" sz="4400" b="1" cap="small" dirty="0" smtClean="0">
-                  <a:solidFill>
-                    <a:schemeClr val="bg1"/>
-                  </a:solidFill>
-                  <a:latin typeface="Oxygen" panose="02000503000000000000" pitchFamily="2" charset="0"/>
-                </a:rPr>
-                <a:t>Chakrabarty </a:t>
-              </a:r>
-              <a:r>
-                <a:rPr lang="en-US" sz="2400" b="1" dirty="0" smtClean="0">
-                  <a:solidFill>
-                    <a:schemeClr val="bg1"/>
-                  </a:solidFill>
-                  <a:latin typeface="Oxygen" panose="02000503000000000000" pitchFamily="2" charset="0"/>
-                </a:rPr>
-                <a:t>B.E. (Electronics), M.B.A. </a:t>
-              </a:r>
-              <a:r>
-                <a:rPr lang="en-US" sz="2400" b="1" dirty="0" smtClean="0">
-                  <a:solidFill>
-                    <a:schemeClr val="bg1"/>
-                  </a:solidFill>
-                  <a:latin typeface="Oxygen" panose="02000503000000000000" pitchFamily="2" charset="0"/>
-                </a:rPr>
-                <a:t>(Finance)</a:t>
-              </a:r>
-            </a:p>
-            <a:p>
-              <a:pPr algn="ctr"/>
-              <a:endParaRPr lang="en-US" sz="1200" b="1" dirty="0" smtClean="0">
-                <a:solidFill>
-                  <a:schemeClr val="bg1"/>
-                </a:solidFill>
-                <a:latin typeface="Oxygen" panose="02000503000000000000" pitchFamily="2" charset="0"/>
-              </a:endParaRPr>
-            </a:p>
-            <a:p>
-              <a:pPr algn="ctr"/>
-              <a:r>
-                <a:rPr lang="en-US" sz="2800" b="1" cap="small" dirty="0" smtClean="0">
-                  <a:solidFill>
-                    <a:schemeClr val="bg1"/>
-                  </a:solidFill>
-                  <a:latin typeface="Oxygen" panose="02000503000000000000" pitchFamily="2" charset="0"/>
-                </a:rPr>
-                <a:t>H.O.D</a:t>
-              </a:r>
-              <a:r>
-                <a:rPr lang="en-US" sz="2800" b="1" cap="small" dirty="0" smtClean="0">
-                  <a:solidFill>
-                    <a:schemeClr val="bg1"/>
-                  </a:solidFill>
-                  <a:latin typeface="Oxygen" panose="02000503000000000000" pitchFamily="2" charset="0"/>
-                </a:rPr>
-                <a:t>, AI &amp; Robotics</a:t>
-              </a:r>
-              <a:endParaRPr lang="en-US" sz="2800" b="1" cap="small" dirty="0">
-                <a:solidFill>
-                  <a:schemeClr val="bg1"/>
-                </a:solidFill>
-                <a:latin typeface="Oxygen" panose="02000503000000000000" pitchFamily="2" charset="0"/>
-              </a:endParaRPr>
-            </a:p>
-          </p:txBody>
-        </p:sp>
-        <p:sp>
-          <p:nvSpPr>
-            <p:cNvPr id="10" name="TextBox 9"/>
-            <p:cNvSpPr txBox="1"/>
-            <p:nvPr/>
-          </p:nvSpPr>
-          <p:spPr>
-            <a:xfrm>
-              <a:off x="194115" y="6586022"/>
-              <a:ext cx="3482941" cy="1200329"/>
-            </a:xfrm>
-            <a:prstGeom prst="rect">
-              <a:avLst/>
-            </a:prstGeom>
-            <a:noFill/>
-          </p:spPr>
-          <p:txBody>
-            <a:bodyPr wrap="square" rtlCol="0">
-              <a:spAutoFit/>
-            </a:bodyPr>
-            <a:lstStyle/>
-            <a:p>
-              <a:pPr marL="285750" indent="-285750">
-                <a:lnSpc>
-                  <a:spcPct val="200000"/>
-                </a:lnSpc>
-                <a:buFont typeface="Wingdings" panose="05000000000000000000" pitchFamily="2" charset="2"/>
-                <a:buChar char="v"/>
-              </a:pPr>
-              <a:r>
-                <a:rPr lang="en-US" b="1" dirty="0" smtClean="0">
-                  <a:solidFill>
-                    <a:schemeClr val="bg1"/>
-                  </a:solidFill>
-                  <a:latin typeface="Oxygen" panose="02000503000000000000" pitchFamily="2" charset="0"/>
-                </a:rPr>
-                <a:t>Supportive, Cares for Kids </a:t>
-              </a:r>
-              <a:endParaRPr lang="en-US" b="1" dirty="0" smtClean="0">
-                <a:solidFill>
-                  <a:schemeClr val="bg1"/>
-                </a:solidFill>
-                <a:latin typeface="Oxygen" panose="02000503000000000000" pitchFamily="2" charset="0"/>
-              </a:endParaRPr>
-            </a:p>
-            <a:p>
-              <a:pPr marL="285750" indent="-285750">
-                <a:lnSpc>
-                  <a:spcPct val="200000"/>
-                </a:lnSpc>
-                <a:buFont typeface="Wingdings" panose="05000000000000000000" pitchFamily="2" charset="2"/>
-                <a:buChar char="v"/>
-              </a:pPr>
-              <a:r>
-                <a:rPr lang="en-US" b="1" dirty="0" smtClean="0">
-                  <a:solidFill>
-                    <a:schemeClr val="bg1"/>
-                  </a:solidFill>
-                  <a:latin typeface="Oxygen" panose="02000503000000000000" pitchFamily="2" charset="0"/>
-                </a:rPr>
-                <a:t>Global </a:t>
-              </a:r>
-              <a:r>
-                <a:rPr lang="en-US" b="1" dirty="0" smtClean="0">
-                  <a:solidFill>
-                    <a:schemeClr val="bg1"/>
-                  </a:solidFill>
-                  <a:latin typeface="Oxygen" panose="02000503000000000000" pitchFamily="2" charset="0"/>
-                </a:rPr>
-                <a:t>Corporate  Exp</a:t>
-              </a:r>
-              <a:r>
-                <a:rPr lang="en-US" b="1" dirty="0" smtClean="0">
-                  <a:solidFill>
-                    <a:schemeClr val="bg1"/>
-                  </a:solidFill>
-                  <a:latin typeface="Oxygen" panose="02000503000000000000" pitchFamily="2" charset="0"/>
-                </a:rPr>
-                <a:t>.</a:t>
-              </a:r>
-              <a:endParaRPr lang="en-US" b="1" dirty="0" smtClean="0">
-                <a:solidFill>
-                  <a:schemeClr val="bg1"/>
-                </a:solidFill>
-                <a:latin typeface="Oxygen" panose="02000503000000000000" pitchFamily="2" charset="0"/>
-              </a:endParaRPr>
-            </a:p>
-          </p:txBody>
-        </p:sp>
-      </p:grpSp>
-      <p:sp>
-        <p:nvSpPr>
-          <p:cNvPr id="9" name="TextBox 8"/>
-          <p:cNvSpPr txBox="1"/>
-          <p:nvPr/>
-        </p:nvSpPr>
-        <p:spPr>
-          <a:xfrm>
-            <a:off x="3591276" y="6648853"/>
-            <a:ext cx="3159720" cy="1200329"/>
-          </a:xfrm>
-          <a:prstGeom prst="rect">
-            <a:avLst/>
-          </a:prstGeom>
-          <a:noFill/>
-        </p:spPr>
-        <p:txBody>
-          <a:bodyPr wrap="square" rtlCol="0">
-            <a:spAutoFit/>
-          </a:bodyPr>
-          <a:lstStyle/>
-          <a:p>
-            <a:pPr marL="285750" indent="-285750">
-              <a:lnSpc>
-                <a:spcPct val="200000"/>
-              </a:lnSpc>
-              <a:buFont typeface="Wingdings" panose="05000000000000000000" pitchFamily="2" charset="2"/>
-              <a:buChar char="v"/>
-            </a:pPr>
-            <a:r>
-              <a:rPr lang="en-US" dirty="0" smtClean="0">
-                <a:solidFill>
-                  <a:schemeClr val="bg1"/>
-                </a:solidFill>
-                <a:latin typeface="Oxygen" pitchFamily="2" charset="0"/>
-              </a:rPr>
-              <a:t>  </a:t>
-            </a:r>
-            <a:r>
-              <a:rPr lang="en-US" b="1" dirty="0" smtClean="0">
-                <a:solidFill>
-                  <a:schemeClr val="bg1"/>
-                </a:solidFill>
-                <a:latin typeface="Oxygen" panose="02000503000000000000" pitchFamily="2" charset="0"/>
-              </a:rPr>
-              <a:t>Innovative &amp; Dynamic</a:t>
-            </a:r>
-            <a:endParaRPr lang="en-US" b="1" dirty="0">
-              <a:solidFill>
-                <a:schemeClr val="bg1"/>
-              </a:solidFill>
-              <a:latin typeface="Oxygen" panose="02000503000000000000" pitchFamily="2" charset="0"/>
-            </a:endParaRPr>
-          </a:p>
-          <a:p>
-            <a:pPr marL="285750" indent="-285750">
-              <a:lnSpc>
-                <a:spcPct val="200000"/>
-              </a:lnSpc>
-              <a:buFont typeface="Wingdings" panose="05000000000000000000" pitchFamily="2" charset="2"/>
-              <a:buChar char="v"/>
-            </a:pPr>
-            <a:r>
-              <a:rPr lang="en-US" b="1" dirty="0">
-                <a:solidFill>
-                  <a:schemeClr val="bg1"/>
-                </a:solidFill>
-                <a:latin typeface="Oxygen" panose="02000503000000000000" pitchFamily="2" charset="0"/>
-              </a:rPr>
-              <a:t>  </a:t>
-            </a:r>
-            <a:r>
-              <a:rPr lang="en-US" b="1" dirty="0" smtClean="0">
-                <a:solidFill>
-                  <a:schemeClr val="bg1"/>
-                </a:solidFill>
-                <a:latin typeface="Oxygen" panose="02000503000000000000" pitchFamily="2" charset="0"/>
-              </a:rPr>
-              <a:t>Truly Inspires Talent</a:t>
-            </a:r>
-            <a:endParaRPr lang="en-US" b="1" dirty="0">
-              <a:solidFill>
-                <a:schemeClr val="bg1"/>
-              </a:solidFill>
-              <a:latin typeface="Oxygen" panose="02000503000000000000" pitchFamily="2" charset="0"/>
-            </a:endParaRPr>
-          </a:p>
-        </p:txBody>
-      </p:sp>
       <p:pic>
         <p:nvPicPr>
           <p:cNvPr id="4" name="Picture 3"/>
@@ -4977,277 +4640,24 @@
         </p:blipFill>
         <p:spPr>
           <a:xfrm>
-            <a:off x="1547002" y="583230"/>
-            <a:ext cx="3876306" cy="3855461"/>
+            <a:off x="1560780" y="301442"/>
+            <a:ext cx="3821398" cy="3955570"/>
           </a:xfrm>
           <a:prstGeom prst="rect">
             <a:avLst/>
           </a:prstGeom>
-          <a:effectLst>
-            <a:outerShdw blurRad="50800" dist="50800" dir="5400000" algn="ctr" rotWithShape="0">
-              <a:srgbClr val="000000">
-                <a:alpha val="56000"/>
-              </a:srgbClr>
-            </a:outerShdw>
-            <a:softEdge rad="0"/>
-          </a:effectLst>
         </p:spPr>
       </p:pic>
       <p:sp>
         <p:nvSpPr>
-          <p:cNvPr id="15" name="TextBox 14"/>
-          <p:cNvSpPr txBox="1"/>
+          <p:cNvPr id="9" name="Rectangle 8"/>
+          <p:cNvSpPr/>
           <p:nvPr/>
         </p:nvSpPr>
         <p:spPr>
           <a:xfrm>
-            <a:off x="173159" y="8305677"/>
-            <a:ext cx="6538926" cy="1169551"/>
-          </a:xfrm>
-          <a:prstGeom prst="rect">
-            <a:avLst/>
-          </a:prstGeom>
-          <a:noFill/>
-        </p:spPr>
-        <p:txBody>
-          <a:bodyPr wrap="square" rtlCol="0">
-            <a:spAutoFit/>
-          </a:bodyPr>
-          <a:lstStyle/>
-          <a:p>
-            <a:r>
-              <a:rPr lang="en-US" sz="1700" b="1" dirty="0" smtClean="0">
-                <a:solidFill>
-                  <a:schemeClr val="bg1"/>
-                </a:solidFill>
-                <a:latin typeface="Oxygen" panose="02000503000000000000" pitchFamily="2" charset="0"/>
-              </a:rPr>
-              <a:t>Super brain, the best guy to take care </a:t>
-            </a:r>
-            <a:r>
-              <a:rPr lang="en-US" sz="1700" b="1" dirty="0" smtClean="0">
-                <a:solidFill>
-                  <a:schemeClr val="bg1"/>
-                </a:solidFill>
-                <a:latin typeface="Oxygen" panose="02000503000000000000" pitchFamily="2" charset="0"/>
-              </a:rPr>
-              <a:t>of </a:t>
-            </a:r>
-            <a:r>
-              <a:rPr lang="en-US" sz="1700" b="1" dirty="0" smtClean="0">
-                <a:solidFill>
-                  <a:schemeClr val="bg1"/>
-                </a:solidFill>
-                <a:latin typeface="Oxygen" panose="02000503000000000000" pitchFamily="2" charset="0"/>
-              </a:rPr>
-              <a:t>AI </a:t>
-            </a:r>
-            <a:r>
-              <a:rPr lang="en-US" sz="1700" b="1" dirty="0" smtClean="0">
-                <a:solidFill>
-                  <a:schemeClr val="bg1"/>
-                </a:solidFill>
-                <a:latin typeface="Oxygen" panose="02000503000000000000" pitchFamily="2" charset="0"/>
-              </a:rPr>
-              <a:t>implementation</a:t>
-            </a:r>
-            <a:r>
-              <a:rPr lang="en-US" sz="1700" b="1" dirty="0" smtClean="0">
-                <a:solidFill>
-                  <a:schemeClr val="bg1"/>
-                </a:solidFill>
-                <a:latin typeface="Oxygen" panose="02000503000000000000" pitchFamily="2" charset="0"/>
-              </a:rPr>
-              <a:t>!</a:t>
-            </a:r>
-            <a:endParaRPr lang="en-US" sz="1700" b="1" dirty="0" smtClean="0">
-              <a:solidFill>
-                <a:schemeClr val="bg1"/>
-              </a:solidFill>
-              <a:latin typeface="Oxygen" panose="02000503000000000000" pitchFamily="2" charset="0"/>
-            </a:endParaRPr>
-          </a:p>
-          <a:p>
-            <a:r>
-              <a:rPr lang="en-US" sz="1400" b="1" dirty="0">
-                <a:solidFill>
-                  <a:schemeClr val="bg1"/>
-                </a:solidFill>
-                <a:latin typeface="Oxygen" panose="02000503000000000000" pitchFamily="2" charset="0"/>
-              </a:rPr>
-              <a:t>	</a:t>
-            </a:r>
-            <a:r>
-              <a:rPr lang="en-US" sz="1400" b="1" dirty="0" smtClean="0">
-                <a:solidFill>
-                  <a:schemeClr val="bg1"/>
-                </a:solidFill>
-                <a:latin typeface="Oxygen" panose="02000503000000000000" pitchFamily="2" charset="0"/>
-              </a:rPr>
-              <a:t>		                                        </a:t>
-            </a:r>
-            <a:r>
-              <a:rPr lang="en-US" sz="1400" b="1" dirty="0" smtClean="0">
-                <a:solidFill>
-                  <a:schemeClr val="bg1"/>
-                </a:solidFill>
-                <a:latin typeface="Oxygen" panose="02000503000000000000" pitchFamily="2" charset="0"/>
-              </a:rPr>
-              <a:t>  – </a:t>
-            </a:r>
-            <a:r>
-              <a:rPr lang="en-US" sz="1400" b="1" dirty="0" smtClean="0">
-                <a:solidFill>
-                  <a:schemeClr val="bg1"/>
-                </a:solidFill>
-                <a:latin typeface="Oxygen" panose="02000503000000000000" pitchFamily="2" charset="0"/>
-              </a:rPr>
-              <a:t>Corporate</a:t>
-            </a:r>
-            <a:r>
-              <a:rPr lang="en-US" sz="1400" b="1" dirty="0" smtClean="0">
-                <a:solidFill>
-                  <a:schemeClr val="bg1"/>
-                </a:solidFill>
-                <a:latin typeface="Oxygen" panose="02000503000000000000" pitchFamily="2" charset="0"/>
-              </a:rPr>
-              <a:t> </a:t>
-            </a:r>
-            <a:r>
-              <a:rPr lang="en-US" sz="1400" b="1" dirty="0" smtClean="0">
-                <a:solidFill>
-                  <a:schemeClr val="bg1"/>
-                </a:solidFill>
-                <a:latin typeface="Oxygen" panose="02000503000000000000" pitchFamily="2" charset="0"/>
-              </a:rPr>
-              <a:t>Client</a:t>
-            </a:r>
-          </a:p>
-          <a:p>
-            <a:endParaRPr lang="en-US" sz="300" b="1" dirty="0" smtClean="0">
-              <a:solidFill>
-                <a:schemeClr val="bg1"/>
-              </a:solidFill>
-              <a:latin typeface="Oxygen" panose="02000503000000000000" pitchFamily="2" charset="0"/>
-            </a:endParaRPr>
-          </a:p>
-          <a:p>
-            <a:endParaRPr lang="en-US" sz="300" b="1" dirty="0">
-              <a:solidFill>
-                <a:schemeClr val="bg1"/>
-              </a:solidFill>
-              <a:latin typeface="Oxygen" panose="02000503000000000000" pitchFamily="2" charset="0"/>
-            </a:endParaRPr>
-          </a:p>
-          <a:p>
-            <a:r>
-              <a:rPr lang="en-US" sz="1700" b="1" dirty="0">
-                <a:solidFill>
-                  <a:schemeClr val="bg1"/>
-                </a:solidFill>
-                <a:latin typeface="Oxygen" panose="02000503000000000000" pitchFamily="2" charset="0"/>
-              </a:rPr>
-              <a:t>Dynamo of energy, dependable and trusted for the </a:t>
-            </a:r>
-            <a:r>
-              <a:rPr lang="en-US" sz="1700" b="1" dirty="0" smtClean="0">
-                <a:solidFill>
-                  <a:schemeClr val="bg1"/>
-                </a:solidFill>
-                <a:latin typeface="Oxygen" panose="02000503000000000000" pitchFamily="2" charset="0"/>
-              </a:rPr>
-              <a:t>job!</a:t>
-            </a:r>
-            <a:endParaRPr lang="en-US" sz="1700" b="1" dirty="0">
-              <a:solidFill>
-                <a:schemeClr val="bg1"/>
-              </a:solidFill>
-              <a:latin typeface="Oxygen" panose="02000503000000000000" pitchFamily="2" charset="0"/>
-            </a:endParaRPr>
-          </a:p>
-          <a:p>
-            <a:r>
-              <a:rPr lang="en-US" sz="1600" b="1" dirty="0">
-                <a:solidFill>
-                  <a:schemeClr val="bg1"/>
-                </a:solidFill>
-                <a:latin typeface="Oxygen" panose="02000503000000000000" pitchFamily="2" charset="0"/>
-              </a:rPr>
-              <a:t>	                               </a:t>
-            </a:r>
-            <a:r>
-              <a:rPr lang="en-US" sz="1600" b="1" dirty="0" smtClean="0">
-                <a:solidFill>
-                  <a:schemeClr val="bg1"/>
-                </a:solidFill>
-                <a:latin typeface="Oxygen" panose="02000503000000000000" pitchFamily="2" charset="0"/>
-              </a:rPr>
-              <a:t>    </a:t>
-            </a:r>
-            <a:r>
-              <a:rPr lang="en-US" sz="1400" b="1" dirty="0" smtClean="0">
-                <a:solidFill>
-                  <a:schemeClr val="bg1"/>
-                </a:solidFill>
-                <a:latin typeface="Oxygen" panose="02000503000000000000" pitchFamily="2" charset="0"/>
-              </a:rPr>
-              <a:t>– </a:t>
-            </a:r>
-            <a:r>
-              <a:rPr lang="en-US" sz="1400" b="1" dirty="0">
-                <a:solidFill>
-                  <a:schemeClr val="bg1"/>
-                </a:solidFill>
-                <a:latin typeface="Oxygen" panose="02000503000000000000" pitchFamily="2" charset="0"/>
-              </a:rPr>
-              <a:t>Vish </a:t>
-            </a:r>
-            <a:r>
-              <a:rPr lang="en-US" sz="1400" b="1" dirty="0" smtClean="0">
-                <a:solidFill>
-                  <a:schemeClr val="bg1"/>
-                </a:solidFill>
-                <a:latin typeface="Oxygen" panose="02000503000000000000" pitchFamily="2" charset="0"/>
-              </a:rPr>
-              <a:t>Coosa, </a:t>
-            </a:r>
-            <a:r>
-              <a:rPr lang="en-US" sz="1400" b="1" dirty="0">
-                <a:solidFill>
-                  <a:schemeClr val="bg1"/>
-                </a:solidFill>
-                <a:latin typeface="Oxygen" panose="02000503000000000000" pitchFamily="2" charset="0"/>
-              </a:rPr>
-              <a:t>Morgan Stanley </a:t>
-            </a:r>
-            <a:r>
-              <a:rPr lang="en-US" sz="1400" b="1" dirty="0" smtClean="0">
-                <a:solidFill>
-                  <a:schemeClr val="bg1"/>
-                </a:solidFill>
-                <a:latin typeface="Oxygen" panose="02000503000000000000" pitchFamily="2" charset="0"/>
-              </a:rPr>
-              <a:t>Bank, U.S.A.</a:t>
-            </a:r>
-            <a:endParaRPr lang="en-US" sz="300" b="1" dirty="0" smtClean="0">
-              <a:solidFill>
-                <a:schemeClr val="bg1"/>
-              </a:solidFill>
-              <a:latin typeface="Oxygen" panose="02000503000000000000" pitchFamily="2" charset="0"/>
-            </a:endParaRPr>
-          </a:p>
-        </p:txBody>
-      </p:sp>
-      <p:sp>
-        <p:nvSpPr>
-          <p:cNvPr id="11" name="Rectangle 10"/>
-          <p:cNvSpPr/>
-          <p:nvPr/>
-        </p:nvSpPr>
-        <p:spPr>
-          <a:xfrm>
-            <a:off x="1501046" y="585681"/>
-            <a:ext cx="3968217" cy="3906488"/>
+            <a:off x="1560780" y="301442"/>
+            <a:ext cx="3821398" cy="3955570"/>
           </a:xfrm>
           <a:prstGeom prst="rect">
             <a:avLst/>
@@ -5255,12 +4665,12 @@
           <a:gradFill>
             <a:gsLst>
               <a:gs pos="70000">
-                <a:srgbClr val="FF8C52"/>
+                <a:srgbClr val="FFFFFF"/>
               </a:gs>
               <a:gs pos="62000">
-                <a:srgbClr val="FF8C52">
+                <a:schemeClr val="bg1">
                   <a:alpha val="0"/>
-                </a:srgbClr>
+                </a:schemeClr>
               </a:gs>
             </a:gsLst>
             <a:path path="circle">
@@ -5292,14 +4702,429 @@
           <a:lstStyle/>
           <a:p>
             <a:pPr algn="ctr"/>
-            <a:endParaRPr lang="en-AU"/>
+            <a:endParaRPr lang="en-AU" dirty="0"/>
+          </a:p>
+        </p:txBody>
+      </p:sp>
+      <p:grpSp>
+        <p:nvGrpSpPr>
+          <p:cNvPr id="7" name="Group 6"/>
+          <p:cNvGrpSpPr/>
+          <p:nvPr/>
+        </p:nvGrpSpPr>
+        <p:grpSpPr>
+          <a:xfrm>
+            <a:off x="199094" y="4996471"/>
+            <a:ext cx="6522722" cy="4088320"/>
+            <a:chOff x="335280" y="4626826"/>
+            <a:chExt cx="6522720" cy="4088320"/>
+          </a:xfrm>
+        </p:grpSpPr>
+        <p:sp>
+          <p:nvSpPr>
+            <p:cNvPr id="12" name="TextBox 11"/>
+            <p:cNvSpPr txBox="1"/>
+            <p:nvPr/>
+          </p:nvSpPr>
+          <p:spPr>
+            <a:xfrm>
+              <a:off x="925286" y="4626826"/>
+              <a:ext cx="5342708" cy="1815882"/>
+            </a:xfrm>
+            <a:prstGeom prst="rect">
+              <a:avLst/>
+            </a:prstGeom>
+            <a:noFill/>
+          </p:spPr>
+          <p:txBody>
+            <a:bodyPr wrap="square" rtlCol="0">
+              <a:spAutoFit/>
+            </a:bodyPr>
+            <a:lstStyle/>
+            <a:p>
+              <a:pPr algn="ctr"/>
+              <a:r>
+                <a:rPr lang="en-US" sz="4400" b="1" cap="small" dirty="0" err="1" smtClean="0">
+                  <a:solidFill>
+                    <a:srgbClr val="FF8C52"/>
+                  </a:solidFill>
+                  <a:latin typeface="Oxygen" panose="02000503000000000000" pitchFamily="2" charset="0"/>
+                </a:rPr>
+                <a:t>Debashish</a:t>
+              </a:r>
+              <a:r>
+                <a:rPr lang="en-US" sz="4400" b="1" cap="small" dirty="0" smtClean="0">
+                  <a:solidFill>
+                    <a:srgbClr val="FF8C52"/>
+                  </a:solidFill>
+                  <a:latin typeface="Oxygen" panose="02000503000000000000" pitchFamily="2" charset="0"/>
+                </a:rPr>
+                <a:t> Sir</a:t>
+              </a:r>
+              <a:endParaRPr lang="en-US" sz="4400" b="1" cap="small" dirty="0">
+                <a:solidFill>
+                  <a:srgbClr val="FF8C52"/>
+                </a:solidFill>
+                <a:latin typeface="Oxygen" panose="02000503000000000000" pitchFamily="2" charset="0"/>
+              </a:endParaRPr>
+            </a:p>
+            <a:p>
+              <a:pPr algn="ctr"/>
+              <a:r>
+                <a:rPr lang="en-US" sz="2400" b="1" dirty="0" err="1" smtClean="0">
+                  <a:solidFill>
+                    <a:srgbClr val="FF8C52"/>
+                  </a:solidFill>
+                  <a:latin typeface="Oxygen" panose="02000503000000000000" pitchFamily="2" charset="0"/>
+                </a:rPr>
+                <a:t>Debashish</a:t>
+              </a:r>
+              <a:r>
+                <a:rPr lang="en-US" sz="2400" b="1" dirty="0" smtClean="0">
+                  <a:solidFill>
+                    <a:srgbClr val="FF8C52"/>
+                  </a:solidFill>
+                  <a:latin typeface="Oxygen" panose="02000503000000000000" pitchFamily="2" charset="0"/>
+                </a:rPr>
+                <a:t>  </a:t>
+              </a:r>
+              <a:r>
+                <a:rPr lang="en-US" sz="2400" b="1" dirty="0" err="1" smtClean="0">
+                  <a:solidFill>
+                    <a:srgbClr val="FF8C52"/>
+                  </a:solidFill>
+                  <a:latin typeface="Oxygen" panose="02000503000000000000" pitchFamily="2" charset="0"/>
+                </a:rPr>
+                <a:t>Nath</a:t>
+              </a:r>
+              <a:r>
+                <a:rPr lang="en-US" sz="2400" b="1" dirty="0" smtClean="0">
+                  <a:solidFill>
+                    <a:srgbClr val="FF8C52"/>
+                  </a:solidFill>
+                  <a:latin typeface="Oxygen" panose="02000503000000000000" pitchFamily="2" charset="0"/>
+                </a:rPr>
+                <a:t> </a:t>
+              </a:r>
+              <a:endParaRPr lang="en-US" sz="2800" b="1" dirty="0" smtClean="0">
+                <a:solidFill>
+                  <a:srgbClr val="FF8C52"/>
+                </a:solidFill>
+                <a:latin typeface="Oxygen" panose="02000503000000000000" pitchFamily="2" charset="0"/>
+              </a:endParaRPr>
+            </a:p>
+            <a:p>
+              <a:pPr algn="ctr"/>
+              <a:endParaRPr lang="en-US" sz="1200" b="1" dirty="0" smtClean="0">
+                <a:solidFill>
+                  <a:srgbClr val="FF8C52"/>
+                </a:solidFill>
+                <a:latin typeface="Oxygen" panose="02000503000000000000" pitchFamily="2" charset="0"/>
+              </a:endParaRPr>
+            </a:p>
+            <a:p>
+              <a:pPr algn="ctr"/>
+              <a:r>
+                <a:rPr lang="en-US" sz="2800" b="1" cap="small" dirty="0" smtClean="0">
+                  <a:solidFill>
+                    <a:srgbClr val="FF8C52"/>
+                  </a:solidFill>
+                  <a:latin typeface="Oxygen" panose="02000503000000000000" pitchFamily="2" charset="0"/>
+                </a:rPr>
+                <a:t>IT Professional</a:t>
+              </a:r>
+              <a:endParaRPr lang="en-US" sz="1100" b="1" cap="small" dirty="0">
+                <a:solidFill>
+                  <a:srgbClr val="FF8C52"/>
+                </a:solidFill>
+                <a:latin typeface="Oxygen" panose="02000503000000000000" pitchFamily="2" charset="0"/>
+              </a:endParaRPr>
+            </a:p>
+          </p:txBody>
+        </p:sp>
+        <p:sp>
+          <p:nvSpPr>
+            <p:cNvPr id="13" name="TextBox 12"/>
+            <p:cNvSpPr txBox="1"/>
+            <p:nvPr/>
+          </p:nvSpPr>
+          <p:spPr>
+            <a:xfrm>
+              <a:off x="335280" y="7884149"/>
+              <a:ext cx="6522720" cy="830997"/>
+            </a:xfrm>
+            <a:prstGeom prst="rect">
+              <a:avLst/>
+            </a:prstGeom>
+            <a:noFill/>
+          </p:spPr>
+          <p:txBody>
+            <a:bodyPr wrap="square" rtlCol="0">
+              <a:spAutoFit/>
+            </a:bodyPr>
+            <a:lstStyle/>
+            <a:p>
+              <a:r>
+                <a:rPr lang="en-US" sz="1700" b="1" dirty="0" smtClean="0">
+                  <a:solidFill>
+                    <a:srgbClr val="FF8C52"/>
+                  </a:solidFill>
+                  <a:latin typeface="Oxygen" panose="02000503000000000000" pitchFamily="2" charset="0"/>
+                </a:rPr>
+                <a:t>Walks extra mile to make difficult concept seem cake walk</a:t>
+              </a:r>
+            </a:p>
+            <a:p>
+              <a:r>
+                <a:rPr lang="en-US" sz="1400" b="1" dirty="0">
+                  <a:solidFill>
+                    <a:srgbClr val="FF8C52"/>
+                  </a:solidFill>
+                  <a:latin typeface="Oxygen" panose="02000503000000000000" pitchFamily="2" charset="0"/>
+                </a:rPr>
+                <a:t>	</a:t>
+              </a:r>
+              <a:r>
+                <a:rPr lang="en-US" sz="1400" b="1" dirty="0" smtClean="0">
+                  <a:solidFill>
+                    <a:srgbClr val="FF8C52"/>
+                  </a:solidFill>
+                  <a:latin typeface="Oxygen" panose="02000503000000000000" pitchFamily="2" charset="0"/>
+                </a:rPr>
+                <a:t>		                 – IT Head of Recent Engagement</a:t>
+              </a:r>
+            </a:p>
+            <a:p>
+              <a:endParaRPr lang="en-US" sz="300" b="1" dirty="0" smtClean="0">
+                <a:solidFill>
+                  <a:srgbClr val="FF8C52"/>
+                </a:solidFill>
+                <a:latin typeface="Oxygen" panose="02000503000000000000" pitchFamily="2" charset="0"/>
+              </a:endParaRPr>
+            </a:p>
+            <a:p>
+              <a:r>
+                <a:rPr lang="en-US" sz="1400" b="1" dirty="0" smtClean="0">
+                  <a:solidFill>
+                    <a:srgbClr val="FF8C52"/>
+                  </a:solidFill>
+                  <a:latin typeface="Oxygen" panose="02000503000000000000" pitchFamily="2" charset="0"/>
+                </a:rPr>
+                <a:t> </a:t>
+              </a:r>
+              <a:endParaRPr lang="en-AU" sz="1400" b="1" dirty="0">
+                <a:solidFill>
+                  <a:srgbClr val="FF8C52"/>
+                </a:solidFill>
+                <a:latin typeface="Oxygen" panose="02000503000000000000" pitchFamily="2" charset="0"/>
+              </a:endParaRPr>
+            </a:p>
+          </p:txBody>
+        </p:sp>
+        <p:sp>
+          <p:nvSpPr>
+            <p:cNvPr id="10" name="TextBox 9"/>
+            <p:cNvSpPr txBox="1"/>
+            <p:nvPr/>
+          </p:nvSpPr>
+          <p:spPr>
+            <a:xfrm>
+              <a:off x="1031130" y="6723106"/>
+              <a:ext cx="2665378" cy="1077218"/>
+            </a:xfrm>
+            <a:prstGeom prst="rect">
+              <a:avLst/>
+            </a:prstGeom>
+            <a:noFill/>
+          </p:spPr>
+          <p:txBody>
+            <a:bodyPr wrap="square" rtlCol="0">
+              <a:spAutoFit/>
+            </a:bodyPr>
+            <a:lstStyle/>
+            <a:p>
+              <a:pPr marL="285750" indent="-285750">
+                <a:lnSpc>
+                  <a:spcPct val="200000"/>
+                </a:lnSpc>
+                <a:buFont typeface="Wingdings" panose="05000000000000000000" pitchFamily="2" charset="2"/>
+                <a:buChar char="v"/>
+              </a:pPr>
+              <a:r>
+                <a:rPr lang="en-US" sz="1600" b="1" dirty="0" smtClean="0">
+                  <a:solidFill>
+                    <a:srgbClr val="FF8C52"/>
+                  </a:solidFill>
+                  <a:latin typeface="Oxygen" panose="02000503000000000000" pitchFamily="2" charset="0"/>
+                </a:rPr>
+                <a:t>Ex Best Faculty in CMC</a:t>
+              </a:r>
+            </a:p>
+            <a:p>
+              <a:pPr marL="285750" indent="-285750">
+                <a:lnSpc>
+                  <a:spcPct val="200000"/>
+                </a:lnSpc>
+                <a:buFont typeface="Wingdings" panose="05000000000000000000" pitchFamily="2" charset="2"/>
+                <a:buChar char="v"/>
+              </a:pPr>
+              <a:r>
+                <a:rPr lang="en-US" sz="1600" b="1" dirty="0" smtClean="0">
+                  <a:solidFill>
+                    <a:srgbClr val="FF8C52"/>
+                  </a:solidFill>
+                  <a:latin typeface="Oxygen" panose="02000503000000000000" pitchFamily="2" charset="0"/>
+                </a:rPr>
+                <a:t>Great Problem Solver</a:t>
+              </a:r>
+              <a:endParaRPr lang="en-AU" sz="1600" b="1" dirty="0">
+                <a:solidFill>
+                  <a:srgbClr val="FF8C52"/>
+                </a:solidFill>
+                <a:latin typeface="Oxygen" panose="02000503000000000000" pitchFamily="2" charset="0"/>
+              </a:endParaRPr>
+            </a:p>
+          </p:txBody>
+        </p:sp>
+        <p:sp>
+          <p:nvSpPr>
+            <p:cNvPr id="8" name="Rectangle 7"/>
+            <p:cNvSpPr/>
+            <p:nvPr/>
+          </p:nvSpPr>
+          <p:spPr>
+            <a:xfrm>
+              <a:off x="3638139" y="6723106"/>
+              <a:ext cx="2957209" cy="1077218"/>
+            </a:xfrm>
+            <a:prstGeom prst="rect">
+              <a:avLst/>
+            </a:prstGeom>
+          </p:spPr>
+          <p:txBody>
+            <a:bodyPr wrap="square">
+              <a:spAutoFit/>
+            </a:bodyPr>
+            <a:lstStyle/>
+            <a:p>
+              <a:pPr marL="285750" indent="-285750">
+                <a:lnSpc>
+                  <a:spcPct val="200000"/>
+                </a:lnSpc>
+                <a:buFont typeface="Wingdings" panose="05000000000000000000" pitchFamily="2" charset="2"/>
+                <a:buChar char="v"/>
+              </a:pPr>
+              <a:r>
+                <a:rPr lang="en-US" sz="1600" b="1" dirty="0" smtClean="0">
+                  <a:solidFill>
+                    <a:srgbClr val="FF8C52"/>
+                  </a:solidFill>
+                  <a:latin typeface="Oxygen" panose="02000503000000000000" pitchFamily="2" charset="0"/>
+                </a:rPr>
+                <a:t>Teach with Patience</a:t>
+              </a:r>
+            </a:p>
+            <a:p>
+              <a:pPr marL="285750" indent="-285750">
+                <a:lnSpc>
+                  <a:spcPct val="200000"/>
+                </a:lnSpc>
+                <a:buFont typeface="Wingdings" panose="05000000000000000000" pitchFamily="2" charset="2"/>
+                <a:buChar char="v"/>
+              </a:pPr>
+              <a:r>
+                <a:rPr lang="en-US" sz="1600" b="1" dirty="0" smtClean="0">
+                  <a:solidFill>
+                    <a:srgbClr val="FF8C52"/>
+                  </a:solidFill>
+                  <a:latin typeface="Oxygen" panose="02000503000000000000" pitchFamily="2" charset="0"/>
+                </a:rPr>
+                <a:t>Experienced</a:t>
+              </a:r>
+            </a:p>
+          </p:txBody>
+        </p:sp>
+      </p:grpSp>
+      <p:sp>
+        <p:nvSpPr>
+          <p:cNvPr id="11" name="TextBox 10"/>
+          <p:cNvSpPr txBox="1"/>
+          <p:nvPr/>
+        </p:nvSpPr>
+        <p:spPr>
+          <a:xfrm>
+            <a:off x="195854" y="8931487"/>
+            <a:ext cx="6522722" cy="830997"/>
+          </a:xfrm>
+          <a:prstGeom prst="rect">
+            <a:avLst/>
+          </a:prstGeom>
+          <a:noFill/>
+        </p:spPr>
+        <p:txBody>
+          <a:bodyPr wrap="square" rtlCol="0">
+            <a:spAutoFit/>
+          </a:bodyPr>
+          <a:lstStyle/>
+          <a:p>
+            <a:endParaRPr lang="en-US" sz="1700" b="1" dirty="0" smtClean="0">
+              <a:solidFill>
+                <a:srgbClr val="FF8C52"/>
+              </a:solidFill>
+              <a:latin typeface="Oxygen" panose="02000503000000000000" pitchFamily="2" charset="0"/>
+            </a:endParaRPr>
+          </a:p>
+          <a:p>
+            <a:r>
+              <a:rPr lang="en-US" sz="1400" b="1" dirty="0">
+                <a:solidFill>
+                  <a:srgbClr val="FF8C52"/>
+                </a:solidFill>
+                <a:latin typeface="Oxygen" panose="02000503000000000000" pitchFamily="2" charset="0"/>
+              </a:rPr>
+              <a:t>	</a:t>
+            </a:r>
+            <a:r>
+              <a:rPr lang="en-US" sz="1400" b="1" dirty="0" smtClean="0">
+                <a:solidFill>
+                  <a:srgbClr val="FF8C52"/>
+                </a:solidFill>
+                <a:latin typeface="Oxygen" panose="02000503000000000000" pitchFamily="2" charset="0"/>
+              </a:rPr>
+              <a:t>		                 – IT Head of Recent Engagement</a:t>
+            </a:r>
+          </a:p>
+          <a:p>
+            <a:endParaRPr lang="en-US" sz="300" b="1" dirty="0" smtClean="0">
+              <a:solidFill>
+                <a:srgbClr val="FF8C52"/>
+              </a:solidFill>
+              <a:latin typeface="Oxygen" panose="02000503000000000000" pitchFamily="2" charset="0"/>
+            </a:endParaRPr>
+          </a:p>
+          <a:p>
+            <a:r>
+              <a:rPr lang="en-US" sz="1400" b="1" dirty="0" smtClean="0">
+                <a:solidFill>
+                  <a:srgbClr val="FF8C52"/>
+                </a:solidFill>
+                <a:latin typeface="Oxygen" panose="02000503000000000000" pitchFamily="2" charset="0"/>
+              </a:rPr>
+              <a:t> </a:t>
+            </a:r>
+            <a:endParaRPr lang="en-AU" sz="1400" b="1" dirty="0">
+              <a:solidFill>
+                <a:srgbClr val="FF8C52"/>
+              </a:solidFill>
+              <a:latin typeface="Oxygen" panose="02000503000000000000" pitchFamily="2" charset="0"/>
+            </a:endParaRPr>
           </a:p>
         </p:txBody>
       </p:sp>
     </p:spTree>
     <p:extLst>
       <p:ext uri="{BB962C8B-B14F-4D97-AF65-F5344CB8AC3E}">
-        <p14:creationId xmlns:p14="http://schemas.microsoft.com/office/powerpoint/2010/main" val="3389911323"/>
+        <p14:creationId xmlns:p14="http://schemas.microsoft.com/office/powerpoint/2010/main" val="3559774901"/>
       </p:ext>
     </p:extLst>
   </p:cSld>
@@ -6376,22 +6201,13 @@
           <a:p>
             <a:pPr algn="ctr"/>
             <a:r>
-              <a:rPr lang="en-US" sz="4400" b="1" dirty="0" err="1" smtClean="0">
+              <a:rPr lang="en-US" sz="4400" b="1" dirty="0" smtClean="0">
                 <a:solidFill>
                   <a:srgbClr val="FF8C52"/>
                 </a:solidFill>
                 <a:latin typeface="Oxygen" panose="02000503000000000000" pitchFamily="2" charset="0"/>
               </a:rPr>
-              <a:t>Dipanwita</a:t>
-            </a:r>
-            <a:r>
-              <a:rPr lang="en-US" sz="4400" b="1" dirty="0" smtClean="0">
-                <a:solidFill>
-                  <a:srgbClr val="FF8C52"/>
-                </a:solidFill>
-                <a:latin typeface="Oxygen" panose="02000503000000000000" pitchFamily="2" charset="0"/>
-              </a:rPr>
-              <a:t> Biswas</a:t>
+              <a:t>Dipanwita Biswas</a:t>
             </a:r>
           </a:p>
           <a:p>
@@ -6798,6 +6614,1161 @@
           <a:lstStyle/>
           <a:p>
             <a:pPr algn="ctr"/>
+            <a:endParaRPr lang="en-AU" dirty="0"/>
+          </a:p>
+        </p:txBody>
+      </p:sp>
+      <p:grpSp>
+        <p:nvGrpSpPr>
+          <p:cNvPr id="3" name="Group 8"/>
+          <p:cNvGrpSpPr/>
+          <p:nvPr/>
+        </p:nvGrpSpPr>
+        <p:grpSpPr>
+          <a:xfrm>
+            <a:off x="427574" y="4716245"/>
+            <a:ext cx="6128868" cy="3089561"/>
+            <a:chOff x="388664" y="4696790"/>
+            <a:chExt cx="6128868" cy="3089561"/>
+          </a:xfrm>
+        </p:grpSpPr>
+        <p:sp>
+          <p:nvSpPr>
+            <p:cNvPr id="12" name="TextBox 11"/>
+            <p:cNvSpPr txBox="1"/>
+            <p:nvPr/>
+          </p:nvSpPr>
+          <p:spPr>
+            <a:xfrm>
+              <a:off x="388664" y="4696790"/>
+              <a:ext cx="6128868" cy="1754326"/>
+            </a:xfrm>
+            <a:prstGeom prst="rect">
+              <a:avLst/>
+            </a:prstGeom>
+            <a:noFill/>
+          </p:spPr>
+          <p:txBody>
+            <a:bodyPr wrap="square" rtlCol="0">
+              <a:spAutoFit/>
+            </a:bodyPr>
+            <a:lstStyle/>
+            <a:p>
+              <a:pPr algn="ctr"/>
+              <a:r>
+                <a:rPr lang="en-US" sz="4400" b="1" cap="small" dirty="0" smtClean="0">
+                  <a:solidFill>
+                    <a:schemeClr val="bg1"/>
+                  </a:solidFill>
+                  <a:latin typeface="Oxygen" panose="02000503000000000000" pitchFamily="2" charset="0"/>
+                </a:rPr>
+                <a:t>Anirban </a:t>
+              </a:r>
+              <a:r>
+                <a:rPr lang="en-US" sz="4400" b="1" cap="small" dirty="0" smtClean="0">
+                  <a:solidFill>
+                    <a:schemeClr val="bg1"/>
+                  </a:solidFill>
+                  <a:latin typeface="Oxygen" panose="02000503000000000000" pitchFamily="2" charset="0"/>
+                </a:rPr>
+                <a:t>Chakrabarty </a:t>
+              </a:r>
+              <a:r>
+                <a:rPr lang="en-US" sz="2400" b="1" dirty="0" smtClean="0">
+                  <a:solidFill>
+                    <a:schemeClr val="bg1"/>
+                  </a:solidFill>
+                  <a:latin typeface="Oxygen" panose="02000503000000000000" pitchFamily="2" charset="0"/>
+                </a:rPr>
+                <a:t>B.E. (Electronics), M.B.A. </a:t>
+              </a:r>
+              <a:r>
+                <a:rPr lang="en-US" sz="2400" b="1" dirty="0" smtClean="0">
+                  <a:solidFill>
+                    <a:schemeClr val="bg1"/>
+                  </a:solidFill>
+                  <a:latin typeface="Oxygen" panose="02000503000000000000" pitchFamily="2" charset="0"/>
+                </a:rPr>
+                <a:t>(Finance)</a:t>
+              </a:r>
+            </a:p>
+            <a:p>
+              <a:pPr algn="ctr"/>
+              <a:endParaRPr lang="en-US" sz="1200" b="1" dirty="0" smtClean="0">
+                <a:solidFill>
+                  <a:schemeClr val="bg1"/>
+                </a:solidFill>
+                <a:latin typeface="Oxygen" panose="02000503000000000000" pitchFamily="2" charset="0"/>
+              </a:endParaRPr>
+            </a:p>
+            <a:p>
+              <a:pPr algn="ctr"/>
+              <a:r>
+                <a:rPr lang="en-US" sz="2800" b="1" cap="small" dirty="0" smtClean="0">
+                  <a:solidFill>
+                    <a:schemeClr val="bg1"/>
+                  </a:solidFill>
+                  <a:latin typeface="Oxygen" panose="02000503000000000000" pitchFamily="2" charset="0"/>
+                </a:rPr>
+                <a:t>H.O.D</a:t>
+              </a:r>
+              <a:r>
+                <a:rPr lang="en-US" sz="2800" b="1" cap="small" dirty="0" smtClean="0">
+                  <a:solidFill>
+                    <a:schemeClr val="bg1"/>
+                  </a:solidFill>
+                  <a:latin typeface="Oxygen" panose="02000503000000000000" pitchFamily="2" charset="0"/>
+                </a:rPr>
+                <a:t>, AI &amp; Robotics</a:t>
+              </a:r>
+              <a:endParaRPr lang="en-US" sz="2800" b="1" cap="small" dirty="0">
+                <a:solidFill>
+                  <a:schemeClr val="bg1"/>
+                </a:solidFill>
+                <a:latin typeface="Oxygen" panose="02000503000000000000" pitchFamily="2" charset="0"/>
+              </a:endParaRPr>
+            </a:p>
+          </p:txBody>
+        </p:sp>
+        <p:sp>
+          <p:nvSpPr>
+            <p:cNvPr id="10" name="TextBox 9"/>
+            <p:cNvSpPr txBox="1"/>
+            <p:nvPr/>
+          </p:nvSpPr>
+          <p:spPr>
+            <a:xfrm>
+              <a:off x="447036" y="6586022"/>
+              <a:ext cx="3482941" cy="1200329"/>
+            </a:xfrm>
+            <a:prstGeom prst="rect">
+              <a:avLst/>
+            </a:prstGeom>
+            <a:noFill/>
+          </p:spPr>
+          <p:txBody>
+            <a:bodyPr wrap="square" rtlCol="0">
+              <a:spAutoFit/>
+            </a:bodyPr>
+            <a:lstStyle/>
+            <a:p>
+              <a:pPr marL="285750" indent="-285750">
+                <a:lnSpc>
+                  <a:spcPct val="200000"/>
+                </a:lnSpc>
+                <a:buFont typeface="Wingdings" panose="05000000000000000000" pitchFamily="2" charset="2"/>
+                <a:buChar char="v"/>
+              </a:pPr>
+              <a:r>
+                <a:rPr lang="en-US" b="1" dirty="0" smtClean="0">
+                  <a:solidFill>
+                    <a:schemeClr val="bg1"/>
+                  </a:solidFill>
+                  <a:latin typeface="Oxygen" panose="02000503000000000000" pitchFamily="2" charset="0"/>
+                </a:rPr>
+                <a:t>Supportive, Loves Kids </a:t>
+              </a:r>
+              <a:endParaRPr lang="en-US" b="1" dirty="0" smtClean="0">
+                <a:solidFill>
+                  <a:schemeClr val="bg1"/>
+                </a:solidFill>
+                <a:latin typeface="Oxygen" panose="02000503000000000000" pitchFamily="2" charset="0"/>
+              </a:endParaRPr>
+            </a:p>
+            <a:p>
+              <a:pPr marL="285750" indent="-285750">
+                <a:lnSpc>
+                  <a:spcPct val="200000"/>
+                </a:lnSpc>
+                <a:buFont typeface="Wingdings" panose="05000000000000000000" pitchFamily="2" charset="2"/>
+                <a:buChar char="v"/>
+              </a:pPr>
+              <a:r>
+                <a:rPr lang="en-US" b="1" dirty="0" smtClean="0">
+                  <a:solidFill>
+                    <a:schemeClr val="bg1"/>
+                  </a:solidFill>
+                  <a:latin typeface="Oxygen" panose="02000503000000000000" pitchFamily="2" charset="0"/>
+                </a:rPr>
+                <a:t>Global </a:t>
+              </a:r>
+              <a:r>
+                <a:rPr lang="en-US" b="1" dirty="0" smtClean="0">
+                  <a:solidFill>
+                    <a:schemeClr val="bg1"/>
+                  </a:solidFill>
+                  <a:latin typeface="Oxygen" panose="02000503000000000000" pitchFamily="2" charset="0"/>
+                </a:rPr>
+                <a:t>Corporate  Exp</a:t>
+              </a:r>
+              <a:r>
+                <a:rPr lang="en-US" b="1" dirty="0" smtClean="0">
+                  <a:solidFill>
+                    <a:schemeClr val="bg1"/>
+                  </a:solidFill>
+                  <a:latin typeface="Oxygen" panose="02000503000000000000" pitchFamily="2" charset="0"/>
+                </a:rPr>
+                <a:t>.</a:t>
+              </a:r>
+              <a:endParaRPr lang="en-US" b="1" dirty="0" smtClean="0">
+                <a:solidFill>
+                  <a:schemeClr val="bg1"/>
+                </a:solidFill>
+                <a:latin typeface="Oxygen" panose="02000503000000000000" pitchFamily="2" charset="0"/>
+              </a:endParaRPr>
+            </a:p>
+          </p:txBody>
+        </p:sp>
+      </p:grpSp>
+      <p:sp>
+        <p:nvSpPr>
+          <p:cNvPr id="9" name="TextBox 8"/>
+          <p:cNvSpPr txBox="1"/>
+          <p:nvPr/>
+        </p:nvSpPr>
+        <p:spPr>
+          <a:xfrm>
+            <a:off x="3485157" y="6635056"/>
+            <a:ext cx="3159720" cy="1200329"/>
+          </a:xfrm>
+          <a:prstGeom prst="rect">
+            <a:avLst/>
+          </a:prstGeom>
+          <a:noFill/>
+        </p:spPr>
+        <p:txBody>
+          <a:bodyPr wrap="square" rtlCol="0">
+            <a:spAutoFit/>
+          </a:bodyPr>
+          <a:lstStyle/>
+          <a:p>
+            <a:pPr marL="285750" indent="-285750">
+              <a:lnSpc>
+                <a:spcPct val="200000"/>
+              </a:lnSpc>
+              <a:buFont typeface="Wingdings" panose="05000000000000000000" pitchFamily="2" charset="2"/>
+              <a:buChar char="v"/>
+            </a:pPr>
+            <a:r>
+              <a:rPr lang="en-US" dirty="0" smtClean="0">
+                <a:solidFill>
+                  <a:schemeClr val="bg1"/>
+                </a:solidFill>
+                <a:latin typeface="Oxygen" pitchFamily="2" charset="0"/>
+              </a:rPr>
+              <a:t>  </a:t>
+            </a:r>
+            <a:r>
+              <a:rPr lang="en-US" b="1" dirty="0" smtClean="0">
+                <a:solidFill>
+                  <a:schemeClr val="bg1"/>
+                </a:solidFill>
+                <a:latin typeface="Oxygen" panose="02000503000000000000" pitchFamily="2" charset="0"/>
+              </a:rPr>
+              <a:t>Innovative &amp; Dynamic</a:t>
+            </a:r>
+            <a:endParaRPr lang="en-US" b="1" dirty="0">
+              <a:solidFill>
+                <a:schemeClr val="bg1"/>
+              </a:solidFill>
+              <a:latin typeface="Oxygen" panose="02000503000000000000" pitchFamily="2" charset="0"/>
+            </a:endParaRPr>
+          </a:p>
+          <a:p>
+            <a:pPr marL="285750" indent="-285750">
+              <a:lnSpc>
+                <a:spcPct val="200000"/>
+              </a:lnSpc>
+              <a:buFont typeface="Wingdings" panose="05000000000000000000" pitchFamily="2" charset="2"/>
+              <a:buChar char="v"/>
+            </a:pPr>
+            <a:r>
+              <a:rPr lang="en-US" b="1" dirty="0">
+                <a:solidFill>
+                  <a:schemeClr val="bg1"/>
+                </a:solidFill>
+                <a:latin typeface="Oxygen" panose="02000503000000000000" pitchFamily="2" charset="0"/>
+              </a:rPr>
+              <a:t>  </a:t>
+            </a:r>
+            <a:r>
+              <a:rPr lang="en-US" b="1" dirty="0" smtClean="0">
+                <a:solidFill>
+                  <a:schemeClr val="bg1"/>
+                </a:solidFill>
+                <a:latin typeface="Oxygen" panose="02000503000000000000" pitchFamily="2" charset="0"/>
+              </a:rPr>
+              <a:t>Truly Inspires Talent</a:t>
+            </a:r>
+            <a:endParaRPr lang="en-US" b="1" dirty="0">
+              <a:solidFill>
+                <a:schemeClr val="bg1"/>
+              </a:solidFill>
+              <a:latin typeface="Oxygen" panose="02000503000000000000" pitchFamily="2" charset="0"/>
+            </a:endParaRPr>
+          </a:p>
+        </p:txBody>
+      </p:sp>
+      <p:pic>
+        <p:nvPicPr>
+          <p:cNvPr id="4" name="Picture 3"/>
+          <p:cNvPicPr>
+            <a:picLocks noChangeAspect="1"/>
+          </p:cNvPicPr>
+          <p:nvPr/>
+        </p:nvPicPr>
+        <p:blipFill>
+          <a:blip r:embed="rId3"/>
+          <a:stretch>
+            <a:fillRect/>
+          </a:stretch>
+        </p:blipFill>
+        <p:spPr>
+          <a:xfrm>
+            <a:off x="1547002" y="583230"/>
+            <a:ext cx="3876306" cy="3855461"/>
+          </a:xfrm>
+          <a:prstGeom prst="rect">
+            <a:avLst/>
+          </a:prstGeom>
+          <a:effectLst>
+            <a:outerShdw blurRad="50800" dist="50800" dir="5400000" algn="ctr" rotWithShape="0">
+              <a:srgbClr val="000000">
+                <a:alpha val="56000"/>
+              </a:srgbClr>
+            </a:outerShdw>
+            <a:softEdge rad="0"/>
+          </a:effectLst>
+        </p:spPr>
+      </p:pic>
+      <p:sp>
+        <p:nvSpPr>
+          <p:cNvPr id="15" name="TextBox 14"/>
+          <p:cNvSpPr txBox="1"/>
+          <p:nvPr/>
+        </p:nvSpPr>
+        <p:spPr>
+          <a:xfrm>
+            <a:off x="173159" y="8305677"/>
+            <a:ext cx="6538926" cy="1169551"/>
+          </a:xfrm>
+          <a:prstGeom prst="rect">
+            <a:avLst/>
+          </a:prstGeom>
+          <a:noFill/>
+        </p:spPr>
+        <p:txBody>
+          <a:bodyPr wrap="square" rtlCol="0">
+            <a:spAutoFit/>
+          </a:bodyPr>
+          <a:lstStyle/>
+          <a:p>
+            <a:r>
+              <a:rPr lang="en-US" sz="1700" b="1" dirty="0" smtClean="0">
+                <a:solidFill>
+                  <a:schemeClr val="bg1"/>
+                </a:solidFill>
+                <a:latin typeface="Oxygen" panose="02000503000000000000" pitchFamily="2" charset="0"/>
+              </a:rPr>
+              <a:t>Super brain, the best guy to take care </a:t>
+            </a:r>
+            <a:r>
+              <a:rPr lang="en-US" sz="1700" b="1" dirty="0" smtClean="0">
+                <a:solidFill>
+                  <a:schemeClr val="bg1"/>
+                </a:solidFill>
+                <a:latin typeface="Oxygen" panose="02000503000000000000" pitchFamily="2" charset="0"/>
+              </a:rPr>
+              <a:t>of </a:t>
+            </a:r>
+            <a:r>
+              <a:rPr lang="en-US" sz="1700" b="1" dirty="0" smtClean="0">
+                <a:solidFill>
+                  <a:schemeClr val="bg1"/>
+                </a:solidFill>
+                <a:latin typeface="Oxygen" panose="02000503000000000000" pitchFamily="2" charset="0"/>
+              </a:rPr>
+              <a:t>AI </a:t>
+            </a:r>
+            <a:r>
+              <a:rPr lang="en-US" sz="1700" b="1" dirty="0" smtClean="0">
+                <a:solidFill>
+                  <a:schemeClr val="bg1"/>
+                </a:solidFill>
+                <a:latin typeface="Oxygen" panose="02000503000000000000" pitchFamily="2" charset="0"/>
+              </a:rPr>
+              <a:t>implementation</a:t>
+            </a:r>
+            <a:r>
+              <a:rPr lang="en-US" sz="1700" b="1" dirty="0" smtClean="0">
+                <a:solidFill>
+                  <a:schemeClr val="bg1"/>
+                </a:solidFill>
+                <a:latin typeface="Oxygen" panose="02000503000000000000" pitchFamily="2" charset="0"/>
+              </a:rPr>
+              <a:t>!</a:t>
+            </a:r>
+            <a:endParaRPr lang="en-US" sz="1700" b="1" dirty="0" smtClean="0">
+              <a:solidFill>
+                <a:schemeClr val="bg1"/>
+              </a:solidFill>
+              <a:latin typeface="Oxygen" panose="02000503000000000000" pitchFamily="2" charset="0"/>
+            </a:endParaRPr>
+          </a:p>
+          <a:p>
+            <a:r>
+              <a:rPr lang="en-US" sz="1400" b="1" dirty="0">
+                <a:solidFill>
+                  <a:schemeClr val="bg1"/>
+                </a:solidFill>
+                <a:latin typeface="Oxygen" panose="02000503000000000000" pitchFamily="2" charset="0"/>
+              </a:rPr>
+              <a:t>	</a:t>
+            </a:r>
+            <a:r>
+              <a:rPr lang="en-US" sz="1400" b="1" dirty="0" smtClean="0">
+                <a:solidFill>
+                  <a:schemeClr val="bg1"/>
+                </a:solidFill>
+                <a:latin typeface="Oxygen" panose="02000503000000000000" pitchFamily="2" charset="0"/>
+              </a:rPr>
+              <a:t>		                                        </a:t>
+            </a:r>
+            <a:r>
+              <a:rPr lang="en-US" sz="1400" b="1" dirty="0" smtClean="0">
+                <a:solidFill>
+                  <a:schemeClr val="bg1"/>
+                </a:solidFill>
+                <a:latin typeface="Oxygen" panose="02000503000000000000" pitchFamily="2" charset="0"/>
+              </a:rPr>
+              <a:t>  – </a:t>
+            </a:r>
+            <a:r>
+              <a:rPr lang="en-US" sz="1400" b="1" dirty="0" smtClean="0">
+                <a:solidFill>
+                  <a:schemeClr val="bg1"/>
+                </a:solidFill>
+                <a:latin typeface="Oxygen" panose="02000503000000000000" pitchFamily="2" charset="0"/>
+              </a:rPr>
+              <a:t>Corporate</a:t>
+            </a:r>
+            <a:r>
+              <a:rPr lang="en-US" sz="1400" b="1" dirty="0" smtClean="0">
+                <a:solidFill>
+                  <a:schemeClr val="bg1"/>
+                </a:solidFill>
+                <a:latin typeface="Oxygen" panose="02000503000000000000" pitchFamily="2" charset="0"/>
+              </a:rPr>
+              <a:t> </a:t>
+            </a:r>
+            <a:r>
+              <a:rPr lang="en-US" sz="1400" b="1" dirty="0" smtClean="0">
+                <a:solidFill>
+                  <a:schemeClr val="bg1"/>
+                </a:solidFill>
+                <a:latin typeface="Oxygen" panose="02000503000000000000" pitchFamily="2" charset="0"/>
+              </a:rPr>
+              <a:t>Client</a:t>
+            </a:r>
+          </a:p>
+          <a:p>
+            <a:endParaRPr lang="en-US" sz="300" b="1" dirty="0" smtClean="0">
+              <a:solidFill>
+                <a:schemeClr val="bg1"/>
+              </a:solidFill>
+              <a:latin typeface="Oxygen" panose="02000503000000000000" pitchFamily="2" charset="0"/>
+            </a:endParaRPr>
+          </a:p>
+          <a:p>
+            <a:endParaRPr lang="en-US" sz="300" b="1" dirty="0">
+              <a:solidFill>
+                <a:schemeClr val="bg1"/>
+              </a:solidFill>
+              <a:latin typeface="Oxygen" panose="02000503000000000000" pitchFamily="2" charset="0"/>
+            </a:endParaRPr>
+          </a:p>
+          <a:p>
+            <a:r>
+              <a:rPr lang="en-US" sz="1700" b="1" dirty="0">
+                <a:solidFill>
+                  <a:schemeClr val="bg1"/>
+                </a:solidFill>
+                <a:latin typeface="Oxygen" panose="02000503000000000000" pitchFamily="2" charset="0"/>
+              </a:rPr>
+              <a:t>Dynamo of energy, dependable and trusted for the </a:t>
+            </a:r>
+            <a:r>
+              <a:rPr lang="en-US" sz="1700" b="1" dirty="0" smtClean="0">
+                <a:solidFill>
+                  <a:schemeClr val="bg1"/>
+                </a:solidFill>
+                <a:latin typeface="Oxygen" panose="02000503000000000000" pitchFamily="2" charset="0"/>
+              </a:rPr>
+              <a:t>job!</a:t>
+            </a:r>
+            <a:endParaRPr lang="en-US" sz="1700" b="1" dirty="0">
+              <a:solidFill>
+                <a:schemeClr val="bg1"/>
+              </a:solidFill>
+              <a:latin typeface="Oxygen" panose="02000503000000000000" pitchFamily="2" charset="0"/>
+            </a:endParaRPr>
+          </a:p>
+          <a:p>
+            <a:r>
+              <a:rPr lang="en-US" sz="1600" b="1" dirty="0">
+                <a:solidFill>
+                  <a:schemeClr val="bg1"/>
+                </a:solidFill>
+                <a:latin typeface="Oxygen" panose="02000503000000000000" pitchFamily="2" charset="0"/>
+              </a:rPr>
+              <a:t>	                               </a:t>
+            </a:r>
+            <a:r>
+              <a:rPr lang="en-US" sz="1600" b="1" dirty="0" smtClean="0">
+                <a:solidFill>
+                  <a:schemeClr val="bg1"/>
+                </a:solidFill>
+                <a:latin typeface="Oxygen" panose="02000503000000000000" pitchFamily="2" charset="0"/>
+              </a:rPr>
+              <a:t>    </a:t>
+            </a:r>
+            <a:r>
+              <a:rPr lang="en-US" sz="1400" b="1" dirty="0" smtClean="0">
+                <a:solidFill>
+                  <a:schemeClr val="bg1"/>
+                </a:solidFill>
+                <a:latin typeface="Oxygen" panose="02000503000000000000" pitchFamily="2" charset="0"/>
+              </a:rPr>
+              <a:t>– </a:t>
+            </a:r>
+            <a:r>
+              <a:rPr lang="en-US" sz="1400" b="1" dirty="0">
+                <a:solidFill>
+                  <a:schemeClr val="bg1"/>
+                </a:solidFill>
+                <a:latin typeface="Oxygen" panose="02000503000000000000" pitchFamily="2" charset="0"/>
+              </a:rPr>
+              <a:t>Vish </a:t>
+            </a:r>
+            <a:r>
+              <a:rPr lang="en-US" sz="1400" b="1" dirty="0" smtClean="0">
+                <a:solidFill>
+                  <a:schemeClr val="bg1"/>
+                </a:solidFill>
+                <a:latin typeface="Oxygen" panose="02000503000000000000" pitchFamily="2" charset="0"/>
+              </a:rPr>
+              <a:t>Coosa, </a:t>
+            </a:r>
+            <a:r>
+              <a:rPr lang="en-US" sz="1400" b="1" dirty="0">
+                <a:solidFill>
+                  <a:schemeClr val="bg1"/>
+                </a:solidFill>
+                <a:latin typeface="Oxygen" panose="02000503000000000000" pitchFamily="2" charset="0"/>
+              </a:rPr>
+              <a:t>Morgan Stanley </a:t>
+            </a:r>
+            <a:r>
+              <a:rPr lang="en-US" sz="1400" b="1" dirty="0" smtClean="0">
+                <a:solidFill>
+                  <a:schemeClr val="bg1"/>
+                </a:solidFill>
+                <a:latin typeface="Oxygen" panose="02000503000000000000" pitchFamily="2" charset="0"/>
+              </a:rPr>
+              <a:t>Bank, U.S.A.</a:t>
+            </a:r>
+            <a:endParaRPr lang="en-US" sz="300" b="1" dirty="0" smtClean="0">
+              <a:solidFill>
+                <a:schemeClr val="bg1"/>
+              </a:solidFill>
+              <a:latin typeface="Oxygen" panose="02000503000000000000" pitchFamily="2" charset="0"/>
+            </a:endParaRPr>
+          </a:p>
+        </p:txBody>
+      </p:sp>
+      <p:sp>
+        <p:nvSpPr>
+          <p:cNvPr id="11" name="Rectangle 10"/>
+          <p:cNvSpPr/>
+          <p:nvPr/>
+        </p:nvSpPr>
+        <p:spPr>
+          <a:xfrm>
+            <a:off x="1501046" y="585681"/>
+            <a:ext cx="3968217" cy="3906488"/>
+          </a:xfrm>
+          <a:prstGeom prst="rect">
+            <a:avLst/>
+          </a:prstGeom>
+          <a:gradFill>
+            <a:gsLst>
+              <a:gs pos="70000">
+                <a:srgbClr val="FF8C52"/>
+              </a:gs>
+              <a:gs pos="62000">
+                <a:srgbClr val="FF8C52">
+                  <a:alpha val="0"/>
+                </a:srgbClr>
+              </a:gs>
+            </a:gsLst>
+            <a:path path="circle">
+              <a:fillToRect l="50000" t="50000" r="50000" b="50000"/>
+            </a:path>
+          </a:gradFill>
+          <a:ln>
+            <a:noFill/>
+          </a:ln>
+        </p:spPr>
+        <p:style>
+          <a:lnRef idx="2">
+            <a:schemeClr val="accent1">
+              <a:shade val="50000"/>
+            </a:schemeClr>
+          </a:lnRef>
+          <a:fillRef idx="1">
+            <a:schemeClr val="accent1"/>
+          </a:fillRef>
+          <a:effectRef idx="0">
+            <a:schemeClr val="accent1"/>
+          </a:effectRef>
+          <a:fontRef idx="minor">
+            <a:schemeClr val="lt1"/>
+          </a:fontRef>
+        </p:style>
+        <p:txBody>
+          <a:bodyPr rtlCol="0" anchor="ctr"/>
+          <a:lstStyle/>
+          <a:p>
+            <a:pPr algn="ctr"/>
+            <a:endParaRPr lang="en-AU"/>
+          </a:p>
+        </p:txBody>
+      </p:sp>
+    </p:spTree>
+    <p:extLst>
+      <p:ext uri="{BB962C8B-B14F-4D97-AF65-F5344CB8AC3E}">
+        <p14:creationId xmlns:p14="http://schemas.microsoft.com/office/powerpoint/2010/main" val="3389911323"/>
+      </p:ext>
+    </p:extLst>
+  </p:cSld>
+  <p:clrMapOvr>
+    <a:masterClrMapping/>
+  </p:clrMapOvr>
+  <p:timing>
+    <p:tnLst>
+      <p:par>
+        <p:cTn id="1" dur="indefinite" restart="never" nodeType="tmRoot"/>
+      </p:par>
+    </p:tnLst>
+  </p:timing>
+</p:sld>
+</file>
+
+<file path=ppt/slides/slide5.xml><?xml version="1.0" encoding="utf-8"?>
+<p:sld xmlns:a="http://schemas.openxmlformats.org/drawingml/2006/main" xmlns:r="http://schemas.openxmlformats.org/officeDocument/2006/relationships" xmlns:p="http://schemas.openxmlformats.org/presentationml/2006/main">
+  <p:cSld>
+    <p:spTree>
+      <p:nvGrpSpPr>
+        <p:cNvPr id="1" name=""/>
+        <p:cNvGrpSpPr/>
+        <p:nvPr/>
+      </p:nvGrpSpPr>
+      <p:grpSpPr>
+        <a:xfrm>
+          <a:off x="0" y="0"/>
+          <a:ext cx="0" cy="0"/>
+          <a:chOff x="0" y="0"/>
+          <a:chExt cx="0" cy="0"/>
+        </a:xfrm>
+      </p:grpSpPr>
+      <p:pic>
+        <p:nvPicPr>
+          <p:cNvPr id="2" name="Picture 1"/>
+          <p:cNvPicPr>
+            <a:picLocks noChangeAspect="1"/>
+          </p:cNvPicPr>
+          <p:nvPr/>
+        </p:nvPicPr>
+        <p:blipFill>
+          <a:blip r:embed="rId3">
+            <a:extLst>
+              <a:ext uri="{28A0092B-C50C-407E-A947-70E740481C1C}">
+                <a14:useLocalDpi xmlns:a14="http://schemas.microsoft.com/office/drawing/2010/main" val="0"/>
+              </a:ext>
+            </a:extLst>
+          </a:blip>
+          <a:stretch>
+            <a:fillRect/>
+          </a:stretch>
+        </p:blipFill>
+        <p:spPr>
+          <a:xfrm>
+            <a:off x="1476346" y="540910"/>
+            <a:ext cx="3968216" cy="3922249"/>
+          </a:xfrm>
+          <a:prstGeom prst="rect">
+            <a:avLst/>
+          </a:prstGeom>
+        </p:spPr>
+      </p:pic>
+      <p:sp>
+        <p:nvSpPr>
+          <p:cNvPr id="9" name="Rectangle 8"/>
+          <p:cNvSpPr/>
+          <p:nvPr/>
+        </p:nvSpPr>
+        <p:spPr>
+          <a:xfrm>
+            <a:off x="1476346" y="540911"/>
+            <a:ext cx="3968217" cy="3922250"/>
+          </a:xfrm>
+          <a:prstGeom prst="rect">
+            <a:avLst/>
+          </a:prstGeom>
+          <a:gradFill>
+            <a:gsLst>
+              <a:gs pos="70000">
+                <a:srgbClr val="FFFFFF"/>
+              </a:gs>
+              <a:gs pos="62000">
+                <a:schemeClr val="bg1">
+                  <a:alpha val="0"/>
+                </a:schemeClr>
+              </a:gs>
+            </a:gsLst>
+            <a:path path="circle">
+              <a:fillToRect l="50000" t="50000" r="50000" b="50000"/>
+            </a:path>
+          </a:gradFill>
+          <a:ln>
+            <a:noFill/>
+          </a:ln>
+        </p:spPr>
+        <p:style>
+          <a:lnRef idx="2">
+            <a:schemeClr val="accent1">
+              <a:shade val="50000"/>
+            </a:schemeClr>
+          </a:lnRef>
+          <a:fillRef idx="1">
+            <a:schemeClr val="accent1"/>
+          </a:fillRef>
+          <a:effectRef idx="0">
+            <a:schemeClr val="accent1"/>
+          </a:effectRef>
+          <a:fontRef idx="minor">
+            <a:schemeClr val="lt1"/>
+          </a:fontRef>
+        </p:style>
+        <p:txBody>
+          <a:bodyPr rtlCol="0" anchor="ctr"/>
+          <a:lstStyle/>
+          <a:p>
+            <a:pPr algn="ctr"/>
+            <a:endParaRPr lang="en-AU" dirty="0"/>
+          </a:p>
+        </p:txBody>
+      </p:sp>
+      <p:grpSp>
+        <p:nvGrpSpPr>
+          <p:cNvPr id="7" name="Group 6"/>
+          <p:cNvGrpSpPr/>
+          <p:nvPr/>
+        </p:nvGrpSpPr>
+        <p:grpSpPr>
+          <a:xfrm>
+            <a:off x="199094" y="4996471"/>
+            <a:ext cx="6522722" cy="4512265"/>
+            <a:chOff x="335280" y="4626826"/>
+            <a:chExt cx="6522720" cy="4512265"/>
+          </a:xfrm>
+        </p:grpSpPr>
+        <p:sp>
+          <p:nvSpPr>
+            <p:cNvPr id="12" name="TextBox 11"/>
+            <p:cNvSpPr txBox="1"/>
+            <p:nvPr/>
+          </p:nvSpPr>
+          <p:spPr>
+            <a:xfrm>
+              <a:off x="925286" y="4626826"/>
+              <a:ext cx="5342708" cy="1815882"/>
+            </a:xfrm>
+            <a:prstGeom prst="rect">
+              <a:avLst/>
+            </a:prstGeom>
+            <a:noFill/>
+          </p:spPr>
+          <p:txBody>
+            <a:bodyPr wrap="square" rtlCol="0">
+              <a:spAutoFit/>
+            </a:bodyPr>
+            <a:lstStyle/>
+            <a:p>
+              <a:pPr algn="ctr"/>
+              <a:r>
+                <a:rPr lang="en-US" sz="4400" b="1" cap="small" dirty="0">
+                  <a:solidFill>
+                    <a:srgbClr val="FF8C52"/>
+                  </a:solidFill>
+                  <a:latin typeface="Oxygen" panose="02000503000000000000" pitchFamily="2" charset="0"/>
+                </a:rPr>
+                <a:t>Abhipsha </a:t>
+              </a:r>
+              <a:r>
+                <a:rPr lang="en-US" sz="4400" b="1" cap="small" dirty="0" smtClean="0">
+                  <a:solidFill>
+                    <a:srgbClr val="FF8C52"/>
+                  </a:solidFill>
+                  <a:latin typeface="Oxygen" panose="02000503000000000000" pitchFamily="2" charset="0"/>
+                </a:rPr>
+                <a:t>Dutta</a:t>
+              </a:r>
+              <a:endParaRPr lang="en-US" sz="4400" b="1" cap="small" dirty="0">
+                <a:solidFill>
+                  <a:srgbClr val="FF8C52"/>
+                </a:solidFill>
+                <a:latin typeface="Oxygen" panose="02000503000000000000" pitchFamily="2" charset="0"/>
+              </a:endParaRPr>
+            </a:p>
+            <a:p>
+              <a:pPr algn="ctr"/>
+              <a:r>
+                <a:rPr lang="en-US" sz="2400" b="1" dirty="0" smtClean="0">
+                  <a:solidFill>
+                    <a:srgbClr val="FF8C52"/>
+                  </a:solidFill>
+                  <a:latin typeface="Oxygen" panose="02000503000000000000" pitchFamily="2" charset="0"/>
+                </a:rPr>
+                <a:t>M.Sc</a:t>
+              </a:r>
+              <a:r>
+                <a:rPr lang="en-US" sz="2400" b="1" dirty="0" smtClean="0">
+                  <a:solidFill>
+                    <a:srgbClr val="FF8C52"/>
+                  </a:solidFill>
+                  <a:latin typeface="Oxygen" panose="02000503000000000000" pitchFamily="2" charset="0"/>
+                </a:rPr>
+                <a:t>., B.Ed.</a:t>
+              </a:r>
+              <a:endParaRPr lang="en-US" sz="2800" b="1" dirty="0" smtClean="0">
+                <a:solidFill>
+                  <a:srgbClr val="FF8C52"/>
+                </a:solidFill>
+                <a:latin typeface="Oxygen" panose="02000503000000000000" pitchFamily="2" charset="0"/>
+              </a:endParaRPr>
+            </a:p>
+            <a:p>
+              <a:pPr algn="ctr"/>
+              <a:endParaRPr lang="en-US" sz="1200" b="1" dirty="0" smtClean="0">
+                <a:solidFill>
+                  <a:srgbClr val="FF8C52"/>
+                </a:solidFill>
+                <a:latin typeface="Oxygen" panose="02000503000000000000" pitchFamily="2" charset="0"/>
+              </a:endParaRPr>
+            </a:p>
+            <a:p>
+              <a:pPr algn="ctr"/>
+              <a:r>
+                <a:rPr lang="en-US" sz="2800" b="1" cap="small" dirty="0" smtClean="0">
+                  <a:solidFill>
+                    <a:srgbClr val="FF8C52"/>
+                  </a:solidFill>
+                  <a:latin typeface="Oxygen" panose="02000503000000000000" pitchFamily="2" charset="0"/>
+                </a:rPr>
+                <a:t>Chemistry - VIII – XII</a:t>
+              </a:r>
+              <a:endParaRPr lang="en-US" sz="1100" b="1" cap="small" dirty="0">
+                <a:solidFill>
+                  <a:srgbClr val="FF8C52"/>
+                </a:solidFill>
+                <a:latin typeface="Oxygen" panose="02000503000000000000" pitchFamily="2" charset="0"/>
+              </a:endParaRPr>
+            </a:p>
+          </p:txBody>
+        </p:sp>
+        <p:sp>
+          <p:nvSpPr>
+            <p:cNvPr id="13" name="TextBox 12"/>
+            <p:cNvSpPr txBox="1"/>
+            <p:nvPr/>
+          </p:nvSpPr>
+          <p:spPr>
+            <a:xfrm>
+              <a:off x="335280" y="8292705"/>
+              <a:ext cx="6522720" cy="846386"/>
+            </a:xfrm>
+            <a:prstGeom prst="rect">
+              <a:avLst/>
+            </a:prstGeom>
+            <a:noFill/>
+          </p:spPr>
+          <p:txBody>
+            <a:bodyPr wrap="square" rtlCol="0">
+              <a:spAutoFit/>
+            </a:bodyPr>
+            <a:lstStyle/>
+            <a:p>
+              <a:r>
+                <a:rPr lang="en-US" b="1" dirty="0" smtClean="0">
+                  <a:solidFill>
+                    <a:srgbClr val="FF8C52"/>
+                  </a:solidFill>
+                  <a:latin typeface="Oxygen" panose="02000503000000000000" pitchFamily="2" charset="0"/>
+                </a:rPr>
+                <a:t>Explains so well and clears all doubts. I am really happy!</a:t>
+              </a:r>
+            </a:p>
+            <a:p>
+              <a:r>
+                <a:rPr lang="en-US" sz="1400" b="1" dirty="0">
+                  <a:solidFill>
+                    <a:srgbClr val="FF8C52"/>
+                  </a:solidFill>
+                  <a:latin typeface="Oxygen" panose="02000503000000000000" pitchFamily="2" charset="0"/>
+                </a:rPr>
+                <a:t>	</a:t>
+              </a:r>
+              <a:r>
+                <a:rPr lang="en-US" sz="1400" b="1" dirty="0" smtClean="0">
+                  <a:solidFill>
+                    <a:srgbClr val="FF8C52"/>
+                  </a:solidFill>
+                  <a:latin typeface="Oxygen" panose="02000503000000000000" pitchFamily="2" charset="0"/>
+                </a:rPr>
+                <a:t>		                  – Suparno’s mother (ICSE 97%)</a:t>
+              </a:r>
+            </a:p>
+            <a:p>
+              <a:endParaRPr lang="en-US" sz="300" b="1" dirty="0" smtClean="0">
+                <a:solidFill>
+                  <a:srgbClr val="FF8C52"/>
+                </a:solidFill>
+                <a:latin typeface="Oxygen" panose="02000503000000000000" pitchFamily="2" charset="0"/>
+              </a:endParaRPr>
+            </a:p>
+            <a:p>
+              <a:r>
+                <a:rPr lang="en-US" sz="1400" b="1" dirty="0" smtClean="0">
+                  <a:solidFill>
+                    <a:srgbClr val="FF8C52"/>
+                  </a:solidFill>
+                  <a:latin typeface="Oxygen" panose="02000503000000000000" pitchFamily="2" charset="0"/>
+                </a:rPr>
+                <a:t> </a:t>
+              </a:r>
+              <a:endParaRPr lang="en-AU" sz="1400" b="1" dirty="0">
+                <a:solidFill>
+                  <a:srgbClr val="FF8C52"/>
+                </a:solidFill>
+                <a:latin typeface="Oxygen" panose="02000503000000000000" pitchFamily="2" charset="0"/>
+              </a:endParaRPr>
+            </a:p>
+          </p:txBody>
+        </p:sp>
+        <p:sp>
+          <p:nvSpPr>
+            <p:cNvPr id="10" name="TextBox 9"/>
+            <p:cNvSpPr txBox="1"/>
+            <p:nvPr/>
+          </p:nvSpPr>
+          <p:spPr>
+            <a:xfrm>
+              <a:off x="1031130" y="6723106"/>
+              <a:ext cx="2665378" cy="1077218"/>
+            </a:xfrm>
+            <a:prstGeom prst="rect">
+              <a:avLst/>
+            </a:prstGeom>
+            <a:noFill/>
+          </p:spPr>
+          <p:txBody>
+            <a:bodyPr wrap="square" rtlCol="0">
+              <a:spAutoFit/>
+            </a:bodyPr>
+            <a:lstStyle/>
+            <a:p>
+              <a:pPr marL="285750" indent="-285750">
+                <a:lnSpc>
+                  <a:spcPct val="200000"/>
+                </a:lnSpc>
+                <a:buFont typeface="Wingdings" panose="05000000000000000000" pitchFamily="2" charset="2"/>
+                <a:buChar char="v"/>
+              </a:pPr>
+              <a:r>
+                <a:rPr lang="en-US" sz="1600" b="1" dirty="0" smtClean="0">
+                  <a:solidFill>
+                    <a:srgbClr val="FF8C52"/>
+                  </a:solidFill>
+                  <a:latin typeface="Oxygen" panose="02000503000000000000" pitchFamily="2" charset="0"/>
+                </a:rPr>
+                <a:t>Excellent Mentor</a:t>
+              </a:r>
+            </a:p>
+            <a:p>
+              <a:pPr marL="285750" indent="-285750">
+                <a:lnSpc>
+                  <a:spcPct val="200000"/>
+                </a:lnSpc>
+                <a:buFont typeface="Wingdings" panose="05000000000000000000" pitchFamily="2" charset="2"/>
+                <a:buChar char="v"/>
+              </a:pPr>
+              <a:r>
+                <a:rPr lang="en-US" sz="1600" b="1" dirty="0" smtClean="0">
+                  <a:solidFill>
+                    <a:srgbClr val="FF8C52"/>
+                  </a:solidFill>
+                  <a:latin typeface="Oxygen" panose="02000503000000000000" pitchFamily="2" charset="0"/>
+                </a:rPr>
+                <a:t>Great Academics</a:t>
+              </a:r>
+              <a:endParaRPr lang="en-AU" sz="1600" b="1" dirty="0">
+                <a:solidFill>
+                  <a:srgbClr val="FF8C52"/>
+                </a:solidFill>
+                <a:latin typeface="Oxygen" panose="02000503000000000000" pitchFamily="2" charset="0"/>
+              </a:endParaRPr>
+            </a:p>
+          </p:txBody>
+        </p:sp>
+        <p:sp>
+          <p:nvSpPr>
+            <p:cNvPr id="8" name="Rectangle 7"/>
+            <p:cNvSpPr/>
+            <p:nvPr/>
+          </p:nvSpPr>
+          <p:spPr>
+            <a:xfrm>
+              <a:off x="3638139" y="6723106"/>
+              <a:ext cx="2957209" cy="1077218"/>
+            </a:xfrm>
+            <a:prstGeom prst="rect">
+              <a:avLst/>
+            </a:prstGeom>
+          </p:spPr>
+          <p:txBody>
+            <a:bodyPr wrap="square">
+              <a:spAutoFit/>
+            </a:bodyPr>
+            <a:lstStyle/>
+            <a:p>
+              <a:pPr marL="285750" indent="-285750">
+                <a:lnSpc>
+                  <a:spcPct val="200000"/>
+                </a:lnSpc>
+                <a:buFont typeface="Wingdings" panose="05000000000000000000" pitchFamily="2" charset="2"/>
+                <a:buChar char="v"/>
+              </a:pPr>
+              <a:r>
+                <a:rPr lang="en-US" sz="1600" b="1" dirty="0" smtClean="0">
+                  <a:solidFill>
+                    <a:srgbClr val="FF8C52"/>
+                  </a:solidFill>
+                  <a:latin typeface="Oxygen" panose="02000503000000000000" pitchFamily="2" charset="0"/>
+                </a:rPr>
+                <a:t>Caring &amp; Meticulous</a:t>
+              </a:r>
+            </a:p>
+            <a:p>
+              <a:pPr marL="285750" indent="-285750">
+                <a:lnSpc>
+                  <a:spcPct val="200000"/>
+                </a:lnSpc>
+                <a:buFont typeface="Wingdings" panose="05000000000000000000" pitchFamily="2" charset="2"/>
+                <a:buChar char="v"/>
+              </a:pPr>
+              <a:r>
+                <a:rPr lang="en-US" sz="1600" b="1" dirty="0" smtClean="0">
+                  <a:solidFill>
+                    <a:srgbClr val="FF8C52"/>
+                  </a:solidFill>
+                  <a:latin typeface="Oxygen" panose="02000503000000000000" pitchFamily="2" charset="0"/>
+                </a:rPr>
+                <a:t>Brilliant Experience</a:t>
+              </a:r>
+            </a:p>
+          </p:txBody>
+        </p:sp>
+      </p:grpSp>
+    </p:spTree>
+    <p:extLst>
+      <p:ext uri="{BB962C8B-B14F-4D97-AF65-F5344CB8AC3E}">
+        <p14:creationId xmlns:p14="http://schemas.microsoft.com/office/powerpoint/2010/main" val="3413235718"/>
+      </p:ext>
+    </p:extLst>
+  </p:cSld>
+  <p:clrMapOvr>
+    <a:masterClrMapping/>
+  </p:clrMapOvr>
+  <p:timing>
+    <p:tnLst>
+      <p:par>
+        <p:cTn id="1" dur="indefinite" restart="never" nodeType="tmRoot"/>
+      </p:par>
+    </p:tnLst>
+  </p:timing>
+</p:sld>
+</file>
+
+<file path=ppt/slides/slide6.xml><?xml version="1.0" encoding="utf-8"?>
+<p:sld xmlns:a="http://schemas.openxmlformats.org/drawingml/2006/main" xmlns:r="http://schemas.openxmlformats.org/officeDocument/2006/relationships" xmlns:p="http://schemas.openxmlformats.org/presentationml/2006/main">
+  <p:cSld>
+    <p:spTree>
+      <p:nvGrpSpPr>
+        <p:cNvPr id="1" name=""/>
+        <p:cNvGrpSpPr/>
+        <p:nvPr/>
+      </p:nvGrpSpPr>
+      <p:grpSpPr>
+        <a:xfrm>
+          <a:off x="0" y="0"/>
+          <a:ext cx="0" cy="0"/>
+          <a:chOff x="0" y="0"/>
+          <a:chExt cx="0" cy="0"/>
+        </a:xfrm>
+      </p:grpSpPr>
+      <p:sp>
+        <p:nvSpPr>
+          <p:cNvPr id="2" name="Rectangle 1"/>
+          <p:cNvSpPr/>
+          <p:nvPr/>
+        </p:nvSpPr>
+        <p:spPr>
+          <a:xfrm>
+            <a:off x="0" y="0"/>
+            <a:ext cx="6858000" cy="9906000"/>
+          </a:xfrm>
+          <a:prstGeom prst="rect">
+            <a:avLst/>
+          </a:prstGeom>
+          <a:solidFill>
+            <a:srgbClr val="FF8C52"/>
+          </a:solidFill>
+          <a:ln>
+            <a:noFill/>
+          </a:ln>
+        </p:spPr>
+        <p:style>
+          <a:lnRef idx="2">
+            <a:schemeClr val="accent1">
+              <a:shade val="50000"/>
+            </a:schemeClr>
+          </a:lnRef>
+          <a:fillRef idx="1">
+            <a:schemeClr val="accent1"/>
+          </a:fillRef>
+          <a:effectRef idx="0">
+            <a:schemeClr val="accent1"/>
+          </a:effectRef>
+          <a:fontRef idx="minor">
+            <a:schemeClr val="lt1"/>
+          </a:fontRef>
+        </p:style>
+        <p:txBody>
+          <a:bodyPr rtlCol="0" anchor="ctr"/>
+          <a:lstStyle/>
+          <a:p>
+            <a:pPr algn="ctr"/>
             <a:endParaRPr lang="en-AU"/>
           </a:p>
         </p:txBody>
@@ -7044,8 +8015,23 @@
                 </a:solidFill>
                 <a:latin typeface="Oxygen" panose="02000503000000000000" pitchFamily="2" charset="0"/>
               </a:rPr>
-              <a:t>Cracked IIT, ISI PhD (Ongoing)</a:t>
-            </a:r>
+              <a:t>Cracked </a:t>
+            </a:r>
+            <a:r>
+              <a:rPr lang="en-US" sz="1600" b="1" dirty="0" smtClean="0">
+                <a:solidFill>
+                  <a:schemeClr val="bg1"/>
+                </a:solidFill>
+                <a:latin typeface="Oxygen" panose="02000503000000000000" pitchFamily="2" charset="0"/>
+              </a:rPr>
+              <a:t>IIT</a:t>
+            </a:r>
+            <a:endParaRPr lang="en-US" sz="1600" b="1" dirty="0" smtClean="0">
+              <a:solidFill>
+                <a:schemeClr val="bg1"/>
+              </a:solidFill>
+              <a:latin typeface="Oxygen" panose="02000503000000000000" pitchFamily="2" charset="0"/>
+            </a:endParaRPr>
           </a:p>
           <a:p>
             <a:pPr marL="285750" indent="-285750">
@@ -7446,7 +8432,7 @@
 </p:sld>
 </file>
 
-<file path=ppt/slides/slide5.xml><?xml version="1.0" encoding="utf-8"?>
+<file path=ppt/slides/slide7.xml><?xml version="1.0" encoding="utf-8"?>
 <p:sld xmlns:a="http://schemas.openxmlformats.org/drawingml/2006/main" xmlns:r="http://schemas.openxmlformats.org/officeDocument/2006/relationships" xmlns:p="http://schemas.openxmlformats.org/presentationml/2006/main">
   <p:cSld>
     <p:spTree>
@@ -8107,7 +9093,7 @@
 </p:sld>
 </file>
 
-<file path=ppt/slides/slide6.xml><?xml version="1.0" encoding="utf-8"?>
+<file path=ppt/slides/slide8.xml><?xml version="1.0" encoding="utf-8"?>
 <p:sld xmlns:a="http://schemas.openxmlformats.org/drawingml/2006/main" xmlns:r="http://schemas.openxmlformats.org/officeDocument/2006/relationships" xmlns:p="http://schemas.openxmlformats.org/presentationml/2006/main">
   <p:cSld>
     <p:spTree>
@@ -8621,444 +9607,7 @@
 </p:sld>
 </file>
 
-<file path=ppt/slides/slide7.xml><?xml version="1.0" encoding="utf-8"?>
-<p:sld xmlns:a="http://schemas.openxmlformats.org/drawingml/2006/main" xmlns:r="http://schemas.openxmlformats.org/officeDocument/2006/relationships" xmlns:p="http://schemas.openxmlformats.org/presentationml/2006/main">
-  <p:cSld>
-    <p:spTree>
-      <p:nvGrpSpPr>
-        <p:cNvPr id="1" name=""/>
-        <p:cNvGrpSpPr/>
-        <p:nvPr/>
-      </p:nvGrpSpPr>
-      <p:grpSpPr>
-        <a:xfrm>
-          <a:off x="0" y="0"/>
-          <a:ext cx="0" cy="0"/>
-          <a:chOff x="0" y="0"/>
-          <a:chExt cx="0" cy="0"/>
-        </a:xfrm>
-      </p:grpSpPr>
-      <p:pic>
-        <p:nvPicPr>
-          <p:cNvPr id="2" name="Picture 1"/>
-          <p:cNvPicPr>
-            <a:picLocks noChangeAspect="1"/>
-          </p:cNvPicPr>
-          <p:nvPr/>
-        </p:nvPicPr>
-        <p:blipFill>
-          <a:blip r:embed="rId3">
-            <a:extLst>
-              <a:ext uri="{28A0092B-C50C-407E-A947-70E740481C1C}">
-                <a14:useLocalDpi xmlns:a14="http://schemas.microsoft.com/office/drawing/2010/main" val="0"/>
-              </a:ext>
-            </a:extLst>
-          </a:blip>
-          <a:stretch>
-            <a:fillRect/>
-          </a:stretch>
-        </p:blipFill>
-        <p:spPr>
-          <a:xfrm>
-            <a:off x="1476346" y="540910"/>
-            <a:ext cx="3968216" cy="3922249"/>
-          </a:xfrm>
-          <a:prstGeom prst="rect">
-            <a:avLst/>
-          </a:prstGeom>
-        </p:spPr>
-      </p:pic>
-      <p:sp>
-        <p:nvSpPr>
-          <p:cNvPr id="9" name="Rectangle 8"/>
-          <p:cNvSpPr/>
-          <p:nvPr/>
-        </p:nvSpPr>
-        <p:spPr>
-          <a:xfrm>
-            <a:off x="1476346" y="540911"/>
-            <a:ext cx="3968217" cy="3922250"/>
-          </a:xfrm>
-          <a:prstGeom prst="rect">
-            <a:avLst/>
-          </a:prstGeom>
-          <a:gradFill>
-            <a:gsLst>
-              <a:gs pos="70000">
-                <a:srgbClr val="FFFFFF"/>
-              </a:gs>
-              <a:gs pos="62000">
-                <a:schemeClr val="bg1">
-                  <a:alpha val="0"/>
-                </a:schemeClr>
-              </a:gs>
-            </a:gsLst>
-            <a:path path="circle">
-              <a:fillToRect l="50000" t="50000" r="50000" b="50000"/>
-            </a:path>
-          </a:gradFill>
-          <a:ln>
-            <a:noFill/>
-          </a:ln>
-        </p:spPr>
-        <p:style>
-          <a:lnRef idx="2">
-            <a:schemeClr val="accent1">
-              <a:shade val="50000"/>
-            </a:schemeClr>
-          </a:lnRef>
-          <a:fillRef idx="1">
-            <a:schemeClr val="accent1"/>
-          </a:fillRef>
-          <a:effectRef idx="0">
-            <a:schemeClr val="accent1"/>
-          </a:effectRef>
-          <a:fontRef idx="minor">
-            <a:schemeClr val="lt1"/>
-          </a:fontRef>
-        </p:style>
-        <p:txBody>
-          <a:bodyPr rtlCol="0" anchor="ctr"/>
-          <a:lstStyle/>
-          <a:p>
-            <a:pPr algn="ctr"/>
-            <a:endParaRPr lang="en-AU" dirty="0"/>
-          </a:p>
-        </p:txBody>
-      </p:sp>
-      <p:grpSp>
-        <p:nvGrpSpPr>
-          <p:cNvPr id="7" name="Group 6"/>
-          <p:cNvGrpSpPr/>
-          <p:nvPr/>
-        </p:nvGrpSpPr>
-        <p:grpSpPr>
-          <a:xfrm>
-            <a:off x="199094" y="4996471"/>
-            <a:ext cx="6522722" cy="4512265"/>
-            <a:chOff x="335280" y="4626826"/>
-            <a:chExt cx="6522720" cy="4512265"/>
-          </a:xfrm>
-        </p:grpSpPr>
-        <p:sp>
-          <p:nvSpPr>
-            <p:cNvPr id="12" name="TextBox 11"/>
-            <p:cNvSpPr txBox="1"/>
-            <p:nvPr/>
-          </p:nvSpPr>
-          <p:spPr>
-            <a:xfrm>
-              <a:off x="925286" y="4626826"/>
-              <a:ext cx="5342708" cy="1815882"/>
-            </a:xfrm>
-            <a:prstGeom prst="rect">
-              <a:avLst/>
-            </a:prstGeom>
-            <a:noFill/>
-          </p:spPr>
-          <p:txBody>
-            <a:bodyPr wrap="square" rtlCol="0">
-              <a:spAutoFit/>
-            </a:bodyPr>
-            <a:lstStyle/>
-            <a:p>
-              <a:pPr algn="ctr"/>
-              <a:r>
-                <a:rPr lang="en-US" sz="4400" b="1" cap="small" dirty="0">
-                  <a:solidFill>
-                    <a:srgbClr val="FF8C52"/>
-                  </a:solidFill>
-                  <a:latin typeface="Oxygen" panose="02000503000000000000" pitchFamily="2" charset="0"/>
-                </a:rPr>
-                <a:t>Abhipsha  M</a:t>
-              </a:r>
-              <a:r>
-                <a:rPr lang="en-US" sz="4400" b="1" cap="small" dirty="0" smtClean="0">
-                  <a:solidFill>
-                    <a:srgbClr val="FF8C52"/>
-                  </a:solidFill>
-                  <a:latin typeface="Oxygen" panose="02000503000000000000" pitchFamily="2" charset="0"/>
-                </a:rPr>
-                <a:t>a’am</a:t>
-              </a:r>
-              <a:endParaRPr lang="en-US" sz="4400" b="1" cap="small" dirty="0">
-                <a:solidFill>
-                  <a:srgbClr val="FF8C52"/>
-                </a:solidFill>
-                <a:latin typeface="Oxygen" panose="02000503000000000000" pitchFamily="2" charset="0"/>
-              </a:endParaRPr>
-            </a:p>
-            <a:p>
-              <a:pPr algn="ctr"/>
-              <a:r>
-                <a:rPr lang="en-US" sz="2400" b="1" dirty="0" smtClean="0">
-                  <a:solidFill>
-                    <a:srgbClr val="FF8C52"/>
-                  </a:solidFill>
-                  <a:latin typeface="Oxygen" panose="02000503000000000000" pitchFamily="2" charset="0"/>
-                </a:rPr>
-                <a:t>Abhipsha  Dutta M.Sc., B.Ed.</a:t>
-              </a:r>
-              <a:endParaRPr lang="en-US" sz="2800" b="1" dirty="0" smtClean="0">
-                <a:solidFill>
-                  <a:srgbClr val="FF8C52"/>
-                </a:solidFill>
-                <a:latin typeface="Oxygen" panose="02000503000000000000" pitchFamily="2" charset="0"/>
-              </a:endParaRPr>
-            </a:p>
-            <a:p>
-              <a:pPr algn="ctr"/>
-              <a:endParaRPr lang="en-US" sz="1200" b="1" dirty="0" smtClean="0">
-                <a:solidFill>
-                  <a:srgbClr val="FF8C52"/>
-                </a:solidFill>
-                <a:latin typeface="Oxygen" panose="02000503000000000000" pitchFamily="2" charset="0"/>
-              </a:endParaRPr>
-            </a:p>
-            <a:p>
-              <a:pPr algn="ctr"/>
-              <a:r>
-                <a:rPr lang="en-US" sz="2800" b="1" cap="small" dirty="0" smtClean="0">
-                  <a:solidFill>
-                    <a:srgbClr val="FF8C52"/>
-                  </a:solidFill>
-                  <a:latin typeface="Oxygen" panose="02000503000000000000" pitchFamily="2" charset="0"/>
-                </a:rPr>
-                <a:t>Chemistry - VIII – XII</a:t>
-              </a:r>
-              <a:endParaRPr lang="en-US" sz="1100" b="1" cap="small" dirty="0">
-                <a:solidFill>
-                  <a:srgbClr val="FF8C52"/>
-                </a:solidFill>
-                <a:latin typeface="Oxygen" panose="02000503000000000000" pitchFamily="2" charset="0"/>
-              </a:endParaRPr>
-            </a:p>
-          </p:txBody>
-        </p:sp>
-        <p:sp>
-          <p:nvSpPr>
-            <p:cNvPr id="13" name="TextBox 12"/>
-            <p:cNvSpPr txBox="1"/>
-            <p:nvPr/>
-          </p:nvSpPr>
-          <p:spPr>
-            <a:xfrm>
-              <a:off x="335280" y="8292705"/>
-              <a:ext cx="6522720" cy="846386"/>
-            </a:xfrm>
-            <a:prstGeom prst="rect">
-              <a:avLst/>
-            </a:prstGeom>
-            <a:noFill/>
-          </p:spPr>
-          <p:txBody>
-            <a:bodyPr wrap="square" rtlCol="0">
-              <a:spAutoFit/>
-            </a:bodyPr>
-            <a:lstStyle/>
-            <a:p>
-              <a:r>
-                <a:rPr lang="en-US" b="1" dirty="0" smtClean="0">
-                  <a:solidFill>
-                    <a:srgbClr val="FF8C52"/>
-                  </a:solidFill>
-                  <a:latin typeface="Oxygen" panose="02000503000000000000" pitchFamily="2" charset="0"/>
-                </a:rPr>
-                <a:t>Explains so well and clears all doubts. I am really happy!</a:t>
-              </a:r>
-            </a:p>
-            <a:p>
-              <a:r>
-                <a:rPr lang="en-US" sz="1400" b="1" dirty="0">
-                  <a:solidFill>
-                    <a:srgbClr val="FF8C52"/>
-                  </a:solidFill>
-                  <a:latin typeface="Oxygen" panose="02000503000000000000" pitchFamily="2" charset="0"/>
-                </a:rPr>
-                <a:t>	</a:t>
-              </a:r>
-              <a:r>
-                <a:rPr lang="en-US" sz="1400" b="1" dirty="0" smtClean="0">
-                  <a:solidFill>
-                    <a:srgbClr val="FF8C52"/>
-                  </a:solidFill>
-                  <a:latin typeface="Oxygen" panose="02000503000000000000" pitchFamily="2" charset="0"/>
-                </a:rPr>
-                <a:t>		                  – Suparno’s mother (ICSE 97%)</a:t>
-              </a:r>
-            </a:p>
-            <a:p>
-              <a:endParaRPr lang="en-US" sz="300" b="1" dirty="0" smtClean="0">
-                <a:solidFill>
-                  <a:srgbClr val="FF8C52"/>
-                </a:solidFill>
-                <a:latin typeface="Oxygen" panose="02000503000000000000" pitchFamily="2" charset="0"/>
-              </a:endParaRPr>
-            </a:p>
-            <a:p>
-              <a:r>
-                <a:rPr lang="en-US" sz="1400" b="1" dirty="0" smtClean="0">
-                  <a:solidFill>
-                    <a:srgbClr val="FF8C52"/>
-                  </a:solidFill>
-                  <a:latin typeface="Oxygen" panose="02000503000000000000" pitchFamily="2" charset="0"/>
-                </a:rPr>
-                <a:t> </a:t>
-              </a:r>
-              <a:endParaRPr lang="en-AU" sz="1400" b="1" dirty="0">
-                <a:solidFill>
-                  <a:srgbClr val="FF8C52"/>
-                </a:solidFill>
-                <a:latin typeface="Oxygen" panose="02000503000000000000" pitchFamily="2" charset="0"/>
-              </a:endParaRPr>
-            </a:p>
-          </p:txBody>
-        </p:sp>
-        <p:sp>
-          <p:nvSpPr>
-            <p:cNvPr id="10" name="TextBox 9"/>
-            <p:cNvSpPr txBox="1"/>
-            <p:nvPr/>
-          </p:nvSpPr>
-          <p:spPr>
-            <a:xfrm>
-              <a:off x="1031130" y="6723106"/>
-              <a:ext cx="2665378" cy="1077218"/>
-            </a:xfrm>
-            <a:prstGeom prst="rect">
-              <a:avLst/>
-            </a:prstGeom>
-            <a:noFill/>
-          </p:spPr>
-          <p:txBody>
-            <a:bodyPr wrap="square" rtlCol="0">
-              <a:spAutoFit/>
-            </a:bodyPr>
-            <a:lstStyle/>
-            <a:p>
-              <a:pPr marL="285750" indent="-285750">
-                <a:lnSpc>
-                  <a:spcPct val="200000"/>
-                </a:lnSpc>
-                <a:buFont typeface="Wingdings" panose="05000000000000000000" pitchFamily="2" charset="2"/>
-                <a:buChar char="v"/>
-              </a:pPr>
-              <a:r>
-                <a:rPr lang="en-US" sz="1600" b="1" dirty="0" smtClean="0">
-                  <a:solidFill>
-                    <a:srgbClr val="FF8C52"/>
-                  </a:solidFill>
-                  <a:latin typeface="Oxygen" panose="02000503000000000000" pitchFamily="2" charset="0"/>
-                </a:rPr>
-                <a:t>Excellent Mentor</a:t>
-              </a:r>
-            </a:p>
-            <a:p>
-              <a:pPr marL="285750" indent="-285750">
-                <a:lnSpc>
-                  <a:spcPct val="200000"/>
-                </a:lnSpc>
-                <a:buFont typeface="Wingdings" panose="05000000000000000000" pitchFamily="2" charset="2"/>
-                <a:buChar char="v"/>
-              </a:pPr>
-              <a:r>
-                <a:rPr lang="en-US" sz="1600" b="1" dirty="0" smtClean="0">
-                  <a:solidFill>
-                    <a:srgbClr val="FF8C52"/>
-                  </a:solidFill>
-                  <a:latin typeface="Oxygen" panose="02000503000000000000" pitchFamily="2" charset="0"/>
-                </a:rPr>
-                <a:t>Great Academics</a:t>
-              </a:r>
-              <a:endParaRPr lang="en-AU" sz="1600" b="1" dirty="0">
-                <a:solidFill>
-                  <a:srgbClr val="FF8C52"/>
-                </a:solidFill>
-                <a:latin typeface="Oxygen" panose="02000503000000000000" pitchFamily="2" charset="0"/>
-              </a:endParaRPr>
-            </a:p>
-          </p:txBody>
-        </p:sp>
-        <p:sp>
-          <p:nvSpPr>
-            <p:cNvPr id="8" name="Rectangle 7"/>
-            <p:cNvSpPr/>
-            <p:nvPr/>
-          </p:nvSpPr>
-          <p:spPr>
-            <a:xfrm>
-              <a:off x="3638139" y="6723106"/>
-              <a:ext cx="2957209" cy="1077218"/>
-            </a:xfrm>
-            <a:prstGeom prst="rect">
-              <a:avLst/>
-            </a:prstGeom>
-          </p:spPr>
-          <p:txBody>
-            <a:bodyPr wrap="square">
-              <a:spAutoFit/>
-            </a:bodyPr>
-            <a:lstStyle/>
-            <a:p>
-              <a:pPr marL="285750" indent="-285750">
-                <a:lnSpc>
-                  <a:spcPct val="200000"/>
-                </a:lnSpc>
-                <a:buFont typeface="Wingdings" panose="05000000000000000000" pitchFamily="2" charset="2"/>
-                <a:buChar char="v"/>
-              </a:pPr>
-              <a:r>
-                <a:rPr lang="en-US" sz="1600" b="1" dirty="0" smtClean="0">
-                  <a:solidFill>
-                    <a:srgbClr val="FF8C52"/>
-                  </a:solidFill>
-                  <a:latin typeface="Oxygen" panose="02000503000000000000" pitchFamily="2" charset="0"/>
-                </a:rPr>
-                <a:t>Caring &amp; Meticulous</a:t>
-              </a:r>
-            </a:p>
-            <a:p>
-              <a:pPr marL="285750" indent="-285750">
-                <a:lnSpc>
-                  <a:spcPct val="200000"/>
-                </a:lnSpc>
-                <a:buFont typeface="Wingdings" panose="05000000000000000000" pitchFamily="2" charset="2"/>
-                <a:buChar char="v"/>
-              </a:pPr>
-              <a:r>
-                <a:rPr lang="en-US" sz="1600" b="1" dirty="0" smtClean="0">
-                  <a:solidFill>
-                    <a:srgbClr val="FF8C52"/>
-                  </a:solidFill>
-                  <a:latin typeface="Oxygen" panose="02000503000000000000" pitchFamily="2" charset="0"/>
-                </a:rPr>
-                <a:t>Brilliant Experience</a:t>
-              </a:r>
-            </a:p>
-          </p:txBody>
-        </p:sp>
-      </p:grpSp>
-    </p:spTree>
-    <p:extLst>
-      <p:ext uri="{BB962C8B-B14F-4D97-AF65-F5344CB8AC3E}">
-        <p14:creationId xmlns:p14="http://schemas.microsoft.com/office/powerpoint/2010/main" val="3413235718"/>
-      </p:ext>
-    </p:extLst>
-  </p:cSld>
-  <p:clrMapOvr>
-    <a:masterClrMapping/>
-  </p:clrMapOvr>
-  <p:timing>
-    <p:tnLst>
-      <p:par>
-        <p:cTn id="1" dur="indefinite" restart="never" nodeType="tmRoot"/>
-      </p:par>
-    </p:tnLst>
-  </p:timing>
-</p:sld>
-</file>
-
-<file path=ppt/slides/slide8.xml><?xml version="1.0" encoding="utf-8"?>
+<file path=ppt/slides/slide9.xml><?xml version="1.0" encoding="utf-8"?>
 <p:sld xmlns:a="http://schemas.openxmlformats.org/drawingml/2006/main" xmlns:r="http://schemas.openxmlformats.org/officeDocument/2006/relationships" xmlns:p="http://schemas.openxmlformats.org/presentationml/2006/main">
   <p:cSld>
     <p:spTree>
@@ -9484,540 +10033,6 @@
     <p:extLst>
       <p:ext uri="{BB962C8B-B14F-4D97-AF65-F5344CB8AC3E}">
         <p14:creationId xmlns:p14="http://schemas.microsoft.com/office/powerpoint/2010/main" val="2320704513"/>
-      </p:ext>
-    </p:extLst>
-  </p:cSld>
-  <p:clrMapOvr>
-    <a:masterClrMapping/>
-  </p:clrMapOvr>
-  <p:timing>
-    <p:tnLst>
-      <p:par>
-        <p:cTn id="1" dur="indefinite" restart="never" nodeType="tmRoot"/>
-      </p:par>
-    </p:tnLst>
-  </p:timing>
-</p:sld>
-</file>
-
-<file path=ppt/slides/slide9.xml><?xml version="1.0" encoding="utf-8"?>
-<p:sld xmlns:a="http://schemas.openxmlformats.org/drawingml/2006/main" xmlns:r="http://schemas.openxmlformats.org/officeDocument/2006/relationships" xmlns:p="http://schemas.openxmlformats.org/presentationml/2006/main">
-  <p:cSld>
-    <p:spTree>
-      <p:nvGrpSpPr>
-        <p:cNvPr id="1" name=""/>
-        <p:cNvGrpSpPr/>
-        <p:nvPr/>
-      </p:nvGrpSpPr>
-      <p:grpSpPr>
-        <a:xfrm>
-          <a:off x="0" y="0"/>
-          <a:ext cx="0" cy="0"/>
-          <a:chOff x="0" y="0"/>
-          <a:chExt cx="0" cy="0"/>
-        </a:xfrm>
-      </p:grpSpPr>
-      <p:pic>
-        <p:nvPicPr>
-          <p:cNvPr id="4" name="Picture 3"/>
-          <p:cNvPicPr>
-            <a:picLocks noChangeAspect="1"/>
-          </p:cNvPicPr>
-          <p:nvPr/>
-        </p:nvPicPr>
-        <p:blipFill>
-          <a:blip r:embed="rId3"/>
-          <a:stretch>
-            <a:fillRect/>
-          </a:stretch>
-        </p:blipFill>
-        <p:spPr>
-          <a:xfrm>
-            <a:off x="1560780" y="301442"/>
-            <a:ext cx="3821398" cy="3955570"/>
-          </a:xfrm>
-          <a:prstGeom prst="rect">
-            <a:avLst/>
-          </a:prstGeom>
-        </p:spPr>
-      </p:pic>
-      <p:sp>
-        <p:nvSpPr>
-          <p:cNvPr id="9" name="Rectangle 8"/>
-          <p:cNvSpPr/>
-          <p:nvPr/>
-        </p:nvSpPr>
-        <p:spPr>
-          <a:xfrm>
-            <a:off x="1560780" y="301442"/>
-            <a:ext cx="3821398" cy="3955570"/>
-          </a:xfrm>
-          <a:prstGeom prst="rect">
-            <a:avLst/>
-          </a:prstGeom>
-          <a:gradFill>
-            <a:gsLst>
-              <a:gs pos="70000">
-                <a:srgbClr val="FFFFFF"/>
-              </a:gs>
-              <a:gs pos="62000">
-                <a:schemeClr val="bg1">
-                  <a:alpha val="0"/>
-                </a:schemeClr>
-              </a:gs>
-            </a:gsLst>
-            <a:path path="circle">
-              <a:fillToRect l="50000" t="50000" r="50000" b="50000"/>
-            </a:path>
-          </a:gradFill>
-          <a:ln>
-            <a:noFill/>
-          </a:ln>
-        </p:spPr>
-        <p:style>
-          <a:lnRef idx="2">
-            <a:schemeClr val="accent1">
-              <a:shade val="50000"/>
-            </a:schemeClr>
-          </a:lnRef>
-          <a:fillRef idx="1">
-            <a:schemeClr val="accent1"/>
-          </a:fillRef>
-          <a:effectRef idx="0">
-            <a:schemeClr val="accent1"/>
-          </a:effectRef>
-          <a:fontRef idx="minor">
-            <a:schemeClr val="lt1"/>
-          </a:fontRef>
-        </p:style>
-        <p:txBody>
-          <a:bodyPr rtlCol="0" anchor="ctr"/>
-          <a:lstStyle/>
-          <a:p>
-            <a:pPr algn="ctr"/>
-            <a:endParaRPr lang="en-AU" dirty="0"/>
-          </a:p>
-        </p:txBody>
-      </p:sp>
-      <p:grpSp>
-        <p:nvGrpSpPr>
-          <p:cNvPr id="7" name="Group 6"/>
-          <p:cNvGrpSpPr/>
-          <p:nvPr/>
-        </p:nvGrpSpPr>
-        <p:grpSpPr>
-          <a:xfrm>
-            <a:off x="199094" y="4996471"/>
-            <a:ext cx="6522722" cy="4088320"/>
-            <a:chOff x="335280" y="4626826"/>
-            <a:chExt cx="6522720" cy="4088320"/>
-          </a:xfrm>
-        </p:grpSpPr>
-        <p:sp>
-          <p:nvSpPr>
-            <p:cNvPr id="12" name="TextBox 11"/>
-            <p:cNvSpPr txBox="1"/>
-            <p:nvPr/>
-          </p:nvSpPr>
-          <p:spPr>
-            <a:xfrm>
-              <a:off x="925286" y="4626826"/>
-              <a:ext cx="5342708" cy="1815882"/>
-            </a:xfrm>
-            <a:prstGeom prst="rect">
-              <a:avLst/>
-            </a:prstGeom>
-            <a:noFill/>
-          </p:spPr>
-          <p:txBody>
-            <a:bodyPr wrap="square" rtlCol="0">
-              <a:spAutoFit/>
-            </a:bodyPr>
-            <a:lstStyle/>
-            <a:p>
-              <a:pPr algn="ctr"/>
-              <a:r>
-                <a:rPr lang="en-US" sz="4400" b="1" cap="small" dirty="0" err="1" smtClean="0">
-                  <a:solidFill>
-                    <a:srgbClr val="FF8C52"/>
-                  </a:solidFill>
-                  <a:latin typeface="Oxygen" panose="02000503000000000000" pitchFamily="2" charset="0"/>
-                </a:rPr>
-                <a:t>Debashish</a:t>
-              </a:r>
-              <a:r>
-                <a:rPr lang="en-US" sz="4400" b="1" cap="small" dirty="0" smtClean="0">
-                  <a:solidFill>
-                    <a:srgbClr val="FF8C52"/>
-                  </a:solidFill>
-                  <a:latin typeface="Oxygen" panose="02000503000000000000" pitchFamily="2" charset="0"/>
-                </a:rPr>
-                <a:t> Sir</a:t>
-              </a:r>
-              <a:endParaRPr lang="en-US" sz="4400" b="1" cap="small" dirty="0">
-                <a:solidFill>
-                  <a:srgbClr val="FF8C52"/>
-                </a:solidFill>
-                <a:latin typeface="Oxygen" panose="02000503000000000000" pitchFamily="2" charset="0"/>
-              </a:endParaRPr>
-            </a:p>
-            <a:p>
-              <a:pPr algn="ctr"/>
-              <a:r>
-                <a:rPr lang="en-US" sz="2400" b="1" dirty="0" err="1" smtClean="0">
-                  <a:solidFill>
-                    <a:srgbClr val="FF8C52"/>
-                  </a:solidFill>
-                  <a:latin typeface="Oxygen" panose="02000503000000000000" pitchFamily="2" charset="0"/>
-                </a:rPr>
-                <a:t>Debashish</a:t>
-              </a:r>
-              <a:r>
-                <a:rPr lang="en-US" sz="2400" b="1" dirty="0" smtClean="0">
-                  <a:solidFill>
-                    <a:srgbClr val="FF8C52"/>
-                  </a:solidFill>
-                  <a:latin typeface="Oxygen" panose="02000503000000000000" pitchFamily="2" charset="0"/>
-                </a:rPr>
-                <a:t>  </a:t>
-              </a:r>
-              <a:r>
-                <a:rPr lang="en-US" sz="2400" b="1" dirty="0" err="1" smtClean="0">
-                  <a:solidFill>
-                    <a:srgbClr val="FF8C52"/>
-                  </a:solidFill>
-                  <a:latin typeface="Oxygen" panose="02000503000000000000" pitchFamily="2" charset="0"/>
-                </a:rPr>
-                <a:t>Nath</a:t>
-              </a:r>
-              <a:r>
-                <a:rPr lang="en-US" sz="2400" b="1" dirty="0" smtClean="0">
-                  <a:solidFill>
-                    <a:srgbClr val="FF8C52"/>
-                  </a:solidFill>
-                  <a:latin typeface="Oxygen" panose="02000503000000000000" pitchFamily="2" charset="0"/>
-                </a:rPr>
-                <a:t> </a:t>
-              </a:r>
-              <a:endParaRPr lang="en-US" sz="2800" b="1" dirty="0" smtClean="0">
-                <a:solidFill>
-                  <a:srgbClr val="FF8C52"/>
-                </a:solidFill>
-                <a:latin typeface="Oxygen" panose="02000503000000000000" pitchFamily="2" charset="0"/>
-              </a:endParaRPr>
-            </a:p>
-            <a:p>
-              <a:pPr algn="ctr"/>
-              <a:endParaRPr lang="en-US" sz="1200" b="1" dirty="0" smtClean="0">
-                <a:solidFill>
-                  <a:srgbClr val="FF8C52"/>
-                </a:solidFill>
-                <a:latin typeface="Oxygen" panose="02000503000000000000" pitchFamily="2" charset="0"/>
-              </a:endParaRPr>
-            </a:p>
-            <a:p>
-              <a:pPr algn="ctr"/>
-              <a:r>
-                <a:rPr lang="en-US" sz="2800" b="1" cap="small" dirty="0" smtClean="0">
-                  <a:solidFill>
-                    <a:srgbClr val="FF8C52"/>
-                  </a:solidFill>
-                  <a:latin typeface="Oxygen" panose="02000503000000000000" pitchFamily="2" charset="0"/>
-                </a:rPr>
-                <a:t>IT Professional</a:t>
-              </a:r>
-              <a:endParaRPr lang="en-US" sz="1100" b="1" cap="small" dirty="0">
-                <a:solidFill>
-                  <a:srgbClr val="FF8C52"/>
-                </a:solidFill>
-                <a:latin typeface="Oxygen" panose="02000503000000000000" pitchFamily="2" charset="0"/>
-              </a:endParaRPr>
-            </a:p>
-          </p:txBody>
-        </p:sp>
-        <p:sp>
-          <p:nvSpPr>
-            <p:cNvPr id="13" name="TextBox 12"/>
-            <p:cNvSpPr txBox="1"/>
-            <p:nvPr/>
-          </p:nvSpPr>
-          <p:spPr>
-            <a:xfrm>
-              <a:off x="335280" y="7884149"/>
-              <a:ext cx="6522720" cy="830997"/>
-            </a:xfrm>
-            <a:prstGeom prst="rect">
-              <a:avLst/>
-            </a:prstGeom>
-            <a:noFill/>
-          </p:spPr>
-          <p:txBody>
-            <a:bodyPr wrap="square" rtlCol="0">
-              <a:spAutoFit/>
-            </a:bodyPr>
-            <a:lstStyle/>
-            <a:p>
-              <a:r>
-                <a:rPr lang="en-US" sz="1700" b="1" dirty="0" smtClean="0">
-                  <a:solidFill>
-                    <a:srgbClr val="FF8C52"/>
-                  </a:solidFill>
-                  <a:latin typeface="Oxygen" panose="02000503000000000000" pitchFamily="2" charset="0"/>
-                </a:rPr>
-                <a:t>Walks extra mile to make difficult concept seem cake walk</a:t>
-              </a:r>
-            </a:p>
-            <a:p>
-              <a:r>
-                <a:rPr lang="en-US" sz="1400" b="1" dirty="0">
-                  <a:solidFill>
-                    <a:srgbClr val="FF8C52"/>
-                  </a:solidFill>
-                  <a:latin typeface="Oxygen" panose="02000503000000000000" pitchFamily="2" charset="0"/>
-                </a:rPr>
-                <a:t>	</a:t>
-              </a:r>
-              <a:r>
-                <a:rPr lang="en-US" sz="1400" b="1" dirty="0" smtClean="0">
-                  <a:solidFill>
-                    <a:srgbClr val="FF8C52"/>
-                  </a:solidFill>
-                  <a:latin typeface="Oxygen" panose="02000503000000000000" pitchFamily="2" charset="0"/>
-                </a:rPr>
-                <a:t>		                 – IT Head of Recent Engagement</a:t>
-              </a:r>
-            </a:p>
-            <a:p>
-              <a:endParaRPr lang="en-US" sz="300" b="1" dirty="0" smtClean="0">
-                <a:solidFill>
-                  <a:srgbClr val="FF8C52"/>
-                </a:solidFill>
-                <a:latin typeface="Oxygen" panose="02000503000000000000" pitchFamily="2" charset="0"/>
-              </a:endParaRPr>
-            </a:p>
-            <a:p>
-              <a:r>
-                <a:rPr lang="en-US" sz="1400" b="1" dirty="0" smtClean="0">
-                  <a:solidFill>
-                    <a:srgbClr val="FF8C52"/>
-                  </a:solidFill>
-                  <a:latin typeface="Oxygen" panose="02000503000000000000" pitchFamily="2" charset="0"/>
-                </a:rPr>
-                <a:t> </a:t>
-              </a:r>
-              <a:endParaRPr lang="en-AU" sz="1400" b="1" dirty="0">
-                <a:solidFill>
-                  <a:srgbClr val="FF8C52"/>
-                </a:solidFill>
-                <a:latin typeface="Oxygen" panose="02000503000000000000" pitchFamily="2" charset="0"/>
-              </a:endParaRPr>
-            </a:p>
-          </p:txBody>
-        </p:sp>
-        <p:sp>
-          <p:nvSpPr>
-            <p:cNvPr id="10" name="TextBox 9"/>
-            <p:cNvSpPr txBox="1"/>
-            <p:nvPr/>
-          </p:nvSpPr>
-          <p:spPr>
-            <a:xfrm>
-              <a:off x="1031130" y="6723106"/>
-              <a:ext cx="2665378" cy="1077218"/>
-            </a:xfrm>
-            <a:prstGeom prst="rect">
-              <a:avLst/>
-            </a:prstGeom>
-            <a:noFill/>
-          </p:spPr>
-          <p:txBody>
-            <a:bodyPr wrap="square" rtlCol="0">
-              <a:spAutoFit/>
-            </a:bodyPr>
-            <a:lstStyle/>
-            <a:p>
-              <a:pPr marL="285750" indent="-285750">
-                <a:lnSpc>
-                  <a:spcPct val="200000"/>
-                </a:lnSpc>
-                <a:buFont typeface="Wingdings" panose="05000000000000000000" pitchFamily="2" charset="2"/>
-                <a:buChar char="v"/>
-              </a:pPr>
-              <a:r>
-                <a:rPr lang="en-US" sz="1600" b="1" dirty="0" smtClean="0">
-                  <a:solidFill>
-                    <a:srgbClr val="FF8C52"/>
-                  </a:solidFill>
-                  <a:latin typeface="Oxygen" panose="02000503000000000000" pitchFamily="2" charset="0"/>
-                </a:rPr>
-                <a:t>Ex Best Faculty in CMC</a:t>
-              </a:r>
-            </a:p>
-            <a:p>
-              <a:pPr marL="285750" indent="-285750">
-                <a:lnSpc>
-                  <a:spcPct val="200000"/>
-                </a:lnSpc>
-                <a:buFont typeface="Wingdings" panose="05000000000000000000" pitchFamily="2" charset="2"/>
-                <a:buChar char="v"/>
-              </a:pPr>
-              <a:r>
-                <a:rPr lang="en-US" sz="1600" b="1" dirty="0" smtClean="0">
-                  <a:solidFill>
-                    <a:srgbClr val="FF8C52"/>
-                  </a:solidFill>
-                  <a:latin typeface="Oxygen" panose="02000503000000000000" pitchFamily="2" charset="0"/>
-                </a:rPr>
-                <a:t>Great Problem Solver</a:t>
-              </a:r>
-              <a:endParaRPr lang="en-AU" sz="1600" b="1" dirty="0">
-                <a:solidFill>
-                  <a:srgbClr val="FF8C52"/>
-                </a:solidFill>
-                <a:latin typeface="Oxygen" panose="02000503000000000000" pitchFamily="2" charset="0"/>
-              </a:endParaRPr>
-            </a:p>
-          </p:txBody>
-        </p:sp>
-        <p:sp>
-          <p:nvSpPr>
-            <p:cNvPr id="8" name="Rectangle 7"/>
-            <p:cNvSpPr/>
-            <p:nvPr/>
-          </p:nvSpPr>
-          <p:spPr>
-            <a:xfrm>
-              <a:off x="3638139" y="6723106"/>
-              <a:ext cx="2957209" cy="1077218"/>
-            </a:xfrm>
-            <a:prstGeom prst="rect">
-              <a:avLst/>
-            </a:prstGeom>
-          </p:spPr>
-          <p:txBody>
-            <a:bodyPr wrap="square">
-              <a:spAutoFit/>
-            </a:bodyPr>
-            <a:lstStyle/>
-            <a:p>
-              <a:pPr marL="285750" indent="-285750">
-                <a:lnSpc>
-                  <a:spcPct val="200000"/>
-                </a:lnSpc>
-                <a:buFont typeface="Wingdings" panose="05000000000000000000" pitchFamily="2" charset="2"/>
-                <a:buChar char="v"/>
-              </a:pPr>
-              <a:r>
-                <a:rPr lang="en-US" sz="1600" b="1" dirty="0" smtClean="0">
-                  <a:solidFill>
-                    <a:srgbClr val="FF8C52"/>
-                  </a:solidFill>
-                  <a:latin typeface="Oxygen" panose="02000503000000000000" pitchFamily="2" charset="0"/>
-                </a:rPr>
-                <a:t>Teach with Patience</a:t>
-              </a:r>
-            </a:p>
-            <a:p>
-              <a:pPr marL="285750" indent="-285750">
-                <a:lnSpc>
-                  <a:spcPct val="200000"/>
-                </a:lnSpc>
-                <a:buFont typeface="Wingdings" panose="05000000000000000000" pitchFamily="2" charset="2"/>
-                <a:buChar char="v"/>
-              </a:pPr>
-              <a:r>
-                <a:rPr lang="en-US" sz="1600" b="1" dirty="0" smtClean="0">
-                  <a:solidFill>
-                    <a:srgbClr val="FF8C52"/>
-                  </a:solidFill>
-                  <a:latin typeface="Oxygen" panose="02000503000000000000" pitchFamily="2" charset="0"/>
-                </a:rPr>
-                <a:t>Experienced</a:t>
-              </a:r>
-            </a:p>
-          </p:txBody>
-        </p:sp>
-      </p:grpSp>
-      <p:sp>
-        <p:nvSpPr>
-          <p:cNvPr id="11" name="TextBox 10"/>
-          <p:cNvSpPr txBox="1"/>
-          <p:nvPr/>
-        </p:nvSpPr>
-        <p:spPr>
-          <a:xfrm>
-            <a:off x="195854" y="8931487"/>
-            <a:ext cx="6522722" cy="830997"/>
-          </a:xfrm>
-          <a:prstGeom prst="rect">
-            <a:avLst/>
-          </a:prstGeom>
-          <a:noFill/>
-        </p:spPr>
-        <p:txBody>
-          <a:bodyPr wrap="square" rtlCol="0">
-            <a:spAutoFit/>
-          </a:bodyPr>
-          <a:lstStyle/>
-          <a:p>
-            <a:endParaRPr lang="en-US" sz="1700" b="1" dirty="0" smtClean="0">
-              <a:solidFill>
-                <a:srgbClr val="FF8C52"/>
-              </a:solidFill>
-              <a:latin typeface="Oxygen" panose="02000503000000000000" pitchFamily="2" charset="0"/>
-            </a:endParaRPr>
-          </a:p>
-          <a:p>
-            <a:r>
-              <a:rPr lang="en-US" sz="1400" b="1" dirty="0">
-                <a:solidFill>
-                  <a:srgbClr val="FF8C52"/>
-                </a:solidFill>
-                <a:latin typeface="Oxygen" panose="02000503000000000000" pitchFamily="2" charset="0"/>
-              </a:rPr>
-              <a:t>	</a:t>
-            </a:r>
-            <a:r>
-              <a:rPr lang="en-US" sz="1400" b="1" dirty="0" smtClean="0">
-                <a:solidFill>
-                  <a:srgbClr val="FF8C52"/>
-                </a:solidFill>
-                <a:latin typeface="Oxygen" panose="02000503000000000000" pitchFamily="2" charset="0"/>
-              </a:rPr>
-              <a:t>		                 – IT Head of Recent Engagement</a:t>
-            </a:r>
-          </a:p>
-          <a:p>
-            <a:endParaRPr lang="en-US" sz="300" b="1" dirty="0" smtClean="0">
-              <a:solidFill>
-                <a:srgbClr val="FF8C52"/>
-              </a:solidFill>
-              <a:latin typeface="Oxygen" panose="02000503000000000000" pitchFamily="2" charset="0"/>
-            </a:endParaRPr>
-          </a:p>
-          <a:p>
-            <a:r>
-              <a:rPr lang="en-US" sz="1400" b="1" dirty="0" smtClean="0">
-                <a:solidFill>
-                  <a:srgbClr val="FF8C52"/>
-                </a:solidFill>
-                <a:latin typeface="Oxygen" panose="02000503000000000000" pitchFamily="2" charset="0"/>
-              </a:rPr>
-              <a:t> </a:t>
-            </a:r>
-            <a:endParaRPr lang="en-AU" sz="1400" b="1" dirty="0">
-              <a:solidFill>
-                <a:srgbClr val="FF8C52"/>
-              </a:solidFill>
-              <a:latin typeface="Oxygen" panose="02000503000000000000" pitchFamily="2" charset="0"/>
-            </a:endParaRPr>
-          </a:p>
-        </p:txBody>
-      </p:sp>
-    </p:spTree>
-    <p:extLst>
-      <p:ext uri="{BB962C8B-B14F-4D97-AF65-F5344CB8AC3E}">
-        <p14:creationId xmlns:p14="http://schemas.microsoft.com/office/powerpoint/2010/main" val="3559774901"/>
       </p:ext>
     </p:extLst>
   </p:cSld>
